--- a/HMSWebTest-Pen/Assets/Images/hmsgraphics.pptx
+++ b/HMSWebTest-Pen/Assets/Images/hmsgraphics.pptx
@@ -5,7 +5,7 @@
     <p:sldMasterId id="2147483648" r:id="rId1"/>
   </p:sldMasterIdLst>
   <p:notesMasterIdLst>
-    <p:notesMasterId r:id="rId18"/>
+    <p:notesMasterId r:id="rId19"/>
   </p:notesMasterIdLst>
   <p:sldIdLst>
     <p:sldId id="256" r:id="rId2"/>
@@ -24,6 +24,7 @@
     <p:sldId id="266" r:id="rId15"/>
     <p:sldId id="268" r:id="rId16"/>
     <p:sldId id="269" r:id="rId17"/>
+    <p:sldId id="272" r:id="rId18"/>
   </p:sldIdLst>
   <p:sldSz cx="9144000" cy="6858000" type="screen4x3"/>
   <p:notesSz cx="6858000" cy="9144000"/>
@@ -208,7 +209,7 @@
             <a:fld id="{6153BB3E-9447-4512-867E-C40997E12B5B}" type="datetimeFigureOut">
               <a:rPr lang="en-US" smtClean="0"/>
               <a:pPr/>
-              <a:t>3/22/2017</a:t>
+              <a:t>4/21/2017</a:t>
             </a:fld>
             <a:endParaRPr lang="en-US"/>
           </a:p>
@@ -738,7 +739,7 @@
             <a:fld id="{090B515E-C25E-45EE-BA79-D334A31660AC}" type="datetimeFigureOut">
               <a:rPr lang="en-US" smtClean="0"/>
               <a:pPr/>
-              <a:t>3/22/2017</a:t>
+              <a:t>4/21/2017</a:t>
             </a:fld>
             <a:endParaRPr lang="en-US"/>
           </a:p>
@@ -905,7 +906,7 @@
             <a:fld id="{090B515E-C25E-45EE-BA79-D334A31660AC}" type="datetimeFigureOut">
               <a:rPr lang="en-US" smtClean="0"/>
               <a:pPr/>
-              <a:t>3/22/2017</a:t>
+              <a:t>4/21/2017</a:t>
             </a:fld>
             <a:endParaRPr lang="en-US"/>
           </a:p>
@@ -1082,7 +1083,7 @@
             <a:fld id="{090B515E-C25E-45EE-BA79-D334A31660AC}" type="datetimeFigureOut">
               <a:rPr lang="en-US" smtClean="0"/>
               <a:pPr/>
-              <a:t>3/22/2017</a:t>
+              <a:t>4/21/2017</a:t>
             </a:fld>
             <a:endParaRPr lang="en-US"/>
           </a:p>
@@ -1249,7 +1250,7 @@
             <a:fld id="{090B515E-C25E-45EE-BA79-D334A31660AC}" type="datetimeFigureOut">
               <a:rPr lang="en-US" smtClean="0"/>
               <a:pPr/>
-              <a:t>3/22/2017</a:t>
+              <a:t>4/21/2017</a:t>
             </a:fld>
             <a:endParaRPr lang="en-US"/>
           </a:p>
@@ -1492,7 +1493,7 @@
             <a:fld id="{090B515E-C25E-45EE-BA79-D334A31660AC}" type="datetimeFigureOut">
               <a:rPr lang="en-US" smtClean="0"/>
               <a:pPr/>
-              <a:t>3/22/2017</a:t>
+              <a:t>4/21/2017</a:t>
             </a:fld>
             <a:endParaRPr lang="en-US"/>
           </a:p>
@@ -1777,7 +1778,7 @@
             <a:fld id="{090B515E-C25E-45EE-BA79-D334A31660AC}" type="datetimeFigureOut">
               <a:rPr lang="en-US" smtClean="0"/>
               <a:pPr/>
-              <a:t>3/22/2017</a:t>
+              <a:t>4/21/2017</a:t>
             </a:fld>
             <a:endParaRPr lang="en-US"/>
           </a:p>
@@ -2196,7 +2197,7 @@
             <a:fld id="{090B515E-C25E-45EE-BA79-D334A31660AC}" type="datetimeFigureOut">
               <a:rPr lang="en-US" smtClean="0"/>
               <a:pPr/>
-              <a:t>3/22/2017</a:t>
+              <a:t>4/21/2017</a:t>
             </a:fld>
             <a:endParaRPr lang="en-US"/>
           </a:p>
@@ -2311,7 +2312,7 @@
             <a:fld id="{090B515E-C25E-45EE-BA79-D334A31660AC}" type="datetimeFigureOut">
               <a:rPr lang="en-US" smtClean="0"/>
               <a:pPr/>
-              <a:t>3/22/2017</a:t>
+              <a:t>4/21/2017</a:t>
             </a:fld>
             <a:endParaRPr lang="en-US"/>
           </a:p>
@@ -2403,7 +2404,7 @@
             <a:fld id="{090B515E-C25E-45EE-BA79-D334A31660AC}" type="datetimeFigureOut">
               <a:rPr lang="en-US" smtClean="0"/>
               <a:pPr/>
-              <a:t>3/22/2017</a:t>
+              <a:t>4/21/2017</a:t>
             </a:fld>
             <a:endParaRPr lang="en-US"/>
           </a:p>
@@ -2677,7 +2678,7 @@
             <a:fld id="{090B515E-C25E-45EE-BA79-D334A31660AC}" type="datetimeFigureOut">
               <a:rPr lang="en-US" smtClean="0"/>
               <a:pPr/>
-              <a:t>3/22/2017</a:t>
+              <a:t>4/21/2017</a:t>
             </a:fld>
             <a:endParaRPr lang="en-US"/>
           </a:p>
@@ -2927,7 +2928,7 @@
             <a:fld id="{090B515E-C25E-45EE-BA79-D334A31660AC}" type="datetimeFigureOut">
               <a:rPr lang="en-US" smtClean="0"/>
               <a:pPr/>
-              <a:t>3/22/2017</a:t>
+              <a:t>4/21/2017</a:t>
             </a:fld>
             <a:endParaRPr lang="en-US"/>
           </a:p>
@@ -3137,7 +3138,7 @@
             <a:fld id="{090B515E-C25E-45EE-BA79-D334A31660AC}" type="datetimeFigureOut">
               <a:rPr lang="en-US" smtClean="0"/>
               <a:pPr/>
-              <a:t>3/22/2017</a:t>
+              <a:t>4/21/2017</a:t>
             </a:fld>
             <a:endParaRPr lang="en-US"/>
           </a:p>
@@ -3975,7 +3976,7 @@
             <a:blip r:embed="rId2" cstate="print">
               <a:extLst>
                 <a:ext uri="{28A0092B-C50C-407E-A947-70E740481C1C}">
-                  <a14:useLocalDpi xmlns="" xmlns:a14="http://schemas.microsoft.com/office/drawing/2010/main" val="0"/>
+                  <a14:useLocalDpi xmlns:a14="http://schemas.microsoft.com/office/drawing/2010/main" xmlns="" val="0"/>
                 </a:ext>
               </a:extLst>
             </a:blip>
@@ -3995,7 +3996,7 @@
             <a:noFill/>
             <a:extLst>
               <a:ext uri="{909E8E84-426E-40DD-AFC4-6F175D3DCCD1}">
-                <a14:hiddenFill xmlns="" xmlns:a14="http://schemas.microsoft.com/office/drawing/2010/main">
+                <a14:hiddenFill xmlns:a14="http://schemas.microsoft.com/office/drawing/2010/main" xmlns="">
                   <a:solidFill>
                     <a:srgbClr val="FFFFFF"/>
                   </a:solidFill>
@@ -4078,7 +4079,7 @@
             <a:blip r:embed="rId3" cstate="print">
               <a:extLst>
                 <a:ext uri="{28A0092B-C50C-407E-A947-70E740481C1C}">
-                  <a14:useLocalDpi xmlns="" xmlns:a14="http://schemas.microsoft.com/office/drawing/2010/main" val="0"/>
+                  <a14:useLocalDpi xmlns:a14="http://schemas.microsoft.com/office/drawing/2010/main" xmlns="" val="0"/>
                 </a:ext>
               </a:extLst>
             </a:blip>
@@ -4098,7 +4099,7 @@
             <a:noFill/>
             <a:extLst>
               <a:ext uri="{909E8E84-426E-40DD-AFC4-6F175D3DCCD1}">
-                <a14:hiddenFill xmlns="" xmlns:a14="http://schemas.microsoft.com/office/drawing/2010/main">
+                <a14:hiddenFill xmlns:a14="http://schemas.microsoft.com/office/drawing/2010/main" xmlns="">
                   <a:solidFill>
                     <a:srgbClr val="FFFFFF"/>
                   </a:solidFill>
@@ -7081,7 +7082,7 @@
     </p:spTree>
     <p:extLst>
       <p:ext uri="{BB962C8B-B14F-4D97-AF65-F5344CB8AC3E}">
-        <p14:creationId xmlns="" xmlns:p14="http://schemas.microsoft.com/office/powerpoint/2010/main" val="1874106700"/>
+        <p14:creationId xmlns:p14="http://schemas.microsoft.com/office/powerpoint/2010/main" xmlns="" val="1874106700"/>
       </p:ext>
     </p:extLst>
   </p:cSld>
@@ -7754,7 +7755,7 @@
           <a:blip r:embed="rId2" cstate="print">
             <a:extLst>
               <a:ext uri="{28A0092B-C50C-407E-A947-70E740481C1C}">
-                <a14:useLocalDpi xmlns:a14="http://schemas.microsoft.com/office/drawing/2010/main" xmlns="" val="0"/>
+                <a14:useLocalDpi xmlns="" xmlns:a14="http://schemas.microsoft.com/office/drawing/2010/main" val="0"/>
               </a:ext>
             </a:extLst>
           </a:blip>
@@ -7783,14 +7784,14 @@
           </a:effectLst>
           <a:extLst>
             <a:ext uri="{909E8E84-426E-40DD-AFC4-6F175D3DCCD1}">
-              <a14:hiddenFill xmlns:a14="http://schemas.microsoft.com/office/drawing/2010/main" xmlns="">
+              <a14:hiddenFill xmlns="" xmlns:a14="http://schemas.microsoft.com/office/drawing/2010/main">
                 <a:solidFill>
                   <a:schemeClr val="accent1"/>
                 </a:solidFill>
               </a14:hiddenFill>
             </a:ext>
             <a:ext uri="{91240B29-F687-4F45-9708-019B960494DF}">
-              <a14:hiddenLine xmlns:a14="http://schemas.microsoft.com/office/drawing/2010/main" xmlns="" w="9525">
+              <a14:hiddenLine xmlns="" xmlns:a14="http://schemas.microsoft.com/office/drawing/2010/main" w="9525">
                 <a:solidFill>
                   <a:schemeClr val="tx1"/>
                 </a:solidFill>
@@ -7821,7 +7822,7 @@
             </a:duotone>
             <a:extLst>
               <a:ext uri="{28A0092B-C50C-407E-A947-70E740481C1C}">
-                <a14:useLocalDpi xmlns:a14="http://schemas.microsoft.com/office/drawing/2010/main" xmlns="" val="0"/>
+                <a14:useLocalDpi xmlns="" xmlns:a14="http://schemas.microsoft.com/office/drawing/2010/main" val="0"/>
               </a:ext>
             </a:extLst>
           </a:blip>
@@ -7850,14 +7851,14 @@
           </a:effectLst>
           <a:extLst>
             <a:ext uri="{909E8E84-426E-40DD-AFC4-6F175D3DCCD1}">
-              <a14:hiddenFill xmlns:a14="http://schemas.microsoft.com/office/drawing/2010/main" xmlns="">
+              <a14:hiddenFill xmlns="" xmlns:a14="http://schemas.microsoft.com/office/drawing/2010/main">
                 <a:solidFill>
                   <a:schemeClr val="accent1"/>
                 </a:solidFill>
               </a14:hiddenFill>
             </a:ext>
             <a:ext uri="{91240B29-F687-4F45-9708-019B960494DF}">
-              <a14:hiddenLine xmlns:a14="http://schemas.microsoft.com/office/drawing/2010/main" xmlns="" w="9525">
+              <a14:hiddenLine xmlns="" xmlns:a14="http://schemas.microsoft.com/office/drawing/2010/main" w="9525">
                 <a:solidFill>
                   <a:schemeClr val="tx1"/>
                 </a:solidFill>
@@ -11615,11 +11616,6 @@
               </a:rPr>
               <a:t>{}</a:t>
             </a:r>
-            <a:endParaRPr lang="en-US" sz="11500" dirty="0" smtClean="0">
-              <a:solidFill>
-                <a:schemeClr val="bg1"/>
-              </a:solidFill>
-            </a:endParaRPr>
           </a:p>
         </p:txBody>
       </p:sp>
@@ -11999,6 +11995,219 @@
           <a:p>
             <a:pPr algn="ctr"/>
             <a:endParaRPr lang="en-US"/>
+          </a:p>
+        </p:txBody>
+      </p:sp>
+    </p:spTree>
+  </p:cSld>
+  <p:clrMapOvr>
+    <a:masterClrMapping/>
+  </p:clrMapOvr>
+</p:sld>
+</file>
+
+<file path=ppt/slides/slide17.xml><?xml version="1.0" encoding="utf-8"?>
+<p:sld xmlns:a="http://schemas.openxmlformats.org/drawingml/2006/main" xmlns:r="http://schemas.openxmlformats.org/officeDocument/2006/relationships" xmlns:p="http://schemas.openxmlformats.org/presentationml/2006/main">
+  <p:cSld>
+    <p:spTree>
+      <p:nvGrpSpPr>
+        <p:cNvPr id="1" name=""/>
+        <p:cNvGrpSpPr/>
+        <p:nvPr/>
+      </p:nvGrpSpPr>
+      <p:grpSpPr>
+        <a:xfrm>
+          <a:off x="0" y="0"/>
+          <a:ext cx="0" cy="0"/>
+          <a:chOff x="0" y="0"/>
+          <a:chExt cx="0" cy="0"/>
+        </a:xfrm>
+      </p:grpSpPr>
+      <p:sp>
+        <p:nvSpPr>
+          <p:cNvPr id="4" name="Rectangle 3"/>
+          <p:cNvSpPr/>
+          <p:nvPr/>
+        </p:nvSpPr>
+        <p:spPr>
+          <a:xfrm>
+            <a:off x="2286000" y="3581400"/>
+            <a:ext cx="4343400" cy="762000"/>
+          </a:xfrm>
+          <a:prstGeom prst="rect">
+            <a:avLst/>
+          </a:prstGeom>
+          <a:solidFill>
+            <a:schemeClr val="accent1">
+              <a:lumMod val="75000"/>
+            </a:schemeClr>
+          </a:solidFill>
+          <a:ln>
+            <a:noFill/>
+          </a:ln>
+        </p:spPr>
+        <p:style>
+          <a:lnRef idx="2">
+            <a:schemeClr val="accent1">
+              <a:shade val="50000"/>
+            </a:schemeClr>
+          </a:lnRef>
+          <a:fillRef idx="1">
+            <a:schemeClr val="accent1"/>
+          </a:fillRef>
+          <a:effectRef idx="0">
+            <a:schemeClr val="accent1"/>
+          </a:effectRef>
+          <a:fontRef idx="minor">
+            <a:schemeClr val="lt1"/>
+          </a:fontRef>
+        </p:style>
+        <p:txBody>
+          <a:bodyPr rtlCol="0" anchor="ctr"/>
+          <a:lstStyle/>
+          <a:p>
+            <a:endParaRPr lang="en-US" dirty="0"/>
+          </a:p>
+        </p:txBody>
+      </p:sp>
+      <p:sp>
+        <p:nvSpPr>
+          <p:cNvPr id="5" name="Rectangle 4"/>
+          <p:cNvSpPr/>
+          <p:nvPr/>
+        </p:nvSpPr>
+        <p:spPr>
+          <a:xfrm>
+            <a:off x="2743200" y="4343400"/>
+            <a:ext cx="381000" cy="152400"/>
+          </a:xfrm>
+          <a:prstGeom prst="rect">
+            <a:avLst/>
+          </a:prstGeom>
+          <a:solidFill>
+            <a:schemeClr val="accent1">
+              <a:lumMod val="75000"/>
+            </a:schemeClr>
+          </a:solidFill>
+          <a:ln>
+            <a:noFill/>
+          </a:ln>
+        </p:spPr>
+        <p:style>
+          <a:lnRef idx="2">
+            <a:schemeClr val="accent1">
+              <a:shade val="50000"/>
+            </a:schemeClr>
+          </a:lnRef>
+          <a:fillRef idx="1">
+            <a:schemeClr val="accent1"/>
+          </a:fillRef>
+          <a:effectRef idx="0">
+            <a:schemeClr val="accent1"/>
+          </a:effectRef>
+          <a:fontRef idx="minor">
+            <a:schemeClr val="lt1"/>
+          </a:fontRef>
+        </p:style>
+        <p:txBody>
+          <a:bodyPr rtlCol="0" anchor="ctr"/>
+          <a:lstStyle/>
+          <a:p>
+            <a:endParaRPr lang="en-US" dirty="0"/>
+          </a:p>
+        </p:txBody>
+      </p:sp>
+      <p:sp>
+        <p:nvSpPr>
+          <p:cNvPr id="6" name="Rectangle 5"/>
+          <p:cNvSpPr/>
+          <p:nvPr/>
+        </p:nvSpPr>
+        <p:spPr>
+          <a:xfrm>
+            <a:off x="2286000" y="3429000"/>
+            <a:ext cx="457200" cy="152400"/>
+          </a:xfrm>
+          <a:prstGeom prst="rect">
+            <a:avLst/>
+          </a:prstGeom>
+          <a:solidFill>
+            <a:schemeClr val="accent1">
+              <a:lumMod val="75000"/>
+            </a:schemeClr>
+          </a:solidFill>
+          <a:ln>
+            <a:noFill/>
+          </a:ln>
+        </p:spPr>
+        <p:style>
+          <a:lnRef idx="2">
+            <a:schemeClr val="accent1">
+              <a:shade val="50000"/>
+            </a:schemeClr>
+          </a:lnRef>
+          <a:fillRef idx="1">
+            <a:schemeClr val="accent1"/>
+          </a:fillRef>
+          <a:effectRef idx="0">
+            <a:schemeClr val="accent1"/>
+          </a:effectRef>
+          <a:fontRef idx="minor">
+            <a:schemeClr val="lt1"/>
+          </a:fontRef>
+        </p:style>
+        <p:txBody>
+          <a:bodyPr rtlCol="0" anchor="ctr"/>
+          <a:lstStyle/>
+          <a:p>
+            <a:endParaRPr lang="en-US" dirty="0"/>
+          </a:p>
+        </p:txBody>
+      </p:sp>
+      <p:sp>
+        <p:nvSpPr>
+          <p:cNvPr id="7" name="Rectangle 6"/>
+          <p:cNvSpPr/>
+          <p:nvPr/>
+        </p:nvSpPr>
+        <p:spPr>
+          <a:xfrm>
+            <a:off x="3124200" y="3429000"/>
+            <a:ext cx="3505200" cy="152400"/>
+          </a:xfrm>
+          <a:prstGeom prst="rect">
+            <a:avLst/>
+          </a:prstGeom>
+          <a:solidFill>
+            <a:schemeClr val="accent1">
+              <a:lumMod val="75000"/>
+            </a:schemeClr>
+          </a:solidFill>
+          <a:ln>
+            <a:noFill/>
+          </a:ln>
+        </p:spPr>
+        <p:style>
+          <a:lnRef idx="2">
+            <a:schemeClr val="accent1">
+              <a:shade val="50000"/>
+            </a:schemeClr>
+          </a:lnRef>
+          <a:fillRef idx="1">
+            <a:schemeClr val="accent1"/>
+          </a:fillRef>
+          <a:effectRef idx="0">
+            <a:schemeClr val="accent1"/>
+          </a:effectRef>
+          <a:fontRef idx="minor">
+            <a:schemeClr val="lt1"/>
+          </a:fontRef>
+        </p:style>
+        <p:txBody>
+          <a:bodyPr rtlCol="0" anchor="ctr"/>
+          <a:lstStyle/>
+          <a:p>
+            <a:endParaRPr lang="en-US" dirty="0"/>
           </a:p>
         </p:txBody>
       </p:sp>
@@ -13294,7 +13503,7 @@
             <a:blip r:embed="rId4" cstate="print">
               <a:extLst>
                 <a:ext uri="{28A0092B-C50C-407E-A947-70E740481C1C}">
-                  <a14:useLocalDpi xmlns="" xmlns:a14="http://schemas.microsoft.com/office/drawing/2010/main" val="0"/>
+                  <a14:useLocalDpi xmlns:a14="http://schemas.microsoft.com/office/drawing/2010/main" xmlns="" val="0"/>
                 </a:ext>
               </a:extLst>
             </a:blip>
@@ -13314,7 +13523,7 @@
             <a:noFill/>
             <a:extLst>
               <a:ext uri="{909E8E84-426E-40DD-AFC4-6F175D3DCCD1}">
-                <a14:hiddenFill xmlns="" xmlns:a14="http://schemas.microsoft.com/office/drawing/2010/main">
+                <a14:hiddenFill xmlns:a14="http://schemas.microsoft.com/office/drawing/2010/main" xmlns="">
                   <a:solidFill>
                     <a:srgbClr val="FFFFFF"/>
                   </a:solidFill>
@@ -13761,7 +13970,7 @@
             <a:blip r:embed="rId6" cstate="print">
               <a:extLst>
                 <a:ext uri="{28A0092B-C50C-407E-A947-70E740481C1C}">
-                  <a14:useLocalDpi xmlns="" xmlns:a14="http://schemas.microsoft.com/office/drawing/2010/main" val="0"/>
+                  <a14:useLocalDpi xmlns:a14="http://schemas.microsoft.com/office/drawing/2010/main" xmlns="" val="0"/>
                 </a:ext>
               </a:extLst>
             </a:blip>
@@ -13781,7 +13990,7 @@
             <a:noFill/>
             <a:extLst>
               <a:ext uri="{909E8E84-426E-40DD-AFC4-6F175D3DCCD1}">
-                <a14:hiddenFill xmlns="" xmlns:a14="http://schemas.microsoft.com/office/drawing/2010/main">
+                <a14:hiddenFill xmlns:a14="http://schemas.microsoft.com/office/drawing/2010/main" xmlns="">
                   <a:solidFill>
                     <a:srgbClr val="FFFFFF"/>
                   </a:solidFill>
@@ -15985,7 +16194,7 @@
               <a:blip r:embed="rId6" cstate="print">
                 <a:extLst>
                   <a:ext uri="{28A0092B-C50C-407E-A947-70E740481C1C}">
-                    <a14:useLocalDpi xmlns="" xmlns:a14="http://schemas.microsoft.com/office/drawing/2010/main" val="0"/>
+                    <a14:useLocalDpi xmlns:a14="http://schemas.microsoft.com/office/drawing/2010/main" xmlns="" val="0"/>
                   </a:ext>
                 </a:extLst>
               </a:blip>
@@ -16005,7 +16214,7 @@
               <a:noFill/>
               <a:extLst>
                 <a:ext uri="{909E8E84-426E-40DD-AFC4-6F175D3DCCD1}">
-                  <a14:hiddenFill xmlns="" xmlns:a14="http://schemas.microsoft.com/office/drawing/2010/main">
+                  <a14:hiddenFill xmlns:a14="http://schemas.microsoft.com/office/drawing/2010/main" xmlns="">
                     <a:solidFill>
                       <a:srgbClr val="FFFFFF"/>
                     </a:solidFill>
@@ -23205,7 +23414,7 @@
               <a:blip r:embed="rId8" cstate="print">
                 <a:extLst>
                   <a:ext uri="{28A0092B-C50C-407E-A947-70E740481C1C}">
-                    <a14:useLocalDpi xmlns="" xmlns:a14="http://schemas.microsoft.com/office/drawing/2010/main" val="0"/>
+                    <a14:useLocalDpi xmlns:a14="http://schemas.microsoft.com/office/drawing/2010/main" xmlns="" val="0"/>
                   </a:ext>
                 </a:extLst>
               </a:blip>
@@ -23225,7 +23434,7 @@
               <a:noFill/>
               <a:extLst>
                 <a:ext uri="{909E8E84-426E-40DD-AFC4-6F175D3DCCD1}">
-                  <a14:hiddenFill xmlns="" xmlns:a14="http://schemas.microsoft.com/office/drawing/2010/main">
+                  <a14:hiddenFill xmlns:a14="http://schemas.microsoft.com/office/drawing/2010/main" xmlns="">
                     <a:solidFill>
                       <a:srgbClr val="FFFFFF"/>
                     </a:solidFill>
@@ -23693,7 +23902,7 @@
             <a:blip r:embed="rId8" cstate="print">
               <a:extLst>
                 <a:ext uri="{28A0092B-C50C-407E-A947-70E740481C1C}">
-                  <a14:useLocalDpi xmlns="" xmlns:a14="http://schemas.microsoft.com/office/drawing/2010/main" val="0"/>
+                  <a14:useLocalDpi xmlns:a14="http://schemas.microsoft.com/office/drawing/2010/main" xmlns="" val="0"/>
                 </a:ext>
               </a:extLst>
             </a:blip>
@@ -23713,7 +23922,7 @@
             <a:noFill/>
             <a:extLst>
               <a:ext uri="{909E8E84-426E-40DD-AFC4-6F175D3DCCD1}">
-                <a14:hiddenFill xmlns="" xmlns:a14="http://schemas.microsoft.com/office/drawing/2010/main">
+                <a14:hiddenFill xmlns:a14="http://schemas.microsoft.com/office/drawing/2010/main" xmlns="">
                   <a:solidFill>
                     <a:srgbClr val="FFFFFF"/>
                   </a:solidFill>
@@ -28276,7 +28485,7 @@
           <a:blip r:embed="rId2" cstate="print">
             <a:extLst>
               <a:ext uri="{28A0092B-C50C-407E-A947-70E740481C1C}">
-                <a14:useLocalDpi xmlns:a14="http://schemas.microsoft.com/office/drawing/2010/main" xmlns="" val="0"/>
+                <a14:useLocalDpi xmlns="" xmlns:a14="http://schemas.microsoft.com/office/drawing/2010/main" val="0"/>
               </a:ext>
             </a:extLst>
           </a:blip>
@@ -28305,14 +28514,14 @@
           </a:effectLst>
           <a:extLst>
             <a:ext uri="{909E8E84-426E-40DD-AFC4-6F175D3DCCD1}">
-              <a14:hiddenFill xmlns:a14="http://schemas.microsoft.com/office/drawing/2010/main" xmlns="">
+              <a14:hiddenFill xmlns="" xmlns:a14="http://schemas.microsoft.com/office/drawing/2010/main">
                 <a:solidFill>
                   <a:schemeClr val="accent1"/>
                 </a:solidFill>
               </a14:hiddenFill>
             </a:ext>
             <a:ext uri="{91240B29-F687-4F45-9708-019B960494DF}">
-              <a14:hiddenLine xmlns:a14="http://schemas.microsoft.com/office/drawing/2010/main" xmlns="" w="9525">
+              <a14:hiddenLine xmlns="" xmlns:a14="http://schemas.microsoft.com/office/drawing/2010/main" w="9525">
                 <a:solidFill>
                   <a:schemeClr val="tx1"/>
                 </a:solidFill>

--- a/HMSWebTest-Pen/Assets/Images/hmsgraphics.pptx
+++ b/HMSWebTest-Pen/Assets/Images/hmsgraphics.pptx
@@ -209,7 +209,7 @@
             <a:fld id="{6153BB3E-9447-4512-867E-C40997E12B5B}" type="datetimeFigureOut">
               <a:rPr lang="en-US" smtClean="0"/>
               <a:pPr/>
-              <a:t>4/21/2017</a:t>
+              <a:t>4/22/2017</a:t>
             </a:fld>
             <a:endParaRPr lang="en-US"/>
           </a:p>
@@ -739,7 +739,7 @@
             <a:fld id="{090B515E-C25E-45EE-BA79-D334A31660AC}" type="datetimeFigureOut">
               <a:rPr lang="en-US" smtClean="0"/>
               <a:pPr/>
-              <a:t>4/21/2017</a:t>
+              <a:t>4/22/2017</a:t>
             </a:fld>
             <a:endParaRPr lang="en-US"/>
           </a:p>
@@ -906,7 +906,7 @@
             <a:fld id="{090B515E-C25E-45EE-BA79-D334A31660AC}" type="datetimeFigureOut">
               <a:rPr lang="en-US" smtClean="0"/>
               <a:pPr/>
-              <a:t>4/21/2017</a:t>
+              <a:t>4/22/2017</a:t>
             </a:fld>
             <a:endParaRPr lang="en-US"/>
           </a:p>
@@ -1083,7 +1083,7 @@
             <a:fld id="{090B515E-C25E-45EE-BA79-D334A31660AC}" type="datetimeFigureOut">
               <a:rPr lang="en-US" smtClean="0"/>
               <a:pPr/>
-              <a:t>4/21/2017</a:t>
+              <a:t>4/22/2017</a:t>
             </a:fld>
             <a:endParaRPr lang="en-US"/>
           </a:p>
@@ -1250,7 +1250,7 @@
             <a:fld id="{090B515E-C25E-45EE-BA79-D334A31660AC}" type="datetimeFigureOut">
               <a:rPr lang="en-US" smtClean="0"/>
               <a:pPr/>
-              <a:t>4/21/2017</a:t>
+              <a:t>4/22/2017</a:t>
             </a:fld>
             <a:endParaRPr lang="en-US"/>
           </a:p>
@@ -1493,7 +1493,7 @@
             <a:fld id="{090B515E-C25E-45EE-BA79-D334A31660AC}" type="datetimeFigureOut">
               <a:rPr lang="en-US" smtClean="0"/>
               <a:pPr/>
-              <a:t>4/21/2017</a:t>
+              <a:t>4/22/2017</a:t>
             </a:fld>
             <a:endParaRPr lang="en-US"/>
           </a:p>
@@ -1778,7 +1778,7 @@
             <a:fld id="{090B515E-C25E-45EE-BA79-D334A31660AC}" type="datetimeFigureOut">
               <a:rPr lang="en-US" smtClean="0"/>
               <a:pPr/>
-              <a:t>4/21/2017</a:t>
+              <a:t>4/22/2017</a:t>
             </a:fld>
             <a:endParaRPr lang="en-US"/>
           </a:p>
@@ -2197,7 +2197,7 @@
             <a:fld id="{090B515E-C25E-45EE-BA79-D334A31660AC}" type="datetimeFigureOut">
               <a:rPr lang="en-US" smtClean="0"/>
               <a:pPr/>
-              <a:t>4/21/2017</a:t>
+              <a:t>4/22/2017</a:t>
             </a:fld>
             <a:endParaRPr lang="en-US"/>
           </a:p>
@@ -2312,7 +2312,7 @@
             <a:fld id="{090B515E-C25E-45EE-BA79-D334A31660AC}" type="datetimeFigureOut">
               <a:rPr lang="en-US" smtClean="0"/>
               <a:pPr/>
-              <a:t>4/21/2017</a:t>
+              <a:t>4/22/2017</a:t>
             </a:fld>
             <a:endParaRPr lang="en-US"/>
           </a:p>
@@ -2404,7 +2404,7 @@
             <a:fld id="{090B515E-C25E-45EE-BA79-D334A31660AC}" type="datetimeFigureOut">
               <a:rPr lang="en-US" smtClean="0"/>
               <a:pPr/>
-              <a:t>4/21/2017</a:t>
+              <a:t>4/22/2017</a:t>
             </a:fld>
             <a:endParaRPr lang="en-US"/>
           </a:p>
@@ -2678,7 +2678,7 @@
             <a:fld id="{090B515E-C25E-45EE-BA79-D334A31660AC}" type="datetimeFigureOut">
               <a:rPr lang="en-US" smtClean="0"/>
               <a:pPr/>
-              <a:t>4/21/2017</a:t>
+              <a:t>4/22/2017</a:t>
             </a:fld>
             <a:endParaRPr lang="en-US"/>
           </a:p>
@@ -2928,7 +2928,7 @@
             <a:fld id="{090B515E-C25E-45EE-BA79-D334A31660AC}" type="datetimeFigureOut">
               <a:rPr lang="en-US" smtClean="0"/>
               <a:pPr/>
-              <a:t>4/21/2017</a:t>
+              <a:t>4/22/2017</a:t>
             </a:fld>
             <a:endParaRPr lang="en-US"/>
           </a:p>
@@ -3138,7 +3138,7 @@
             <a:fld id="{090B515E-C25E-45EE-BA79-D334A31660AC}" type="datetimeFigureOut">
               <a:rPr lang="en-US" smtClean="0"/>
               <a:pPr/>
-              <a:t>4/21/2017</a:t>
+              <a:t>4/22/2017</a:t>
             </a:fld>
             <a:endParaRPr lang="en-US"/>
           </a:p>
@@ -12078,8 +12078,8 @@
         </p:nvSpPr>
         <p:spPr>
           <a:xfrm>
-            <a:off x="2743200" y="4343400"/>
-            <a:ext cx="381000" cy="152400"/>
+            <a:off x="2778125" y="4343400"/>
+            <a:ext cx="307976" cy="152400"/>
           </a:xfrm>
           <a:prstGeom prst="rect">
             <a:avLst/>
@@ -12182,6 +12182,462 @@
             <a:schemeClr val="accent1">
               <a:lumMod val="75000"/>
             </a:schemeClr>
+          </a:solidFill>
+          <a:ln>
+            <a:noFill/>
+          </a:ln>
+        </p:spPr>
+        <p:style>
+          <a:lnRef idx="2">
+            <a:schemeClr val="accent1">
+              <a:shade val="50000"/>
+            </a:schemeClr>
+          </a:lnRef>
+          <a:fillRef idx="1">
+            <a:schemeClr val="accent1"/>
+          </a:fillRef>
+          <a:effectRef idx="0">
+            <a:schemeClr val="accent1"/>
+          </a:effectRef>
+          <a:fontRef idx="minor">
+            <a:schemeClr val="lt1"/>
+          </a:fontRef>
+        </p:style>
+        <p:txBody>
+          <a:bodyPr rtlCol="0" anchor="ctr"/>
+          <a:lstStyle/>
+          <a:p>
+            <a:endParaRPr lang="en-US" dirty="0"/>
+          </a:p>
+        </p:txBody>
+      </p:sp>
+      <p:sp>
+        <p:nvSpPr>
+          <p:cNvPr id="8" name="Rectangle 7"/>
+          <p:cNvSpPr/>
+          <p:nvPr/>
+        </p:nvSpPr>
+        <p:spPr>
+          <a:xfrm>
+            <a:off x="2209800" y="1600200"/>
+            <a:ext cx="4343400" cy="914400"/>
+          </a:xfrm>
+          <a:prstGeom prst="rect">
+            <a:avLst/>
+          </a:prstGeom>
+          <a:solidFill>
+            <a:srgbClr val="CF8D2B"/>
+          </a:solidFill>
+          <a:ln>
+            <a:noFill/>
+          </a:ln>
+        </p:spPr>
+        <p:style>
+          <a:lnRef idx="2">
+            <a:schemeClr val="accent1">
+              <a:shade val="50000"/>
+            </a:schemeClr>
+          </a:lnRef>
+          <a:fillRef idx="1">
+            <a:schemeClr val="accent1"/>
+          </a:fillRef>
+          <a:effectRef idx="0">
+            <a:schemeClr val="accent1"/>
+          </a:effectRef>
+          <a:fontRef idx="minor">
+            <a:schemeClr val="lt1"/>
+          </a:fontRef>
+        </p:style>
+        <p:txBody>
+          <a:bodyPr rtlCol="0" anchor="ctr"/>
+          <a:lstStyle/>
+          <a:p>
+            <a:endParaRPr lang="en-US" dirty="0"/>
+          </a:p>
+        </p:txBody>
+      </p:sp>
+      <p:sp>
+        <p:nvSpPr>
+          <p:cNvPr id="9" name="Rectangle 8"/>
+          <p:cNvSpPr/>
+          <p:nvPr/>
+        </p:nvSpPr>
+        <p:spPr>
+          <a:xfrm>
+            <a:off x="2701925" y="2514600"/>
+            <a:ext cx="307976" cy="152400"/>
+          </a:xfrm>
+          <a:prstGeom prst="rect">
+            <a:avLst/>
+          </a:prstGeom>
+          <a:solidFill>
+            <a:srgbClr val="CF8D2B"/>
+          </a:solidFill>
+          <a:ln>
+            <a:noFill/>
+          </a:ln>
+        </p:spPr>
+        <p:style>
+          <a:lnRef idx="2">
+            <a:schemeClr val="accent1">
+              <a:shade val="50000"/>
+            </a:schemeClr>
+          </a:lnRef>
+          <a:fillRef idx="1">
+            <a:schemeClr val="accent1"/>
+          </a:fillRef>
+          <a:effectRef idx="0">
+            <a:schemeClr val="accent1"/>
+          </a:effectRef>
+          <a:fontRef idx="minor">
+            <a:schemeClr val="lt1"/>
+          </a:fontRef>
+        </p:style>
+        <p:txBody>
+          <a:bodyPr rtlCol="0" anchor="ctr"/>
+          <a:lstStyle/>
+          <a:p>
+            <a:endParaRPr lang="en-US" dirty="0"/>
+          </a:p>
+        </p:txBody>
+      </p:sp>
+      <p:sp>
+        <p:nvSpPr>
+          <p:cNvPr id="10" name="Rectangle 9"/>
+          <p:cNvSpPr/>
+          <p:nvPr/>
+        </p:nvSpPr>
+        <p:spPr>
+          <a:xfrm>
+            <a:off x="1219200" y="1066800"/>
+            <a:ext cx="457200" cy="152400"/>
+          </a:xfrm>
+          <a:prstGeom prst="rect">
+            <a:avLst/>
+          </a:prstGeom>
+          <a:solidFill>
+            <a:schemeClr val="accent1">
+              <a:lumMod val="75000"/>
+            </a:schemeClr>
+          </a:solidFill>
+          <a:ln>
+            <a:noFill/>
+          </a:ln>
+        </p:spPr>
+        <p:style>
+          <a:lnRef idx="2">
+            <a:schemeClr val="accent1">
+              <a:shade val="50000"/>
+            </a:schemeClr>
+          </a:lnRef>
+          <a:fillRef idx="1">
+            <a:schemeClr val="accent1"/>
+          </a:fillRef>
+          <a:effectRef idx="0">
+            <a:schemeClr val="accent1"/>
+          </a:effectRef>
+          <a:fontRef idx="minor">
+            <a:schemeClr val="lt1"/>
+          </a:fontRef>
+        </p:style>
+        <p:txBody>
+          <a:bodyPr rtlCol="0" anchor="ctr"/>
+          <a:lstStyle/>
+          <a:p>
+            <a:endParaRPr lang="en-US" dirty="0"/>
+          </a:p>
+        </p:txBody>
+      </p:sp>
+      <p:sp>
+        <p:nvSpPr>
+          <p:cNvPr id="11" name="Rectangle 10"/>
+          <p:cNvSpPr/>
+          <p:nvPr/>
+        </p:nvSpPr>
+        <p:spPr>
+          <a:xfrm>
+            <a:off x="2347912" y="1371600"/>
+            <a:ext cx="1690688" cy="228600"/>
+          </a:xfrm>
+          <a:prstGeom prst="rect">
+            <a:avLst/>
+          </a:prstGeom>
+          <a:solidFill>
+            <a:srgbClr val="CF8D2B"/>
+          </a:solidFill>
+          <a:ln>
+            <a:noFill/>
+          </a:ln>
+        </p:spPr>
+        <p:style>
+          <a:lnRef idx="2">
+            <a:schemeClr val="accent1">
+              <a:shade val="50000"/>
+            </a:schemeClr>
+          </a:lnRef>
+          <a:fillRef idx="1">
+            <a:schemeClr val="accent1"/>
+          </a:fillRef>
+          <a:effectRef idx="0">
+            <a:schemeClr val="accent1"/>
+          </a:effectRef>
+          <a:fontRef idx="minor">
+            <a:schemeClr val="lt1"/>
+          </a:fontRef>
+        </p:style>
+        <p:txBody>
+          <a:bodyPr rtlCol="0" anchor="ctr"/>
+          <a:lstStyle/>
+          <a:p>
+            <a:endParaRPr lang="en-US" dirty="0"/>
+          </a:p>
+        </p:txBody>
+      </p:sp>
+      <p:sp>
+        <p:nvSpPr>
+          <p:cNvPr id="12" name="Isosceles Triangle 11"/>
+          <p:cNvSpPr/>
+          <p:nvPr/>
+        </p:nvSpPr>
+        <p:spPr>
+          <a:xfrm>
+            <a:off x="2209800" y="1371600"/>
+            <a:ext cx="1066800" cy="228600"/>
+          </a:xfrm>
+          <a:prstGeom prst="triangle">
+            <a:avLst>
+              <a:gd name="adj" fmla="val 12500"/>
+            </a:avLst>
+          </a:prstGeom>
+          <a:solidFill>
+            <a:srgbClr val="CF8D2B"/>
+          </a:solidFill>
+          <a:ln>
+            <a:noFill/>
+          </a:ln>
+        </p:spPr>
+        <p:style>
+          <a:lnRef idx="2">
+            <a:schemeClr val="accent1">
+              <a:shade val="50000"/>
+            </a:schemeClr>
+          </a:lnRef>
+          <a:fillRef idx="1">
+            <a:schemeClr val="accent1"/>
+          </a:fillRef>
+          <a:effectRef idx="0">
+            <a:schemeClr val="accent1"/>
+          </a:effectRef>
+          <a:fontRef idx="minor">
+            <a:schemeClr val="lt1"/>
+          </a:fontRef>
+        </p:style>
+        <p:txBody>
+          <a:bodyPr rtlCol="0" anchor="ctr"/>
+          <a:lstStyle/>
+          <a:p>
+            <a:endParaRPr lang="en-US" dirty="0"/>
+          </a:p>
+        </p:txBody>
+      </p:sp>
+      <p:sp>
+        <p:nvSpPr>
+          <p:cNvPr id="13" name="Isosceles Triangle 12"/>
+          <p:cNvSpPr/>
+          <p:nvPr/>
+        </p:nvSpPr>
+        <p:spPr>
+          <a:xfrm>
+            <a:off x="3810000" y="1371600"/>
+            <a:ext cx="914400" cy="228600"/>
+          </a:xfrm>
+          <a:prstGeom prst="triangle">
+            <a:avLst>
+              <a:gd name="adj" fmla="val 24643"/>
+            </a:avLst>
+          </a:prstGeom>
+          <a:solidFill>
+            <a:srgbClr val="CF8D2B"/>
+          </a:solidFill>
+          <a:ln>
+            <a:noFill/>
+          </a:ln>
+        </p:spPr>
+        <p:style>
+          <a:lnRef idx="2">
+            <a:schemeClr val="accent1">
+              <a:shade val="50000"/>
+            </a:schemeClr>
+          </a:lnRef>
+          <a:fillRef idx="1">
+            <a:schemeClr val="accent1"/>
+          </a:fillRef>
+          <a:effectRef idx="0">
+            <a:schemeClr val="accent1"/>
+          </a:effectRef>
+          <a:fontRef idx="minor">
+            <a:schemeClr val="lt1"/>
+          </a:fontRef>
+        </p:style>
+        <p:txBody>
+          <a:bodyPr rtlCol="0" anchor="ctr"/>
+          <a:lstStyle/>
+          <a:p>
+            <a:endParaRPr lang="en-US" dirty="0"/>
+          </a:p>
+        </p:txBody>
+      </p:sp>
+      <p:sp>
+        <p:nvSpPr>
+          <p:cNvPr id="14" name="Rectangle 13"/>
+          <p:cNvSpPr/>
+          <p:nvPr/>
+        </p:nvSpPr>
+        <p:spPr>
+          <a:xfrm>
+            <a:off x="2286000" y="5410200"/>
+            <a:ext cx="4343400" cy="762000"/>
+          </a:xfrm>
+          <a:prstGeom prst="rect">
+            <a:avLst/>
+          </a:prstGeom>
+          <a:solidFill>
+            <a:srgbClr val="8AAC46"/>
+          </a:solidFill>
+          <a:ln>
+            <a:noFill/>
+          </a:ln>
+        </p:spPr>
+        <p:style>
+          <a:lnRef idx="2">
+            <a:schemeClr val="accent1">
+              <a:shade val="50000"/>
+            </a:schemeClr>
+          </a:lnRef>
+          <a:fillRef idx="1">
+            <a:schemeClr val="accent1"/>
+          </a:fillRef>
+          <a:effectRef idx="0">
+            <a:schemeClr val="accent1"/>
+          </a:effectRef>
+          <a:fontRef idx="minor">
+            <a:schemeClr val="lt1"/>
+          </a:fontRef>
+        </p:style>
+        <p:txBody>
+          <a:bodyPr rtlCol="0" anchor="ctr"/>
+          <a:lstStyle/>
+          <a:p>
+            <a:endParaRPr lang="en-US" dirty="0"/>
+          </a:p>
+        </p:txBody>
+      </p:sp>
+      <p:sp>
+        <p:nvSpPr>
+          <p:cNvPr id="15" name="Rectangle 14"/>
+          <p:cNvSpPr/>
+          <p:nvPr/>
+        </p:nvSpPr>
+        <p:spPr>
+          <a:xfrm>
+            <a:off x="2778125" y="6172200"/>
+            <a:ext cx="307976" cy="152400"/>
+          </a:xfrm>
+          <a:prstGeom prst="rect">
+            <a:avLst/>
+          </a:prstGeom>
+          <a:solidFill>
+            <a:srgbClr val="8AAC46"/>
+          </a:solidFill>
+          <a:ln>
+            <a:noFill/>
+          </a:ln>
+        </p:spPr>
+        <p:style>
+          <a:lnRef idx="2">
+            <a:schemeClr val="accent1">
+              <a:shade val="50000"/>
+            </a:schemeClr>
+          </a:lnRef>
+          <a:fillRef idx="1">
+            <a:schemeClr val="accent1"/>
+          </a:fillRef>
+          <a:effectRef idx="0">
+            <a:schemeClr val="accent1"/>
+          </a:effectRef>
+          <a:fontRef idx="minor">
+            <a:schemeClr val="lt1"/>
+          </a:fontRef>
+        </p:style>
+        <p:txBody>
+          <a:bodyPr rtlCol="0" anchor="ctr"/>
+          <a:lstStyle/>
+          <a:p>
+            <a:endParaRPr lang="en-US" dirty="0"/>
+          </a:p>
+        </p:txBody>
+      </p:sp>
+      <p:sp>
+        <p:nvSpPr>
+          <p:cNvPr id="16" name="Rectangle 15"/>
+          <p:cNvSpPr/>
+          <p:nvPr/>
+        </p:nvSpPr>
+        <p:spPr>
+          <a:xfrm>
+            <a:off x="2286000" y="5257800"/>
+            <a:ext cx="457200" cy="152400"/>
+          </a:xfrm>
+          <a:prstGeom prst="rect">
+            <a:avLst/>
+          </a:prstGeom>
+          <a:solidFill>
+            <a:srgbClr val="8AAC46"/>
+          </a:solidFill>
+          <a:ln>
+            <a:noFill/>
+          </a:ln>
+        </p:spPr>
+        <p:style>
+          <a:lnRef idx="2">
+            <a:schemeClr val="accent1">
+              <a:shade val="50000"/>
+            </a:schemeClr>
+          </a:lnRef>
+          <a:fillRef idx="1">
+            <a:schemeClr val="accent1"/>
+          </a:fillRef>
+          <a:effectRef idx="0">
+            <a:schemeClr val="accent1"/>
+          </a:effectRef>
+          <a:fontRef idx="minor">
+            <a:schemeClr val="lt1"/>
+          </a:fontRef>
+        </p:style>
+        <p:txBody>
+          <a:bodyPr rtlCol="0" anchor="ctr"/>
+          <a:lstStyle/>
+          <a:p>
+            <a:endParaRPr lang="en-US" dirty="0"/>
+          </a:p>
+        </p:txBody>
+      </p:sp>
+      <p:sp>
+        <p:nvSpPr>
+          <p:cNvPr id="17" name="Rectangle 16"/>
+          <p:cNvSpPr/>
+          <p:nvPr/>
+        </p:nvSpPr>
+        <p:spPr>
+          <a:xfrm>
+            <a:off x="3124200" y="5257800"/>
+            <a:ext cx="3505200" cy="152400"/>
+          </a:xfrm>
+          <a:prstGeom prst="rect">
+            <a:avLst/>
+          </a:prstGeom>
+          <a:solidFill>
+            <a:srgbClr val="8AAC46"/>
           </a:solidFill>
           <a:ln>
             <a:noFill/>

--- a/HMSWebTest-Pen/Assets/Images/hmsgraphics.pptx
+++ b/HMSWebTest-Pen/Assets/Images/hmsgraphics.pptx
@@ -209,7 +209,7 @@
             <a:fld id="{6153BB3E-9447-4512-867E-C40997E12B5B}" type="datetimeFigureOut">
               <a:rPr lang="en-US" smtClean="0"/>
               <a:pPr/>
-              <a:t>4/22/2017</a:t>
+              <a:t>4/27/2017</a:t>
             </a:fld>
             <a:endParaRPr lang="en-US"/>
           </a:p>
@@ -739,7 +739,7 @@
             <a:fld id="{090B515E-C25E-45EE-BA79-D334A31660AC}" type="datetimeFigureOut">
               <a:rPr lang="en-US" smtClean="0"/>
               <a:pPr/>
-              <a:t>4/22/2017</a:t>
+              <a:t>4/27/2017</a:t>
             </a:fld>
             <a:endParaRPr lang="en-US"/>
           </a:p>
@@ -906,7 +906,7 @@
             <a:fld id="{090B515E-C25E-45EE-BA79-D334A31660AC}" type="datetimeFigureOut">
               <a:rPr lang="en-US" smtClean="0"/>
               <a:pPr/>
-              <a:t>4/22/2017</a:t>
+              <a:t>4/27/2017</a:t>
             </a:fld>
             <a:endParaRPr lang="en-US"/>
           </a:p>
@@ -1083,7 +1083,7 @@
             <a:fld id="{090B515E-C25E-45EE-BA79-D334A31660AC}" type="datetimeFigureOut">
               <a:rPr lang="en-US" smtClean="0"/>
               <a:pPr/>
-              <a:t>4/22/2017</a:t>
+              <a:t>4/27/2017</a:t>
             </a:fld>
             <a:endParaRPr lang="en-US"/>
           </a:p>
@@ -1250,7 +1250,7 @@
             <a:fld id="{090B515E-C25E-45EE-BA79-D334A31660AC}" type="datetimeFigureOut">
               <a:rPr lang="en-US" smtClean="0"/>
               <a:pPr/>
-              <a:t>4/22/2017</a:t>
+              <a:t>4/27/2017</a:t>
             </a:fld>
             <a:endParaRPr lang="en-US"/>
           </a:p>
@@ -1493,7 +1493,7 @@
             <a:fld id="{090B515E-C25E-45EE-BA79-D334A31660AC}" type="datetimeFigureOut">
               <a:rPr lang="en-US" smtClean="0"/>
               <a:pPr/>
-              <a:t>4/22/2017</a:t>
+              <a:t>4/27/2017</a:t>
             </a:fld>
             <a:endParaRPr lang="en-US"/>
           </a:p>
@@ -1778,7 +1778,7 @@
             <a:fld id="{090B515E-C25E-45EE-BA79-D334A31660AC}" type="datetimeFigureOut">
               <a:rPr lang="en-US" smtClean="0"/>
               <a:pPr/>
-              <a:t>4/22/2017</a:t>
+              <a:t>4/27/2017</a:t>
             </a:fld>
             <a:endParaRPr lang="en-US"/>
           </a:p>
@@ -2197,7 +2197,7 @@
             <a:fld id="{090B515E-C25E-45EE-BA79-D334A31660AC}" type="datetimeFigureOut">
               <a:rPr lang="en-US" smtClean="0"/>
               <a:pPr/>
-              <a:t>4/22/2017</a:t>
+              <a:t>4/27/2017</a:t>
             </a:fld>
             <a:endParaRPr lang="en-US"/>
           </a:p>
@@ -2312,7 +2312,7 @@
             <a:fld id="{090B515E-C25E-45EE-BA79-D334A31660AC}" type="datetimeFigureOut">
               <a:rPr lang="en-US" smtClean="0"/>
               <a:pPr/>
-              <a:t>4/22/2017</a:t>
+              <a:t>4/27/2017</a:t>
             </a:fld>
             <a:endParaRPr lang="en-US"/>
           </a:p>
@@ -2404,7 +2404,7 @@
             <a:fld id="{090B515E-C25E-45EE-BA79-D334A31660AC}" type="datetimeFigureOut">
               <a:rPr lang="en-US" smtClean="0"/>
               <a:pPr/>
-              <a:t>4/22/2017</a:t>
+              <a:t>4/27/2017</a:t>
             </a:fld>
             <a:endParaRPr lang="en-US"/>
           </a:p>
@@ -2678,7 +2678,7 @@
             <a:fld id="{090B515E-C25E-45EE-BA79-D334A31660AC}" type="datetimeFigureOut">
               <a:rPr lang="en-US" smtClean="0"/>
               <a:pPr/>
-              <a:t>4/22/2017</a:t>
+              <a:t>4/27/2017</a:t>
             </a:fld>
             <a:endParaRPr lang="en-US"/>
           </a:p>
@@ -2928,7 +2928,7 @@
             <a:fld id="{090B515E-C25E-45EE-BA79-D334A31660AC}" type="datetimeFigureOut">
               <a:rPr lang="en-US" smtClean="0"/>
               <a:pPr/>
-              <a:t>4/22/2017</a:t>
+              <a:t>4/27/2017</a:t>
             </a:fld>
             <a:endParaRPr lang="en-US"/>
           </a:p>
@@ -3138,7 +3138,7 @@
             <a:fld id="{090B515E-C25E-45EE-BA79-D334A31660AC}" type="datetimeFigureOut">
               <a:rPr lang="en-US" smtClean="0"/>
               <a:pPr/>
-              <a:t>4/22/2017</a:t>
+              <a:t>4/27/2017</a:t>
             </a:fld>
             <a:endParaRPr lang="en-US"/>
           </a:p>
@@ -12023,194 +12023,209 @@
           <a:chExt cx="0" cy="0"/>
         </a:xfrm>
       </p:grpSpPr>
-      <p:sp>
-        <p:nvSpPr>
-          <p:cNvPr id="4" name="Rectangle 3"/>
-          <p:cNvSpPr/>
+      <p:grpSp>
+        <p:nvGrpSpPr>
+          <p:cNvPr id="18" name="Group 17"/>
+          <p:cNvGrpSpPr/>
           <p:nvPr/>
-        </p:nvSpPr>
-        <p:spPr>
+        </p:nvGrpSpPr>
+        <p:grpSpPr>
           <a:xfrm>
-            <a:off x="2286000" y="3581400"/>
-            <a:ext cx="4343400" cy="762000"/>
-          </a:xfrm>
-          <a:prstGeom prst="rect">
-            <a:avLst/>
-          </a:prstGeom>
-          <a:solidFill>
-            <a:schemeClr val="accent1">
-              <a:lumMod val="75000"/>
-            </a:schemeClr>
-          </a:solidFill>
-          <a:ln>
-            <a:noFill/>
-          </a:ln>
-        </p:spPr>
-        <p:style>
-          <a:lnRef idx="2">
-            <a:schemeClr val="accent1">
-              <a:shade val="50000"/>
-            </a:schemeClr>
-          </a:lnRef>
-          <a:fillRef idx="1">
-            <a:schemeClr val="accent1"/>
-          </a:fillRef>
-          <a:effectRef idx="0">
-            <a:schemeClr val="accent1"/>
-          </a:effectRef>
-          <a:fontRef idx="minor">
-            <a:schemeClr val="lt1"/>
-          </a:fontRef>
-        </p:style>
-        <p:txBody>
-          <a:bodyPr rtlCol="0" anchor="ctr"/>
-          <a:lstStyle/>
-          <a:p>
-            <a:endParaRPr lang="en-US" dirty="0"/>
-          </a:p>
-        </p:txBody>
-      </p:sp>
-      <p:sp>
-        <p:nvSpPr>
-          <p:cNvPr id="5" name="Rectangle 4"/>
-          <p:cNvSpPr/>
-          <p:nvPr/>
-        </p:nvSpPr>
-        <p:spPr>
-          <a:xfrm>
-            <a:off x="2778125" y="4343400"/>
-            <a:ext cx="307976" cy="152400"/>
-          </a:xfrm>
-          <a:prstGeom prst="rect">
-            <a:avLst/>
-          </a:prstGeom>
-          <a:solidFill>
-            <a:schemeClr val="accent1">
-              <a:lumMod val="75000"/>
-            </a:schemeClr>
-          </a:solidFill>
-          <a:ln>
-            <a:noFill/>
-          </a:ln>
-        </p:spPr>
-        <p:style>
-          <a:lnRef idx="2">
-            <a:schemeClr val="accent1">
-              <a:shade val="50000"/>
-            </a:schemeClr>
-          </a:lnRef>
-          <a:fillRef idx="1">
-            <a:schemeClr val="accent1"/>
-          </a:fillRef>
-          <a:effectRef idx="0">
-            <a:schemeClr val="accent1"/>
-          </a:effectRef>
-          <a:fontRef idx="minor">
-            <a:schemeClr val="lt1"/>
-          </a:fontRef>
-        </p:style>
-        <p:txBody>
-          <a:bodyPr rtlCol="0" anchor="ctr"/>
-          <a:lstStyle/>
-          <a:p>
-            <a:endParaRPr lang="en-US" dirty="0"/>
-          </a:p>
-        </p:txBody>
-      </p:sp>
-      <p:sp>
-        <p:nvSpPr>
-          <p:cNvPr id="6" name="Rectangle 5"/>
-          <p:cNvSpPr/>
-          <p:nvPr/>
-        </p:nvSpPr>
-        <p:spPr>
-          <a:xfrm>
-            <a:off x="2286000" y="3429000"/>
-            <a:ext cx="457200" cy="152400"/>
-          </a:xfrm>
-          <a:prstGeom prst="rect">
-            <a:avLst/>
-          </a:prstGeom>
-          <a:solidFill>
-            <a:schemeClr val="accent1">
-              <a:lumMod val="75000"/>
-            </a:schemeClr>
-          </a:solidFill>
-          <a:ln>
-            <a:noFill/>
-          </a:ln>
-        </p:spPr>
-        <p:style>
-          <a:lnRef idx="2">
-            <a:schemeClr val="accent1">
-              <a:shade val="50000"/>
-            </a:schemeClr>
-          </a:lnRef>
-          <a:fillRef idx="1">
-            <a:schemeClr val="accent1"/>
-          </a:fillRef>
-          <a:effectRef idx="0">
-            <a:schemeClr val="accent1"/>
-          </a:effectRef>
-          <a:fontRef idx="minor">
-            <a:schemeClr val="lt1"/>
-          </a:fontRef>
-        </p:style>
-        <p:txBody>
-          <a:bodyPr rtlCol="0" anchor="ctr"/>
-          <a:lstStyle/>
-          <a:p>
-            <a:endParaRPr lang="en-US" dirty="0"/>
-          </a:p>
-        </p:txBody>
-      </p:sp>
-      <p:sp>
-        <p:nvSpPr>
-          <p:cNvPr id="7" name="Rectangle 6"/>
-          <p:cNvSpPr/>
-          <p:nvPr/>
-        </p:nvSpPr>
-        <p:spPr>
-          <a:xfrm>
-            <a:off x="3124200" y="3429000"/>
-            <a:ext cx="3505200" cy="152400"/>
-          </a:xfrm>
-          <a:prstGeom prst="rect">
-            <a:avLst/>
-          </a:prstGeom>
-          <a:solidFill>
-            <a:schemeClr val="accent1">
-              <a:lumMod val="75000"/>
-            </a:schemeClr>
-          </a:solidFill>
-          <a:ln>
-            <a:noFill/>
-          </a:ln>
-        </p:spPr>
-        <p:style>
-          <a:lnRef idx="2">
-            <a:schemeClr val="accent1">
-              <a:shade val="50000"/>
-            </a:schemeClr>
-          </a:lnRef>
-          <a:fillRef idx="1">
-            <a:schemeClr val="accent1"/>
-          </a:fillRef>
-          <a:effectRef idx="0">
-            <a:schemeClr val="accent1"/>
-          </a:effectRef>
-          <a:fontRef idx="minor">
-            <a:schemeClr val="lt1"/>
-          </a:fontRef>
-        </p:style>
-        <p:txBody>
-          <a:bodyPr rtlCol="0" anchor="ctr"/>
-          <a:lstStyle/>
-          <a:p>
-            <a:endParaRPr lang="en-US" dirty="0"/>
-          </a:p>
-        </p:txBody>
-      </p:sp>
+            <a:off x="5943600" y="2590800"/>
+            <a:ext cx="4343400" cy="1066800"/>
+            <a:chOff x="2286000" y="3429000"/>
+            <a:chExt cx="4343400" cy="1066800"/>
+          </a:xfrm>
+        </p:grpSpPr>
+        <p:sp>
+          <p:nvSpPr>
+            <p:cNvPr id="4" name="Rectangle 3"/>
+            <p:cNvSpPr/>
+            <p:nvPr/>
+          </p:nvSpPr>
+          <p:spPr>
+            <a:xfrm>
+              <a:off x="2286000" y="3581400"/>
+              <a:ext cx="4343400" cy="762000"/>
+            </a:xfrm>
+            <a:prstGeom prst="rect">
+              <a:avLst/>
+            </a:prstGeom>
+            <a:solidFill>
+              <a:schemeClr val="accent1">
+                <a:lumMod val="75000"/>
+              </a:schemeClr>
+            </a:solidFill>
+            <a:ln>
+              <a:noFill/>
+            </a:ln>
+          </p:spPr>
+          <p:style>
+            <a:lnRef idx="2">
+              <a:schemeClr val="accent1">
+                <a:shade val="50000"/>
+              </a:schemeClr>
+            </a:lnRef>
+            <a:fillRef idx="1">
+              <a:schemeClr val="accent1"/>
+            </a:fillRef>
+            <a:effectRef idx="0">
+              <a:schemeClr val="accent1"/>
+            </a:effectRef>
+            <a:fontRef idx="minor">
+              <a:schemeClr val="lt1"/>
+            </a:fontRef>
+          </p:style>
+          <p:txBody>
+            <a:bodyPr rtlCol="0" anchor="ctr"/>
+            <a:lstStyle/>
+            <a:p>
+              <a:endParaRPr lang="en-US" dirty="0"/>
+            </a:p>
+          </p:txBody>
+        </p:sp>
+        <p:sp>
+          <p:nvSpPr>
+            <p:cNvPr id="5" name="Rectangle 4"/>
+            <p:cNvSpPr/>
+            <p:nvPr/>
+          </p:nvSpPr>
+          <p:spPr>
+            <a:xfrm>
+              <a:off x="2778125" y="4343400"/>
+              <a:ext cx="307976" cy="152400"/>
+            </a:xfrm>
+            <a:prstGeom prst="rect">
+              <a:avLst/>
+            </a:prstGeom>
+            <a:solidFill>
+              <a:schemeClr val="accent1">
+                <a:lumMod val="75000"/>
+              </a:schemeClr>
+            </a:solidFill>
+            <a:ln>
+              <a:noFill/>
+            </a:ln>
+          </p:spPr>
+          <p:style>
+            <a:lnRef idx="2">
+              <a:schemeClr val="accent1">
+                <a:shade val="50000"/>
+              </a:schemeClr>
+            </a:lnRef>
+            <a:fillRef idx="1">
+              <a:schemeClr val="accent1"/>
+            </a:fillRef>
+            <a:effectRef idx="0">
+              <a:schemeClr val="accent1"/>
+            </a:effectRef>
+            <a:fontRef idx="minor">
+              <a:schemeClr val="lt1"/>
+            </a:fontRef>
+          </p:style>
+          <p:txBody>
+            <a:bodyPr rtlCol="0" anchor="ctr"/>
+            <a:lstStyle/>
+            <a:p>
+              <a:endParaRPr lang="en-US" dirty="0"/>
+            </a:p>
+          </p:txBody>
+        </p:sp>
+        <p:sp>
+          <p:nvSpPr>
+            <p:cNvPr id="6" name="Rectangle 5"/>
+            <p:cNvSpPr/>
+            <p:nvPr/>
+          </p:nvSpPr>
+          <p:spPr>
+            <a:xfrm>
+              <a:off x="2286000" y="3429000"/>
+              <a:ext cx="457200" cy="152400"/>
+            </a:xfrm>
+            <a:prstGeom prst="rect">
+              <a:avLst/>
+            </a:prstGeom>
+            <a:solidFill>
+              <a:schemeClr val="accent1">
+                <a:lumMod val="75000"/>
+              </a:schemeClr>
+            </a:solidFill>
+            <a:ln>
+              <a:noFill/>
+            </a:ln>
+          </p:spPr>
+          <p:style>
+            <a:lnRef idx="2">
+              <a:schemeClr val="accent1">
+                <a:shade val="50000"/>
+              </a:schemeClr>
+            </a:lnRef>
+            <a:fillRef idx="1">
+              <a:schemeClr val="accent1"/>
+            </a:fillRef>
+            <a:effectRef idx="0">
+              <a:schemeClr val="accent1"/>
+            </a:effectRef>
+            <a:fontRef idx="minor">
+              <a:schemeClr val="lt1"/>
+            </a:fontRef>
+          </p:style>
+          <p:txBody>
+            <a:bodyPr rtlCol="0" anchor="ctr"/>
+            <a:lstStyle/>
+            <a:p>
+              <a:endParaRPr lang="en-US" dirty="0"/>
+            </a:p>
+          </p:txBody>
+        </p:sp>
+        <p:sp>
+          <p:nvSpPr>
+            <p:cNvPr id="7" name="Rectangle 6"/>
+            <p:cNvSpPr/>
+            <p:nvPr/>
+          </p:nvSpPr>
+          <p:spPr>
+            <a:xfrm>
+              <a:off x="3124200" y="3429000"/>
+              <a:ext cx="3505200" cy="152400"/>
+            </a:xfrm>
+            <a:prstGeom prst="rect">
+              <a:avLst/>
+            </a:prstGeom>
+            <a:solidFill>
+              <a:schemeClr val="accent1">
+                <a:lumMod val="75000"/>
+              </a:schemeClr>
+            </a:solidFill>
+            <a:ln>
+              <a:noFill/>
+            </a:ln>
+          </p:spPr>
+          <p:style>
+            <a:lnRef idx="2">
+              <a:schemeClr val="accent1">
+                <a:shade val="50000"/>
+              </a:schemeClr>
+            </a:lnRef>
+            <a:fillRef idx="1">
+              <a:schemeClr val="accent1"/>
+            </a:fillRef>
+            <a:effectRef idx="0">
+              <a:schemeClr val="accent1"/>
+            </a:effectRef>
+            <a:fontRef idx="minor">
+              <a:schemeClr val="lt1"/>
+            </a:fontRef>
+          </p:style>
+          <p:txBody>
+            <a:bodyPr rtlCol="0" anchor="ctr"/>
+            <a:lstStyle/>
+            <a:p>
+              <a:endParaRPr lang="en-US" dirty="0"/>
+            </a:p>
+          </p:txBody>
+        </p:sp>
+      </p:grpSp>
       <p:sp>
         <p:nvSpPr>
           <p:cNvPr id="8" name="Rectangle 7"/>
@@ -12219,7 +12234,7 @@
         </p:nvSpPr>
         <p:spPr>
           <a:xfrm>
-            <a:off x="2209800" y="1600200"/>
+            <a:off x="1219200" y="685800"/>
             <a:ext cx="4343400" cy="914400"/>
           </a:xfrm>
           <a:prstGeom prst="rect">
@@ -12264,7 +12279,7 @@
         </p:nvSpPr>
         <p:spPr>
           <a:xfrm>
-            <a:off x="2701925" y="2514600"/>
+            <a:off x="1711325" y="1600200"/>
             <a:ext cx="307976" cy="152400"/>
           </a:xfrm>
           <a:prstGeom prst="rect">
@@ -12309,7 +12324,7 @@
         </p:nvSpPr>
         <p:spPr>
           <a:xfrm>
-            <a:off x="1219200" y="1066800"/>
+            <a:off x="228600" y="152400"/>
             <a:ext cx="457200" cy="152400"/>
           </a:xfrm>
           <a:prstGeom prst="rect">
@@ -12356,7 +12371,7 @@
         </p:nvSpPr>
         <p:spPr>
           <a:xfrm>
-            <a:off x="2347912" y="1371600"/>
+            <a:off x="1357312" y="457200"/>
             <a:ext cx="1690688" cy="228600"/>
           </a:xfrm>
           <a:prstGeom prst="rect">
@@ -12401,7 +12416,7 @@
         </p:nvSpPr>
         <p:spPr>
           <a:xfrm>
-            <a:off x="2209800" y="1371600"/>
+            <a:off x="1219200" y="457200"/>
             <a:ext cx="1066800" cy="228600"/>
           </a:xfrm>
           <a:prstGeom prst="triangle">
@@ -12448,7 +12463,7 @@
         </p:nvSpPr>
         <p:spPr>
           <a:xfrm>
-            <a:off x="3810000" y="1371600"/>
+            <a:off x="2819400" y="457200"/>
             <a:ext cx="914400" cy="228600"/>
           </a:xfrm>
           <a:prstGeom prst="triangle">
@@ -12495,7 +12510,7 @@
         </p:nvSpPr>
         <p:spPr>
           <a:xfrm>
-            <a:off x="2286000" y="5410200"/>
+            <a:off x="1295400" y="4495800"/>
             <a:ext cx="4343400" cy="762000"/>
           </a:xfrm>
           <a:prstGeom prst="rect">
@@ -12540,7 +12555,7 @@
         </p:nvSpPr>
         <p:spPr>
           <a:xfrm>
-            <a:off x="2778125" y="6172200"/>
+            <a:off x="1787525" y="5257800"/>
             <a:ext cx="307976" cy="152400"/>
           </a:xfrm>
           <a:prstGeom prst="rect">
@@ -12585,7 +12600,7 @@
         </p:nvSpPr>
         <p:spPr>
           <a:xfrm>
-            <a:off x="2286000" y="5257800"/>
+            <a:off x="1295400" y="4343400"/>
             <a:ext cx="457200" cy="152400"/>
           </a:xfrm>
           <a:prstGeom prst="rect">
@@ -12630,7 +12645,7 @@
         </p:nvSpPr>
         <p:spPr>
           <a:xfrm>
-            <a:off x="3124200" y="5257800"/>
+            <a:off x="2133600" y="4343400"/>
             <a:ext cx="3505200" cy="152400"/>
           </a:xfrm>
           <a:prstGeom prst="rect">
@@ -12638,6 +12653,540 @@
           </a:prstGeom>
           <a:solidFill>
             <a:srgbClr val="8AAC46"/>
+          </a:solidFill>
+          <a:ln>
+            <a:noFill/>
+          </a:ln>
+        </p:spPr>
+        <p:style>
+          <a:lnRef idx="2">
+            <a:schemeClr val="accent1">
+              <a:shade val="50000"/>
+            </a:schemeClr>
+          </a:lnRef>
+          <a:fillRef idx="1">
+            <a:schemeClr val="accent1"/>
+          </a:fillRef>
+          <a:effectRef idx="0">
+            <a:schemeClr val="accent1"/>
+          </a:effectRef>
+          <a:fontRef idx="minor">
+            <a:schemeClr val="lt1"/>
+          </a:fontRef>
+        </p:style>
+        <p:txBody>
+          <a:bodyPr rtlCol="0" anchor="ctr"/>
+          <a:lstStyle/>
+          <a:p>
+            <a:endParaRPr lang="en-US" dirty="0"/>
+          </a:p>
+        </p:txBody>
+      </p:sp>
+      <p:grpSp>
+        <p:nvGrpSpPr>
+          <p:cNvPr id="24" name="Group 23"/>
+          <p:cNvGrpSpPr/>
+          <p:nvPr/>
+        </p:nvGrpSpPr>
+        <p:grpSpPr>
+          <a:xfrm>
+            <a:off x="1905000" y="762000"/>
+            <a:ext cx="4343400" cy="228600"/>
+            <a:chOff x="3048000" y="1981200"/>
+            <a:chExt cx="4343400" cy="533400"/>
+          </a:xfrm>
+        </p:grpSpPr>
+        <p:sp>
+          <p:nvSpPr>
+            <p:cNvPr id="20" name="Rectangle 19"/>
+            <p:cNvSpPr/>
+            <p:nvPr/>
+          </p:nvSpPr>
+          <p:spPr>
+            <a:xfrm>
+              <a:off x="3048000" y="2133600"/>
+              <a:ext cx="4343400" cy="228600"/>
+            </a:xfrm>
+            <a:prstGeom prst="rect">
+              <a:avLst/>
+            </a:prstGeom>
+            <a:solidFill>
+              <a:schemeClr val="bg1"/>
+            </a:solidFill>
+            <a:ln>
+              <a:noFill/>
+            </a:ln>
+          </p:spPr>
+          <p:style>
+            <a:lnRef idx="2">
+              <a:schemeClr val="accent1">
+                <a:shade val="50000"/>
+              </a:schemeClr>
+            </a:lnRef>
+            <a:fillRef idx="1">
+              <a:schemeClr val="accent1"/>
+            </a:fillRef>
+            <a:effectRef idx="0">
+              <a:schemeClr val="accent1"/>
+            </a:effectRef>
+            <a:fontRef idx="minor">
+              <a:schemeClr val="lt1"/>
+            </a:fontRef>
+          </p:style>
+          <p:txBody>
+            <a:bodyPr rtlCol="0" anchor="ctr"/>
+            <a:lstStyle/>
+            <a:p>
+              <a:endParaRPr lang="en-US" dirty="0"/>
+            </a:p>
+          </p:txBody>
+        </p:sp>
+        <p:sp>
+          <p:nvSpPr>
+            <p:cNvPr id="21" name="Rectangle 20"/>
+            <p:cNvSpPr/>
+            <p:nvPr/>
+          </p:nvSpPr>
+          <p:spPr>
+            <a:xfrm>
+              <a:off x="3540125" y="2362200"/>
+              <a:ext cx="307976" cy="152400"/>
+            </a:xfrm>
+            <a:prstGeom prst="rect">
+              <a:avLst/>
+            </a:prstGeom>
+            <a:solidFill>
+              <a:schemeClr val="bg1"/>
+            </a:solidFill>
+            <a:ln>
+              <a:noFill/>
+            </a:ln>
+          </p:spPr>
+          <p:style>
+            <a:lnRef idx="2">
+              <a:schemeClr val="accent1">
+                <a:shade val="50000"/>
+              </a:schemeClr>
+            </a:lnRef>
+            <a:fillRef idx="1">
+              <a:schemeClr val="accent1"/>
+            </a:fillRef>
+            <a:effectRef idx="0">
+              <a:schemeClr val="accent1"/>
+            </a:effectRef>
+            <a:fontRef idx="minor">
+              <a:schemeClr val="lt1"/>
+            </a:fontRef>
+          </p:style>
+          <p:txBody>
+            <a:bodyPr rtlCol="0" anchor="ctr"/>
+            <a:lstStyle/>
+            <a:p>
+              <a:endParaRPr lang="en-US" dirty="0"/>
+            </a:p>
+          </p:txBody>
+        </p:sp>
+        <p:sp>
+          <p:nvSpPr>
+            <p:cNvPr id="22" name="Rectangle 21"/>
+            <p:cNvSpPr/>
+            <p:nvPr/>
+          </p:nvSpPr>
+          <p:spPr>
+            <a:xfrm>
+              <a:off x="3048000" y="1981200"/>
+              <a:ext cx="457200" cy="152400"/>
+            </a:xfrm>
+            <a:prstGeom prst="rect">
+              <a:avLst/>
+            </a:prstGeom>
+            <a:solidFill>
+              <a:schemeClr val="bg1"/>
+            </a:solidFill>
+            <a:ln>
+              <a:noFill/>
+            </a:ln>
+          </p:spPr>
+          <p:style>
+            <a:lnRef idx="2">
+              <a:schemeClr val="accent1">
+                <a:shade val="50000"/>
+              </a:schemeClr>
+            </a:lnRef>
+            <a:fillRef idx="1">
+              <a:schemeClr val="accent1"/>
+            </a:fillRef>
+            <a:effectRef idx="0">
+              <a:schemeClr val="accent1"/>
+            </a:effectRef>
+            <a:fontRef idx="minor">
+              <a:schemeClr val="lt1"/>
+            </a:fontRef>
+          </p:style>
+          <p:txBody>
+            <a:bodyPr rtlCol="0" anchor="ctr"/>
+            <a:lstStyle/>
+            <a:p>
+              <a:endParaRPr lang="en-US" dirty="0"/>
+            </a:p>
+          </p:txBody>
+        </p:sp>
+        <p:sp>
+          <p:nvSpPr>
+            <p:cNvPr id="23" name="Rectangle 22"/>
+            <p:cNvSpPr/>
+            <p:nvPr/>
+          </p:nvSpPr>
+          <p:spPr>
+            <a:xfrm>
+              <a:off x="3886200" y="1981200"/>
+              <a:ext cx="3505200" cy="152400"/>
+            </a:xfrm>
+            <a:prstGeom prst="rect">
+              <a:avLst/>
+            </a:prstGeom>
+            <a:solidFill>
+              <a:schemeClr val="bg1"/>
+            </a:solidFill>
+            <a:ln>
+              <a:noFill/>
+            </a:ln>
+          </p:spPr>
+          <p:style>
+            <a:lnRef idx="2">
+              <a:schemeClr val="accent1">
+                <a:shade val="50000"/>
+              </a:schemeClr>
+            </a:lnRef>
+            <a:fillRef idx="1">
+              <a:schemeClr val="accent1"/>
+            </a:fillRef>
+            <a:effectRef idx="0">
+              <a:schemeClr val="accent1"/>
+            </a:effectRef>
+            <a:fontRef idx="minor">
+              <a:schemeClr val="lt1"/>
+            </a:fontRef>
+          </p:style>
+          <p:txBody>
+            <a:bodyPr rtlCol="0" anchor="ctr"/>
+            <a:lstStyle/>
+            <a:p>
+              <a:endParaRPr lang="en-US" dirty="0"/>
+            </a:p>
+          </p:txBody>
+        </p:sp>
+      </p:grpSp>
+      <p:grpSp>
+        <p:nvGrpSpPr>
+          <p:cNvPr id="34" name="Group 33"/>
+          <p:cNvGrpSpPr/>
+          <p:nvPr/>
+        </p:nvGrpSpPr>
+        <p:grpSpPr>
+          <a:xfrm>
+            <a:off x="5448300" y="1638300"/>
+            <a:ext cx="4343400" cy="1066800"/>
+            <a:chOff x="6172200" y="3200400"/>
+            <a:chExt cx="4343400" cy="1066800"/>
+          </a:xfrm>
+          <a:solidFill>
+            <a:srgbClr val="CC3300"/>
+          </a:solidFill>
+        </p:grpSpPr>
+        <p:sp>
+          <p:nvSpPr>
+            <p:cNvPr id="26" name="Rectangle 25"/>
+            <p:cNvSpPr/>
+            <p:nvPr/>
+          </p:nvSpPr>
+          <p:spPr>
+            <a:xfrm>
+              <a:off x="7162800" y="4114800"/>
+              <a:ext cx="307976" cy="152400"/>
+            </a:xfrm>
+            <a:prstGeom prst="rect">
+              <a:avLst/>
+            </a:prstGeom>
+            <a:grpFill/>
+            <a:ln>
+              <a:noFill/>
+            </a:ln>
+          </p:spPr>
+          <p:style>
+            <a:lnRef idx="2">
+              <a:schemeClr val="accent1">
+                <a:shade val="50000"/>
+              </a:schemeClr>
+            </a:lnRef>
+            <a:fillRef idx="1">
+              <a:schemeClr val="accent1"/>
+            </a:fillRef>
+            <a:effectRef idx="0">
+              <a:schemeClr val="accent1"/>
+            </a:effectRef>
+            <a:fontRef idx="minor">
+              <a:schemeClr val="lt1"/>
+            </a:fontRef>
+          </p:style>
+          <p:txBody>
+            <a:bodyPr rtlCol="0" anchor="ctr"/>
+            <a:lstStyle/>
+            <a:p>
+              <a:endParaRPr lang="en-US" dirty="0"/>
+            </a:p>
+          </p:txBody>
+        </p:sp>
+        <p:sp>
+          <p:nvSpPr>
+            <p:cNvPr id="25" name="Rectangle 24"/>
+            <p:cNvSpPr/>
+            <p:nvPr/>
+          </p:nvSpPr>
+          <p:spPr>
+            <a:xfrm>
+              <a:off x="6172200" y="3352800"/>
+              <a:ext cx="4343400" cy="762000"/>
+            </a:xfrm>
+            <a:prstGeom prst="rect">
+              <a:avLst/>
+            </a:prstGeom>
+            <a:grpFill/>
+            <a:ln>
+              <a:noFill/>
+            </a:ln>
+          </p:spPr>
+          <p:style>
+            <a:lnRef idx="2">
+              <a:schemeClr val="accent1">
+                <a:shade val="50000"/>
+              </a:schemeClr>
+            </a:lnRef>
+            <a:fillRef idx="1">
+              <a:schemeClr val="accent1"/>
+            </a:fillRef>
+            <a:effectRef idx="0">
+              <a:schemeClr val="accent1"/>
+            </a:effectRef>
+            <a:fontRef idx="minor">
+              <a:schemeClr val="lt1"/>
+            </a:fontRef>
+          </p:style>
+          <p:txBody>
+            <a:bodyPr rtlCol="0" anchor="ctr"/>
+            <a:lstStyle/>
+            <a:p>
+              <a:endParaRPr lang="en-US" dirty="0"/>
+            </a:p>
+          </p:txBody>
+        </p:sp>
+        <p:sp>
+          <p:nvSpPr>
+            <p:cNvPr id="27" name="Rectangle 26"/>
+            <p:cNvSpPr/>
+            <p:nvPr/>
+          </p:nvSpPr>
+          <p:spPr>
+            <a:xfrm>
+              <a:off x="6172200" y="3200400"/>
+              <a:ext cx="457200" cy="152400"/>
+            </a:xfrm>
+            <a:prstGeom prst="rect">
+              <a:avLst/>
+            </a:prstGeom>
+            <a:grpFill/>
+            <a:ln>
+              <a:noFill/>
+            </a:ln>
+          </p:spPr>
+          <p:style>
+            <a:lnRef idx="2">
+              <a:schemeClr val="accent1">
+                <a:shade val="50000"/>
+              </a:schemeClr>
+            </a:lnRef>
+            <a:fillRef idx="1">
+              <a:schemeClr val="accent1"/>
+            </a:fillRef>
+            <a:effectRef idx="0">
+              <a:schemeClr val="accent1"/>
+            </a:effectRef>
+            <a:fontRef idx="minor">
+              <a:schemeClr val="lt1"/>
+            </a:fontRef>
+          </p:style>
+          <p:txBody>
+            <a:bodyPr rtlCol="0" anchor="ctr"/>
+            <a:lstStyle/>
+            <a:p>
+              <a:endParaRPr lang="en-US" dirty="0"/>
+            </a:p>
+          </p:txBody>
+        </p:sp>
+        <p:sp>
+          <p:nvSpPr>
+            <p:cNvPr id="28" name="Rectangle 27"/>
+            <p:cNvSpPr/>
+            <p:nvPr/>
+          </p:nvSpPr>
+          <p:spPr>
+            <a:xfrm>
+              <a:off x="7010400" y="3200400"/>
+              <a:ext cx="3505200" cy="152400"/>
+            </a:xfrm>
+            <a:prstGeom prst="rect">
+              <a:avLst/>
+            </a:prstGeom>
+            <a:grpFill/>
+            <a:ln>
+              <a:noFill/>
+            </a:ln>
+          </p:spPr>
+          <p:style>
+            <a:lnRef idx="2">
+              <a:schemeClr val="accent1">
+                <a:shade val="50000"/>
+              </a:schemeClr>
+            </a:lnRef>
+            <a:fillRef idx="1">
+              <a:schemeClr val="accent1"/>
+            </a:fillRef>
+            <a:effectRef idx="0">
+              <a:schemeClr val="accent1"/>
+            </a:effectRef>
+            <a:fontRef idx="minor">
+              <a:schemeClr val="lt1"/>
+            </a:fontRef>
+          </p:style>
+          <p:txBody>
+            <a:bodyPr rtlCol="0" anchor="ctr"/>
+            <a:lstStyle/>
+            <a:p>
+              <a:endParaRPr lang="en-US" dirty="0"/>
+            </a:p>
+          </p:txBody>
+        </p:sp>
+      </p:grpSp>
+      <p:grpSp>
+        <p:nvGrpSpPr>
+          <p:cNvPr id="32" name="Group 31"/>
+          <p:cNvGrpSpPr/>
+          <p:nvPr/>
+        </p:nvGrpSpPr>
+        <p:grpSpPr>
+          <a:xfrm>
+            <a:off x="5448300" y="3695700"/>
+            <a:ext cx="4343400" cy="914400"/>
+            <a:chOff x="6172200" y="5334000"/>
+            <a:chExt cx="4343400" cy="914400"/>
+          </a:xfrm>
+          <a:solidFill>
+            <a:srgbClr val="CC3300"/>
+          </a:solidFill>
+        </p:grpSpPr>
+        <p:sp>
+          <p:nvSpPr>
+            <p:cNvPr id="29" name="Rectangle 28"/>
+            <p:cNvSpPr/>
+            <p:nvPr/>
+          </p:nvSpPr>
+          <p:spPr>
+            <a:xfrm>
+              <a:off x="6172200" y="5334000"/>
+              <a:ext cx="4343400" cy="762000"/>
+            </a:xfrm>
+            <a:prstGeom prst="rect">
+              <a:avLst/>
+            </a:prstGeom>
+            <a:grpFill/>
+            <a:ln>
+              <a:noFill/>
+            </a:ln>
+          </p:spPr>
+          <p:style>
+            <a:lnRef idx="2">
+              <a:schemeClr val="accent1">
+                <a:shade val="50000"/>
+              </a:schemeClr>
+            </a:lnRef>
+            <a:fillRef idx="1">
+              <a:schemeClr val="accent1"/>
+            </a:fillRef>
+            <a:effectRef idx="0">
+              <a:schemeClr val="accent1"/>
+            </a:effectRef>
+            <a:fontRef idx="minor">
+              <a:schemeClr val="lt1"/>
+            </a:fontRef>
+          </p:style>
+          <p:txBody>
+            <a:bodyPr rtlCol="0" anchor="ctr"/>
+            <a:lstStyle/>
+            <a:p>
+              <a:endParaRPr lang="en-US" dirty="0"/>
+            </a:p>
+          </p:txBody>
+        </p:sp>
+        <p:sp>
+          <p:nvSpPr>
+            <p:cNvPr id="30" name="Rectangle 29"/>
+            <p:cNvSpPr/>
+            <p:nvPr/>
+          </p:nvSpPr>
+          <p:spPr>
+            <a:xfrm>
+              <a:off x="7159624" y="6096000"/>
+              <a:ext cx="307976" cy="152400"/>
+            </a:xfrm>
+            <a:prstGeom prst="rect">
+              <a:avLst/>
+            </a:prstGeom>
+            <a:grpFill/>
+            <a:ln>
+              <a:noFill/>
+            </a:ln>
+          </p:spPr>
+          <p:style>
+            <a:lnRef idx="2">
+              <a:schemeClr val="accent1">
+                <a:shade val="50000"/>
+              </a:schemeClr>
+            </a:lnRef>
+            <a:fillRef idx="1">
+              <a:schemeClr val="accent1"/>
+            </a:fillRef>
+            <a:effectRef idx="0">
+              <a:schemeClr val="accent1"/>
+            </a:effectRef>
+            <a:fontRef idx="minor">
+              <a:schemeClr val="lt1"/>
+            </a:fontRef>
+          </p:style>
+          <p:txBody>
+            <a:bodyPr rtlCol="0" anchor="ctr"/>
+            <a:lstStyle/>
+            <a:p>
+              <a:endParaRPr lang="en-US" dirty="0"/>
+            </a:p>
+          </p:txBody>
+        </p:sp>
+      </p:grpSp>
+      <p:sp>
+        <p:nvSpPr>
+          <p:cNvPr id="31" name="Rectangle 30"/>
+          <p:cNvSpPr/>
+          <p:nvPr/>
+        </p:nvSpPr>
+        <p:spPr>
+          <a:xfrm>
+            <a:off x="5448300" y="2552700"/>
+            <a:ext cx="457200" cy="1143000"/>
+          </a:xfrm>
+          <a:prstGeom prst="rect">
+            <a:avLst/>
+          </a:prstGeom>
+          <a:solidFill>
+            <a:srgbClr val="CC3300"/>
           </a:solidFill>
           <a:ln>
             <a:noFill/>

--- a/HMSWebTest-Pen/Assets/Images/hmsgraphics.pptx
+++ b/HMSWebTest-Pen/Assets/Images/hmsgraphics.pptx
@@ -209,7 +209,7 @@
             <a:fld id="{6153BB3E-9447-4512-867E-C40997E12B5B}" type="datetimeFigureOut">
               <a:rPr lang="en-US" smtClean="0"/>
               <a:pPr/>
-              <a:t>4/27/2017</a:t>
+              <a:t>5/2/2017</a:t>
             </a:fld>
             <a:endParaRPr lang="en-US"/>
           </a:p>
@@ -739,7 +739,7 @@
             <a:fld id="{090B515E-C25E-45EE-BA79-D334A31660AC}" type="datetimeFigureOut">
               <a:rPr lang="en-US" smtClean="0"/>
               <a:pPr/>
-              <a:t>4/27/2017</a:t>
+              <a:t>5/2/2017</a:t>
             </a:fld>
             <a:endParaRPr lang="en-US"/>
           </a:p>
@@ -906,7 +906,7 @@
             <a:fld id="{090B515E-C25E-45EE-BA79-D334A31660AC}" type="datetimeFigureOut">
               <a:rPr lang="en-US" smtClean="0"/>
               <a:pPr/>
-              <a:t>4/27/2017</a:t>
+              <a:t>5/2/2017</a:t>
             </a:fld>
             <a:endParaRPr lang="en-US"/>
           </a:p>
@@ -1083,7 +1083,7 @@
             <a:fld id="{090B515E-C25E-45EE-BA79-D334A31660AC}" type="datetimeFigureOut">
               <a:rPr lang="en-US" smtClean="0"/>
               <a:pPr/>
-              <a:t>4/27/2017</a:t>
+              <a:t>5/2/2017</a:t>
             </a:fld>
             <a:endParaRPr lang="en-US"/>
           </a:p>
@@ -1250,7 +1250,7 @@
             <a:fld id="{090B515E-C25E-45EE-BA79-D334A31660AC}" type="datetimeFigureOut">
               <a:rPr lang="en-US" smtClean="0"/>
               <a:pPr/>
-              <a:t>4/27/2017</a:t>
+              <a:t>5/2/2017</a:t>
             </a:fld>
             <a:endParaRPr lang="en-US"/>
           </a:p>
@@ -1493,7 +1493,7 @@
             <a:fld id="{090B515E-C25E-45EE-BA79-D334A31660AC}" type="datetimeFigureOut">
               <a:rPr lang="en-US" smtClean="0"/>
               <a:pPr/>
-              <a:t>4/27/2017</a:t>
+              <a:t>5/2/2017</a:t>
             </a:fld>
             <a:endParaRPr lang="en-US"/>
           </a:p>
@@ -1778,7 +1778,7 @@
             <a:fld id="{090B515E-C25E-45EE-BA79-D334A31660AC}" type="datetimeFigureOut">
               <a:rPr lang="en-US" smtClean="0"/>
               <a:pPr/>
-              <a:t>4/27/2017</a:t>
+              <a:t>5/2/2017</a:t>
             </a:fld>
             <a:endParaRPr lang="en-US"/>
           </a:p>
@@ -2197,7 +2197,7 @@
             <a:fld id="{090B515E-C25E-45EE-BA79-D334A31660AC}" type="datetimeFigureOut">
               <a:rPr lang="en-US" smtClean="0"/>
               <a:pPr/>
-              <a:t>4/27/2017</a:t>
+              <a:t>5/2/2017</a:t>
             </a:fld>
             <a:endParaRPr lang="en-US"/>
           </a:p>
@@ -2312,7 +2312,7 @@
             <a:fld id="{090B515E-C25E-45EE-BA79-D334A31660AC}" type="datetimeFigureOut">
               <a:rPr lang="en-US" smtClean="0"/>
               <a:pPr/>
-              <a:t>4/27/2017</a:t>
+              <a:t>5/2/2017</a:t>
             </a:fld>
             <a:endParaRPr lang="en-US"/>
           </a:p>
@@ -2404,7 +2404,7 @@
             <a:fld id="{090B515E-C25E-45EE-BA79-D334A31660AC}" type="datetimeFigureOut">
               <a:rPr lang="en-US" smtClean="0"/>
               <a:pPr/>
-              <a:t>4/27/2017</a:t>
+              <a:t>5/2/2017</a:t>
             </a:fld>
             <a:endParaRPr lang="en-US"/>
           </a:p>
@@ -2678,7 +2678,7 @@
             <a:fld id="{090B515E-C25E-45EE-BA79-D334A31660AC}" type="datetimeFigureOut">
               <a:rPr lang="en-US" smtClean="0"/>
               <a:pPr/>
-              <a:t>4/27/2017</a:t>
+              <a:t>5/2/2017</a:t>
             </a:fld>
             <a:endParaRPr lang="en-US"/>
           </a:p>
@@ -2928,7 +2928,7 @@
             <a:fld id="{090B515E-C25E-45EE-BA79-D334A31660AC}" type="datetimeFigureOut">
               <a:rPr lang="en-US" smtClean="0"/>
               <a:pPr/>
-              <a:t>4/27/2017</a:t>
+              <a:t>5/2/2017</a:t>
             </a:fld>
             <a:endParaRPr lang="en-US"/>
           </a:p>
@@ -3138,7 +3138,7 @@
             <a:fld id="{090B515E-C25E-45EE-BA79-D334A31660AC}" type="datetimeFigureOut">
               <a:rPr lang="en-US" smtClean="0"/>
               <a:pPr/>
-              <a:t>4/27/2017</a:t>
+              <a:t>5/2/2017</a:t>
             </a:fld>
             <a:endParaRPr lang="en-US"/>
           </a:p>
@@ -3976,7 +3976,7 @@
             <a:blip r:embed="rId2" cstate="print">
               <a:extLst>
                 <a:ext uri="{28A0092B-C50C-407E-A947-70E740481C1C}">
-                  <a14:useLocalDpi xmlns:a14="http://schemas.microsoft.com/office/drawing/2010/main" xmlns="" val="0"/>
+                  <a14:useLocalDpi xmlns="" xmlns:a14="http://schemas.microsoft.com/office/drawing/2010/main" val="0"/>
                 </a:ext>
               </a:extLst>
             </a:blip>
@@ -3996,7 +3996,7 @@
             <a:noFill/>
             <a:extLst>
               <a:ext uri="{909E8E84-426E-40DD-AFC4-6F175D3DCCD1}">
-                <a14:hiddenFill xmlns:a14="http://schemas.microsoft.com/office/drawing/2010/main" xmlns="">
+                <a14:hiddenFill xmlns="" xmlns:a14="http://schemas.microsoft.com/office/drawing/2010/main">
                   <a:solidFill>
                     <a:srgbClr val="FFFFFF"/>
                   </a:solidFill>
@@ -4079,7 +4079,7 @@
             <a:blip r:embed="rId3" cstate="print">
               <a:extLst>
                 <a:ext uri="{28A0092B-C50C-407E-A947-70E740481C1C}">
-                  <a14:useLocalDpi xmlns:a14="http://schemas.microsoft.com/office/drawing/2010/main" xmlns="" val="0"/>
+                  <a14:useLocalDpi xmlns="" xmlns:a14="http://schemas.microsoft.com/office/drawing/2010/main" val="0"/>
                 </a:ext>
               </a:extLst>
             </a:blip>
@@ -4099,7 +4099,7 @@
             <a:noFill/>
             <a:extLst>
               <a:ext uri="{909E8E84-426E-40DD-AFC4-6F175D3DCCD1}">
-                <a14:hiddenFill xmlns:a14="http://schemas.microsoft.com/office/drawing/2010/main" xmlns="">
+                <a14:hiddenFill xmlns="" xmlns:a14="http://schemas.microsoft.com/office/drawing/2010/main">
                   <a:solidFill>
                     <a:srgbClr val="FFFFFF"/>
                   </a:solidFill>
@@ -7082,7 +7082,7 @@
     </p:spTree>
     <p:extLst>
       <p:ext uri="{BB962C8B-B14F-4D97-AF65-F5344CB8AC3E}">
-        <p14:creationId xmlns:p14="http://schemas.microsoft.com/office/powerpoint/2010/main" xmlns="" val="1874106700"/>
+        <p14:creationId xmlns="" xmlns:p14="http://schemas.microsoft.com/office/powerpoint/2010/main" val="1874106700"/>
       </p:ext>
     </p:extLst>
   </p:cSld>
@@ -7755,7 +7755,7 @@
           <a:blip r:embed="rId2" cstate="print">
             <a:extLst>
               <a:ext uri="{28A0092B-C50C-407E-A947-70E740481C1C}">
-                <a14:useLocalDpi xmlns="" xmlns:a14="http://schemas.microsoft.com/office/drawing/2010/main" val="0"/>
+                <a14:useLocalDpi xmlns:a14="http://schemas.microsoft.com/office/drawing/2010/main" xmlns="" val="0"/>
               </a:ext>
             </a:extLst>
           </a:blip>
@@ -7784,14 +7784,14 @@
           </a:effectLst>
           <a:extLst>
             <a:ext uri="{909E8E84-426E-40DD-AFC4-6F175D3DCCD1}">
-              <a14:hiddenFill xmlns="" xmlns:a14="http://schemas.microsoft.com/office/drawing/2010/main">
+              <a14:hiddenFill xmlns:a14="http://schemas.microsoft.com/office/drawing/2010/main" xmlns="">
                 <a:solidFill>
                   <a:schemeClr val="accent1"/>
                 </a:solidFill>
               </a14:hiddenFill>
             </a:ext>
             <a:ext uri="{91240B29-F687-4F45-9708-019B960494DF}">
-              <a14:hiddenLine xmlns="" xmlns:a14="http://schemas.microsoft.com/office/drawing/2010/main" w="9525">
+              <a14:hiddenLine xmlns:a14="http://schemas.microsoft.com/office/drawing/2010/main" xmlns="" w="9525">
                 <a:solidFill>
                   <a:schemeClr val="tx1"/>
                 </a:solidFill>
@@ -7822,7 +7822,7 @@
             </a:duotone>
             <a:extLst>
               <a:ext uri="{28A0092B-C50C-407E-A947-70E740481C1C}">
-                <a14:useLocalDpi xmlns="" xmlns:a14="http://schemas.microsoft.com/office/drawing/2010/main" val="0"/>
+                <a14:useLocalDpi xmlns:a14="http://schemas.microsoft.com/office/drawing/2010/main" xmlns="" val="0"/>
               </a:ext>
             </a:extLst>
           </a:blip>
@@ -7851,14 +7851,14 @@
           </a:effectLst>
           <a:extLst>
             <a:ext uri="{909E8E84-426E-40DD-AFC4-6F175D3DCCD1}">
-              <a14:hiddenFill xmlns="" xmlns:a14="http://schemas.microsoft.com/office/drawing/2010/main">
+              <a14:hiddenFill xmlns:a14="http://schemas.microsoft.com/office/drawing/2010/main" xmlns="">
                 <a:solidFill>
                   <a:schemeClr val="accent1"/>
                 </a:solidFill>
               </a14:hiddenFill>
             </a:ext>
             <a:ext uri="{91240B29-F687-4F45-9708-019B960494DF}">
-              <a14:hiddenLine xmlns="" xmlns:a14="http://schemas.microsoft.com/office/drawing/2010/main" w="9525">
+              <a14:hiddenLine xmlns:a14="http://schemas.microsoft.com/office/drawing/2010/main" xmlns="" w="9525">
                 <a:solidFill>
                   <a:schemeClr val="tx1"/>
                 </a:solidFill>
@@ -13075,7 +13075,7 @@
         </p:nvGrpSpPr>
         <p:grpSpPr>
           <a:xfrm>
-            <a:off x="5448300" y="3695700"/>
+            <a:off x="5448300" y="3733800"/>
             <a:ext cx="4343400" cy="914400"/>
             <a:chOff x="6172200" y="5334000"/>
             <a:chExt cx="4343400" cy="914400"/>
@@ -13180,7 +13180,7 @@
         <p:spPr>
           <a:xfrm>
             <a:off x="5448300" y="2552700"/>
-            <a:ext cx="457200" cy="1143000"/>
+            <a:ext cx="457200" cy="1181100"/>
           </a:xfrm>
           <a:prstGeom prst="rect">
             <a:avLst/>
@@ -14508,7 +14508,7 @@
             <a:blip r:embed="rId4" cstate="print">
               <a:extLst>
                 <a:ext uri="{28A0092B-C50C-407E-A947-70E740481C1C}">
-                  <a14:useLocalDpi xmlns:a14="http://schemas.microsoft.com/office/drawing/2010/main" xmlns="" val="0"/>
+                  <a14:useLocalDpi xmlns="" xmlns:a14="http://schemas.microsoft.com/office/drawing/2010/main" val="0"/>
                 </a:ext>
               </a:extLst>
             </a:blip>
@@ -14528,7 +14528,7 @@
             <a:noFill/>
             <a:extLst>
               <a:ext uri="{909E8E84-426E-40DD-AFC4-6F175D3DCCD1}">
-                <a14:hiddenFill xmlns:a14="http://schemas.microsoft.com/office/drawing/2010/main" xmlns="">
+                <a14:hiddenFill xmlns="" xmlns:a14="http://schemas.microsoft.com/office/drawing/2010/main">
                   <a:solidFill>
                     <a:srgbClr val="FFFFFF"/>
                   </a:solidFill>
@@ -14975,7 +14975,7 @@
             <a:blip r:embed="rId6" cstate="print">
               <a:extLst>
                 <a:ext uri="{28A0092B-C50C-407E-A947-70E740481C1C}">
-                  <a14:useLocalDpi xmlns:a14="http://schemas.microsoft.com/office/drawing/2010/main" xmlns="" val="0"/>
+                  <a14:useLocalDpi xmlns="" xmlns:a14="http://schemas.microsoft.com/office/drawing/2010/main" val="0"/>
                 </a:ext>
               </a:extLst>
             </a:blip>
@@ -14995,7 +14995,7 @@
             <a:noFill/>
             <a:extLst>
               <a:ext uri="{909E8E84-426E-40DD-AFC4-6F175D3DCCD1}">
-                <a14:hiddenFill xmlns:a14="http://schemas.microsoft.com/office/drawing/2010/main" xmlns="">
+                <a14:hiddenFill xmlns="" xmlns:a14="http://schemas.microsoft.com/office/drawing/2010/main">
                   <a:solidFill>
                     <a:srgbClr val="FFFFFF"/>
                   </a:solidFill>
@@ -17199,7 +17199,7 @@
               <a:blip r:embed="rId6" cstate="print">
                 <a:extLst>
                   <a:ext uri="{28A0092B-C50C-407E-A947-70E740481C1C}">
-                    <a14:useLocalDpi xmlns:a14="http://schemas.microsoft.com/office/drawing/2010/main" xmlns="" val="0"/>
+                    <a14:useLocalDpi xmlns="" xmlns:a14="http://schemas.microsoft.com/office/drawing/2010/main" val="0"/>
                   </a:ext>
                 </a:extLst>
               </a:blip>
@@ -17219,7 +17219,7 @@
               <a:noFill/>
               <a:extLst>
                 <a:ext uri="{909E8E84-426E-40DD-AFC4-6F175D3DCCD1}">
-                  <a14:hiddenFill xmlns:a14="http://schemas.microsoft.com/office/drawing/2010/main" xmlns="">
+                  <a14:hiddenFill xmlns="" xmlns:a14="http://schemas.microsoft.com/office/drawing/2010/main">
                     <a:solidFill>
                       <a:srgbClr val="FFFFFF"/>
                     </a:solidFill>
@@ -24419,7 +24419,7 @@
               <a:blip r:embed="rId8" cstate="print">
                 <a:extLst>
                   <a:ext uri="{28A0092B-C50C-407E-A947-70E740481C1C}">
-                    <a14:useLocalDpi xmlns:a14="http://schemas.microsoft.com/office/drawing/2010/main" xmlns="" val="0"/>
+                    <a14:useLocalDpi xmlns="" xmlns:a14="http://schemas.microsoft.com/office/drawing/2010/main" val="0"/>
                   </a:ext>
                 </a:extLst>
               </a:blip>
@@ -24439,7 +24439,7 @@
               <a:noFill/>
               <a:extLst>
                 <a:ext uri="{909E8E84-426E-40DD-AFC4-6F175D3DCCD1}">
-                  <a14:hiddenFill xmlns:a14="http://schemas.microsoft.com/office/drawing/2010/main" xmlns="">
+                  <a14:hiddenFill xmlns="" xmlns:a14="http://schemas.microsoft.com/office/drawing/2010/main">
                     <a:solidFill>
                       <a:srgbClr val="FFFFFF"/>
                     </a:solidFill>
@@ -24907,7 +24907,7 @@
             <a:blip r:embed="rId8" cstate="print">
               <a:extLst>
                 <a:ext uri="{28A0092B-C50C-407E-A947-70E740481C1C}">
-                  <a14:useLocalDpi xmlns:a14="http://schemas.microsoft.com/office/drawing/2010/main" xmlns="" val="0"/>
+                  <a14:useLocalDpi xmlns="" xmlns:a14="http://schemas.microsoft.com/office/drawing/2010/main" val="0"/>
                 </a:ext>
               </a:extLst>
             </a:blip>
@@ -24927,7 +24927,7 @@
             <a:noFill/>
             <a:extLst>
               <a:ext uri="{909E8E84-426E-40DD-AFC4-6F175D3DCCD1}">
-                <a14:hiddenFill xmlns:a14="http://schemas.microsoft.com/office/drawing/2010/main" xmlns="">
+                <a14:hiddenFill xmlns="" xmlns:a14="http://schemas.microsoft.com/office/drawing/2010/main">
                   <a:solidFill>
                     <a:srgbClr val="FFFFFF"/>
                   </a:solidFill>
@@ -29490,7 +29490,7 @@
           <a:blip r:embed="rId2" cstate="print">
             <a:extLst>
               <a:ext uri="{28A0092B-C50C-407E-A947-70E740481C1C}">
-                <a14:useLocalDpi xmlns="" xmlns:a14="http://schemas.microsoft.com/office/drawing/2010/main" val="0"/>
+                <a14:useLocalDpi xmlns:a14="http://schemas.microsoft.com/office/drawing/2010/main" xmlns="" val="0"/>
               </a:ext>
             </a:extLst>
           </a:blip>
@@ -29519,14 +29519,14 @@
           </a:effectLst>
           <a:extLst>
             <a:ext uri="{909E8E84-426E-40DD-AFC4-6F175D3DCCD1}">
-              <a14:hiddenFill xmlns="" xmlns:a14="http://schemas.microsoft.com/office/drawing/2010/main">
+              <a14:hiddenFill xmlns:a14="http://schemas.microsoft.com/office/drawing/2010/main" xmlns="">
                 <a:solidFill>
                   <a:schemeClr val="accent1"/>
                 </a:solidFill>
               </a14:hiddenFill>
             </a:ext>
             <a:ext uri="{91240B29-F687-4F45-9708-019B960494DF}">
-              <a14:hiddenLine xmlns="" xmlns:a14="http://schemas.microsoft.com/office/drawing/2010/main" w="9525">
+              <a14:hiddenLine xmlns:a14="http://schemas.microsoft.com/office/drawing/2010/main" xmlns="" w="9525">
                 <a:solidFill>
                   <a:schemeClr val="tx1"/>
                 </a:solidFill>

--- a/HMSWebTest-Pen/Assets/Images/hmsgraphics.pptx
+++ b/HMSWebTest-Pen/Assets/Images/hmsgraphics.pptx
@@ -209,7 +209,7 @@
             <a:fld id="{6153BB3E-9447-4512-867E-C40997E12B5B}" type="datetimeFigureOut">
               <a:rPr lang="en-US" smtClean="0"/>
               <a:pPr/>
-              <a:t>5/2/2017</a:t>
+              <a:t>5/5/2017</a:t>
             </a:fld>
             <a:endParaRPr lang="en-US"/>
           </a:p>
@@ -739,7 +739,7 @@
             <a:fld id="{090B515E-C25E-45EE-BA79-D334A31660AC}" type="datetimeFigureOut">
               <a:rPr lang="en-US" smtClean="0"/>
               <a:pPr/>
-              <a:t>5/2/2017</a:t>
+              <a:t>5/5/2017</a:t>
             </a:fld>
             <a:endParaRPr lang="en-US"/>
           </a:p>
@@ -906,7 +906,7 @@
             <a:fld id="{090B515E-C25E-45EE-BA79-D334A31660AC}" type="datetimeFigureOut">
               <a:rPr lang="en-US" smtClean="0"/>
               <a:pPr/>
-              <a:t>5/2/2017</a:t>
+              <a:t>5/5/2017</a:t>
             </a:fld>
             <a:endParaRPr lang="en-US"/>
           </a:p>
@@ -1083,7 +1083,7 @@
             <a:fld id="{090B515E-C25E-45EE-BA79-D334A31660AC}" type="datetimeFigureOut">
               <a:rPr lang="en-US" smtClean="0"/>
               <a:pPr/>
-              <a:t>5/2/2017</a:t>
+              <a:t>5/5/2017</a:t>
             </a:fld>
             <a:endParaRPr lang="en-US"/>
           </a:p>
@@ -1250,7 +1250,7 @@
             <a:fld id="{090B515E-C25E-45EE-BA79-D334A31660AC}" type="datetimeFigureOut">
               <a:rPr lang="en-US" smtClean="0"/>
               <a:pPr/>
-              <a:t>5/2/2017</a:t>
+              <a:t>5/5/2017</a:t>
             </a:fld>
             <a:endParaRPr lang="en-US"/>
           </a:p>
@@ -1493,7 +1493,7 @@
             <a:fld id="{090B515E-C25E-45EE-BA79-D334A31660AC}" type="datetimeFigureOut">
               <a:rPr lang="en-US" smtClean="0"/>
               <a:pPr/>
-              <a:t>5/2/2017</a:t>
+              <a:t>5/5/2017</a:t>
             </a:fld>
             <a:endParaRPr lang="en-US"/>
           </a:p>
@@ -1778,7 +1778,7 @@
             <a:fld id="{090B515E-C25E-45EE-BA79-D334A31660AC}" type="datetimeFigureOut">
               <a:rPr lang="en-US" smtClean="0"/>
               <a:pPr/>
-              <a:t>5/2/2017</a:t>
+              <a:t>5/5/2017</a:t>
             </a:fld>
             <a:endParaRPr lang="en-US"/>
           </a:p>
@@ -2197,7 +2197,7 @@
             <a:fld id="{090B515E-C25E-45EE-BA79-D334A31660AC}" type="datetimeFigureOut">
               <a:rPr lang="en-US" smtClean="0"/>
               <a:pPr/>
-              <a:t>5/2/2017</a:t>
+              <a:t>5/5/2017</a:t>
             </a:fld>
             <a:endParaRPr lang="en-US"/>
           </a:p>
@@ -2312,7 +2312,7 @@
             <a:fld id="{090B515E-C25E-45EE-BA79-D334A31660AC}" type="datetimeFigureOut">
               <a:rPr lang="en-US" smtClean="0"/>
               <a:pPr/>
-              <a:t>5/2/2017</a:t>
+              <a:t>5/5/2017</a:t>
             </a:fld>
             <a:endParaRPr lang="en-US"/>
           </a:p>
@@ -2404,7 +2404,7 @@
             <a:fld id="{090B515E-C25E-45EE-BA79-D334A31660AC}" type="datetimeFigureOut">
               <a:rPr lang="en-US" smtClean="0"/>
               <a:pPr/>
-              <a:t>5/2/2017</a:t>
+              <a:t>5/5/2017</a:t>
             </a:fld>
             <a:endParaRPr lang="en-US"/>
           </a:p>
@@ -2678,7 +2678,7 @@
             <a:fld id="{090B515E-C25E-45EE-BA79-D334A31660AC}" type="datetimeFigureOut">
               <a:rPr lang="en-US" smtClean="0"/>
               <a:pPr/>
-              <a:t>5/2/2017</a:t>
+              <a:t>5/5/2017</a:t>
             </a:fld>
             <a:endParaRPr lang="en-US"/>
           </a:p>
@@ -2928,7 +2928,7 @@
             <a:fld id="{090B515E-C25E-45EE-BA79-D334A31660AC}" type="datetimeFigureOut">
               <a:rPr lang="en-US" smtClean="0"/>
               <a:pPr/>
-              <a:t>5/2/2017</a:t>
+              <a:t>5/5/2017</a:t>
             </a:fld>
             <a:endParaRPr lang="en-US"/>
           </a:p>
@@ -3138,7 +3138,7 @@
             <a:fld id="{090B515E-C25E-45EE-BA79-D334A31660AC}" type="datetimeFigureOut">
               <a:rPr lang="en-US" smtClean="0"/>
               <a:pPr/>
-              <a:t>5/2/2017</a:t>
+              <a:t>5/5/2017</a:t>
             </a:fld>
             <a:endParaRPr lang="en-US"/>
           </a:p>
@@ -12031,7 +12031,7 @@
         </p:nvGrpSpPr>
         <p:grpSpPr>
           <a:xfrm>
-            <a:off x="5943600" y="2590800"/>
+            <a:off x="5105400" y="3962400"/>
             <a:ext cx="4343400" cy="1066800"/>
             <a:chOff x="2286000" y="3429000"/>
             <a:chExt cx="4343400" cy="1066800"/>
@@ -12234,7 +12234,7 @@
         </p:nvSpPr>
         <p:spPr>
           <a:xfrm>
-            <a:off x="1219200" y="685800"/>
+            <a:off x="228600" y="685800"/>
             <a:ext cx="4343400" cy="914400"/>
           </a:xfrm>
           <a:prstGeom prst="rect">
@@ -12279,7 +12279,7 @@
         </p:nvSpPr>
         <p:spPr>
           <a:xfrm>
-            <a:off x="1711325" y="1600200"/>
+            <a:off x="720725" y="1600200"/>
             <a:ext cx="307976" cy="152400"/>
           </a:xfrm>
           <a:prstGeom prst="rect">
@@ -12371,7 +12371,7 @@
         </p:nvSpPr>
         <p:spPr>
           <a:xfrm>
-            <a:off x="1357312" y="457200"/>
+            <a:off x="366712" y="457200"/>
             <a:ext cx="1690688" cy="228600"/>
           </a:xfrm>
           <a:prstGeom prst="rect">
@@ -12416,7 +12416,7 @@
         </p:nvSpPr>
         <p:spPr>
           <a:xfrm>
-            <a:off x="1219200" y="457200"/>
+            <a:off x="228600" y="457200"/>
             <a:ext cx="1066800" cy="228600"/>
           </a:xfrm>
           <a:prstGeom prst="triangle">
@@ -12463,7 +12463,7 @@
         </p:nvSpPr>
         <p:spPr>
           <a:xfrm>
-            <a:off x="2819400" y="457200"/>
+            <a:off x="1828800" y="457200"/>
             <a:ext cx="914400" cy="228600"/>
           </a:xfrm>
           <a:prstGeom prst="triangle">
@@ -12502,186 +12502,201 @@
           </a:p>
         </p:txBody>
       </p:sp>
-      <p:sp>
-        <p:nvSpPr>
-          <p:cNvPr id="14" name="Rectangle 13"/>
-          <p:cNvSpPr/>
+      <p:grpSp>
+        <p:nvGrpSpPr>
+          <p:cNvPr id="33" name="Group 32"/>
+          <p:cNvGrpSpPr/>
           <p:nvPr/>
-        </p:nvSpPr>
-        <p:spPr>
+        </p:nvGrpSpPr>
+        <p:grpSpPr>
           <a:xfrm>
-            <a:off x="1295400" y="4495800"/>
-            <a:ext cx="4343400" cy="762000"/>
-          </a:xfrm>
-          <a:prstGeom prst="rect">
-            <a:avLst/>
-          </a:prstGeom>
-          <a:solidFill>
-            <a:srgbClr val="8AAC46"/>
-          </a:solidFill>
-          <a:ln>
-            <a:noFill/>
-          </a:ln>
-        </p:spPr>
-        <p:style>
-          <a:lnRef idx="2">
-            <a:schemeClr val="accent1">
-              <a:shade val="50000"/>
-            </a:schemeClr>
-          </a:lnRef>
-          <a:fillRef idx="1">
-            <a:schemeClr val="accent1"/>
-          </a:fillRef>
-          <a:effectRef idx="0">
-            <a:schemeClr val="accent1"/>
-          </a:effectRef>
-          <a:fontRef idx="minor">
-            <a:schemeClr val="lt1"/>
-          </a:fontRef>
-        </p:style>
-        <p:txBody>
-          <a:bodyPr rtlCol="0" anchor="ctr"/>
-          <a:lstStyle/>
-          <a:p>
-            <a:endParaRPr lang="en-US" dirty="0"/>
-          </a:p>
-        </p:txBody>
-      </p:sp>
-      <p:sp>
-        <p:nvSpPr>
-          <p:cNvPr id="15" name="Rectangle 14"/>
-          <p:cNvSpPr/>
-          <p:nvPr/>
-        </p:nvSpPr>
-        <p:spPr>
-          <a:xfrm>
-            <a:off x="1787525" y="5257800"/>
-            <a:ext cx="307976" cy="152400"/>
-          </a:xfrm>
-          <a:prstGeom prst="rect">
-            <a:avLst/>
-          </a:prstGeom>
-          <a:solidFill>
-            <a:srgbClr val="8AAC46"/>
-          </a:solidFill>
-          <a:ln>
-            <a:noFill/>
-          </a:ln>
-        </p:spPr>
-        <p:style>
-          <a:lnRef idx="2">
-            <a:schemeClr val="accent1">
-              <a:shade val="50000"/>
-            </a:schemeClr>
-          </a:lnRef>
-          <a:fillRef idx="1">
-            <a:schemeClr val="accent1"/>
-          </a:fillRef>
-          <a:effectRef idx="0">
-            <a:schemeClr val="accent1"/>
-          </a:effectRef>
-          <a:fontRef idx="minor">
-            <a:schemeClr val="lt1"/>
-          </a:fontRef>
-        </p:style>
-        <p:txBody>
-          <a:bodyPr rtlCol="0" anchor="ctr"/>
-          <a:lstStyle/>
-          <a:p>
-            <a:endParaRPr lang="en-US" dirty="0"/>
-          </a:p>
-        </p:txBody>
-      </p:sp>
-      <p:sp>
-        <p:nvSpPr>
-          <p:cNvPr id="16" name="Rectangle 15"/>
-          <p:cNvSpPr/>
-          <p:nvPr/>
-        </p:nvSpPr>
-        <p:spPr>
-          <a:xfrm>
-            <a:off x="1295400" y="4343400"/>
-            <a:ext cx="457200" cy="152400"/>
-          </a:xfrm>
-          <a:prstGeom prst="rect">
-            <a:avLst/>
-          </a:prstGeom>
-          <a:solidFill>
-            <a:srgbClr val="8AAC46"/>
-          </a:solidFill>
-          <a:ln>
-            <a:noFill/>
-          </a:ln>
-        </p:spPr>
-        <p:style>
-          <a:lnRef idx="2">
-            <a:schemeClr val="accent1">
-              <a:shade val="50000"/>
-            </a:schemeClr>
-          </a:lnRef>
-          <a:fillRef idx="1">
-            <a:schemeClr val="accent1"/>
-          </a:fillRef>
-          <a:effectRef idx="0">
-            <a:schemeClr val="accent1"/>
-          </a:effectRef>
-          <a:fontRef idx="minor">
-            <a:schemeClr val="lt1"/>
-          </a:fontRef>
-        </p:style>
-        <p:txBody>
-          <a:bodyPr rtlCol="0" anchor="ctr"/>
-          <a:lstStyle/>
-          <a:p>
-            <a:endParaRPr lang="en-US" dirty="0"/>
-          </a:p>
-        </p:txBody>
-      </p:sp>
-      <p:sp>
-        <p:nvSpPr>
-          <p:cNvPr id="17" name="Rectangle 16"/>
-          <p:cNvSpPr/>
-          <p:nvPr/>
-        </p:nvSpPr>
-        <p:spPr>
-          <a:xfrm>
-            <a:off x="2133600" y="4343400"/>
-            <a:ext cx="3505200" cy="152400"/>
-          </a:xfrm>
-          <a:prstGeom prst="rect">
-            <a:avLst/>
-          </a:prstGeom>
-          <a:solidFill>
-            <a:srgbClr val="8AAC46"/>
-          </a:solidFill>
-          <a:ln>
-            <a:noFill/>
-          </a:ln>
-        </p:spPr>
-        <p:style>
-          <a:lnRef idx="2">
-            <a:schemeClr val="accent1">
-              <a:shade val="50000"/>
-            </a:schemeClr>
-          </a:lnRef>
-          <a:fillRef idx="1">
-            <a:schemeClr val="accent1"/>
-          </a:fillRef>
-          <a:effectRef idx="0">
-            <a:schemeClr val="accent1"/>
-          </a:effectRef>
-          <a:fontRef idx="minor">
-            <a:schemeClr val="lt1"/>
-          </a:fontRef>
-        </p:style>
-        <p:txBody>
-          <a:bodyPr rtlCol="0" anchor="ctr"/>
-          <a:lstStyle/>
-          <a:p>
-            <a:endParaRPr lang="en-US" dirty="0"/>
-          </a:p>
-        </p:txBody>
-      </p:sp>
+            <a:off x="228600" y="5562600"/>
+            <a:ext cx="4343400" cy="1066800"/>
+            <a:chOff x="1295400" y="4343400"/>
+            <a:chExt cx="4343400" cy="1066800"/>
+          </a:xfrm>
+        </p:grpSpPr>
+        <p:sp>
+          <p:nvSpPr>
+            <p:cNvPr id="14" name="Rectangle 13"/>
+            <p:cNvSpPr/>
+            <p:nvPr/>
+          </p:nvSpPr>
+          <p:spPr>
+            <a:xfrm>
+              <a:off x="1295400" y="4495800"/>
+              <a:ext cx="4343400" cy="762000"/>
+            </a:xfrm>
+            <a:prstGeom prst="rect">
+              <a:avLst/>
+            </a:prstGeom>
+            <a:solidFill>
+              <a:srgbClr val="8AAC46"/>
+            </a:solidFill>
+            <a:ln>
+              <a:noFill/>
+            </a:ln>
+          </p:spPr>
+          <p:style>
+            <a:lnRef idx="2">
+              <a:schemeClr val="accent1">
+                <a:shade val="50000"/>
+              </a:schemeClr>
+            </a:lnRef>
+            <a:fillRef idx="1">
+              <a:schemeClr val="accent1"/>
+            </a:fillRef>
+            <a:effectRef idx="0">
+              <a:schemeClr val="accent1"/>
+            </a:effectRef>
+            <a:fontRef idx="minor">
+              <a:schemeClr val="lt1"/>
+            </a:fontRef>
+          </p:style>
+          <p:txBody>
+            <a:bodyPr rtlCol="0" anchor="ctr"/>
+            <a:lstStyle/>
+            <a:p>
+              <a:endParaRPr lang="en-US" dirty="0"/>
+            </a:p>
+          </p:txBody>
+        </p:sp>
+        <p:sp>
+          <p:nvSpPr>
+            <p:cNvPr id="15" name="Rectangle 14"/>
+            <p:cNvSpPr/>
+            <p:nvPr/>
+          </p:nvSpPr>
+          <p:spPr>
+            <a:xfrm>
+              <a:off x="1787525" y="5257800"/>
+              <a:ext cx="307976" cy="152400"/>
+            </a:xfrm>
+            <a:prstGeom prst="rect">
+              <a:avLst/>
+            </a:prstGeom>
+            <a:solidFill>
+              <a:srgbClr val="8AAC46"/>
+            </a:solidFill>
+            <a:ln>
+              <a:noFill/>
+            </a:ln>
+          </p:spPr>
+          <p:style>
+            <a:lnRef idx="2">
+              <a:schemeClr val="accent1">
+                <a:shade val="50000"/>
+              </a:schemeClr>
+            </a:lnRef>
+            <a:fillRef idx="1">
+              <a:schemeClr val="accent1"/>
+            </a:fillRef>
+            <a:effectRef idx="0">
+              <a:schemeClr val="accent1"/>
+            </a:effectRef>
+            <a:fontRef idx="minor">
+              <a:schemeClr val="lt1"/>
+            </a:fontRef>
+          </p:style>
+          <p:txBody>
+            <a:bodyPr rtlCol="0" anchor="ctr"/>
+            <a:lstStyle/>
+            <a:p>
+              <a:endParaRPr lang="en-US" dirty="0"/>
+            </a:p>
+          </p:txBody>
+        </p:sp>
+        <p:sp>
+          <p:nvSpPr>
+            <p:cNvPr id="16" name="Rectangle 15"/>
+            <p:cNvSpPr/>
+            <p:nvPr/>
+          </p:nvSpPr>
+          <p:spPr>
+            <a:xfrm>
+              <a:off x="1295400" y="4343400"/>
+              <a:ext cx="457200" cy="152400"/>
+            </a:xfrm>
+            <a:prstGeom prst="rect">
+              <a:avLst/>
+            </a:prstGeom>
+            <a:solidFill>
+              <a:srgbClr val="8AAC46"/>
+            </a:solidFill>
+            <a:ln>
+              <a:noFill/>
+            </a:ln>
+          </p:spPr>
+          <p:style>
+            <a:lnRef idx="2">
+              <a:schemeClr val="accent1">
+                <a:shade val="50000"/>
+              </a:schemeClr>
+            </a:lnRef>
+            <a:fillRef idx="1">
+              <a:schemeClr val="accent1"/>
+            </a:fillRef>
+            <a:effectRef idx="0">
+              <a:schemeClr val="accent1"/>
+            </a:effectRef>
+            <a:fontRef idx="minor">
+              <a:schemeClr val="lt1"/>
+            </a:fontRef>
+          </p:style>
+          <p:txBody>
+            <a:bodyPr rtlCol="0" anchor="ctr"/>
+            <a:lstStyle/>
+            <a:p>
+              <a:endParaRPr lang="en-US" dirty="0"/>
+            </a:p>
+          </p:txBody>
+        </p:sp>
+        <p:sp>
+          <p:nvSpPr>
+            <p:cNvPr id="17" name="Rectangle 16"/>
+            <p:cNvSpPr/>
+            <p:nvPr/>
+          </p:nvSpPr>
+          <p:spPr>
+            <a:xfrm>
+              <a:off x="2133600" y="4343400"/>
+              <a:ext cx="3505200" cy="152400"/>
+            </a:xfrm>
+            <a:prstGeom prst="rect">
+              <a:avLst/>
+            </a:prstGeom>
+            <a:solidFill>
+              <a:srgbClr val="8AAC46"/>
+            </a:solidFill>
+            <a:ln>
+              <a:noFill/>
+            </a:ln>
+          </p:spPr>
+          <p:style>
+            <a:lnRef idx="2">
+              <a:schemeClr val="accent1">
+                <a:shade val="50000"/>
+              </a:schemeClr>
+            </a:lnRef>
+            <a:fillRef idx="1">
+              <a:schemeClr val="accent1"/>
+            </a:fillRef>
+            <a:effectRef idx="0">
+              <a:schemeClr val="accent1"/>
+            </a:effectRef>
+            <a:fontRef idx="minor">
+              <a:schemeClr val="lt1"/>
+            </a:fontRef>
+          </p:style>
+          <p:txBody>
+            <a:bodyPr rtlCol="0" anchor="ctr"/>
+            <a:lstStyle/>
+            <a:p>
+              <a:endParaRPr lang="en-US" dirty="0"/>
+            </a:p>
+          </p:txBody>
+        </p:sp>
+      </p:grpSp>
       <p:grpSp>
         <p:nvGrpSpPr>
           <p:cNvPr id="24" name="Group 23"/>
@@ -12690,7 +12705,7 @@
         </p:nvGrpSpPr>
         <p:grpSpPr>
           <a:xfrm>
-            <a:off x="1905000" y="762000"/>
+            <a:off x="0" y="762000"/>
             <a:ext cx="4343400" cy="228600"/>
             <a:chOff x="3048000" y="1981200"/>
             <a:chExt cx="4343400" cy="533400"/>
@@ -12885,7 +12900,7 @@
         </p:nvGrpSpPr>
         <p:grpSpPr>
           <a:xfrm>
-            <a:off x="5448300" y="1638300"/>
+            <a:off x="5105400" y="1600200"/>
             <a:ext cx="4343400" cy="1066800"/>
             <a:chOff x="6172200" y="3200400"/>
             <a:chExt cx="4343400" cy="1066800"/>
@@ -13069,20 +13084,17 @@
       </p:grpSp>
       <p:grpSp>
         <p:nvGrpSpPr>
-          <p:cNvPr id="32" name="Group 31"/>
+          <p:cNvPr id="35" name="Group 34"/>
           <p:cNvGrpSpPr/>
           <p:nvPr/>
         </p:nvGrpSpPr>
         <p:grpSpPr>
           <a:xfrm>
-            <a:off x="5448300" y="3733800"/>
+            <a:off x="5105400" y="2933700"/>
             <a:ext cx="4343400" cy="914400"/>
-            <a:chOff x="6172200" y="5334000"/>
+            <a:chOff x="5105400" y="2933700"/>
             <a:chExt cx="4343400" cy="914400"/>
           </a:xfrm>
-          <a:solidFill>
-            <a:srgbClr val="CC3300"/>
-          </a:solidFill>
         </p:grpSpPr>
         <p:sp>
           <p:nvSpPr>
@@ -13092,13 +13104,15 @@
           </p:nvSpPr>
           <p:spPr>
             <a:xfrm>
-              <a:off x="6172200" y="5334000"/>
+              <a:off x="5105400" y="2933700"/>
               <a:ext cx="4343400" cy="762000"/>
             </a:xfrm>
             <a:prstGeom prst="rect">
               <a:avLst/>
             </a:prstGeom>
-            <a:grpFill/>
+            <a:solidFill>
+              <a:srgbClr val="CC3300"/>
+            </a:solidFill>
             <a:ln>
               <a:noFill/>
             </a:ln>
@@ -13135,13 +13149,15 @@
           </p:nvSpPr>
           <p:spPr>
             <a:xfrm>
-              <a:off x="7159624" y="6096000"/>
+              <a:off x="5597524" y="3695700"/>
               <a:ext cx="307976" cy="152400"/>
             </a:xfrm>
             <a:prstGeom prst="rect">
               <a:avLst/>
             </a:prstGeom>
-            <a:grpFill/>
+            <a:solidFill>
+              <a:srgbClr val="CC3300"/>
+            </a:solidFill>
             <a:ln>
               <a:noFill/>
             </a:ln>
@@ -13179,8 +13195,8 @@
         </p:nvSpPr>
         <p:spPr>
           <a:xfrm>
-            <a:off x="5448300" y="2552700"/>
-            <a:ext cx="457200" cy="1181100"/>
+            <a:off x="5105400" y="2514600"/>
+            <a:ext cx="457200" cy="419100"/>
           </a:xfrm>
           <a:prstGeom prst="rect">
             <a:avLst/>

--- a/HMSWebTest-Pen/Assets/Images/hmsgraphics.pptx
+++ b/HMSWebTest-Pen/Assets/Images/hmsgraphics.pptx
@@ -5,7 +5,7 @@
     <p:sldMasterId id="2147483648" r:id="rId1"/>
   </p:sldMasterIdLst>
   <p:notesMasterIdLst>
-    <p:notesMasterId r:id="rId19"/>
+    <p:notesMasterId r:id="rId20"/>
   </p:notesMasterIdLst>
   <p:sldIdLst>
     <p:sldId id="256" r:id="rId2"/>
@@ -23,8 +23,9 @@
     <p:sldId id="265" r:id="rId14"/>
     <p:sldId id="266" r:id="rId15"/>
     <p:sldId id="268" r:id="rId16"/>
-    <p:sldId id="269" r:id="rId17"/>
-    <p:sldId id="272" r:id="rId18"/>
+    <p:sldId id="273" r:id="rId17"/>
+    <p:sldId id="269" r:id="rId18"/>
+    <p:sldId id="272" r:id="rId19"/>
   </p:sldIdLst>
   <p:sldSz cx="9144000" cy="6858000" type="screen4x3"/>
   <p:notesSz cx="6858000" cy="9144000"/>
@@ -209,7 +210,7 @@
             <a:fld id="{6153BB3E-9447-4512-867E-C40997E12B5B}" type="datetimeFigureOut">
               <a:rPr lang="en-US" smtClean="0"/>
               <a:pPr/>
-              <a:t>5/5/2017</a:t>
+              <a:t>5/24/2017</a:t>
             </a:fld>
             <a:endParaRPr lang="en-US"/>
           </a:p>
@@ -739,7 +740,7 @@
             <a:fld id="{090B515E-C25E-45EE-BA79-D334A31660AC}" type="datetimeFigureOut">
               <a:rPr lang="en-US" smtClean="0"/>
               <a:pPr/>
-              <a:t>5/5/2017</a:t>
+              <a:t>5/24/2017</a:t>
             </a:fld>
             <a:endParaRPr lang="en-US"/>
           </a:p>
@@ -906,7 +907,7 @@
             <a:fld id="{090B515E-C25E-45EE-BA79-D334A31660AC}" type="datetimeFigureOut">
               <a:rPr lang="en-US" smtClean="0"/>
               <a:pPr/>
-              <a:t>5/5/2017</a:t>
+              <a:t>5/24/2017</a:t>
             </a:fld>
             <a:endParaRPr lang="en-US"/>
           </a:p>
@@ -1083,7 +1084,7 @@
             <a:fld id="{090B515E-C25E-45EE-BA79-D334A31660AC}" type="datetimeFigureOut">
               <a:rPr lang="en-US" smtClean="0"/>
               <a:pPr/>
-              <a:t>5/5/2017</a:t>
+              <a:t>5/24/2017</a:t>
             </a:fld>
             <a:endParaRPr lang="en-US"/>
           </a:p>
@@ -1250,7 +1251,7 @@
             <a:fld id="{090B515E-C25E-45EE-BA79-D334A31660AC}" type="datetimeFigureOut">
               <a:rPr lang="en-US" smtClean="0"/>
               <a:pPr/>
-              <a:t>5/5/2017</a:t>
+              <a:t>5/24/2017</a:t>
             </a:fld>
             <a:endParaRPr lang="en-US"/>
           </a:p>
@@ -1493,7 +1494,7 @@
             <a:fld id="{090B515E-C25E-45EE-BA79-D334A31660AC}" type="datetimeFigureOut">
               <a:rPr lang="en-US" smtClean="0"/>
               <a:pPr/>
-              <a:t>5/5/2017</a:t>
+              <a:t>5/24/2017</a:t>
             </a:fld>
             <a:endParaRPr lang="en-US"/>
           </a:p>
@@ -1778,7 +1779,7 @@
             <a:fld id="{090B515E-C25E-45EE-BA79-D334A31660AC}" type="datetimeFigureOut">
               <a:rPr lang="en-US" smtClean="0"/>
               <a:pPr/>
-              <a:t>5/5/2017</a:t>
+              <a:t>5/24/2017</a:t>
             </a:fld>
             <a:endParaRPr lang="en-US"/>
           </a:p>
@@ -2197,7 +2198,7 @@
             <a:fld id="{090B515E-C25E-45EE-BA79-D334A31660AC}" type="datetimeFigureOut">
               <a:rPr lang="en-US" smtClean="0"/>
               <a:pPr/>
-              <a:t>5/5/2017</a:t>
+              <a:t>5/24/2017</a:t>
             </a:fld>
             <a:endParaRPr lang="en-US"/>
           </a:p>
@@ -2312,7 +2313,7 @@
             <a:fld id="{090B515E-C25E-45EE-BA79-D334A31660AC}" type="datetimeFigureOut">
               <a:rPr lang="en-US" smtClean="0"/>
               <a:pPr/>
-              <a:t>5/5/2017</a:t>
+              <a:t>5/24/2017</a:t>
             </a:fld>
             <a:endParaRPr lang="en-US"/>
           </a:p>
@@ -2404,7 +2405,7 @@
             <a:fld id="{090B515E-C25E-45EE-BA79-D334A31660AC}" type="datetimeFigureOut">
               <a:rPr lang="en-US" smtClean="0"/>
               <a:pPr/>
-              <a:t>5/5/2017</a:t>
+              <a:t>5/24/2017</a:t>
             </a:fld>
             <a:endParaRPr lang="en-US"/>
           </a:p>
@@ -2678,7 +2679,7 @@
             <a:fld id="{090B515E-C25E-45EE-BA79-D334A31660AC}" type="datetimeFigureOut">
               <a:rPr lang="en-US" smtClean="0"/>
               <a:pPr/>
-              <a:t>5/5/2017</a:t>
+              <a:t>5/24/2017</a:t>
             </a:fld>
             <a:endParaRPr lang="en-US"/>
           </a:p>
@@ -2928,7 +2929,7 @@
             <a:fld id="{090B515E-C25E-45EE-BA79-D334A31660AC}" type="datetimeFigureOut">
               <a:rPr lang="en-US" smtClean="0"/>
               <a:pPr/>
-              <a:t>5/5/2017</a:t>
+              <a:t>5/24/2017</a:t>
             </a:fld>
             <a:endParaRPr lang="en-US"/>
           </a:p>
@@ -3138,7 +3139,7 @@
             <a:fld id="{090B515E-C25E-45EE-BA79-D334A31660AC}" type="datetimeFigureOut">
               <a:rPr lang="en-US" smtClean="0"/>
               <a:pPr/>
-              <a:t>5/5/2017</a:t>
+              <a:t>5/24/2017</a:t>
             </a:fld>
             <a:endParaRPr lang="en-US"/>
           </a:p>
@@ -11786,6 +11787,1549 @@
       </p:grpSpPr>
       <p:sp>
         <p:nvSpPr>
+          <p:cNvPr id="4" name="Rectangle 3"/>
+          <p:cNvSpPr/>
+          <p:nvPr/>
+        </p:nvSpPr>
+        <p:spPr>
+          <a:xfrm>
+            <a:off x="5791200" y="0"/>
+            <a:ext cx="3352800" cy="3352800"/>
+          </a:xfrm>
+          <a:prstGeom prst="rect">
+            <a:avLst/>
+          </a:prstGeom>
+          <a:solidFill>
+            <a:schemeClr val="accent4">
+              <a:lumMod val="50000"/>
+            </a:schemeClr>
+          </a:solidFill>
+          <a:ln>
+            <a:noFill/>
+          </a:ln>
+        </p:spPr>
+        <p:style>
+          <a:lnRef idx="2">
+            <a:schemeClr val="accent1">
+              <a:shade val="50000"/>
+            </a:schemeClr>
+          </a:lnRef>
+          <a:fillRef idx="1">
+            <a:schemeClr val="accent1"/>
+          </a:fillRef>
+          <a:effectRef idx="0">
+            <a:schemeClr val="accent1"/>
+          </a:effectRef>
+          <a:fontRef idx="minor">
+            <a:schemeClr val="lt1"/>
+          </a:fontRef>
+        </p:style>
+        <p:txBody>
+          <a:bodyPr rtlCol="0" anchor="ctr"/>
+          <a:lstStyle/>
+          <a:p>
+            <a:pPr algn="ctr"/>
+            <a:r>
+              <a:rPr lang="en-US" sz="4400" dirty="0" err="1" smtClean="0">
+                <a:solidFill>
+                  <a:srgbClr val="FFFF00"/>
+                </a:solidFill>
+                <a:latin typeface="Blocked" pitchFamily="2" charset="0"/>
+              </a:rPr>
+              <a:t>elephun</a:t>
+            </a:r>
+            <a:endParaRPr lang="en-US" sz="4400" dirty="0" smtClean="0">
+              <a:solidFill>
+                <a:srgbClr val="FFFF00"/>
+              </a:solidFill>
+              <a:latin typeface="Blocked" pitchFamily="2" charset="0"/>
+            </a:endParaRPr>
+          </a:p>
+          <a:p>
+            <a:pPr algn="ctr"/>
+            <a:endParaRPr lang="en-US" sz="7200" dirty="0">
+              <a:solidFill>
+                <a:srgbClr val="00FF00"/>
+              </a:solidFill>
+              <a:latin typeface="Ananda Namaste" pitchFamily="2" charset="0"/>
+            </a:endParaRPr>
+          </a:p>
+          <a:p>
+            <a:pPr algn="ctr"/>
+            <a:endParaRPr lang="en-US" sz="700" dirty="0">
+              <a:solidFill>
+                <a:srgbClr val="00FF00"/>
+              </a:solidFill>
+              <a:latin typeface="Ananda Namaste" pitchFamily="2" charset="0"/>
+            </a:endParaRPr>
+          </a:p>
+        </p:txBody>
+      </p:sp>
+      <p:sp>
+        <p:nvSpPr>
+          <p:cNvPr id="5" name="Rectangle 4"/>
+          <p:cNvSpPr/>
+          <p:nvPr/>
+        </p:nvSpPr>
+        <p:spPr>
+          <a:xfrm>
+            <a:off x="0" y="0"/>
+            <a:ext cx="3352800" cy="3352800"/>
+          </a:xfrm>
+          <a:prstGeom prst="rect">
+            <a:avLst/>
+          </a:prstGeom>
+          <a:solidFill>
+            <a:schemeClr val="accent3">
+              <a:lumMod val="50000"/>
+            </a:schemeClr>
+          </a:solidFill>
+          <a:ln>
+            <a:noFill/>
+          </a:ln>
+        </p:spPr>
+        <p:style>
+          <a:lnRef idx="2">
+            <a:schemeClr val="accent1">
+              <a:shade val="50000"/>
+            </a:schemeClr>
+          </a:lnRef>
+          <a:fillRef idx="1">
+            <a:schemeClr val="accent1"/>
+          </a:fillRef>
+          <a:effectRef idx="0">
+            <a:schemeClr val="accent1"/>
+          </a:effectRef>
+          <a:fontRef idx="minor">
+            <a:schemeClr val="lt1"/>
+          </a:fontRef>
+        </p:style>
+        <p:txBody>
+          <a:bodyPr rtlCol="0" anchor="ctr"/>
+          <a:lstStyle/>
+          <a:p>
+            <a:pPr algn="ctr"/>
+            <a:r>
+              <a:rPr lang="en-US" sz="4400" dirty="0" err="1" smtClean="0">
+                <a:solidFill>
+                  <a:srgbClr val="FFFF00"/>
+                </a:solidFill>
+                <a:latin typeface="Blocked" pitchFamily="2" charset="0"/>
+              </a:rPr>
+              <a:t>e</a:t>
+            </a:r>
+            <a:r>
+              <a:rPr lang="en-US" sz="4400" dirty="0" err="1" smtClean="0">
+                <a:solidFill>
+                  <a:srgbClr val="FFFF00"/>
+                </a:solidFill>
+                <a:latin typeface="Blocked" pitchFamily="2" charset="0"/>
+              </a:rPr>
+              <a:t>lephun</a:t>
+            </a:r>
+            <a:endParaRPr lang="en-US" sz="4400" dirty="0" smtClean="0">
+              <a:solidFill>
+                <a:srgbClr val="FFFF00"/>
+              </a:solidFill>
+              <a:latin typeface="Blocked" pitchFamily="2" charset="0"/>
+            </a:endParaRPr>
+          </a:p>
+          <a:p>
+            <a:pPr algn="ctr"/>
+            <a:endParaRPr lang="en-US" sz="7200" dirty="0">
+              <a:latin typeface="Ananda Namaste" pitchFamily="2" charset="0"/>
+            </a:endParaRPr>
+          </a:p>
+          <a:p>
+            <a:pPr algn="ctr"/>
+            <a:endParaRPr lang="en-US" sz="700" dirty="0">
+              <a:latin typeface="Ananda Namaste" pitchFamily="2" charset="0"/>
+            </a:endParaRPr>
+          </a:p>
+        </p:txBody>
+      </p:sp>
+      <p:sp>
+        <p:nvSpPr>
+          <p:cNvPr id="6" name="Rectangle 5"/>
+          <p:cNvSpPr/>
+          <p:nvPr/>
+        </p:nvSpPr>
+        <p:spPr>
+          <a:xfrm>
+            <a:off x="1371600" y="1905000"/>
+            <a:ext cx="76200" cy="76200"/>
+          </a:xfrm>
+          <a:prstGeom prst="rect">
+            <a:avLst/>
+          </a:prstGeom>
+          <a:solidFill>
+            <a:srgbClr val="FFFF00"/>
+          </a:solidFill>
+          <a:ln>
+            <a:noFill/>
+          </a:ln>
+        </p:spPr>
+        <p:style>
+          <a:lnRef idx="2">
+            <a:schemeClr val="accent1">
+              <a:shade val="50000"/>
+            </a:schemeClr>
+          </a:lnRef>
+          <a:fillRef idx="1">
+            <a:schemeClr val="accent1"/>
+          </a:fillRef>
+          <a:effectRef idx="0">
+            <a:schemeClr val="accent1"/>
+          </a:effectRef>
+          <a:fontRef idx="minor">
+            <a:schemeClr val="lt1"/>
+          </a:fontRef>
+        </p:style>
+        <p:txBody>
+          <a:bodyPr rtlCol="0" anchor="ctr"/>
+          <a:lstStyle/>
+          <a:p>
+            <a:pPr algn="ctr"/>
+            <a:endParaRPr lang="en-US"/>
+          </a:p>
+        </p:txBody>
+      </p:sp>
+      <p:sp>
+        <p:nvSpPr>
+          <p:cNvPr id="7" name="Rectangle 6"/>
+          <p:cNvSpPr/>
+          <p:nvPr/>
+        </p:nvSpPr>
+        <p:spPr>
+          <a:xfrm>
+            <a:off x="1371600" y="1993100"/>
+            <a:ext cx="76200" cy="76200"/>
+          </a:xfrm>
+          <a:prstGeom prst="rect">
+            <a:avLst/>
+          </a:prstGeom>
+          <a:solidFill>
+            <a:srgbClr val="FFFF00"/>
+          </a:solidFill>
+          <a:ln>
+            <a:noFill/>
+          </a:ln>
+        </p:spPr>
+        <p:style>
+          <a:lnRef idx="2">
+            <a:schemeClr val="accent1">
+              <a:shade val="50000"/>
+            </a:schemeClr>
+          </a:lnRef>
+          <a:fillRef idx="1">
+            <a:schemeClr val="accent1"/>
+          </a:fillRef>
+          <a:effectRef idx="0">
+            <a:schemeClr val="accent1"/>
+          </a:effectRef>
+          <a:fontRef idx="minor">
+            <a:schemeClr val="lt1"/>
+          </a:fontRef>
+        </p:style>
+        <p:txBody>
+          <a:bodyPr rtlCol="0" anchor="ctr"/>
+          <a:lstStyle/>
+          <a:p>
+            <a:pPr algn="ctr"/>
+            <a:endParaRPr lang="en-US" dirty="0"/>
+          </a:p>
+        </p:txBody>
+      </p:sp>
+      <p:sp>
+        <p:nvSpPr>
+          <p:cNvPr id="8" name="Rectangle 7"/>
+          <p:cNvSpPr/>
+          <p:nvPr/>
+        </p:nvSpPr>
+        <p:spPr>
+          <a:xfrm>
+            <a:off x="1371600" y="2081208"/>
+            <a:ext cx="76200" cy="76200"/>
+          </a:xfrm>
+          <a:prstGeom prst="rect">
+            <a:avLst/>
+          </a:prstGeom>
+          <a:solidFill>
+            <a:srgbClr val="FFFF00"/>
+          </a:solidFill>
+          <a:ln>
+            <a:noFill/>
+          </a:ln>
+        </p:spPr>
+        <p:style>
+          <a:lnRef idx="2">
+            <a:schemeClr val="accent1">
+              <a:shade val="50000"/>
+            </a:schemeClr>
+          </a:lnRef>
+          <a:fillRef idx="1">
+            <a:schemeClr val="accent1"/>
+          </a:fillRef>
+          <a:effectRef idx="0">
+            <a:schemeClr val="accent1"/>
+          </a:effectRef>
+          <a:fontRef idx="minor">
+            <a:schemeClr val="lt1"/>
+          </a:fontRef>
+        </p:style>
+        <p:txBody>
+          <a:bodyPr rtlCol="0" anchor="ctr"/>
+          <a:lstStyle/>
+          <a:p>
+            <a:pPr algn="ctr"/>
+            <a:endParaRPr lang="en-US" dirty="0"/>
+          </a:p>
+        </p:txBody>
+      </p:sp>
+      <p:sp>
+        <p:nvSpPr>
+          <p:cNvPr id="9" name="Rectangle 8"/>
+          <p:cNvSpPr/>
+          <p:nvPr/>
+        </p:nvSpPr>
+        <p:spPr>
+          <a:xfrm>
+            <a:off x="1459705" y="1905000"/>
+            <a:ext cx="76200" cy="76200"/>
+          </a:xfrm>
+          <a:prstGeom prst="rect">
+            <a:avLst/>
+          </a:prstGeom>
+          <a:solidFill>
+            <a:srgbClr val="FFFF00"/>
+          </a:solidFill>
+          <a:ln>
+            <a:noFill/>
+          </a:ln>
+        </p:spPr>
+        <p:style>
+          <a:lnRef idx="2">
+            <a:schemeClr val="accent1">
+              <a:shade val="50000"/>
+            </a:schemeClr>
+          </a:lnRef>
+          <a:fillRef idx="1">
+            <a:schemeClr val="accent1"/>
+          </a:fillRef>
+          <a:effectRef idx="0">
+            <a:schemeClr val="accent1"/>
+          </a:effectRef>
+          <a:fontRef idx="minor">
+            <a:schemeClr val="lt1"/>
+          </a:fontRef>
+        </p:style>
+        <p:txBody>
+          <a:bodyPr rtlCol="0" anchor="ctr"/>
+          <a:lstStyle/>
+          <a:p>
+            <a:pPr algn="ctr"/>
+            <a:endParaRPr lang="en-US"/>
+          </a:p>
+        </p:txBody>
+      </p:sp>
+      <p:sp>
+        <p:nvSpPr>
+          <p:cNvPr id="10" name="Rectangle 9"/>
+          <p:cNvSpPr/>
+          <p:nvPr/>
+        </p:nvSpPr>
+        <p:spPr>
+          <a:xfrm>
+            <a:off x="1547818" y="1905000"/>
+            <a:ext cx="76200" cy="76200"/>
+          </a:xfrm>
+          <a:prstGeom prst="rect">
+            <a:avLst/>
+          </a:prstGeom>
+          <a:solidFill>
+            <a:srgbClr val="FFFF00"/>
+          </a:solidFill>
+          <a:ln>
+            <a:noFill/>
+          </a:ln>
+        </p:spPr>
+        <p:style>
+          <a:lnRef idx="2">
+            <a:schemeClr val="accent1">
+              <a:shade val="50000"/>
+            </a:schemeClr>
+          </a:lnRef>
+          <a:fillRef idx="1">
+            <a:schemeClr val="accent1"/>
+          </a:fillRef>
+          <a:effectRef idx="0">
+            <a:schemeClr val="accent1"/>
+          </a:effectRef>
+          <a:fontRef idx="minor">
+            <a:schemeClr val="lt1"/>
+          </a:fontRef>
+        </p:style>
+        <p:txBody>
+          <a:bodyPr rtlCol="0" anchor="ctr"/>
+          <a:lstStyle/>
+          <a:p>
+            <a:pPr algn="ctr"/>
+            <a:endParaRPr lang="en-US"/>
+          </a:p>
+        </p:txBody>
+      </p:sp>
+      <p:sp>
+        <p:nvSpPr>
+          <p:cNvPr id="11" name="Rectangle 10"/>
+          <p:cNvSpPr/>
+          <p:nvPr/>
+        </p:nvSpPr>
+        <p:spPr>
+          <a:xfrm>
+            <a:off x="1371600" y="2169325"/>
+            <a:ext cx="76200" cy="76200"/>
+          </a:xfrm>
+          <a:prstGeom prst="rect">
+            <a:avLst/>
+          </a:prstGeom>
+          <a:solidFill>
+            <a:srgbClr val="FFFF00"/>
+          </a:solidFill>
+          <a:ln>
+            <a:noFill/>
+          </a:ln>
+        </p:spPr>
+        <p:style>
+          <a:lnRef idx="2">
+            <a:schemeClr val="accent1">
+              <a:shade val="50000"/>
+            </a:schemeClr>
+          </a:lnRef>
+          <a:fillRef idx="1">
+            <a:schemeClr val="accent1"/>
+          </a:fillRef>
+          <a:effectRef idx="0">
+            <a:schemeClr val="accent1"/>
+          </a:effectRef>
+          <a:fontRef idx="minor">
+            <a:schemeClr val="lt1"/>
+          </a:fontRef>
+        </p:style>
+        <p:txBody>
+          <a:bodyPr rtlCol="0" anchor="ctr"/>
+          <a:lstStyle/>
+          <a:p>
+            <a:pPr algn="ctr"/>
+            <a:endParaRPr lang="en-US"/>
+          </a:p>
+        </p:txBody>
+      </p:sp>
+      <p:sp>
+        <p:nvSpPr>
+          <p:cNvPr id="12" name="Rectangle 11"/>
+          <p:cNvSpPr/>
+          <p:nvPr/>
+        </p:nvSpPr>
+        <p:spPr>
+          <a:xfrm>
+            <a:off x="1371600" y="2257425"/>
+            <a:ext cx="76200" cy="76200"/>
+          </a:xfrm>
+          <a:prstGeom prst="rect">
+            <a:avLst/>
+          </a:prstGeom>
+          <a:solidFill>
+            <a:srgbClr val="FFFF00"/>
+          </a:solidFill>
+          <a:ln>
+            <a:noFill/>
+          </a:ln>
+        </p:spPr>
+        <p:style>
+          <a:lnRef idx="2">
+            <a:schemeClr val="accent1">
+              <a:shade val="50000"/>
+            </a:schemeClr>
+          </a:lnRef>
+          <a:fillRef idx="1">
+            <a:schemeClr val="accent1"/>
+          </a:fillRef>
+          <a:effectRef idx="0">
+            <a:schemeClr val="accent1"/>
+          </a:effectRef>
+          <a:fontRef idx="minor">
+            <a:schemeClr val="lt1"/>
+          </a:fontRef>
+        </p:style>
+        <p:txBody>
+          <a:bodyPr rtlCol="0" anchor="ctr"/>
+          <a:lstStyle/>
+          <a:p>
+            <a:pPr algn="ctr"/>
+            <a:endParaRPr lang="en-US" dirty="0"/>
+          </a:p>
+        </p:txBody>
+      </p:sp>
+      <p:sp>
+        <p:nvSpPr>
+          <p:cNvPr id="13" name="Rectangle 12"/>
+          <p:cNvSpPr/>
+          <p:nvPr/>
+        </p:nvSpPr>
+        <p:spPr>
+          <a:xfrm>
+            <a:off x="1371600" y="2345536"/>
+            <a:ext cx="76200" cy="76200"/>
+          </a:xfrm>
+          <a:prstGeom prst="rect">
+            <a:avLst/>
+          </a:prstGeom>
+          <a:solidFill>
+            <a:srgbClr val="FFFF00"/>
+          </a:solidFill>
+          <a:ln>
+            <a:noFill/>
+          </a:ln>
+        </p:spPr>
+        <p:style>
+          <a:lnRef idx="2">
+            <a:schemeClr val="accent1">
+              <a:shade val="50000"/>
+            </a:schemeClr>
+          </a:lnRef>
+          <a:fillRef idx="1">
+            <a:schemeClr val="accent1"/>
+          </a:fillRef>
+          <a:effectRef idx="0">
+            <a:schemeClr val="accent1"/>
+          </a:effectRef>
+          <a:fontRef idx="minor">
+            <a:schemeClr val="lt1"/>
+          </a:fontRef>
+        </p:style>
+        <p:txBody>
+          <a:bodyPr rtlCol="0" anchor="ctr"/>
+          <a:lstStyle/>
+          <a:p>
+            <a:pPr algn="ctr"/>
+            <a:endParaRPr lang="en-US"/>
+          </a:p>
+        </p:txBody>
+      </p:sp>
+      <p:sp>
+        <p:nvSpPr>
+          <p:cNvPr id="14" name="Rectangle 13"/>
+          <p:cNvSpPr/>
+          <p:nvPr/>
+        </p:nvSpPr>
+        <p:spPr>
+          <a:xfrm>
+            <a:off x="1371600" y="2433636"/>
+            <a:ext cx="76200" cy="76200"/>
+          </a:xfrm>
+          <a:prstGeom prst="rect">
+            <a:avLst/>
+          </a:prstGeom>
+          <a:solidFill>
+            <a:srgbClr val="FFFF00"/>
+          </a:solidFill>
+          <a:ln>
+            <a:noFill/>
+          </a:ln>
+        </p:spPr>
+        <p:style>
+          <a:lnRef idx="2">
+            <a:schemeClr val="accent1">
+              <a:shade val="50000"/>
+            </a:schemeClr>
+          </a:lnRef>
+          <a:fillRef idx="1">
+            <a:schemeClr val="accent1"/>
+          </a:fillRef>
+          <a:effectRef idx="0">
+            <a:schemeClr val="accent1"/>
+          </a:effectRef>
+          <a:fontRef idx="minor">
+            <a:schemeClr val="lt1"/>
+          </a:fontRef>
+        </p:style>
+        <p:txBody>
+          <a:bodyPr rtlCol="0" anchor="ctr"/>
+          <a:lstStyle/>
+          <a:p>
+            <a:pPr algn="ctr"/>
+            <a:endParaRPr lang="en-US" dirty="0"/>
+          </a:p>
+        </p:txBody>
+      </p:sp>
+      <p:sp>
+        <p:nvSpPr>
+          <p:cNvPr id="15" name="Rectangle 14"/>
+          <p:cNvSpPr/>
+          <p:nvPr/>
+        </p:nvSpPr>
+        <p:spPr>
+          <a:xfrm>
+            <a:off x="1371600" y="2521744"/>
+            <a:ext cx="76200" cy="76200"/>
+          </a:xfrm>
+          <a:prstGeom prst="rect">
+            <a:avLst/>
+          </a:prstGeom>
+          <a:solidFill>
+            <a:srgbClr val="FFFF00"/>
+          </a:solidFill>
+          <a:ln>
+            <a:noFill/>
+          </a:ln>
+        </p:spPr>
+        <p:style>
+          <a:lnRef idx="2">
+            <a:schemeClr val="accent1">
+              <a:shade val="50000"/>
+            </a:schemeClr>
+          </a:lnRef>
+          <a:fillRef idx="1">
+            <a:schemeClr val="accent1"/>
+          </a:fillRef>
+          <a:effectRef idx="0">
+            <a:schemeClr val="accent1"/>
+          </a:effectRef>
+          <a:fontRef idx="minor">
+            <a:schemeClr val="lt1"/>
+          </a:fontRef>
+        </p:style>
+        <p:txBody>
+          <a:bodyPr rtlCol="0" anchor="ctr"/>
+          <a:lstStyle/>
+          <a:p>
+            <a:pPr algn="ctr"/>
+            <a:endParaRPr lang="en-US" dirty="0"/>
+          </a:p>
+        </p:txBody>
+      </p:sp>
+      <p:sp>
+        <p:nvSpPr>
+          <p:cNvPr id="16" name="Rectangle 15"/>
+          <p:cNvSpPr/>
+          <p:nvPr/>
+        </p:nvSpPr>
+        <p:spPr>
+          <a:xfrm>
+            <a:off x="1371600" y="2609861"/>
+            <a:ext cx="76200" cy="76200"/>
+          </a:xfrm>
+          <a:prstGeom prst="rect">
+            <a:avLst/>
+          </a:prstGeom>
+          <a:solidFill>
+            <a:srgbClr val="FFFF00"/>
+          </a:solidFill>
+          <a:ln>
+            <a:noFill/>
+          </a:ln>
+        </p:spPr>
+        <p:style>
+          <a:lnRef idx="2">
+            <a:schemeClr val="accent1">
+              <a:shade val="50000"/>
+            </a:schemeClr>
+          </a:lnRef>
+          <a:fillRef idx="1">
+            <a:schemeClr val="accent1"/>
+          </a:fillRef>
+          <a:effectRef idx="0">
+            <a:schemeClr val="accent1"/>
+          </a:effectRef>
+          <a:fontRef idx="minor">
+            <a:schemeClr val="lt1"/>
+          </a:fontRef>
+        </p:style>
+        <p:txBody>
+          <a:bodyPr rtlCol="0" anchor="ctr"/>
+          <a:lstStyle/>
+          <a:p>
+            <a:pPr algn="ctr"/>
+            <a:endParaRPr lang="en-US"/>
+          </a:p>
+        </p:txBody>
+      </p:sp>
+      <p:sp>
+        <p:nvSpPr>
+          <p:cNvPr id="17" name="Rectangle 16"/>
+          <p:cNvSpPr/>
+          <p:nvPr/>
+        </p:nvSpPr>
+        <p:spPr>
+          <a:xfrm>
+            <a:off x="1371600" y="2698750"/>
+            <a:ext cx="76200" cy="76200"/>
+          </a:xfrm>
+          <a:prstGeom prst="rect">
+            <a:avLst/>
+          </a:prstGeom>
+          <a:solidFill>
+            <a:srgbClr val="FFFF00"/>
+          </a:solidFill>
+          <a:ln>
+            <a:noFill/>
+          </a:ln>
+        </p:spPr>
+        <p:style>
+          <a:lnRef idx="2">
+            <a:schemeClr val="accent1">
+              <a:shade val="50000"/>
+            </a:schemeClr>
+          </a:lnRef>
+          <a:fillRef idx="1">
+            <a:schemeClr val="accent1"/>
+          </a:fillRef>
+          <a:effectRef idx="0">
+            <a:schemeClr val="accent1"/>
+          </a:effectRef>
+          <a:fontRef idx="minor">
+            <a:schemeClr val="lt1"/>
+          </a:fontRef>
+        </p:style>
+        <p:txBody>
+          <a:bodyPr rtlCol="0" anchor="ctr"/>
+          <a:lstStyle/>
+          <a:p>
+            <a:pPr algn="ctr"/>
+            <a:endParaRPr lang="en-US" dirty="0"/>
+          </a:p>
+        </p:txBody>
+      </p:sp>
+      <p:sp>
+        <p:nvSpPr>
+          <p:cNvPr id="18" name="Rectangle 17"/>
+          <p:cNvSpPr/>
+          <p:nvPr/>
+        </p:nvSpPr>
+        <p:spPr>
+          <a:xfrm>
+            <a:off x="1636709" y="1905000"/>
+            <a:ext cx="76200" cy="76200"/>
+          </a:xfrm>
+          <a:prstGeom prst="rect">
+            <a:avLst/>
+          </a:prstGeom>
+          <a:solidFill>
+            <a:srgbClr val="FFFF00"/>
+          </a:solidFill>
+          <a:ln>
+            <a:noFill/>
+          </a:ln>
+        </p:spPr>
+        <p:style>
+          <a:lnRef idx="2">
+            <a:schemeClr val="accent1">
+              <a:shade val="50000"/>
+            </a:schemeClr>
+          </a:lnRef>
+          <a:fillRef idx="1">
+            <a:schemeClr val="accent1"/>
+          </a:fillRef>
+          <a:effectRef idx="0">
+            <a:schemeClr val="accent1"/>
+          </a:effectRef>
+          <a:fontRef idx="minor">
+            <a:schemeClr val="lt1"/>
+          </a:fontRef>
+        </p:style>
+        <p:txBody>
+          <a:bodyPr rtlCol="0" anchor="ctr"/>
+          <a:lstStyle/>
+          <a:p>
+            <a:pPr algn="ctr"/>
+            <a:endParaRPr lang="en-US"/>
+          </a:p>
+        </p:txBody>
+      </p:sp>
+      <p:sp>
+        <p:nvSpPr>
+          <p:cNvPr id="19" name="Rectangle 18"/>
+          <p:cNvSpPr/>
+          <p:nvPr/>
+        </p:nvSpPr>
+        <p:spPr>
+          <a:xfrm>
+            <a:off x="1724822" y="1905000"/>
+            <a:ext cx="76200" cy="76200"/>
+          </a:xfrm>
+          <a:prstGeom prst="rect">
+            <a:avLst/>
+          </a:prstGeom>
+          <a:solidFill>
+            <a:srgbClr val="FFFF00"/>
+          </a:solidFill>
+          <a:ln>
+            <a:noFill/>
+          </a:ln>
+        </p:spPr>
+        <p:style>
+          <a:lnRef idx="2">
+            <a:schemeClr val="accent1">
+              <a:shade val="50000"/>
+            </a:schemeClr>
+          </a:lnRef>
+          <a:fillRef idx="1">
+            <a:schemeClr val="accent1"/>
+          </a:fillRef>
+          <a:effectRef idx="0">
+            <a:schemeClr val="accent1"/>
+          </a:effectRef>
+          <a:fontRef idx="minor">
+            <a:schemeClr val="lt1"/>
+          </a:fontRef>
+        </p:style>
+        <p:txBody>
+          <a:bodyPr rtlCol="0" anchor="ctr"/>
+          <a:lstStyle/>
+          <a:p>
+            <a:pPr algn="ctr"/>
+            <a:endParaRPr lang="en-US"/>
+          </a:p>
+        </p:txBody>
+      </p:sp>
+      <p:sp>
+        <p:nvSpPr>
+          <p:cNvPr id="20" name="Rectangle 19"/>
+          <p:cNvSpPr/>
+          <p:nvPr/>
+        </p:nvSpPr>
+        <p:spPr>
+          <a:xfrm>
+            <a:off x="1812919" y="1905000"/>
+            <a:ext cx="76200" cy="76200"/>
+          </a:xfrm>
+          <a:prstGeom prst="rect">
+            <a:avLst/>
+          </a:prstGeom>
+          <a:solidFill>
+            <a:srgbClr val="FFFF00"/>
+          </a:solidFill>
+          <a:ln>
+            <a:noFill/>
+          </a:ln>
+        </p:spPr>
+        <p:style>
+          <a:lnRef idx="2">
+            <a:schemeClr val="accent1">
+              <a:shade val="50000"/>
+            </a:schemeClr>
+          </a:lnRef>
+          <a:fillRef idx="1">
+            <a:schemeClr val="accent1"/>
+          </a:fillRef>
+          <a:effectRef idx="0">
+            <a:schemeClr val="accent1"/>
+          </a:effectRef>
+          <a:fontRef idx="minor">
+            <a:schemeClr val="lt1"/>
+          </a:fontRef>
+        </p:style>
+        <p:txBody>
+          <a:bodyPr rtlCol="0" anchor="ctr"/>
+          <a:lstStyle/>
+          <a:p>
+            <a:pPr algn="ctr"/>
+            <a:endParaRPr lang="en-US"/>
+          </a:p>
+        </p:txBody>
+      </p:sp>
+      <p:sp>
+        <p:nvSpPr>
+          <p:cNvPr id="21" name="Rectangle 20"/>
+          <p:cNvSpPr/>
+          <p:nvPr/>
+        </p:nvSpPr>
+        <p:spPr>
+          <a:xfrm>
+            <a:off x="1903413" y="1905000"/>
+            <a:ext cx="76200" cy="76200"/>
+          </a:xfrm>
+          <a:prstGeom prst="rect">
+            <a:avLst/>
+          </a:prstGeom>
+          <a:solidFill>
+            <a:srgbClr val="FFFF00"/>
+          </a:solidFill>
+          <a:ln>
+            <a:noFill/>
+          </a:ln>
+        </p:spPr>
+        <p:style>
+          <a:lnRef idx="2">
+            <a:schemeClr val="accent1">
+              <a:shade val="50000"/>
+            </a:schemeClr>
+          </a:lnRef>
+          <a:fillRef idx="1">
+            <a:schemeClr val="accent1"/>
+          </a:fillRef>
+          <a:effectRef idx="0">
+            <a:schemeClr val="accent1"/>
+          </a:effectRef>
+          <a:fontRef idx="minor">
+            <a:schemeClr val="lt1"/>
+          </a:fontRef>
+        </p:style>
+        <p:txBody>
+          <a:bodyPr rtlCol="0" anchor="ctr"/>
+          <a:lstStyle/>
+          <a:p>
+            <a:pPr algn="ctr"/>
+            <a:endParaRPr lang="en-US"/>
+          </a:p>
+        </p:txBody>
+      </p:sp>
+      <p:sp>
+        <p:nvSpPr>
+          <p:cNvPr id="22" name="Rectangle 21"/>
+          <p:cNvSpPr/>
+          <p:nvPr/>
+        </p:nvSpPr>
+        <p:spPr>
+          <a:xfrm>
+            <a:off x="1903413" y="1993105"/>
+            <a:ext cx="76200" cy="76200"/>
+          </a:xfrm>
+          <a:prstGeom prst="rect">
+            <a:avLst/>
+          </a:prstGeom>
+          <a:solidFill>
+            <a:srgbClr val="FFFF00"/>
+          </a:solidFill>
+          <a:ln>
+            <a:noFill/>
+          </a:ln>
+        </p:spPr>
+        <p:style>
+          <a:lnRef idx="2">
+            <a:schemeClr val="accent1">
+              <a:shade val="50000"/>
+            </a:schemeClr>
+          </a:lnRef>
+          <a:fillRef idx="1">
+            <a:schemeClr val="accent1"/>
+          </a:fillRef>
+          <a:effectRef idx="0">
+            <a:schemeClr val="accent1"/>
+          </a:effectRef>
+          <a:fontRef idx="minor">
+            <a:schemeClr val="lt1"/>
+          </a:fontRef>
+        </p:style>
+        <p:txBody>
+          <a:bodyPr rtlCol="0" anchor="ctr"/>
+          <a:lstStyle/>
+          <a:p>
+            <a:pPr algn="ctr"/>
+            <a:endParaRPr lang="en-US" dirty="0"/>
+          </a:p>
+        </p:txBody>
+      </p:sp>
+      <p:sp>
+        <p:nvSpPr>
+          <p:cNvPr id="23" name="Rectangle 22"/>
+          <p:cNvSpPr/>
+          <p:nvPr/>
+        </p:nvSpPr>
+        <p:spPr>
+          <a:xfrm>
+            <a:off x="1903413" y="2081213"/>
+            <a:ext cx="76200" cy="76200"/>
+          </a:xfrm>
+          <a:prstGeom prst="rect">
+            <a:avLst/>
+          </a:prstGeom>
+          <a:solidFill>
+            <a:srgbClr val="FFFF00"/>
+          </a:solidFill>
+          <a:ln>
+            <a:noFill/>
+          </a:ln>
+        </p:spPr>
+        <p:style>
+          <a:lnRef idx="2">
+            <a:schemeClr val="accent1">
+              <a:shade val="50000"/>
+            </a:schemeClr>
+          </a:lnRef>
+          <a:fillRef idx="1">
+            <a:schemeClr val="accent1"/>
+          </a:fillRef>
+          <a:effectRef idx="0">
+            <a:schemeClr val="accent1"/>
+          </a:effectRef>
+          <a:fontRef idx="minor">
+            <a:schemeClr val="lt1"/>
+          </a:fontRef>
+        </p:style>
+        <p:txBody>
+          <a:bodyPr rtlCol="0" anchor="ctr"/>
+          <a:lstStyle/>
+          <a:p>
+            <a:pPr algn="ctr"/>
+            <a:endParaRPr lang="en-US" dirty="0"/>
+          </a:p>
+        </p:txBody>
+      </p:sp>
+      <p:sp>
+        <p:nvSpPr>
+          <p:cNvPr id="24" name="Rectangle 23"/>
+          <p:cNvSpPr/>
+          <p:nvPr/>
+        </p:nvSpPr>
+        <p:spPr>
+          <a:xfrm>
+            <a:off x="1903413" y="2169330"/>
+            <a:ext cx="76200" cy="76200"/>
+          </a:xfrm>
+          <a:prstGeom prst="rect">
+            <a:avLst/>
+          </a:prstGeom>
+          <a:solidFill>
+            <a:srgbClr val="FFFF00"/>
+          </a:solidFill>
+          <a:ln>
+            <a:noFill/>
+          </a:ln>
+        </p:spPr>
+        <p:style>
+          <a:lnRef idx="2">
+            <a:schemeClr val="accent1">
+              <a:shade val="50000"/>
+            </a:schemeClr>
+          </a:lnRef>
+          <a:fillRef idx="1">
+            <a:schemeClr val="accent1"/>
+          </a:fillRef>
+          <a:effectRef idx="0">
+            <a:schemeClr val="accent1"/>
+          </a:effectRef>
+          <a:fontRef idx="minor">
+            <a:schemeClr val="lt1"/>
+          </a:fontRef>
+        </p:style>
+        <p:txBody>
+          <a:bodyPr rtlCol="0" anchor="ctr"/>
+          <a:lstStyle/>
+          <a:p>
+            <a:pPr algn="ctr"/>
+            <a:endParaRPr lang="en-US"/>
+          </a:p>
+        </p:txBody>
+      </p:sp>
+      <p:sp>
+        <p:nvSpPr>
+          <p:cNvPr id="25" name="Rectangle 24"/>
+          <p:cNvSpPr/>
+          <p:nvPr/>
+        </p:nvSpPr>
+        <p:spPr>
+          <a:xfrm>
+            <a:off x="1817681" y="2257428"/>
+            <a:ext cx="76200" cy="76200"/>
+          </a:xfrm>
+          <a:prstGeom prst="rect">
+            <a:avLst/>
+          </a:prstGeom>
+          <a:solidFill>
+            <a:srgbClr val="FFFF00"/>
+          </a:solidFill>
+          <a:ln>
+            <a:noFill/>
+          </a:ln>
+        </p:spPr>
+        <p:style>
+          <a:lnRef idx="2">
+            <a:schemeClr val="accent1">
+              <a:shade val="50000"/>
+            </a:schemeClr>
+          </a:lnRef>
+          <a:fillRef idx="1">
+            <a:schemeClr val="accent1"/>
+          </a:fillRef>
+          <a:effectRef idx="0">
+            <a:schemeClr val="accent1"/>
+          </a:effectRef>
+          <a:fontRef idx="minor">
+            <a:schemeClr val="lt1"/>
+          </a:fontRef>
+        </p:style>
+        <p:txBody>
+          <a:bodyPr rtlCol="0" anchor="ctr"/>
+          <a:lstStyle/>
+          <a:p>
+            <a:pPr algn="ctr"/>
+            <a:endParaRPr lang="en-US"/>
+          </a:p>
+        </p:txBody>
+      </p:sp>
+      <p:sp>
+        <p:nvSpPr>
+          <p:cNvPr id="26" name="Rectangle 25"/>
+          <p:cNvSpPr/>
+          <p:nvPr/>
+        </p:nvSpPr>
+        <p:spPr>
+          <a:xfrm>
+            <a:off x="1905794" y="2257428"/>
+            <a:ext cx="76200" cy="76200"/>
+          </a:xfrm>
+          <a:prstGeom prst="rect">
+            <a:avLst/>
+          </a:prstGeom>
+          <a:solidFill>
+            <a:srgbClr val="FFFF00"/>
+          </a:solidFill>
+          <a:ln>
+            <a:noFill/>
+          </a:ln>
+        </p:spPr>
+        <p:style>
+          <a:lnRef idx="2">
+            <a:schemeClr val="accent1">
+              <a:shade val="50000"/>
+            </a:schemeClr>
+          </a:lnRef>
+          <a:fillRef idx="1">
+            <a:schemeClr val="accent1"/>
+          </a:fillRef>
+          <a:effectRef idx="0">
+            <a:schemeClr val="accent1"/>
+          </a:effectRef>
+          <a:fontRef idx="minor">
+            <a:schemeClr val="lt1"/>
+          </a:fontRef>
+        </p:style>
+        <p:txBody>
+          <a:bodyPr rtlCol="0" anchor="ctr"/>
+          <a:lstStyle/>
+          <a:p>
+            <a:pPr algn="ctr"/>
+            <a:endParaRPr lang="en-US"/>
+          </a:p>
+        </p:txBody>
+      </p:sp>
+      <p:sp>
+        <p:nvSpPr>
+          <p:cNvPr id="27" name="Rectangle 26"/>
+          <p:cNvSpPr/>
+          <p:nvPr/>
+        </p:nvSpPr>
+        <p:spPr>
+          <a:xfrm>
+            <a:off x="1524000" y="2057400"/>
+            <a:ext cx="76200" cy="76200"/>
+          </a:xfrm>
+          <a:prstGeom prst="rect">
+            <a:avLst/>
+          </a:prstGeom>
+          <a:solidFill>
+            <a:srgbClr val="FFFF00"/>
+          </a:solidFill>
+          <a:ln>
+            <a:noFill/>
+          </a:ln>
+        </p:spPr>
+        <p:style>
+          <a:lnRef idx="2">
+            <a:schemeClr val="accent1">
+              <a:shade val="50000"/>
+            </a:schemeClr>
+          </a:lnRef>
+          <a:fillRef idx="1">
+            <a:schemeClr val="accent1"/>
+          </a:fillRef>
+          <a:effectRef idx="0">
+            <a:schemeClr val="accent1"/>
+          </a:effectRef>
+          <a:fontRef idx="minor">
+            <a:schemeClr val="lt1"/>
+          </a:fontRef>
+        </p:style>
+        <p:txBody>
+          <a:bodyPr rtlCol="0" anchor="ctr"/>
+          <a:lstStyle/>
+          <a:p>
+            <a:pPr algn="ctr"/>
+            <a:endParaRPr lang="en-US"/>
+          </a:p>
+        </p:txBody>
+      </p:sp>
+      <p:sp>
+        <p:nvSpPr>
+          <p:cNvPr id="28" name="Rectangle 27"/>
+          <p:cNvSpPr/>
+          <p:nvPr/>
+        </p:nvSpPr>
+        <p:spPr>
+          <a:xfrm>
+            <a:off x="1460500" y="2698750"/>
+            <a:ext cx="76200" cy="76200"/>
+          </a:xfrm>
+          <a:prstGeom prst="rect">
+            <a:avLst/>
+          </a:prstGeom>
+          <a:solidFill>
+            <a:srgbClr val="FFFF00"/>
+          </a:solidFill>
+          <a:ln>
+            <a:noFill/>
+          </a:ln>
+        </p:spPr>
+        <p:style>
+          <a:lnRef idx="2">
+            <a:schemeClr val="accent1">
+              <a:shade val="50000"/>
+            </a:schemeClr>
+          </a:lnRef>
+          <a:fillRef idx="1">
+            <a:schemeClr val="accent1"/>
+          </a:fillRef>
+          <a:effectRef idx="0">
+            <a:schemeClr val="accent1"/>
+          </a:effectRef>
+          <a:fontRef idx="minor">
+            <a:schemeClr val="lt1"/>
+          </a:fontRef>
+        </p:style>
+        <p:txBody>
+          <a:bodyPr rtlCol="0" anchor="ctr"/>
+          <a:lstStyle/>
+          <a:p>
+            <a:pPr algn="ctr"/>
+            <a:endParaRPr lang="en-US"/>
+          </a:p>
+        </p:txBody>
+      </p:sp>
+      <p:sp>
+        <p:nvSpPr>
+          <p:cNvPr id="29" name="Rectangle 28"/>
+          <p:cNvSpPr/>
+          <p:nvPr/>
+        </p:nvSpPr>
+        <p:spPr>
+          <a:xfrm>
+            <a:off x="1548613" y="2698750"/>
+            <a:ext cx="76200" cy="76200"/>
+          </a:xfrm>
+          <a:prstGeom prst="rect">
+            <a:avLst/>
+          </a:prstGeom>
+          <a:solidFill>
+            <a:srgbClr val="FFFF00"/>
+          </a:solidFill>
+          <a:ln>
+            <a:noFill/>
+          </a:ln>
+        </p:spPr>
+        <p:style>
+          <a:lnRef idx="2">
+            <a:schemeClr val="accent1">
+              <a:shade val="50000"/>
+            </a:schemeClr>
+          </a:lnRef>
+          <a:fillRef idx="1">
+            <a:schemeClr val="accent1"/>
+          </a:fillRef>
+          <a:effectRef idx="0">
+            <a:schemeClr val="accent1"/>
+          </a:effectRef>
+          <a:fontRef idx="minor">
+            <a:schemeClr val="lt1"/>
+          </a:fontRef>
+        </p:style>
+        <p:txBody>
+          <a:bodyPr rtlCol="0" anchor="ctr"/>
+          <a:lstStyle/>
+          <a:p>
+            <a:pPr algn="ctr"/>
+            <a:endParaRPr lang="en-US"/>
+          </a:p>
+        </p:txBody>
+      </p:sp>
+      <p:sp>
+        <p:nvSpPr>
+          <p:cNvPr id="30" name="Rectangle 29"/>
+          <p:cNvSpPr/>
+          <p:nvPr/>
+        </p:nvSpPr>
+        <p:spPr>
+          <a:xfrm>
+            <a:off x="1727200" y="2257425"/>
+            <a:ext cx="76200" cy="76200"/>
+          </a:xfrm>
+          <a:prstGeom prst="rect">
+            <a:avLst/>
+          </a:prstGeom>
+          <a:solidFill>
+            <a:srgbClr val="FFFF00"/>
+          </a:solidFill>
+          <a:ln>
+            <a:noFill/>
+          </a:ln>
+        </p:spPr>
+        <p:style>
+          <a:lnRef idx="2">
+            <a:schemeClr val="accent1">
+              <a:shade val="50000"/>
+            </a:schemeClr>
+          </a:lnRef>
+          <a:fillRef idx="1">
+            <a:schemeClr val="accent1"/>
+          </a:fillRef>
+          <a:effectRef idx="0">
+            <a:schemeClr val="accent1"/>
+          </a:effectRef>
+          <a:fontRef idx="minor">
+            <a:schemeClr val="lt1"/>
+          </a:fontRef>
+        </p:style>
+        <p:txBody>
+          <a:bodyPr rtlCol="0" anchor="ctr"/>
+          <a:lstStyle/>
+          <a:p>
+            <a:pPr algn="ctr"/>
+            <a:endParaRPr lang="en-US"/>
+          </a:p>
+        </p:txBody>
+      </p:sp>
+      <p:sp>
+        <p:nvSpPr>
+          <p:cNvPr id="31" name="TextBox 30"/>
+          <p:cNvSpPr txBox="1"/>
+          <p:nvPr/>
+        </p:nvSpPr>
+        <p:spPr>
+          <a:xfrm>
+            <a:off x="6553200" y="1755338"/>
+            <a:ext cx="1904230" cy="1292662"/>
+          </a:xfrm>
+          <a:prstGeom prst="rect">
+            <a:avLst/>
+          </a:prstGeom>
+          <a:noFill/>
+        </p:spPr>
+        <p:txBody>
+          <a:bodyPr wrap="square" rtlCol="0">
+            <a:spAutoFit/>
+          </a:bodyPr>
+          <a:lstStyle/>
+          <a:p>
+            <a:r>
+              <a:rPr lang="en-US" sz="6000" dirty="0" smtClean="0">
+                <a:solidFill>
+                  <a:srgbClr val="FFFF00"/>
+                </a:solidFill>
+                <a:latin typeface="Adobe Caslon Pro Bold" pitchFamily="18" charset="0"/>
+              </a:rPr>
+              <a:t>{(.</a:t>
+            </a:r>
+            <a:r>
+              <a:rPr lang="en-US" sz="8000" baseline="-36000" dirty="0" smtClean="0">
+                <a:solidFill>
+                  <a:srgbClr val="FFFF00"/>
+                </a:solidFill>
+                <a:latin typeface="Adobe Caslon Pro Bold" pitchFamily="18" charset="0"/>
+              </a:rPr>
+              <a:t>;</a:t>
+            </a:r>
+            <a:r>
+              <a:rPr lang="en-US" sz="6000" dirty="0" smtClean="0">
+                <a:solidFill>
+                  <a:srgbClr val="FFFF00"/>
+                </a:solidFill>
+                <a:latin typeface="Adobe Caslon Pro Bold" pitchFamily="18" charset="0"/>
+              </a:rPr>
+              <a:t>.)}</a:t>
+            </a:r>
+          </a:p>
+          <a:p>
+            <a:endParaRPr lang="en-US" dirty="0">
+              <a:solidFill>
+                <a:srgbClr val="00FF00"/>
+              </a:solidFill>
+            </a:endParaRPr>
+          </a:p>
+        </p:txBody>
+      </p:sp>
+      <p:grpSp>
+        <p:nvGrpSpPr>
+          <p:cNvPr id="34" name="Group 33"/>
+          <p:cNvGrpSpPr/>
+          <p:nvPr/>
+        </p:nvGrpSpPr>
+        <p:grpSpPr>
+          <a:xfrm>
+            <a:off x="2743200" y="3200400"/>
+            <a:ext cx="3352800" cy="3352800"/>
+            <a:chOff x="8686800" y="1828800"/>
+            <a:chExt cx="3352800" cy="3352800"/>
+          </a:xfrm>
+          <a:solidFill>
+            <a:schemeClr val="accent2">
+              <a:lumMod val="75000"/>
+            </a:schemeClr>
+          </a:solidFill>
+        </p:grpSpPr>
+        <p:sp>
+          <p:nvSpPr>
+            <p:cNvPr id="32" name="Oval 31"/>
+            <p:cNvSpPr/>
+            <p:nvPr/>
+          </p:nvSpPr>
+          <p:spPr>
+            <a:xfrm>
+              <a:off x="8686800" y="1828800"/>
+              <a:ext cx="3352800" cy="3352800"/>
+            </a:xfrm>
+            <a:prstGeom prst="ellipse">
+              <a:avLst/>
+            </a:prstGeom>
+            <a:grpFill/>
+            <a:ln>
+              <a:noFill/>
+            </a:ln>
+          </p:spPr>
+          <p:style>
+            <a:lnRef idx="2">
+              <a:schemeClr val="accent1">
+                <a:shade val="50000"/>
+              </a:schemeClr>
+            </a:lnRef>
+            <a:fillRef idx="1">
+              <a:schemeClr val="accent1"/>
+            </a:fillRef>
+            <a:effectRef idx="0">
+              <a:schemeClr val="accent1"/>
+            </a:effectRef>
+            <a:fontRef idx="minor">
+              <a:schemeClr val="lt1"/>
+            </a:fontRef>
+          </p:style>
+          <p:txBody>
+            <a:bodyPr rtlCol="0" anchor="ctr"/>
+            <a:lstStyle/>
+            <a:p>
+              <a:pPr algn="ctr"/>
+              <a:endParaRPr lang="en-US" sz="3200" dirty="0" smtClean="0">
+                <a:solidFill>
+                  <a:srgbClr val="FFFF00"/>
+                </a:solidFill>
+                <a:latin typeface="Blocked" pitchFamily="2" charset="0"/>
+              </a:endParaRPr>
+            </a:p>
+            <a:p>
+              <a:pPr algn="ctr"/>
+              <a:endParaRPr lang="en-US" sz="7200" dirty="0">
+                <a:solidFill>
+                  <a:srgbClr val="00FF00"/>
+                </a:solidFill>
+                <a:latin typeface="Ananda Namaste" pitchFamily="2" charset="0"/>
+              </a:endParaRPr>
+            </a:p>
+            <a:p>
+              <a:pPr algn="ctr"/>
+              <a:endParaRPr lang="en-US" sz="700" dirty="0">
+                <a:solidFill>
+                  <a:srgbClr val="00FF00"/>
+                </a:solidFill>
+                <a:latin typeface="Ananda Namaste" pitchFamily="2" charset="0"/>
+              </a:endParaRPr>
+            </a:p>
+          </p:txBody>
+        </p:sp>
+        <p:sp>
+          <p:nvSpPr>
+            <p:cNvPr id="33" name="TextBox 32"/>
+            <p:cNvSpPr txBox="1"/>
+            <p:nvPr/>
+          </p:nvSpPr>
+          <p:spPr>
+            <a:xfrm>
+              <a:off x="9296400" y="2971800"/>
+              <a:ext cx="2438400" cy="1477328"/>
+            </a:xfrm>
+            <a:prstGeom prst="rect">
+              <a:avLst/>
+            </a:prstGeom>
+            <a:grpFill/>
+          </p:spPr>
+          <p:txBody>
+            <a:bodyPr wrap="square" rtlCol="0">
+              <a:spAutoFit/>
+            </a:bodyPr>
+            <a:lstStyle/>
+            <a:p>
+              <a:r>
+                <a:rPr lang="en-US" sz="7200" dirty="0" smtClean="0">
+                  <a:solidFill>
+                    <a:srgbClr val="FFFF99"/>
+                  </a:solidFill>
+                  <a:latin typeface="Adobe Caslon Pro Bold" pitchFamily="18" charset="0"/>
+                </a:rPr>
+                <a:t>{(.</a:t>
+              </a:r>
+              <a:r>
+                <a:rPr lang="en-US" sz="9600" baseline="-36000" dirty="0" smtClean="0">
+                  <a:solidFill>
+                    <a:srgbClr val="FFFF99"/>
+                  </a:solidFill>
+                  <a:latin typeface="Adobe Caslon Pro Bold" pitchFamily="18" charset="0"/>
+                </a:rPr>
+                <a:t>;</a:t>
+              </a:r>
+              <a:r>
+                <a:rPr lang="en-US" sz="7200" dirty="0" smtClean="0">
+                  <a:solidFill>
+                    <a:srgbClr val="FFFF99"/>
+                  </a:solidFill>
+                  <a:latin typeface="Adobe Caslon Pro Bold" pitchFamily="18" charset="0"/>
+                </a:rPr>
+                <a:t>.)}</a:t>
+              </a:r>
+            </a:p>
+            <a:p>
+              <a:endParaRPr lang="en-US" dirty="0">
+                <a:solidFill>
+                  <a:srgbClr val="00FF00"/>
+                </a:solidFill>
+              </a:endParaRPr>
+            </a:p>
+          </p:txBody>
+        </p:sp>
+      </p:grpSp>
+    </p:spTree>
+  </p:cSld>
+  <p:clrMapOvr>
+    <a:masterClrMapping/>
+  </p:clrMapOvr>
+</p:sld>
+</file>
+
+<file path=ppt/slides/slide17.xml><?xml version="1.0" encoding="utf-8"?>
+<p:sld xmlns:a="http://schemas.openxmlformats.org/drawingml/2006/main" xmlns:r="http://schemas.openxmlformats.org/officeDocument/2006/relationships" xmlns:p="http://schemas.openxmlformats.org/presentationml/2006/main">
+  <p:cSld>
+    <p:spTree>
+      <p:nvGrpSpPr>
+        <p:cNvPr id="1" name=""/>
+        <p:cNvGrpSpPr/>
+        <p:nvPr/>
+      </p:nvGrpSpPr>
+      <p:grpSpPr>
+        <a:xfrm>
+          <a:off x="0" y="0"/>
+          <a:ext cx="0" cy="0"/>
+          <a:chOff x="0" y="0"/>
+          <a:chExt cx="0" cy="0"/>
+        </a:xfrm>
+      </p:grpSpPr>
+      <p:sp>
+        <p:nvSpPr>
           <p:cNvPr id="4" name="Title 1"/>
           <p:cNvSpPr txBox="1">
             <a:spLocks/>
@@ -12006,7 +13550,7 @@
 </p:sld>
 </file>
 
-<file path=ppt/slides/slide17.xml><?xml version="1.0" encoding="utf-8"?>
+<file path=ppt/slides/slide18.xml><?xml version="1.0" encoding="utf-8"?>
 <p:sld xmlns:a="http://schemas.openxmlformats.org/drawingml/2006/main" xmlns:r="http://schemas.openxmlformats.org/officeDocument/2006/relationships" xmlns:p="http://schemas.openxmlformats.org/presentationml/2006/main">
   <p:cSld>
     <p:spTree>
@@ -13232,6 +14776,201 @@
           </a:p>
         </p:txBody>
       </p:sp>
+      <p:grpSp>
+        <p:nvGrpSpPr>
+          <p:cNvPr id="40" name="Group 39"/>
+          <p:cNvGrpSpPr/>
+          <p:nvPr/>
+        </p:nvGrpSpPr>
+        <p:grpSpPr>
+          <a:xfrm>
+            <a:off x="5562600" y="2209800"/>
+            <a:ext cx="3886200" cy="228600"/>
+            <a:chOff x="5562600" y="2209800"/>
+            <a:chExt cx="3886200" cy="228600"/>
+          </a:xfrm>
+        </p:grpSpPr>
+        <p:sp>
+          <p:nvSpPr>
+            <p:cNvPr id="36" name="Rectangle 35"/>
+            <p:cNvSpPr/>
+            <p:nvPr/>
+          </p:nvSpPr>
+          <p:spPr>
+            <a:xfrm>
+              <a:off x="5562600" y="2275114"/>
+              <a:ext cx="3886200" cy="97971"/>
+            </a:xfrm>
+            <a:prstGeom prst="rect">
+              <a:avLst/>
+            </a:prstGeom>
+            <a:solidFill>
+              <a:schemeClr val="bg1"/>
+            </a:solidFill>
+            <a:ln>
+              <a:noFill/>
+            </a:ln>
+          </p:spPr>
+          <p:style>
+            <a:lnRef idx="2">
+              <a:schemeClr val="accent1">
+                <a:shade val="50000"/>
+              </a:schemeClr>
+            </a:lnRef>
+            <a:fillRef idx="1">
+              <a:schemeClr val="accent1"/>
+            </a:fillRef>
+            <a:effectRef idx="0">
+              <a:schemeClr val="accent1"/>
+            </a:effectRef>
+            <a:fontRef idx="minor">
+              <a:schemeClr val="lt1"/>
+            </a:fontRef>
+          </p:style>
+          <p:txBody>
+            <a:bodyPr rtlCol="0" anchor="ctr"/>
+            <a:lstStyle/>
+            <a:p>
+              <a:endParaRPr lang="en-US" dirty="0"/>
+            </a:p>
+          </p:txBody>
+        </p:sp>
+        <p:sp>
+          <p:nvSpPr>
+            <p:cNvPr id="37" name="Rectangle 36"/>
+            <p:cNvSpPr/>
+            <p:nvPr/>
+          </p:nvSpPr>
+          <p:spPr>
+            <a:xfrm>
+              <a:off x="6092824" y="2373086"/>
+              <a:ext cx="307976" cy="65314"/>
+            </a:xfrm>
+            <a:prstGeom prst="rect">
+              <a:avLst/>
+            </a:prstGeom>
+            <a:solidFill>
+              <a:schemeClr val="bg1"/>
+            </a:solidFill>
+            <a:ln>
+              <a:noFill/>
+            </a:ln>
+          </p:spPr>
+          <p:style>
+            <a:lnRef idx="2">
+              <a:schemeClr val="accent1">
+                <a:shade val="50000"/>
+              </a:schemeClr>
+            </a:lnRef>
+            <a:fillRef idx="1">
+              <a:schemeClr val="accent1"/>
+            </a:fillRef>
+            <a:effectRef idx="0">
+              <a:schemeClr val="accent1"/>
+            </a:effectRef>
+            <a:fontRef idx="minor">
+              <a:schemeClr val="lt1"/>
+            </a:fontRef>
+          </p:style>
+          <p:txBody>
+            <a:bodyPr rtlCol="0" anchor="ctr"/>
+            <a:lstStyle/>
+            <a:p>
+              <a:endParaRPr lang="en-US" dirty="0"/>
+            </a:p>
+          </p:txBody>
+        </p:sp>
+        <p:sp>
+          <p:nvSpPr>
+            <p:cNvPr id="38" name="Rectangle 37"/>
+            <p:cNvSpPr/>
+            <p:nvPr/>
+          </p:nvSpPr>
+          <p:spPr>
+            <a:xfrm>
+              <a:off x="5562600" y="2209800"/>
+              <a:ext cx="457200" cy="65314"/>
+            </a:xfrm>
+            <a:prstGeom prst="rect">
+              <a:avLst/>
+            </a:prstGeom>
+            <a:solidFill>
+              <a:schemeClr val="bg1"/>
+            </a:solidFill>
+            <a:ln>
+              <a:noFill/>
+            </a:ln>
+          </p:spPr>
+          <p:style>
+            <a:lnRef idx="2">
+              <a:schemeClr val="accent1">
+                <a:shade val="50000"/>
+              </a:schemeClr>
+            </a:lnRef>
+            <a:fillRef idx="1">
+              <a:schemeClr val="accent1"/>
+            </a:fillRef>
+            <a:effectRef idx="0">
+              <a:schemeClr val="accent1"/>
+            </a:effectRef>
+            <a:fontRef idx="minor">
+              <a:schemeClr val="lt1"/>
+            </a:fontRef>
+          </p:style>
+          <p:txBody>
+            <a:bodyPr rtlCol="0" anchor="ctr"/>
+            <a:lstStyle/>
+            <a:p>
+              <a:endParaRPr lang="en-US" dirty="0"/>
+            </a:p>
+          </p:txBody>
+        </p:sp>
+        <p:sp>
+          <p:nvSpPr>
+            <p:cNvPr id="39" name="Rectangle 38"/>
+            <p:cNvSpPr/>
+            <p:nvPr/>
+          </p:nvSpPr>
+          <p:spPr>
+            <a:xfrm>
+              <a:off x="6477000" y="2209800"/>
+              <a:ext cx="2971800" cy="65314"/>
+            </a:xfrm>
+            <a:prstGeom prst="rect">
+              <a:avLst/>
+            </a:prstGeom>
+            <a:solidFill>
+              <a:schemeClr val="bg1"/>
+            </a:solidFill>
+            <a:ln>
+              <a:noFill/>
+            </a:ln>
+          </p:spPr>
+          <p:style>
+            <a:lnRef idx="2">
+              <a:schemeClr val="accent1">
+                <a:shade val="50000"/>
+              </a:schemeClr>
+            </a:lnRef>
+            <a:fillRef idx="1">
+              <a:schemeClr val="accent1"/>
+            </a:fillRef>
+            <a:effectRef idx="0">
+              <a:schemeClr val="accent1"/>
+            </a:effectRef>
+            <a:fontRef idx="minor">
+              <a:schemeClr val="lt1"/>
+            </a:fontRef>
+          </p:style>
+          <p:txBody>
+            <a:bodyPr rtlCol="0" anchor="ctr"/>
+            <a:lstStyle/>
+            <a:p>
+              <a:endParaRPr lang="en-US" dirty="0"/>
+            </a:p>
+          </p:txBody>
+        </p:sp>
+      </p:grpSp>
     </p:spTree>
   </p:cSld>
   <p:clrMapOvr>

--- a/HMSWebTest-Pen/Assets/Images/hmsgraphics.pptx
+++ b/HMSWebTest-Pen/Assets/Images/hmsgraphics.pptx
@@ -210,7 +210,7 @@
             <a:fld id="{6153BB3E-9447-4512-867E-C40997E12B5B}" type="datetimeFigureOut">
               <a:rPr lang="en-US" smtClean="0"/>
               <a:pPr/>
-              <a:t>5/24/2017</a:t>
+              <a:t>5/25/2017</a:t>
             </a:fld>
             <a:endParaRPr lang="en-US"/>
           </a:p>
@@ -740,7 +740,7 @@
             <a:fld id="{090B515E-C25E-45EE-BA79-D334A31660AC}" type="datetimeFigureOut">
               <a:rPr lang="en-US" smtClean="0"/>
               <a:pPr/>
-              <a:t>5/24/2017</a:t>
+              <a:t>5/25/2017</a:t>
             </a:fld>
             <a:endParaRPr lang="en-US"/>
           </a:p>
@@ -907,7 +907,7 @@
             <a:fld id="{090B515E-C25E-45EE-BA79-D334A31660AC}" type="datetimeFigureOut">
               <a:rPr lang="en-US" smtClean="0"/>
               <a:pPr/>
-              <a:t>5/24/2017</a:t>
+              <a:t>5/25/2017</a:t>
             </a:fld>
             <a:endParaRPr lang="en-US"/>
           </a:p>
@@ -1084,7 +1084,7 @@
             <a:fld id="{090B515E-C25E-45EE-BA79-D334A31660AC}" type="datetimeFigureOut">
               <a:rPr lang="en-US" smtClean="0"/>
               <a:pPr/>
-              <a:t>5/24/2017</a:t>
+              <a:t>5/25/2017</a:t>
             </a:fld>
             <a:endParaRPr lang="en-US"/>
           </a:p>
@@ -1251,7 +1251,7 @@
             <a:fld id="{090B515E-C25E-45EE-BA79-D334A31660AC}" type="datetimeFigureOut">
               <a:rPr lang="en-US" smtClean="0"/>
               <a:pPr/>
-              <a:t>5/24/2017</a:t>
+              <a:t>5/25/2017</a:t>
             </a:fld>
             <a:endParaRPr lang="en-US"/>
           </a:p>
@@ -1494,7 +1494,7 @@
             <a:fld id="{090B515E-C25E-45EE-BA79-D334A31660AC}" type="datetimeFigureOut">
               <a:rPr lang="en-US" smtClean="0"/>
               <a:pPr/>
-              <a:t>5/24/2017</a:t>
+              <a:t>5/25/2017</a:t>
             </a:fld>
             <a:endParaRPr lang="en-US"/>
           </a:p>
@@ -1779,7 +1779,7 @@
             <a:fld id="{090B515E-C25E-45EE-BA79-D334A31660AC}" type="datetimeFigureOut">
               <a:rPr lang="en-US" smtClean="0"/>
               <a:pPr/>
-              <a:t>5/24/2017</a:t>
+              <a:t>5/25/2017</a:t>
             </a:fld>
             <a:endParaRPr lang="en-US"/>
           </a:p>
@@ -2198,7 +2198,7 @@
             <a:fld id="{090B515E-C25E-45EE-BA79-D334A31660AC}" type="datetimeFigureOut">
               <a:rPr lang="en-US" smtClean="0"/>
               <a:pPr/>
-              <a:t>5/24/2017</a:t>
+              <a:t>5/25/2017</a:t>
             </a:fld>
             <a:endParaRPr lang="en-US"/>
           </a:p>
@@ -2313,7 +2313,7 @@
             <a:fld id="{090B515E-C25E-45EE-BA79-D334A31660AC}" type="datetimeFigureOut">
               <a:rPr lang="en-US" smtClean="0"/>
               <a:pPr/>
-              <a:t>5/24/2017</a:t>
+              <a:t>5/25/2017</a:t>
             </a:fld>
             <a:endParaRPr lang="en-US"/>
           </a:p>
@@ -2405,7 +2405,7 @@
             <a:fld id="{090B515E-C25E-45EE-BA79-D334A31660AC}" type="datetimeFigureOut">
               <a:rPr lang="en-US" smtClean="0"/>
               <a:pPr/>
-              <a:t>5/24/2017</a:t>
+              <a:t>5/25/2017</a:t>
             </a:fld>
             <a:endParaRPr lang="en-US"/>
           </a:p>
@@ -2679,7 +2679,7 @@
             <a:fld id="{090B515E-C25E-45EE-BA79-D334A31660AC}" type="datetimeFigureOut">
               <a:rPr lang="en-US" smtClean="0"/>
               <a:pPr/>
-              <a:t>5/24/2017</a:t>
+              <a:t>5/25/2017</a:t>
             </a:fld>
             <a:endParaRPr lang="en-US"/>
           </a:p>
@@ -2929,7 +2929,7 @@
             <a:fld id="{090B515E-C25E-45EE-BA79-D334A31660AC}" type="datetimeFigureOut">
               <a:rPr lang="en-US" smtClean="0"/>
               <a:pPr/>
-              <a:t>5/24/2017</a:t>
+              <a:t>5/25/2017</a:t>
             </a:fld>
             <a:endParaRPr lang="en-US"/>
           </a:p>
@@ -3139,7 +3139,7 @@
             <a:fld id="{090B515E-C25E-45EE-BA79-D334A31660AC}" type="datetimeFigureOut">
               <a:rPr lang="en-US" smtClean="0"/>
               <a:pPr/>
-              <a:t>5/24/2017</a:t>
+              <a:t>5/25/2017</a:t>
             </a:fld>
             <a:endParaRPr lang="en-US"/>
           </a:p>
@@ -3977,7 +3977,7 @@
             <a:blip r:embed="rId2" cstate="print">
               <a:extLst>
                 <a:ext uri="{28A0092B-C50C-407E-A947-70E740481C1C}">
-                  <a14:useLocalDpi xmlns="" xmlns:a14="http://schemas.microsoft.com/office/drawing/2010/main" val="0"/>
+                  <a14:useLocalDpi xmlns:a14="http://schemas.microsoft.com/office/drawing/2010/main" xmlns="" val="0"/>
                 </a:ext>
               </a:extLst>
             </a:blip>
@@ -3997,7 +3997,7 @@
             <a:noFill/>
             <a:extLst>
               <a:ext uri="{909E8E84-426E-40DD-AFC4-6F175D3DCCD1}">
-                <a14:hiddenFill xmlns="" xmlns:a14="http://schemas.microsoft.com/office/drawing/2010/main">
+                <a14:hiddenFill xmlns:a14="http://schemas.microsoft.com/office/drawing/2010/main" xmlns="">
                   <a:solidFill>
                     <a:srgbClr val="FFFFFF"/>
                   </a:solidFill>
@@ -4080,7 +4080,7 @@
             <a:blip r:embed="rId3" cstate="print">
               <a:extLst>
                 <a:ext uri="{28A0092B-C50C-407E-A947-70E740481C1C}">
-                  <a14:useLocalDpi xmlns="" xmlns:a14="http://schemas.microsoft.com/office/drawing/2010/main" val="0"/>
+                  <a14:useLocalDpi xmlns:a14="http://schemas.microsoft.com/office/drawing/2010/main" xmlns="" val="0"/>
                 </a:ext>
               </a:extLst>
             </a:blip>
@@ -4100,7 +4100,7 @@
             <a:noFill/>
             <a:extLst>
               <a:ext uri="{909E8E84-426E-40DD-AFC4-6F175D3DCCD1}">
-                <a14:hiddenFill xmlns="" xmlns:a14="http://schemas.microsoft.com/office/drawing/2010/main">
+                <a14:hiddenFill xmlns:a14="http://schemas.microsoft.com/office/drawing/2010/main" xmlns="">
                   <a:solidFill>
                     <a:srgbClr val="FFFFFF"/>
                   </a:solidFill>
@@ -7083,7 +7083,7 @@
     </p:spTree>
     <p:extLst>
       <p:ext uri="{BB962C8B-B14F-4D97-AF65-F5344CB8AC3E}">
-        <p14:creationId xmlns="" xmlns:p14="http://schemas.microsoft.com/office/powerpoint/2010/main" val="1874106700"/>
+        <p14:creationId xmlns:p14="http://schemas.microsoft.com/office/powerpoint/2010/main" xmlns="" val="1874106700"/>
       </p:ext>
     </p:extLst>
   </p:cSld>
@@ -7756,7 +7756,7 @@
           <a:blip r:embed="rId2" cstate="print">
             <a:extLst>
               <a:ext uri="{28A0092B-C50C-407E-A947-70E740481C1C}">
-                <a14:useLocalDpi xmlns:a14="http://schemas.microsoft.com/office/drawing/2010/main" xmlns="" val="0"/>
+                <a14:useLocalDpi xmlns="" xmlns:a14="http://schemas.microsoft.com/office/drawing/2010/main" val="0"/>
               </a:ext>
             </a:extLst>
           </a:blip>
@@ -7785,14 +7785,14 @@
           </a:effectLst>
           <a:extLst>
             <a:ext uri="{909E8E84-426E-40DD-AFC4-6F175D3DCCD1}">
-              <a14:hiddenFill xmlns:a14="http://schemas.microsoft.com/office/drawing/2010/main" xmlns="">
+              <a14:hiddenFill xmlns="" xmlns:a14="http://schemas.microsoft.com/office/drawing/2010/main">
                 <a:solidFill>
                   <a:schemeClr val="accent1"/>
                 </a:solidFill>
               </a14:hiddenFill>
             </a:ext>
             <a:ext uri="{91240B29-F687-4F45-9708-019B960494DF}">
-              <a14:hiddenLine xmlns:a14="http://schemas.microsoft.com/office/drawing/2010/main" xmlns="" w="9525">
+              <a14:hiddenLine xmlns="" xmlns:a14="http://schemas.microsoft.com/office/drawing/2010/main" w="9525">
                 <a:solidFill>
                   <a:schemeClr val="tx1"/>
                 </a:solidFill>
@@ -7823,7 +7823,7 @@
             </a:duotone>
             <a:extLst>
               <a:ext uri="{28A0092B-C50C-407E-A947-70E740481C1C}">
-                <a14:useLocalDpi xmlns:a14="http://schemas.microsoft.com/office/drawing/2010/main" xmlns="" val="0"/>
+                <a14:useLocalDpi xmlns="" xmlns:a14="http://schemas.microsoft.com/office/drawing/2010/main" val="0"/>
               </a:ext>
             </a:extLst>
           </a:blip>
@@ -7852,14 +7852,14 @@
           </a:effectLst>
           <a:extLst>
             <a:ext uri="{909E8E84-426E-40DD-AFC4-6F175D3DCCD1}">
-              <a14:hiddenFill xmlns:a14="http://schemas.microsoft.com/office/drawing/2010/main" xmlns="">
+              <a14:hiddenFill xmlns="" xmlns:a14="http://schemas.microsoft.com/office/drawing/2010/main">
                 <a:solidFill>
                   <a:schemeClr val="accent1"/>
                 </a:solidFill>
               </a14:hiddenFill>
             </a:ext>
             <a:ext uri="{91240B29-F687-4F45-9708-019B960494DF}">
-              <a14:hiddenLine xmlns:a14="http://schemas.microsoft.com/office/drawing/2010/main" xmlns="" w="9525">
+              <a14:hiddenLine xmlns="" xmlns:a14="http://schemas.microsoft.com/office/drawing/2010/main" w="9525">
                 <a:solidFill>
                   <a:schemeClr val="tx1"/>
                 </a:solidFill>
@@ -11916,16 +11916,7 @@
                 </a:solidFill>
                 <a:latin typeface="Blocked" pitchFamily="2" charset="0"/>
               </a:rPr>
-              <a:t>e</a:t>
-            </a:r>
-            <a:r>
-              <a:rPr lang="en-US" sz="4400" dirty="0" err="1" smtClean="0">
-                <a:solidFill>
-                  <a:srgbClr val="FFFF00"/>
-                </a:solidFill>
-                <a:latin typeface="Blocked" pitchFamily="2" charset="0"/>
-              </a:rPr>
-              <a:t>lephun</a:t>
+              <a:t>elephun</a:t>
             </a:r>
             <a:endParaRPr lang="en-US" sz="4400" dirty="0" smtClean="0">
               <a:solidFill>
@@ -13165,7 +13156,7 @@
         </p:nvGrpSpPr>
         <p:grpSpPr>
           <a:xfrm>
-            <a:off x="2743200" y="3200400"/>
+            <a:off x="5715000" y="3429000"/>
             <a:ext cx="3352800" cy="3352800"/>
             <a:chOff x="8686800" y="1828800"/>
             <a:chExt cx="3352800" cy="3352800"/>
@@ -13251,13 +13242,13 @@
           </p:nvSpPr>
           <p:spPr>
             <a:xfrm>
-              <a:off x="9296400" y="2971800"/>
-              <a:ext cx="2438400" cy="1477328"/>
+              <a:off x="8915400" y="2590800"/>
+              <a:ext cx="3048000" cy="1795363"/>
             </a:xfrm>
             <a:prstGeom prst="rect">
               <a:avLst/>
             </a:prstGeom>
-            <a:grpFill/>
+            <a:noFill/>
           </p:spPr>
           <p:txBody>
             <a:bodyPr wrap="square" rtlCol="0">
@@ -13266,7 +13257,7 @@
             <a:lstStyle/>
             <a:p>
               <a:r>
-                <a:rPr lang="en-US" sz="7200" dirty="0" smtClean="0">
+                <a:rPr lang="en-US" sz="9600" dirty="0" smtClean="0">
                   <a:solidFill>
                     <a:srgbClr val="FFFF99"/>
                   </a:solidFill>
@@ -13275,7 +13266,7 @@
                 <a:t>{(.</a:t>
               </a:r>
               <a:r>
-                <a:rPr lang="en-US" sz="9600" baseline="-36000" dirty="0" smtClean="0">
+                <a:rPr lang="en-US" sz="16600" baseline="-36000" dirty="0" smtClean="0">
                   <a:solidFill>
                     <a:srgbClr val="FFFF99"/>
                   </a:solidFill>
@@ -13284,7 +13275,7 @@
                 <a:t>;</a:t>
               </a:r>
               <a:r>
-                <a:rPr lang="en-US" sz="7200" dirty="0" smtClean="0">
+                <a:rPr lang="en-US" sz="9600" dirty="0" smtClean="0">
                   <a:solidFill>
                     <a:srgbClr val="FFFF99"/>
                   </a:solidFill>
@@ -13292,9 +13283,7 @@
                 </a:rPr>
                 <a:t>.)}</a:t>
               </a:r>
-            </a:p>
-            <a:p>
-              <a:endParaRPr lang="en-US" dirty="0">
+              <a:endParaRPr lang="en-US" sz="2000" dirty="0">
                 <a:solidFill>
                   <a:srgbClr val="00FF00"/>
                 </a:solidFill>
@@ -13303,6 +13292,1227 @@
           </p:txBody>
         </p:sp>
       </p:grpSp>
+      <p:sp>
+        <p:nvSpPr>
+          <p:cNvPr id="36" name="Oval 35"/>
+          <p:cNvSpPr/>
+          <p:nvPr/>
+        </p:nvSpPr>
+        <p:spPr>
+          <a:xfrm>
+            <a:off x="1104900" y="4457700"/>
+            <a:ext cx="1447800" cy="1447800"/>
+          </a:xfrm>
+          <a:prstGeom prst="ellipse">
+            <a:avLst/>
+          </a:prstGeom>
+          <a:solidFill>
+            <a:schemeClr val="accent2">
+              <a:lumMod val="75000"/>
+            </a:schemeClr>
+          </a:solidFill>
+          <a:ln>
+            <a:noFill/>
+          </a:ln>
+        </p:spPr>
+        <p:style>
+          <a:lnRef idx="2">
+            <a:schemeClr val="accent1">
+              <a:shade val="50000"/>
+            </a:schemeClr>
+          </a:lnRef>
+          <a:fillRef idx="1">
+            <a:schemeClr val="accent1"/>
+          </a:fillRef>
+          <a:effectRef idx="0">
+            <a:schemeClr val="accent1"/>
+          </a:effectRef>
+          <a:fontRef idx="minor">
+            <a:schemeClr val="lt1"/>
+          </a:fontRef>
+        </p:style>
+        <p:txBody>
+          <a:bodyPr rtlCol="0" anchor="ctr"/>
+          <a:lstStyle/>
+          <a:p>
+            <a:pPr algn="ctr"/>
+            <a:endParaRPr lang="en-US" sz="3200" dirty="0" smtClean="0">
+              <a:solidFill>
+                <a:srgbClr val="FFFF00"/>
+              </a:solidFill>
+              <a:latin typeface="Blocked" pitchFamily="2" charset="0"/>
+            </a:endParaRPr>
+          </a:p>
+          <a:p>
+            <a:pPr algn="ctr"/>
+            <a:endParaRPr lang="en-US" sz="7200" dirty="0">
+              <a:solidFill>
+                <a:srgbClr val="00FF00"/>
+              </a:solidFill>
+              <a:latin typeface="Ananda Namaste" pitchFamily="2" charset="0"/>
+            </a:endParaRPr>
+          </a:p>
+          <a:p>
+            <a:pPr algn="ctr"/>
+            <a:endParaRPr lang="en-US" sz="700" dirty="0">
+              <a:solidFill>
+                <a:srgbClr val="00FF00"/>
+              </a:solidFill>
+              <a:latin typeface="Ananda Namaste" pitchFamily="2" charset="0"/>
+            </a:endParaRPr>
+          </a:p>
+        </p:txBody>
+      </p:sp>
+      <p:sp>
+        <p:nvSpPr>
+          <p:cNvPr id="38" name="Rectangle 37"/>
+          <p:cNvSpPr/>
+          <p:nvPr/>
+        </p:nvSpPr>
+        <p:spPr>
+          <a:xfrm>
+            <a:off x="1523206" y="4768850"/>
+            <a:ext cx="76200" cy="76200"/>
+          </a:xfrm>
+          <a:prstGeom prst="rect">
+            <a:avLst/>
+          </a:prstGeom>
+          <a:solidFill>
+            <a:srgbClr val="FFFF00"/>
+          </a:solidFill>
+          <a:ln>
+            <a:noFill/>
+          </a:ln>
+        </p:spPr>
+        <p:style>
+          <a:lnRef idx="2">
+            <a:schemeClr val="accent1">
+              <a:shade val="50000"/>
+            </a:schemeClr>
+          </a:lnRef>
+          <a:fillRef idx="1">
+            <a:schemeClr val="accent1"/>
+          </a:fillRef>
+          <a:effectRef idx="0">
+            <a:schemeClr val="accent1"/>
+          </a:effectRef>
+          <a:fontRef idx="minor">
+            <a:schemeClr val="lt1"/>
+          </a:fontRef>
+        </p:style>
+        <p:txBody>
+          <a:bodyPr rtlCol="0" anchor="ctr"/>
+          <a:lstStyle/>
+          <a:p>
+            <a:pPr algn="ctr"/>
+            <a:endParaRPr lang="en-US"/>
+          </a:p>
+        </p:txBody>
+      </p:sp>
+      <p:sp>
+        <p:nvSpPr>
+          <p:cNvPr id="39" name="Rectangle 38"/>
+          <p:cNvSpPr/>
+          <p:nvPr/>
+        </p:nvSpPr>
+        <p:spPr>
+          <a:xfrm>
+            <a:off x="1523206" y="4856950"/>
+            <a:ext cx="76200" cy="76200"/>
+          </a:xfrm>
+          <a:prstGeom prst="rect">
+            <a:avLst/>
+          </a:prstGeom>
+          <a:solidFill>
+            <a:srgbClr val="FFFF00"/>
+          </a:solidFill>
+          <a:ln>
+            <a:noFill/>
+          </a:ln>
+        </p:spPr>
+        <p:style>
+          <a:lnRef idx="2">
+            <a:schemeClr val="accent1">
+              <a:shade val="50000"/>
+            </a:schemeClr>
+          </a:lnRef>
+          <a:fillRef idx="1">
+            <a:schemeClr val="accent1"/>
+          </a:fillRef>
+          <a:effectRef idx="0">
+            <a:schemeClr val="accent1"/>
+          </a:effectRef>
+          <a:fontRef idx="minor">
+            <a:schemeClr val="lt1"/>
+          </a:fontRef>
+        </p:style>
+        <p:txBody>
+          <a:bodyPr rtlCol="0" anchor="ctr"/>
+          <a:lstStyle/>
+          <a:p>
+            <a:pPr algn="ctr"/>
+            <a:endParaRPr lang="en-US" dirty="0"/>
+          </a:p>
+        </p:txBody>
+      </p:sp>
+      <p:sp>
+        <p:nvSpPr>
+          <p:cNvPr id="40" name="Rectangle 39"/>
+          <p:cNvSpPr/>
+          <p:nvPr/>
+        </p:nvSpPr>
+        <p:spPr>
+          <a:xfrm>
+            <a:off x="1523206" y="4945058"/>
+            <a:ext cx="76200" cy="76200"/>
+          </a:xfrm>
+          <a:prstGeom prst="rect">
+            <a:avLst/>
+          </a:prstGeom>
+          <a:solidFill>
+            <a:srgbClr val="FFFF00"/>
+          </a:solidFill>
+          <a:ln>
+            <a:noFill/>
+          </a:ln>
+        </p:spPr>
+        <p:style>
+          <a:lnRef idx="2">
+            <a:schemeClr val="accent1">
+              <a:shade val="50000"/>
+            </a:schemeClr>
+          </a:lnRef>
+          <a:fillRef idx="1">
+            <a:schemeClr val="accent1"/>
+          </a:fillRef>
+          <a:effectRef idx="0">
+            <a:schemeClr val="accent1"/>
+          </a:effectRef>
+          <a:fontRef idx="minor">
+            <a:schemeClr val="lt1"/>
+          </a:fontRef>
+        </p:style>
+        <p:txBody>
+          <a:bodyPr rtlCol="0" anchor="ctr"/>
+          <a:lstStyle/>
+          <a:p>
+            <a:pPr algn="ctr"/>
+            <a:endParaRPr lang="en-US" dirty="0"/>
+          </a:p>
+        </p:txBody>
+      </p:sp>
+      <p:sp>
+        <p:nvSpPr>
+          <p:cNvPr id="41" name="Rectangle 40"/>
+          <p:cNvSpPr/>
+          <p:nvPr/>
+        </p:nvSpPr>
+        <p:spPr>
+          <a:xfrm>
+            <a:off x="1613692" y="4768850"/>
+            <a:ext cx="76200" cy="76200"/>
+          </a:xfrm>
+          <a:prstGeom prst="rect">
+            <a:avLst/>
+          </a:prstGeom>
+          <a:solidFill>
+            <a:srgbClr val="FFFF00"/>
+          </a:solidFill>
+          <a:ln>
+            <a:noFill/>
+          </a:ln>
+        </p:spPr>
+        <p:style>
+          <a:lnRef idx="2">
+            <a:schemeClr val="accent1">
+              <a:shade val="50000"/>
+            </a:schemeClr>
+          </a:lnRef>
+          <a:fillRef idx="1">
+            <a:schemeClr val="accent1"/>
+          </a:fillRef>
+          <a:effectRef idx="0">
+            <a:schemeClr val="accent1"/>
+          </a:effectRef>
+          <a:fontRef idx="minor">
+            <a:schemeClr val="lt1"/>
+          </a:fontRef>
+        </p:style>
+        <p:txBody>
+          <a:bodyPr rtlCol="0" anchor="ctr"/>
+          <a:lstStyle/>
+          <a:p>
+            <a:pPr algn="ctr"/>
+            <a:endParaRPr lang="en-US"/>
+          </a:p>
+        </p:txBody>
+      </p:sp>
+      <p:sp>
+        <p:nvSpPr>
+          <p:cNvPr id="42" name="Rectangle 41"/>
+          <p:cNvSpPr/>
+          <p:nvPr/>
+        </p:nvSpPr>
+        <p:spPr>
+          <a:xfrm>
+            <a:off x="1701805" y="4768850"/>
+            <a:ext cx="76200" cy="76200"/>
+          </a:xfrm>
+          <a:prstGeom prst="rect">
+            <a:avLst/>
+          </a:prstGeom>
+          <a:solidFill>
+            <a:srgbClr val="FFFF00"/>
+          </a:solidFill>
+          <a:ln>
+            <a:noFill/>
+          </a:ln>
+        </p:spPr>
+        <p:style>
+          <a:lnRef idx="2">
+            <a:schemeClr val="accent1">
+              <a:shade val="50000"/>
+            </a:schemeClr>
+          </a:lnRef>
+          <a:fillRef idx="1">
+            <a:schemeClr val="accent1"/>
+          </a:fillRef>
+          <a:effectRef idx="0">
+            <a:schemeClr val="accent1"/>
+          </a:effectRef>
+          <a:fontRef idx="minor">
+            <a:schemeClr val="lt1"/>
+          </a:fontRef>
+        </p:style>
+        <p:txBody>
+          <a:bodyPr rtlCol="0" anchor="ctr"/>
+          <a:lstStyle/>
+          <a:p>
+            <a:pPr algn="ctr"/>
+            <a:endParaRPr lang="en-US"/>
+          </a:p>
+        </p:txBody>
+      </p:sp>
+      <p:sp>
+        <p:nvSpPr>
+          <p:cNvPr id="43" name="Rectangle 42"/>
+          <p:cNvSpPr/>
+          <p:nvPr/>
+        </p:nvSpPr>
+        <p:spPr>
+          <a:xfrm>
+            <a:off x="1523206" y="5033175"/>
+            <a:ext cx="76200" cy="76200"/>
+          </a:xfrm>
+          <a:prstGeom prst="rect">
+            <a:avLst/>
+          </a:prstGeom>
+          <a:solidFill>
+            <a:srgbClr val="FFFF00"/>
+          </a:solidFill>
+          <a:ln>
+            <a:noFill/>
+          </a:ln>
+        </p:spPr>
+        <p:style>
+          <a:lnRef idx="2">
+            <a:schemeClr val="accent1">
+              <a:shade val="50000"/>
+            </a:schemeClr>
+          </a:lnRef>
+          <a:fillRef idx="1">
+            <a:schemeClr val="accent1"/>
+          </a:fillRef>
+          <a:effectRef idx="0">
+            <a:schemeClr val="accent1"/>
+          </a:effectRef>
+          <a:fontRef idx="minor">
+            <a:schemeClr val="lt1"/>
+          </a:fontRef>
+        </p:style>
+        <p:txBody>
+          <a:bodyPr rtlCol="0" anchor="ctr"/>
+          <a:lstStyle/>
+          <a:p>
+            <a:pPr algn="ctr"/>
+            <a:endParaRPr lang="en-US"/>
+          </a:p>
+        </p:txBody>
+      </p:sp>
+      <p:sp>
+        <p:nvSpPr>
+          <p:cNvPr id="44" name="Rectangle 43"/>
+          <p:cNvSpPr/>
+          <p:nvPr/>
+        </p:nvSpPr>
+        <p:spPr>
+          <a:xfrm>
+            <a:off x="1523206" y="5121275"/>
+            <a:ext cx="76200" cy="76200"/>
+          </a:xfrm>
+          <a:prstGeom prst="rect">
+            <a:avLst/>
+          </a:prstGeom>
+          <a:solidFill>
+            <a:srgbClr val="FFFF00"/>
+          </a:solidFill>
+          <a:ln>
+            <a:noFill/>
+          </a:ln>
+        </p:spPr>
+        <p:style>
+          <a:lnRef idx="2">
+            <a:schemeClr val="accent1">
+              <a:shade val="50000"/>
+            </a:schemeClr>
+          </a:lnRef>
+          <a:fillRef idx="1">
+            <a:schemeClr val="accent1"/>
+          </a:fillRef>
+          <a:effectRef idx="0">
+            <a:schemeClr val="accent1"/>
+          </a:effectRef>
+          <a:fontRef idx="minor">
+            <a:schemeClr val="lt1"/>
+          </a:fontRef>
+        </p:style>
+        <p:txBody>
+          <a:bodyPr rtlCol="0" anchor="ctr"/>
+          <a:lstStyle/>
+          <a:p>
+            <a:pPr algn="ctr"/>
+            <a:endParaRPr lang="en-US" dirty="0"/>
+          </a:p>
+        </p:txBody>
+      </p:sp>
+      <p:sp>
+        <p:nvSpPr>
+          <p:cNvPr id="45" name="Rectangle 44"/>
+          <p:cNvSpPr/>
+          <p:nvPr/>
+        </p:nvSpPr>
+        <p:spPr>
+          <a:xfrm>
+            <a:off x="1523206" y="5209386"/>
+            <a:ext cx="76200" cy="76200"/>
+          </a:xfrm>
+          <a:prstGeom prst="rect">
+            <a:avLst/>
+          </a:prstGeom>
+          <a:solidFill>
+            <a:srgbClr val="FFFF00"/>
+          </a:solidFill>
+          <a:ln>
+            <a:noFill/>
+          </a:ln>
+        </p:spPr>
+        <p:style>
+          <a:lnRef idx="2">
+            <a:schemeClr val="accent1">
+              <a:shade val="50000"/>
+            </a:schemeClr>
+          </a:lnRef>
+          <a:fillRef idx="1">
+            <a:schemeClr val="accent1"/>
+          </a:fillRef>
+          <a:effectRef idx="0">
+            <a:schemeClr val="accent1"/>
+          </a:effectRef>
+          <a:fontRef idx="minor">
+            <a:schemeClr val="lt1"/>
+          </a:fontRef>
+        </p:style>
+        <p:txBody>
+          <a:bodyPr rtlCol="0" anchor="ctr"/>
+          <a:lstStyle/>
+          <a:p>
+            <a:pPr algn="ctr"/>
+            <a:endParaRPr lang="en-US"/>
+          </a:p>
+        </p:txBody>
+      </p:sp>
+      <p:sp>
+        <p:nvSpPr>
+          <p:cNvPr id="46" name="Rectangle 45"/>
+          <p:cNvSpPr/>
+          <p:nvPr/>
+        </p:nvSpPr>
+        <p:spPr>
+          <a:xfrm>
+            <a:off x="1523206" y="5297486"/>
+            <a:ext cx="76200" cy="76200"/>
+          </a:xfrm>
+          <a:prstGeom prst="rect">
+            <a:avLst/>
+          </a:prstGeom>
+          <a:solidFill>
+            <a:srgbClr val="FFFF00"/>
+          </a:solidFill>
+          <a:ln>
+            <a:noFill/>
+          </a:ln>
+        </p:spPr>
+        <p:style>
+          <a:lnRef idx="2">
+            <a:schemeClr val="accent1">
+              <a:shade val="50000"/>
+            </a:schemeClr>
+          </a:lnRef>
+          <a:fillRef idx="1">
+            <a:schemeClr val="accent1"/>
+          </a:fillRef>
+          <a:effectRef idx="0">
+            <a:schemeClr val="accent1"/>
+          </a:effectRef>
+          <a:fontRef idx="minor">
+            <a:schemeClr val="lt1"/>
+          </a:fontRef>
+        </p:style>
+        <p:txBody>
+          <a:bodyPr rtlCol="0" anchor="ctr"/>
+          <a:lstStyle/>
+          <a:p>
+            <a:pPr algn="ctr"/>
+            <a:endParaRPr lang="en-US" dirty="0"/>
+          </a:p>
+        </p:txBody>
+      </p:sp>
+      <p:sp>
+        <p:nvSpPr>
+          <p:cNvPr id="47" name="Rectangle 46"/>
+          <p:cNvSpPr/>
+          <p:nvPr/>
+        </p:nvSpPr>
+        <p:spPr>
+          <a:xfrm>
+            <a:off x="1523206" y="5385594"/>
+            <a:ext cx="76200" cy="76200"/>
+          </a:xfrm>
+          <a:prstGeom prst="rect">
+            <a:avLst/>
+          </a:prstGeom>
+          <a:solidFill>
+            <a:srgbClr val="FFFF00"/>
+          </a:solidFill>
+          <a:ln>
+            <a:noFill/>
+          </a:ln>
+        </p:spPr>
+        <p:style>
+          <a:lnRef idx="2">
+            <a:schemeClr val="accent1">
+              <a:shade val="50000"/>
+            </a:schemeClr>
+          </a:lnRef>
+          <a:fillRef idx="1">
+            <a:schemeClr val="accent1"/>
+          </a:fillRef>
+          <a:effectRef idx="0">
+            <a:schemeClr val="accent1"/>
+          </a:effectRef>
+          <a:fontRef idx="minor">
+            <a:schemeClr val="lt1"/>
+          </a:fontRef>
+        </p:style>
+        <p:txBody>
+          <a:bodyPr rtlCol="0" anchor="ctr"/>
+          <a:lstStyle/>
+          <a:p>
+            <a:pPr algn="ctr"/>
+            <a:endParaRPr lang="en-US" dirty="0"/>
+          </a:p>
+        </p:txBody>
+      </p:sp>
+      <p:sp>
+        <p:nvSpPr>
+          <p:cNvPr id="48" name="Rectangle 47"/>
+          <p:cNvSpPr/>
+          <p:nvPr/>
+        </p:nvSpPr>
+        <p:spPr>
+          <a:xfrm>
+            <a:off x="1523206" y="5473711"/>
+            <a:ext cx="76200" cy="76200"/>
+          </a:xfrm>
+          <a:prstGeom prst="rect">
+            <a:avLst/>
+          </a:prstGeom>
+          <a:solidFill>
+            <a:srgbClr val="FFFF00"/>
+          </a:solidFill>
+          <a:ln>
+            <a:noFill/>
+          </a:ln>
+        </p:spPr>
+        <p:style>
+          <a:lnRef idx="2">
+            <a:schemeClr val="accent1">
+              <a:shade val="50000"/>
+            </a:schemeClr>
+          </a:lnRef>
+          <a:fillRef idx="1">
+            <a:schemeClr val="accent1"/>
+          </a:fillRef>
+          <a:effectRef idx="0">
+            <a:schemeClr val="accent1"/>
+          </a:effectRef>
+          <a:fontRef idx="minor">
+            <a:schemeClr val="lt1"/>
+          </a:fontRef>
+        </p:style>
+        <p:txBody>
+          <a:bodyPr rtlCol="0" anchor="ctr"/>
+          <a:lstStyle/>
+          <a:p>
+            <a:pPr algn="ctr"/>
+            <a:endParaRPr lang="en-US"/>
+          </a:p>
+        </p:txBody>
+      </p:sp>
+      <p:sp>
+        <p:nvSpPr>
+          <p:cNvPr id="49" name="Rectangle 48"/>
+          <p:cNvSpPr/>
+          <p:nvPr/>
+        </p:nvSpPr>
+        <p:spPr>
+          <a:xfrm>
+            <a:off x="1523206" y="5562600"/>
+            <a:ext cx="76200" cy="76200"/>
+          </a:xfrm>
+          <a:prstGeom prst="rect">
+            <a:avLst/>
+          </a:prstGeom>
+          <a:solidFill>
+            <a:srgbClr val="FFFF00"/>
+          </a:solidFill>
+          <a:ln>
+            <a:noFill/>
+          </a:ln>
+        </p:spPr>
+        <p:style>
+          <a:lnRef idx="2">
+            <a:schemeClr val="accent1">
+              <a:shade val="50000"/>
+            </a:schemeClr>
+          </a:lnRef>
+          <a:fillRef idx="1">
+            <a:schemeClr val="accent1"/>
+          </a:fillRef>
+          <a:effectRef idx="0">
+            <a:schemeClr val="accent1"/>
+          </a:effectRef>
+          <a:fontRef idx="minor">
+            <a:schemeClr val="lt1"/>
+          </a:fontRef>
+        </p:style>
+        <p:txBody>
+          <a:bodyPr rtlCol="0" anchor="ctr"/>
+          <a:lstStyle/>
+          <a:p>
+            <a:pPr algn="ctr"/>
+            <a:endParaRPr lang="en-US" dirty="0"/>
+          </a:p>
+        </p:txBody>
+      </p:sp>
+      <p:sp>
+        <p:nvSpPr>
+          <p:cNvPr id="50" name="Rectangle 49"/>
+          <p:cNvSpPr/>
+          <p:nvPr/>
+        </p:nvSpPr>
+        <p:spPr>
+          <a:xfrm>
+            <a:off x="1790696" y="4768850"/>
+            <a:ext cx="76200" cy="76200"/>
+          </a:xfrm>
+          <a:prstGeom prst="rect">
+            <a:avLst/>
+          </a:prstGeom>
+          <a:solidFill>
+            <a:srgbClr val="FFFF00"/>
+          </a:solidFill>
+          <a:ln>
+            <a:noFill/>
+          </a:ln>
+        </p:spPr>
+        <p:style>
+          <a:lnRef idx="2">
+            <a:schemeClr val="accent1">
+              <a:shade val="50000"/>
+            </a:schemeClr>
+          </a:lnRef>
+          <a:fillRef idx="1">
+            <a:schemeClr val="accent1"/>
+          </a:fillRef>
+          <a:effectRef idx="0">
+            <a:schemeClr val="accent1"/>
+          </a:effectRef>
+          <a:fontRef idx="minor">
+            <a:schemeClr val="lt1"/>
+          </a:fontRef>
+        </p:style>
+        <p:txBody>
+          <a:bodyPr rtlCol="0" anchor="ctr"/>
+          <a:lstStyle/>
+          <a:p>
+            <a:pPr algn="ctr"/>
+            <a:endParaRPr lang="en-US"/>
+          </a:p>
+        </p:txBody>
+      </p:sp>
+      <p:sp>
+        <p:nvSpPr>
+          <p:cNvPr id="51" name="Rectangle 50"/>
+          <p:cNvSpPr/>
+          <p:nvPr/>
+        </p:nvSpPr>
+        <p:spPr>
+          <a:xfrm>
+            <a:off x="1878809" y="4768850"/>
+            <a:ext cx="76200" cy="76200"/>
+          </a:xfrm>
+          <a:prstGeom prst="rect">
+            <a:avLst/>
+          </a:prstGeom>
+          <a:solidFill>
+            <a:srgbClr val="FFFF00"/>
+          </a:solidFill>
+          <a:ln>
+            <a:noFill/>
+          </a:ln>
+        </p:spPr>
+        <p:style>
+          <a:lnRef idx="2">
+            <a:schemeClr val="accent1">
+              <a:shade val="50000"/>
+            </a:schemeClr>
+          </a:lnRef>
+          <a:fillRef idx="1">
+            <a:schemeClr val="accent1"/>
+          </a:fillRef>
+          <a:effectRef idx="0">
+            <a:schemeClr val="accent1"/>
+          </a:effectRef>
+          <a:fontRef idx="minor">
+            <a:schemeClr val="lt1"/>
+          </a:fontRef>
+        </p:style>
+        <p:txBody>
+          <a:bodyPr rtlCol="0" anchor="ctr"/>
+          <a:lstStyle/>
+          <a:p>
+            <a:pPr algn="ctr"/>
+            <a:endParaRPr lang="en-US"/>
+          </a:p>
+        </p:txBody>
+      </p:sp>
+      <p:sp>
+        <p:nvSpPr>
+          <p:cNvPr id="52" name="Rectangle 51"/>
+          <p:cNvSpPr/>
+          <p:nvPr/>
+        </p:nvSpPr>
+        <p:spPr>
+          <a:xfrm>
+            <a:off x="1970081" y="4768850"/>
+            <a:ext cx="76200" cy="76200"/>
+          </a:xfrm>
+          <a:prstGeom prst="rect">
+            <a:avLst/>
+          </a:prstGeom>
+          <a:solidFill>
+            <a:srgbClr val="FFFF00"/>
+          </a:solidFill>
+          <a:ln>
+            <a:noFill/>
+          </a:ln>
+        </p:spPr>
+        <p:style>
+          <a:lnRef idx="2">
+            <a:schemeClr val="accent1">
+              <a:shade val="50000"/>
+            </a:schemeClr>
+          </a:lnRef>
+          <a:fillRef idx="1">
+            <a:schemeClr val="accent1"/>
+          </a:fillRef>
+          <a:effectRef idx="0">
+            <a:schemeClr val="accent1"/>
+          </a:effectRef>
+          <a:fontRef idx="minor">
+            <a:schemeClr val="lt1"/>
+          </a:fontRef>
+        </p:style>
+        <p:txBody>
+          <a:bodyPr rtlCol="0" anchor="ctr"/>
+          <a:lstStyle/>
+          <a:p>
+            <a:pPr algn="ctr"/>
+            <a:endParaRPr lang="en-US"/>
+          </a:p>
+        </p:txBody>
+      </p:sp>
+      <p:sp>
+        <p:nvSpPr>
+          <p:cNvPr id="53" name="Rectangle 52"/>
+          <p:cNvSpPr/>
+          <p:nvPr/>
+        </p:nvSpPr>
+        <p:spPr>
+          <a:xfrm>
+            <a:off x="2058194" y="4768850"/>
+            <a:ext cx="76200" cy="76200"/>
+          </a:xfrm>
+          <a:prstGeom prst="rect">
+            <a:avLst/>
+          </a:prstGeom>
+          <a:solidFill>
+            <a:srgbClr val="FFFF00"/>
+          </a:solidFill>
+          <a:ln>
+            <a:noFill/>
+          </a:ln>
+        </p:spPr>
+        <p:style>
+          <a:lnRef idx="2">
+            <a:schemeClr val="accent1">
+              <a:shade val="50000"/>
+            </a:schemeClr>
+          </a:lnRef>
+          <a:fillRef idx="1">
+            <a:schemeClr val="accent1"/>
+          </a:fillRef>
+          <a:effectRef idx="0">
+            <a:schemeClr val="accent1"/>
+          </a:effectRef>
+          <a:fontRef idx="minor">
+            <a:schemeClr val="lt1"/>
+          </a:fontRef>
+        </p:style>
+        <p:txBody>
+          <a:bodyPr rtlCol="0" anchor="ctr"/>
+          <a:lstStyle/>
+          <a:p>
+            <a:pPr algn="ctr"/>
+            <a:endParaRPr lang="en-US"/>
+          </a:p>
+        </p:txBody>
+      </p:sp>
+      <p:sp>
+        <p:nvSpPr>
+          <p:cNvPr id="54" name="Rectangle 53"/>
+          <p:cNvSpPr/>
+          <p:nvPr/>
+        </p:nvSpPr>
+        <p:spPr>
+          <a:xfrm>
+            <a:off x="2058194" y="4856955"/>
+            <a:ext cx="76200" cy="76200"/>
+          </a:xfrm>
+          <a:prstGeom prst="rect">
+            <a:avLst/>
+          </a:prstGeom>
+          <a:solidFill>
+            <a:srgbClr val="FFFF00"/>
+          </a:solidFill>
+          <a:ln>
+            <a:noFill/>
+          </a:ln>
+        </p:spPr>
+        <p:style>
+          <a:lnRef idx="2">
+            <a:schemeClr val="accent1">
+              <a:shade val="50000"/>
+            </a:schemeClr>
+          </a:lnRef>
+          <a:fillRef idx="1">
+            <a:schemeClr val="accent1"/>
+          </a:fillRef>
+          <a:effectRef idx="0">
+            <a:schemeClr val="accent1"/>
+          </a:effectRef>
+          <a:fontRef idx="minor">
+            <a:schemeClr val="lt1"/>
+          </a:fontRef>
+        </p:style>
+        <p:txBody>
+          <a:bodyPr rtlCol="0" anchor="ctr"/>
+          <a:lstStyle/>
+          <a:p>
+            <a:pPr algn="ctr"/>
+            <a:endParaRPr lang="en-US" dirty="0"/>
+          </a:p>
+        </p:txBody>
+      </p:sp>
+      <p:sp>
+        <p:nvSpPr>
+          <p:cNvPr id="55" name="Rectangle 54"/>
+          <p:cNvSpPr/>
+          <p:nvPr/>
+        </p:nvSpPr>
+        <p:spPr>
+          <a:xfrm>
+            <a:off x="2058194" y="4945063"/>
+            <a:ext cx="76200" cy="76200"/>
+          </a:xfrm>
+          <a:prstGeom prst="rect">
+            <a:avLst/>
+          </a:prstGeom>
+          <a:solidFill>
+            <a:srgbClr val="FFFF00"/>
+          </a:solidFill>
+          <a:ln>
+            <a:noFill/>
+          </a:ln>
+        </p:spPr>
+        <p:style>
+          <a:lnRef idx="2">
+            <a:schemeClr val="accent1">
+              <a:shade val="50000"/>
+            </a:schemeClr>
+          </a:lnRef>
+          <a:fillRef idx="1">
+            <a:schemeClr val="accent1"/>
+          </a:fillRef>
+          <a:effectRef idx="0">
+            <a:schemeClr val="accent1"/>
+          </a:effectRef>
+          <a:fontRef idx="minor">
+            <a:schemeClr val="lt1"/>
+          </a:fontRef>
+        </p:style>
+        <p:txBody>
+          <a:bodyPr rtlCol="0" anchor="ctr"/>
+          <a:lstStyle/>
+          <a:p>
+            <a:pPr algn="ctr"/>
+            <a:endParaRPr lang="en-US" dirty="0"/>
+          </a:p>
+        </p:txBody>
+      </p:sp>
+      <p:sp>
+        <p:nvSpPr>
+          <p:cNvPr id="56" name="Rectangle 55"/>
+          <p:cNvSpPr/>
+          <p:nvPr/>
+        </p:nvSpPr>
+        <p:spPr>
+          <a:xfrm>
+            <a:off x="2058194" y="5036355"/>
+            <a:ext cx="76200" cy="76200"/>
+          </a:xfrm>
+          <a:prstGeom prst="rect">
+            <a:avLst/>
+          </a:prstGeom>
+          <a:solidFill>
+            <a:srgbClr val="FFFF00"/>
+          </a:solidFill>
+          <a:ln>
+            <a:noFill/>
+          </a:ln>
+        </p:spPr>
+        <p:style>
+          <a:lnRef idx="2">
+            <a:schemeClr val="accent1">
+              <a:shade val="50000"/>
+            </a:schemeClr>
+          </a:lnRef>
+          <a:fillRef idx="1">
+            <a:schemeClr val="accent1"/>
+          </a:fillRef>
+          <a:effectRef idx="0">
+            <a:schemeClr val="accent1"/>
+          </a:effectRef>
+          <a:fontRef idx="minor">
+            <a:schemeClr val="lt1"/>
+          </a:fontRef>
+        </p:style>
+        <p:txBody>
+          <a:bodyPr rtlCol="0" anchor="ctr"/>
+          <a:lstStyle/>
+          <a:p>
+            <a:pPr algn="ctr"/>
+            <a:endParaRPr lang="en-US"/>
+          </a:p>
+        </p:txBody>
+      </p:sp>
+      <p:sp>
+        <p:nvSpPr>
+          <p:cNvPr id="57" name="Rectangle 56"/>
+          <p:cNvSpPr/>
+          <p:nvPr/>
+        </p:nvSpPr>
+        <p:spPr>
+          <a:xfrm>
+            <a:off x="1969287" y="5124453"/>
+            <a:ext cx="76200" cy="76200"/>
+          </a:xfrm>
+          <a:prstGeom prst="rect">
+            <a:avLst/>
+          </a:prstGeom>
+          <a:solidFill>
+            <a:srgbClr val="FFFF00"/>
+          </a:solidFill>
+          <a:ln>
+            <a:noFill/>
+          </a:ln>
+        </p:spPr>
+        <p:style>
+          <a:lnRef idx="2">
+            <a:schemeClr val="accent1">
+              <a:shade val="50000"/>
+            </a:schemeClr>
+          </a:lnRef>
+          <a:fillRef idx="1">
+            <a:schemeClr val="accent1"/>
+          </a:fillRef>
+          <a:effectRef idx="0">
+            <a:schemeClr val="accent1"/>
+          </a:effectRef>
+          <a:fontRef idx="minor">
+            <a:schemeClr val="lt1"/>
+          </a:fontRef>
+        </p:style>
+        <p:txBody>
+          <a:bodyPr rtlCol="0" anchor="ctr"/>
+          <a:lstStyle/>
+          <a:p>
+            <a:pPr algn="ctr"/>
+            <a:endParaRPr lang="en-US"/>
+          </a:p>
+        </p:txBody>
+      </p:sp>
+      <p:sp>
+        <p:nvSpPr>
+          <p:cNvPr id="58" name="Rectangle 57"/>
+          <p:cNvSpPr/>
+          <p:nvPr/>
+        </p:nvSpPr>
+        <p:spPr>
+          <a:xfrm>
+            <a:off x="2057400" y="5124453"/>
+            <a:ext cx="76200" cy="76200"/>
+          </a:xfrm>
+          <a:prstGeom prst="rect">
+            <a:avLst/>
+          </a:prstGeom>
+          <a:solidFill>
+            <a:srgbClr val="FFFF00"/>
+          </a:solidFill>
+          <a:ln>
+            <a:noFill/>
+          </a:ln>
+        </p:spPr>
+        <p:style>
+          <a:lnRef idx="2">
+            <a:schemeClr val="accent1">
+              <a:shade val="50000"/>
+            </a:schemeClr>
+          </a:lnRef>
+          <a:fillRef idx="1">
+            <a:schemeClr val="accent1"/>
+          </a:fillRef>
+          <a:effectRef idx="0">
+            <a:schemeClr val="accent1"/>
+          </a:effectRef>
+          <a:fontRef idx="minor">
+            <a:schemeClr val="lt1"/>
+          </a:fontRef>
+        </p:style>
+        <p:txBody>
+          <a:bodyPr rtlCol="0" anchor="ctr"/>
+          <a:lstStyle/>
+          <a:p>
+            <a:pPr algn="ctr"/>
+            <a:endParaRPr lang="en-US"/>
+          </a:p>
+        </p:txBody>
+      </p:sp>
+      <p:sp>
+        <p:nvSpPr>
+          <p:cNvPr id="59" name="Rectangle 58"/>
+          <p:cNvSpPr/>
+          <p:nvPr/>
+        </p:nvSpPr>
+        <p:spPr>
+          <a:xfrm>
+            <a:off x="1675606" y="4921250"/>
+            <a:ext cx="76200" cy="76200"/>
+          </a:xfrm>
+          <a:prstGeom prst="rect">
+            <a:avLst/>
+          </a:prstGeom>
+          <a:solidFill>
+            <a:srgbClr val="FFFF00"/>
+          </a:solidFill>
+          <a:ln>
+            <a:noFill/>
+          </a:ln>
+        </p:spPr>
+        <p:style>
+          <a:lnRef idx="2">
+            <a:schemeClr val="accent1">
+              <a:shade val="50000"/>
+            </a:schemeClr>
+          </a:lnRef>
+          <a:fillRef idx="1">
+            <a:schemeClr val="accent1"/>
+          </a:fillRef>
+          <a:effectRef idx="0">
+            <a:schemeClr val="accent1"/>
+          </a:effectRef>
+          <a:fontRef idx="minor">
+            <a:schemeClr val="lt1"/>
+          </a:fontRef>
+        </p:style>
+        <p:txBody>
+          <a:bodyPr rtlCol="0" anchor="ctr"/>
+          <a:lstStyle/>
+          <a:p>
+            <a:pPr algn="ctr"/>
+            <a:endParaRPr lang="en-US"/>
+          </a:p>
+        </p:txBody>
+      </p:sp>
+      <p:sp>
+        <p:nvSpPr>
+          <p:cNvPr id="60" name="Rectangle 59"/>
+          <p:cNvSpPr/>
+          <p:nvPr/>
+        </p:nvSpPr>
+        <p:spPr>
+          <a:xfrm>
+            <a:off x="1612106" y="5562600"/>
+            <a:ext cx="76200" cy="76200"/>
+          </a:xfrm>
+          <a:prstGeom prst="rect">
+            <a:avLst/>
+          </a:prstGeom>
+          <a:solidFill>
+            <a:srgbClr val="FFFF00"/>
+          </a:solidFill>
+          <a:ln>
+            <a:noFill/>
+          </a:ln>
+        </p:spPr>
+        <p:style>
+          <a:lnRef idx="2">
+            <a:schemeClr val="accent1">
+              <a:shade val="50000"/>
+            </a:schemeClr>
+          </a:lnRef>
+          <a:fillRef idx="1">
+            <a:schemeClr val="accent1"/>
+          </a:fillRef>
+          <a:effectRef idx="0">
+            <a:schemeClr val="accent1"/>
+          </a:effectRef>
+          <a:fontRef idx="minor">
+            <a:schemeClr val="lt1"/>
+          </a:fontRef>
+        </p:style>
+        <p:txBody>
+          <a:bodyPr rtlCol="0" anchor="ctr"/>
+          <a:lstStyle/>
+          <a:p>
+            <a:pPr algn="ctr"/>
+            <a:endParaRPr lang="en-US"/>
+          </a:p>
+        </p:txBody>
+      </p:sp>
+      <p:sp>
+        <p:nvSpPr>
+          <p:cNvPr id="61" name="Rectangle 60"/>
+          <p:cNvSpPr/>
+          <p:nvPr/>
+        </p:nvSpPr>
+        <p:spPr>
+          <a:xfrm>
+            <a:off x="1700219" y="5562600"/>
+            <a:ext cx="76200" cy="76200"/>
+          </a:xfrm>
+          <a:prstGeom prst="rect">
+            <a:avLst/>
+          </a:prstGeom>
+          <a:solidFill>
+            <a:srgbClr val="FFFF00"/>
+          </a:solidFill>
+          <a:ln>
+            <a:noFill/>
+          </a:ln>
+        </p:spPr>
+        <p:style>
+          <a:lnRef idx="2">
+            <a:schemeClr val="accent1">
+              <a:shade val="50000"/>
+            </a:schemeClr>
+          </a:lnRef>
+          <a:fillRef idx="1">
+            <a:schemeClr val="accent1"/>
+          </a:fillRef>
+          <a:effectRef idx="0">
+            <a:schemeClr val="accent1"/>
+          </a:effectRef>
+          <a:fontRef idx="minor">
+            <a:schemeClr val="lt1"/>
+          </a:fontRef>
+        </p:style>
+        <p:txBody>
+          <a:bodyPr rtlCol="0" anchor="ctr"/>
+          <a:lstStyle/>
+          <a:p>
+            <a:pPr algn="ctr"/>
+            <a:endParaRPr lang="en-US"/>
+          </a:p>
+        </p:txBody>
+      </p:sp>
+      <p:sp>
+        <p:nvSpPr>
+          <p:cNvPr id="62" name="Rectangle 61"/>
+          <p:cNvSpPr/>
+          <p:nvPr/>
+        </p:nvSpPr>
+        <p:spPr>
+          <a:xfrm>
+            <a:off x="1878806" y="5124450"/>
+            <a:ext cx="76200" cy="76200"/>
+          </a:xfrm>
+          <a:prstGeom prst="rect">
+            <a:avLst/>
+          </a:prstGeom>
+          <a:solidFill>
+            <a:srgbClr val="FFFF00"/>
+          </a:solidFill>
+          <a:ln>
+            <a:noFill/>
+          </a:ln>
+        </p:spPr>
+        <p:style>
+          <a:lnRef idx="2">
+            <a:schemeClr val="accent1">
+              <a:shade val="50000"/>
+            </a:schemeClr>
+          </a:lnRef>
+          <a:fillRef idx="1">
+            <a:schemeClr val="accent1"/>
+          </a:fillRef>
+          <a:effectRef idx="0">
+            <a:schemeClr val="accent1"/>
+          </a:effectRef>
+          <a:fontRef idx="minor">
+            <a:schemeClr val="lt1"/>
+          </a:fontRef>
+        </p:style>
+        <p:txBody>
+          <a:bodyPr rtlCol="0" anchor="ctr"/>
+          <a:lstStyle/>
+          <a:p>
+            <a:pPr algn="ctr"/>
+            <a:endParaRPr lang="en-US"/>
+          </a:p>
+        </p:txBody>
+      </p:sp>
     </p:spTree>
   </p:cSld>
   <p:clrMapOvr>
@@ -16263,7 +17473,7 @@
             <a:blip r:embed="rId4" cstate="print">
               <a:extLst>
                 <a:ext uri="{28A0092B-C50C-407E-A947-70E740481C1C}">
-                  <a14:useLocalDpi xmlns="" xmlns:a14="http://schemas.microsoft.com/office/drawing/2010/main" val="0"/>
+                  <a14:useLocalDpi xmlns:a14="http://schemas.microsoft.com/office/drawing/2010/main" xmlns="" val="0"/>
                 </a:ext>
               </a:extLst>
             </a:blip>
@@ -16283,7 +17493,7 @@
             <a:noFill/>
             <a:extLst>
               <a:ext uri="{909E8E84-426E-40DD-AFC4-6F175D3DCCD1}">
-                <a14:hiddenFill xmlns="" xmlns:a14="http://schemas.microsoft.com/office/drawing/2010/main">
+                <a14:hiddenFill xmlns:a14="http://schemas.microsoft.com/office/drawing/2010/main" xmlns="">
                   <a:solidFill>
                     <a:srgbClr val="FFFFFF"/>
                   </a:solidFill>
@@ -16730,7 +17940,7 @@
             <a:blip r:embed="rId6" cstate="print">
               <a:extLst>
                 <a:ext uri="{28A0092B-C50C-407E-A947-70E740481C1C}">
-                  <a14:useLocalDpi xmlns="" xmlns:a14="http://schemas.microsoft.com/office/drawing/2010/main" val="0"/>
+                  <a14:useLocalDpi xmlns:a14="http://schemas.microsoft.com/office/drawing/2010/main" xmlns="" val="0"/>
                 </a:ext>
               </a:extLst>
             </a:blip>
@@ -16750,7 +17960,7 @@
             <a:noFill/>
             <a:extLst>
               <a:ext uri="{909E8E84-426E-40DD-AFC4-6F175D3DCCD1}">
-                <a14:hiddenFill xmlns="" xmlns:a14="http://schemas.microsoft.com/office/drawing/2010/main">
+                <a14:hiddenFill xmlns:a14="http://schemas.microsoft.com/office/drawing/2010/main" xmlns="">
                   <a:solidFill>
                     <a:srgbClr val="FFFFFF"/>
                   </a:solidFill>
@@ -18954,7 +20164,7 @@
               <a:blip r:embed="rId6" cstate="print">
                 <a:extLst>
                   <a:ext uri="{28A0092B-C50C-407E-A947-70E740481C1C}">
-                    <a14:useLocalDpi xmlns="" xmlns:a14="http://schemas.microsoft.com/office/drawing/2010/main" val="0"/>
+                    <a14:useLocalDpi xmlns:a14="http://schemas.microsoft.com/office/drawing/2010/main" xmlns="" val="0"/>
                   </a:ext>
                 </a:extLst>
               </a:blip>
@@ -18974,7 +20184,7 @@
               <a:noFill/>
               <a:extLst>
                 <a:ext uri="{909E8E84-426E-40DD-AFC4-6F175D3DCCD1}">
-                  <a14:hiddenFill xmlns="" xmlns:a14="http://schemas.microsoft.com/office/drawing/2010/main">
+                  <a14:hiddenFill xmlns:a14="http://schemas.microsoft.com/office/drawing/2010/main" xmlns="">
                     <a:solidFill>
                       <a:srgbClr val="FFFFFF"/>
                     </a:solidFill>
@@ -26174,7 +27384,7 @@
               <a:blip r:embed="rId8" cstate="print">
                 <a:extLst>
                   <a:ext uri="{28A0092B-C50C-407E-A947-70E740481C1C}">
-                    <a14:useLocalDpi xmlns="" xmlns:a14="http://schemas.microsoft.com/office/drawing/2010/main" val="0"/>
+                    <a14:useLocalDpi xmlns:a14="http://schemas.microsoft.com/office/drawing/2010/main" xmlns="" val="0"/>
                   </a:ext>
                 </a:extLst>
               </a:blip>
@@ -26194,7 +27404,7 @@
               <a:noFill/>
               <a:extLst>
                 <a:ext uri="{909E8E84-426E-40DD-AFC4-6F175D3DCCD1}">
-                  <a14:hiddenFill xmlns="" xmlns:a14="http://schemas.microsoft.com/office/drawing/2010/main">
+                  <a14:hiddenFill xmlns:a14="http://schemas.microsoft.com/office/drawing/2010/main" xmlns="">
                     <a:solidFill>
                       <a:srgbClr val="FFFFFF"/>
                     </a:solidFill>
@@ -26662,7 +27872,7 @@
             <a:blip r:embed="rId8" cstate="print">
               <a:extLst>
                 <a:ext uri="{28A0092B-C50C-407E-A947-70E740481C1C}">
-                  <a14:useLocalDpi xmlns="" xmlns:a14="http://schemas.microsoft.com/office/drawing/2010/main" val="0"/>
+                  <a14:useLocalDpi xmlns:a14="http://schemas.microsoft.com/office/drawing/2010/main" xmlns="" val="0"/>
                 </a:ext>
               </a:extLst>
             </a:blip>
@@ -26682,7 +27892,7 @@
             <a:noFill/>
             <a:extLst>
               <a:ext uri="{909E8E84-426E-40DD-AFC4-6F175D3DCCD1}">
-                <a14:hiddenFill xmlns="" xmlns:a14="http://schemas.microsoft.com/office/drawing/2010/main">
+                <a14:hiddenFill xmlns:a14="http://schemas.microsoft.com/office/drawing/2010/main" xmlns="">
                   <a:solidFill>
                     <a:srgbClr val="FFFFFF"/>
                   </a:solidFill>
@@ -31245,7 +32455,7 @@
           <a:blip r:embed="rId2" cstate="print">
             <a:extLst>
               <a:ext uri="{28A0092B-C50C-407E-A947-70E740481C1C}">
-                <a14:useLocalDpi xmlns:a14="http://schemas.microsoft.com/office/drawing/2010/main" xmlns="" val="0"/>
+                <a14:useLocalDpi xmlns="" xmlns:a14="http://schemas.microsoft.com/office/drawing/2010/main" val="0"/>
               </a:ext>
             </a:extLst>
           </a:blip>
@@ -31274,14 +32484,14 @@
           </a:effectLst>
           <a:extLst>
             <a:ext uri="{909E8E84-426E-40DD-AFC4-6F175D3DCCD1}">
-              <a14:hiddenFill xmlns:a14="http://schemas.microsoft.com/office/drawing/2010/main" xmlns="">
+              <a14:hiddenFill xmlns="" xmlns:a14="http://schemas.microsoft.com/office/drawing/2010/main">
                 <a:solidFill>
                   <a:schemeClr val="accent1"/>
                 </a:solidFill>
               </a14:hiddenFill>
             </a:ext>
             <a:ext uri="{91240B29-F687-4F45-9708-019B960494DF}">
-              <a14:hiddenLine xmlns:a14="http://schemas.microsoft.com/office/drawing/2010/main" xmlns="" w="9525">
+              <a14:hiddenLine xmlns="" xmlns:a14="http://schemas.microsoft.com/office/drawing/2010/main" w="9525">
                 <a:solidFill>
                   <a:schemeClr val="tx1"/>
                 </a:solidFill>

--- a/HMSWebTest-Pen/Assets/Images/hmsgraphics.pptx
+++ b/HMSWebTest-Pen/Assets/Images/hmsgraphics.pptx
@@ -210,7 +210,7 @@
             <a:fld id="{6153BB3E-9447-4512-867E-C40997E12B5B}" type="datetimeFigureOut">
               <a:rPr lang="en-US" smtClean="0"/>
               <a:pPr/>
-              <a:t>5/25/2017</a:t>
+              <a:t>5/26/2017</a:t>
             </a:fld>
             <a:endParaRPr lang="en-US"/>
           </a:p>
@@ -740,7 +740,7 @@
             <a:fld id="{090B515E-C25E-45EE-BA79-D334A31660AC}" type="datetimeFigureOut">
               <a:rPr lang="en-US" smtClean="0"/>
               <a:pPr/>
-              <a:t>5/25/2017</a:t>
+              <a:t>5/26/2017</a:t>
             </a:fld>
             <a:endParaRPr lang="en-US"/>
           </a:p>
@@ -907,7 +907,7 @@
             <a:fld id="{090B515E-C25E-45EE-BA79-D334A31660AC}" type="datetimeFigureOut">
               <a:rPr lang="en-US" smtClean="0"/>
               <a:pPr/>
-              <a:t>5/25/2017</a:t>
+              <a:t>5/26/2017</a:t>
             </a:fld>
             <a:endParaRPr lang="en-US"/>
           </a:p>
@@ -1084,7 +1084,7 @@
             <a:fld id="{090B515E-C25E-45EE-BA79-D334A31660AC}" type="datetimeFigureOut">
               <a:rPr lang="en-US" smtClean="0"/>
               <a:pPr/>
-              <a:t>5/25/2017</a:t>
+              <a:t>5/26/2017</a:t>
             </a:fld>
             <a:endParaRPr lang="en-US"/>
           </a:p>
@@ -1251,7 +1251,7 @@
             <a:fld id="{090B515E-C25E-45EE-BA79-D334A31660AC}" type="datetimeFigureOut">
               <a:rPr lang="en-US" smtClean="0"/>
               <a:pPr/>
-              <a:t>5/25/2017</a:t>
+              <a:t>5/26/2017</a:t>
             </a:fld>
             <a:endParaRPr lang="en-US"/>
           </a:p>
@@ -1494,7 +1494,7 @@
             <a:fld id="{090B515E-C25E-45EE-BA79-D334A31660AC}" type="datetimeFigureOut">
               <a:rPr lang="en-US" smtClean="0"/>
               <a:pPr/>
-              <a:t>5/25/2017</a:t>
+              <a:t>5/26/2017</a:t>
             </a:fld>
             <a:endParaRPr lang="en-US"/>
           </a:p>
@@ -1779,7 +1779,7 @@
             <a:fld id="{090B515E-C25E-45EE-BA79-D334A31660AC}" type="datetimeFigureOut">
               <a:rPr lang="en-US" smtClean="0"/>
               <a:pPr/>
-              <a:t>5/25/2017</a:t>
+              <a:t>5/26/2017</a:t>
             </a:fld>
             <a:endParaRPr lang="en-US"/>
           </a:p>
@@ -2198,7 +2198,7 @@
             <a:fld id="{090B515E-C25E-45EE-BA79-D334A31660AC}" type="datetimeFigureOut">
               <a:rPr lang="en-US" smtClean="0"/>
               <a:pPr/>
-              <a:t>5/25/2017</a:t>
+              <a:t>5/26/2017</a:t>
             </a:fld>
             <a:endParaRPr lang="en-US"/>
           </a:p>
@@ -2313,7 +2313,7 @@
             <a:fld id="{090B515E-C25E-45EE-BA79-D334A31660AC}" type="datetimeFigureOut">
               <a:rPr lang="en-US" smtClean="0"/>
               <a:pPr/>
-              <a:t>5/25/2017</a:t>
+              <a:t>5/26/2017</a:t>
             </a:fld>
             <a:endParaRPr lang="en-US"/>
           </a:p>
@@ -2405,7 +2405,7 @@
             <a:fld id="{090B515E-C25E-45EE-BA79-D334A31660AC}" type="datetimeFigureOut">
               <a:rPr lang="en-US" smtClean="0"/>
               <a:pPr/>
-              <a:t>5/25/2017</a:t>
+              <a:t>5/26/2017</a:t>
             </a:fld>
             <a:endParaRPr lang="en-US"/>
           </a:p>
@@ -2679,7 +2679,7 @@
             <a:fld id="{090B515E-C25E-45EE-BA79-D334A31660AC}" type="datetimeFigureOut">
               <a:rPr lang="en-US" smtClean="0"/>
               <a:pPr/>
-              <a:t>5/25/2017</a:t>
+              <a:t>5/26/2017</a:t>
             </a:fld>
             <a:endParaRPr lang="en-US"/>
           </a:p>
@@ -2929,7 +2929,7 @@
             <a:fld id="{090B515E-C25E-45EE-BA79-D334A31660AC}" type="datetimeFigureOut">
               <a:rPr lang="en-US" smtClean="0"/>
               <a:pPr/>
-              <a:t>5/25/2017</a:t>
+              <a:t>5/26/2017</a:t>
             </a:fld>
             <a:endParaRPr lang="en-US"/>
           </a:p>
@@ -3139,7 +3139,7 @@
             <a:fld id="{090B515E-C25E-45EE-BA79-D334A31660AC}" type="datetimeFigureOut">
               <a:rPr lang="en-US" smtClean="0"/>
               <a:pPr/>
-              <a:t>5/25/2017</a:t>
+              <a:t>5/26/2017</a:t>
             </a:fld>
             <a:endParaRPr lang="en-US"/>
           </a:p>
@@ -3977,7 +3977,7 @@
             <a:blip r:embed="rId2" cstate="print">
               <a:extLst>
                 <a:ext uri="{28A0092B-C50C-407E-A947-70E740481C1C}">
-                  <a14:useLocalDpi xmlns:a14="http://schemas.microsoft.com/office/drawing/2010/main" xmlns="" val="0"/>
+                  <a14:useLocalDpi xmlns="" xmlns:a14="http://schemas.microsoft.com/office/drawing/2010/main" val="0"/>
                 </a:ext>
               </a:extLst>
             </a:blip>
@@ -3997,7 +3997,7 @@
             <a:noFill/>
             <a:extLst>
               <a:ext uri="{909E8E84-426E-40DD-AFC4-6F175D3DCCD1}">
-                <a14:hiddenFill xmlns:a14="http://schemas.microsoft.com/office/drawing/2010/main" xmlns="">
+                <a14:hiddenFill xmlns="" xmlns:a14="http://schemas.microsoft.com/office/drawing/2010/main">
                   <a:solidFill>
                     <a:srgbClr val="FFFFFF"/>
                   </a:solidFill>
@@ -4080,7 +4080,7 @@
             <a:blip r:embed="rId3" cstate="print">
               <a:extLst>
                 <a:ext uri="{28A0092B-C50C-407E-A947-70E740481C1C}">
-                  <a14:useLocalDpi xmlns:a14="http://schemas.microsoft.com/office/drawing/2010/main" xmlns="" val="0"/>
+                  <a14:useLocalDpi xmlns="" xmlns:a14="http://schemas.microsoft.com/office/drawing/2010/main" val="0"/>
                 </a:ext>
               </a:extLst>
             </a:blip>
@@ -4100,7 +4100,7 @@
             <a:noFill/>
             <a:extLst>
               <a:ext uri="{909E8E84-426E-40DD-AFC4-6F175D3DCCD1}">
-                <a14:hiddenFill xmlns:a14="http://schemas.microsoft.com/office/drawing/2010/main" xmlns="">
+                <a14:hiddenFill xmlns="" xmlns:a14="http://schemas.microsoft.com/office/drawing/2010/main">
                   <a:solidFill>
                     <a:srgbClr val="FFFFFF"/>
                   </a:solidFill>
@@ -7083,7 +7083,7 @@
     </p:spTree>
     <p:extLst>
       <p:ext uri="{BB962C8B-B14F-4D97-AF65-F5344CB8AC3E}">
-        <p14:creationId xmlns:p14="http://schemas.microsoft.com/office/powerpoint/2010/main" xmlns="" val="1874106700"/>
+        <p14:creationId xmlns="" xmlns:p14="http://schemas.microsoft.com/office/powerpoint/2010/main" val="1874106700"/>
       </p:ext>
     </p:extLst>
   </p:cSld>
@@ -7756,7 +7756,7 @@
           <a:blip r:embed="rId2" cstate="print">
             <a:extLst>
               <a:ext uri="{28A0092B-C50C-407E-A947-70E740481C1C}">
-                <a14:useLocalDpi xmlns="" xmlns:a14="http://schemas.microsoft.com/office/drawing/2010/main" val="0"/>
+                <a14:useLocalDpi xmlns:a14="http://schemas.microsoft.com/office/drawing/2010/main" xmlns="" val="0"/>
               </a:ext>
             </a:extLst>
           </a:blip>
@@ -7785,14 +7785,14 @@
           </a:effectLst>
           <a:extLst>
             <a:ext uri="{909E8E84-426E-40DD-AFC4-6F175D3DCCD1}">
-              <a14:hiddenFill xmlns="" xmlns:a14="http://schemas.microsoft.com/office/drawing/2010/main">
+              <a14:hiddenFill xmlns:a14="http://schemas.microsoft.com/office/drawing/2010/main" xmlns="">
                 <a:solidFill>
                   <a:schemeClr val="accent1"/>
                 </a:solidFill>
               </a14:hiddenFill>
             </a:ext>
             <a:ext uri="{91240B29-F687-4F45-9708-019B960494DF}">
-              <a14:hiddenLine xmlns="" xmlns:a14="http://schemas.microsoft.com/office/drawing/2010/main" w="9525">
+              <a14:hiddenLine xmlns:a14="http://schemas.microsoft.com/office/drawing/2010/main" xmlns="" w="9525">
                 <a:solidFill>
                   <a:schemeClr val="tx1"/>
                 </a:solidFill>
@@ -7823,7 +7823,7 @@
             </a:duotone>
             <a:extLst>
               <a:ext uri="{28A0092B-C50C-407E-A947-70E740481C1C}">
-                <a14:useLocalDpi xmlns="" xmlns:a14="http://schemas.microsoft.com/office/drawing/2010/main" val="0"/>
+                <a14:useLocalDpi xmlns:a14="http://schemas.microsoft.com/office/drawing/2010/main" xmlns="" val="0"/>
               </a:ext>
             </a:extLst>
           </a:blip>
@@ -7852,14 +7852,14 @@
           </a:effectLst>
           <a:extLst>
             <a:ext uri="{909E8E84-426E-40DD-AFC4-6F175D3DCCD1}">
-              <a14:hiddenFill xmlns="" xmlns:a14="http://schemas.microsoft.com/office/drawing/2010/main">
+              <a14:hiddenFill xmlns:a14="http://schemas.microsoft.com/office/drawing/2010/main" xmlns="">
                 <a:solidFill>
                   <a:schemeClr val="accent1"/>
                 </a:solidFill>
               </a14:hiddenFill>
             </a:ext>
             <a:ext uri="{91240B29-F687-4F45-9708-019B960494DF}">
-              <a14:hiddenLine xmlns="" xmlns:a14="http://schemas.microsoft.com/office/drawing/2010/main" w="9525">
+              <a14:hiddenLine xmlns:a14="http://schemas.microsoft.com/office/drawing/2010/main" xmlns="" w="9525">
                 <a:solidFill>
                   <a:schemeClr val="tx1"/>
                 </a:solidFill>
@@ -13156,7 +13156,7 @@
         </p:nvGrpSpPr>
         <p:grpSpPr>
           <a:xfrm>
-            <a:off x="5715000" y="3429000"/>
+            <a:off x="5943600" y="3505200"/>
             <a:ext cx="3352800" cy="3352800"/>
             <a:chOff x="8686800" y="1828800"/>
             <a:chExt cx="3352800" cy="3352800"/>
@@ -13292,1227 +13292,1386 @@
           </p:txBody>
         </p:sp>
       </p:grpSp>
-      <p:sp>
-        <p:nvSpPr>
-          <p:cNvPr id="36" name="Oval 35"/>
-          <p:cNvSpPr/>
+      <p:grpSp>
+        <p:nvGrpSpPr>
+          <p:cNvPr id="66" name="Group 65"/>
+          <p:cNvGrpSpPr/>
           <p:nvPr/>
-        </p:nvSpPr>
-        <p:spPr>
+        </p:nvGrpSpPr>
+        <p:grpSpPr>
           <a:xfrm>
-            <a:off x="1104900" y="4457700"/>
+            <a:off x="304800" y="3733800"/>
             <a:ext cx="1447800" cy="1447800"/>
-          </a:xfrm>
-          <a:prstGeom prst="ellipse">
-            <a:avLst/>
-          </a:prstGeom>
+            <a:chOff x="1104900" y="4457700"/>
+            <a:chExt cx="1447800" cy="1447800"/>
+          </a:xfrm>
+        </p:grpSpPr>
+        <p:sp>
+          <p:nvSpPr>
+            <p:cNvPr id="36" name="Oval 35"/>
+            <p:cNvSpPr/>
+            <p:nvPr/>
+          </p:nvSpPr>
+          <p:spPr>
+            <a:xfrm>
+              <a:off x="1104900" y="4457700"/>
+              <a:ext cx="1447800" cy="1447800"/>
+            </a:xfrm>
+            <a:prstGeom prst="ellipse">
+              <a:avLst/>
+            </a:prstGeom>
+            <a:solidFill>
+              <a:schemeClr val="accent2">
+                <a:lumMod val="75000"/>
+              </a:schemeClr>
+            </a:solidFill>
+            <a:ln>
+              <a:noFill/>
+            </a:ln>
+          </p:spPr>
+          <p:style>
+            <a:lnRef idx="2">
+              <a:schemeClr val="accent1">
+                <a:shade val="50000"/>
+              </a:schemeClr>
+            </a:lnRef>
+            <a:fillRef idx="1">
+              <a:schemeClr val="accent1"/>
+            </a:fillRef>
+            <a:effectRef idx="0">
+              <a:schemeClr val="accent1"/>
+            </a:effectRef>
+            <a:fontRef idx="minor">
+              <a:schemeClr val="lt1"/>
+            </a:fontRef>
+          </p:style>
+          <p:txBody>
+            <a:bodyPr rtlCol="0" anchor="ctr"/>
+            <a:lstStyle/>
+            <a:p>
+              <a:pPr algn="ctr"/>
+              <a:endParaRPr lang="en-US" sz="3200" dirty="0" smtClean="0">
+                <a:solidFill>
+                  <a:srgbClr val="FFFF00"/>
+                </a:solidFill>
+                <a:latin typeface="Blocked" pitchFamily="2" charset="0"/>
+              </a:endParaRPr>
+            </a:p>
+            <a:p>
+              <a:pPr algn="ctr"/>
+              <a:endParaRPr lang="en-US" sz="7200" dirty="0">
+                <a:solidFill>
+                  <a:srgbClr val="00FF00"/>
+                </a:solidFill>
+                <a:latin typeface="Ananda Namaste" pitchFamily="2" charset="0"/>
+              </a:endParaRPr>
+            </a:p>
+            <a:p>
+              <a:pPr algn="ctr"/>
+              <a:endParaRPr lang="en-US" sz="700" dirty="0">
+                <a:solidFill>
+                  <a:srgbClr val="00FF00"/>
+                </a:solidFill>
+                <a:latin typeface="Ananda Namaste" pitchFamily="2" charset="0"/>
+              </a:endParaRPr>
+            </a:p>
+          </p:txBody>
+        </p:sp>
+        <p:sp>
+          <p:nvSpPr>
+            <p:cNvPr id="38" name="Rectangle 37"/>
+            <p:cNvSpPr/>
+            <p:nvPr/>
+          </p:nvSpPr>
+          <p:spPr>
+            <a:xfrm>
+              <a:off x="1523206" y="4768850"/>
+              <a:ext cx="76200" cy="76200"/>
+            </a:xfrm>
+            <a:prstGeom prst="rect">
+              <a:avLst/>
+            </a:prstGeom>
+            <a:solidFill>
+              <a:srgbClr val="FFFF00"/>
+            </a:solidFill>
+            <a:ln>
+              <a:noFill/>
+            </a:ln>
+          </p:spPr>
+          <p:style>
+            <a:lnRef idx="2">
+              <a:schemeClr val="accent1">
+                <a:shade val="50000"/>
+              </a:schemeClr>
+            </a:lnRef>
+            <a:fillRef idx="1">
+              <a:schemeClr val="accent1"/>
+            </a:fillRef>
+            <a:effectRef idx="0">
+              <a:schemeClr val="accent1"/>
+            </a:effectRef>
+            <a:fontRef idx="minor">
+              <a:schemeClr val="lt1"/>
+            </a:fontRef>
+          </p:style>
+          <p:txBody>
+            <a:bodyPr rtlCol="0" anchor="ctr"/>
+            <a:lstStyle/>
+            <a:p>
+              <a:pPr algn="ctr"/>
+              <a:endParaRPr lang="en-US"/>
+            </a:p>
+          </p:txBody>
+        </p:sp>
+        <p:sp>
+          <p:nvSpPr>
+            <p:cNvPr id="39" name="Rectangle 38"/>
+            <p:cNvSpPr/>
+            <p:nvPr/>
+          </p:nvSpPr>
+          <p:spPr>
+            <a:xfrm>
+              <a:off x="1523206" y="4856950"/>
+              <a:ext cx="76200" cy="76200"/>
+            </a:xfrm>
+            <a:prstGeom prst="rect">
+              <a:avLst/>
+            </a:prstGeom>
+            <a:solidFill>
+              <a:srgbClr val="FFFF00"/>
+            </a:solidFill>
+            <a:ln>
+              <a:noFill/>
+            </a:ln>
+          </p:spPr>
+          <p:style>
+            <a:lnRef idx="2">
+              <a:schemeClr val="accent1">
+                <a:shade val="50000"/>
+              </a:schemeClr>
+            </a:lnRef>
+            <a:fillRef idx="1">
+              <a:schemeClr val="accent1"/>
+            </a:fillRef>
+            <a:effectRef idx="0">
+              <a:schemeClr val="accent1"/>
+            </a:effectRef>
+            <a:fontRef idx="minor">
+              <a:schemeClr val="lt1"/>
+            </a:fontRef>
+          </p:style>
+          <p:txBody>
+            <a:bodyPr rtlCol="0" anchor="ctr"/>
+            <a:lstStyle/>
+            <a:p>
+              <a:pPr algn="ctr"/>
+              <a:endParaRPr lang="en-US" dirty="0"/>
+            </a:p>
+          </p:txBody>
+        </p:sp>
+        <p:sp>
+          <p:nvSpPr>
+            <p:cNvPr id="40" name="Rectangle 39"/>
+            <p:cNvSpPr/>
+            <p:nvPr/>
+          </p:nvSpPr>
+          <p:spPr>
+            <a:xfrm>
+              <a:off x="1523206" y="4945058"/>
+              <a:ext cx="76200" cy="76200"/>
+            </a:xfrm>
+            <a:prstGeom prst="rect">
+              <a:avLst/>
+            </a:prstGeom>
+            <a:solidFill>
+              <a:srgbClr val="FFFF00"/>
+            </a:solidFill>
+            <a:ln>
+              <a:noFill/>
+            </a:ln>
+          </p:spPr>
+          <p:style>
+            <a:lnRef idx="2">
+              <a:schemeClr val="accent1">
+                <a:shade val="50000"/>
+              </a:schemeClr>
+            </a:lnRef>
+            <a:fillRef idx="1">
+              <a:schemeClr val="accent1"/>
+            </a:fillRef>
+            <a:effectRef idx="0">
+              <a:schemeClr val="accent1"/>
+            </a:effectRef>
+            <a:fontRef idx="minor">
+              <a:schemeClr val="lt1"/>
+            </a:fontRef>
+          </p:style>
+          <p:txBody>
+            <a:bodyPr rtlCol="0" anchor="ctr"/>
+            <a:lstStyle/>
+            <a:p>
+              <a:pPr algn="ctr"/>
+              <a:endParaRPr lang="en-US" dirty="0"/>
+            </a:p>
+          </p:txBody>
+        </p:sp>
+        <p:sp>
+          <p:nvSpPr>
+            <p:cNvPr id="41" name="Rectangle 40"/>
+            <p:cNvSpPr/>
+            <p:nvPr/>
+          </p:nvSpPr>
+          <p:spPr>
+            <a:xfrm>
+              <a:off x="1613692" y="4768850"/>
+              <a:ext cx="76200" cy="76200"/>
+            </a:xfrm>
+            <a:prstGeom prst="rect">
+              <a:avLst/>
+            </a:prstGeom>
+            <a:solidFill>
+              <a:srgbClr val="FFFF00"/>
+            </a:solidFill>
+            <a:ln>
+              <a:noFill/>
+            </a:ln>
+          </p:spPr>
+          <p:style>
+            <a:lnRef idx="2">
+              <a:schemeClr val="accent1">
+                <a:shade val="50000"/>
+              </a:schemeClr>
+            </a:lnRef>
+            <a:fillRef idx="1">
+              <a:schemeClr val="accent1"/>
+            </a:fillRef>
+            <a:effectRef idx="0">
+              <a:schemeClr val="accent1"/>
+            </a:effectRef>
+            <a:fontRef idx="minor">
+              <a:schemeClr val="lt1"/>
+            </a:fontRef>
+          </p:style>
+          <p:txBody>
+            <a:bodyPr rtlCol="0" anchor="ctr"/>
+            <a:lstStyle/>
+            <a:p>
+              <a:pPr algn="ctr"/>
+              <a:endParaRPr lang="en-US"/>
+            </a:p>
+          </p:txBody>
+        </p:sp>
+        <p:sp>
+          <p:nvSpPr>
+            <p:cNvPr id="42" name="Rectangle 41"/>
+            <p:cNvSpPr/>
+            <p:nvPr/>
+          </p:nvSpPr>
+          <p:spPr>
+            <a:xfrm>
+              <a:off x="1701805" y="4768850"/>
+              <a:ext cx="76200" cy="76200"/>
+            </a:xfrm>
+            <a:prstGeom prst="rect">
+              <a:avLst/>
+            </a:prstGeom>
+            <a:solidFill>
+              <a:srgbClr val="FFFF00"/>
+            </a:solidFill>
+            <a:ln>
+              <a:noFill/>
+            </a:ln>
+          </p:spPr>
+          <p:style>
+            <a:lnRef idx="2">
+              <a:schemeClr val="accent1">
+                <a:shade val="50000"/>
+              </a:schemeClr>
+            </a:lnRef>
+            <a:fillRef idx="1">
+              <a:schemeClr val="accent1"/>
+            </a:fillRef>
+            <a:effectRef idx="0">
+              <a:schemeClr val="accent1"/>
+            </a:effectRef>
+            <a:fontRef idx="minor">
+              <a:schemeClr val="lt1"/>
+            </a:fontRef>
+          </p:style>
+          <p:txBody>
+            <a:bodyPr rtlCol="0" anchor="ctr"/>
+            <a:lstStyle/>
+            <a:p>
+              <a:pPr algn="ctr"/>
+              <a:endParaRPr lang="en-US"/>
+            </a:p>
+          </p:txBody>
+        </p:sp>
+        <p:sp>
+          <p:nvSpPr>
+            <p:cNvPr id="43" name="Rectangle 42"/>
+            <p:cNvSpPr/>
+            <p:nvPr/>
+          </p:nvSpPr>
+          <p:spPr>
+            <a:xfrm>
+              <a:off x="1523206" y="5033175"/>
+              <a:ext cx="76200" cy="76200"/>
+            </a:xfrm>
+            <a:prstGeom prst="rect">
+              <a:avLst/>
+            </a:prstGeom>
+            <a:solidFill>
+              <a:srgbClr val="FFFF00"/>
+            </a:solidFill>
+            <a:ln>
+              <a:noFill/>
+            </a:ln>
+          </p:spPr>
+          <p:style>
+            <a:lnRef idx="2">
+              <a:schemeClr val="accent1">
+                <a:shade val="50000"/>
+              </a:schemeClr>
+            </a:lnRef>
+            <a:fillRef idx="1">
+              <a:schemeClr val="accent1"/>
+            </a:fillRef>
+            <a:effectRef idx="0">
+              <a:schemeClr val="accent1"/>
+            </a:effectRef>
+            <a:fontRef idx="minor">
+              <a:schemeClr val="lt1"/>
+            </a:fontRef>
+          </p:style>
+          <p:txBody>
+            <a:bodyPr rtlCol="0" anchor="ctr"/>
+            <a:lstStyle/>
+            <a:p>
+              <a:pPr algn="ctr"/>
+              <a:endParaRPr lang="en-US"/>
+            </a:p>
+          </p:txBody>
+        </p:sp>
+        <p:sp>
+          <p:nvSpPr>
+            <p:cNvPr id="44" name="Rectangle 43"/>
+            <p:cNvSpPr/>
+            <p:nvPr/>
+          </p:nvSpPr>
+          <p:spPr>
+            <a:xfrm>
+              <a:off x="1523206" y="5121275"/>
+              <a:ext cx="76200" cy="76200"/>
+            </a:xfrm>
+            <a:prstGeom prst="rect">
+              <a:avLst/>
+            </a:prstGeom>
+            <a:solidFill>
+              <a:srgbClr val="FFFF00"/>
+            </a:solidFill>
+            <a:ln>
+              <a:noFill/>
+            </a:ln>
+          </p:spPr>
+          <p:style>
+            <a:lnRef idx="2">
+              <a:schemeClr val="accent1">
+                <a:shade val="50000"/>
+              </a:schemeClr>
+            </a:lnRef>
+            <a:fillRef idx="1">
+              <a:schemeClr val="accent1"/>
+            </a:fillRef>
+            <a:effectRef idx="0">
+              <a:schemeClr val="accent1"/>
+            </a:effectRef>
+            <a:fontRef idx="minor">
+              <a:schemeClr val="lt1"/>
+            </a:fontRef>
+          </p:style>
+          <p:txBody>
+            <a:bodyPr rtlCol="0" anchor="ctr"/>
+            <a:lstStyle/>
+            <a:p>
+              <a:pPr algn="ctr"/>
+              <a:endParaRPr lang="en-US" dirty="0"/>
+            </a:p>
+          </p:txBody>
+        </p:sp>
+        <p:sp>
+          <p:nvSpPr>
+            <p:cNvPr id="45" name="Rectangle 44"/>
+            <p:cNvSpPr/>
+            <p:nvPr/>
+          </p:nvSpPr>
+          <p:spPr>
+            <a:xfrm>
+              <a:off x="1523206" y="5209386"/>
+              <a:ext cx="76200" cy="76200"/>
+            </a:xfrm>
+            <a:prstGeom prst="rect">
+              <a:avLst/>
+            </a:prstGeom>
+            <a:solidFill>
+              <a:srgbClr val="FFFF00"/>
+            </a:solidFill>
+            <a:ln>
+              <a:noFill/>
+            </a:ln>
+          </p:spPr>
+          <p:style>
+            <a:lnRef idx="2">
+              <a:schemeClr val="accent1">
+                <a:shade val="50000"/>
+              </a:schemeClr>
+            </a:lnRef>
+            <a:fillRef idx="1">
+              <a:schemeClr val="accent1"/>
+            </a:fillRef>
+            <a:effectRef idx="0">
+              <a:schemeClr val="accent1"/>
+            </a:effectRef>
+            <a:fontRef idx="minor">
+              <a:schemeClr val="lt1"/>
+            </a:fontRef>
+          </p:style>
+          <p:txBody>
+            <a:bodyPr rtlCol="0" anchor="ctr"/>
+            <a:lstStyle/>
+            <a:p>
+              <a:pPr algn="ctr"/>
+              <a:endParaRPr lang="en-US"/>
+            </a:p>
+          </p:txBody>
+        </p:sp>
+        <p:sp>
+          <p:nvSpPr>
+            <p:cNvPr id="46" name="Rectangle 45"/>
+            <p:cNvSpPr/>
+            <p:nvPr/>
+          </p:nvSpPr>
+          <p:spPr>
+            <a:xfrm>
+              <a:off x="1523206" y="5297486"/>
+              <a:ext cx="76200" cy="76200"/>
+            </a:xfrm>
+            <a:prstGeom prst="rect">
+              <a:avLst/>
+            </a:prstGeom>
+            <a:solidFill>
+              <a:srgbClr val="FFFF00"/>
+            </a:solidFill>
+            <a:ln>
+              <a:noFill/>
+            </a:ln>
+          </p:spPr>
+          <p:style>
+            <a:lnRef idx="2">
+              <a:schemeClr val="accent1">
+                <a:shade val="50000"/>
+              </a:schemeClr>
+            </a:lnRef>
+            <a:fillRef idx="1">
+              <a:schemeClr val="accent1"/>
+            </a:fillRef>
+            <a:effectRef idx="0">
+              <a:schemeClr val="accent1"/>
+            </a:effectRef>
+            <a:fontRef idx="minor">
+              <a:schemeClr val="lt1"/>
+            </a:fontRef>
+          </p:style>
+          <p:txBody>
+            <a:bodyPr rtlCol="0" anchor="ctr"/>
+            <a:lstStyle/>
+            <a:p>
+              <a:pPr algn="ctr"/>
+              <a:endParaRPr lang="en-US" dirty="0"/>
+            </a:p>
+          </p:txBody>
+        </p:sp>
+        <p:sp>
+          <p:nvSpPr>
+            <p:cNvPr id="47" name="Rectangle 46"/>
+            <p:cNvSpPr/>
+            <p:nvPr/>
+          </p:nvSpPr>
+          <p:spPr>
+            <a:xfrm>
+              <a:off x="1523206" y="5385594"/>
+              <a:ext cx="76200" cy="76200"/>
+            </a:xfrm>
+            <a:prstGeom prst="rect">
+              <a:avLst/>
+            </a:prstGeom>
+            <a:solidFill>
+              <a:srgbClr val="FFFF00"/>
+            </a:solidFill>
+            <a:ln>
+              <a:noFill/>
+            </a:ln>
+          </p:spPr>
+          <p:style>
+            <a:lnRef idx="2">
+              <a:schemeClr val="accent1">
+                <a:shade val="50000"/>
+              </a:schemeClr>
+            </a:lnRef>
+            <a:fillRef idx="1">
+              <a:schemeClr val="accent1"/>
+            </a:fillRef>
+            <a:effectRef idx="0">
+              <a:schemeClr val="accent1"/>
+            </a:effectRef>
+            <a:fontRef idx="minor">
+              <a:schemeClr val="lt1"/>
+            </a:fontRef>
+          </p:style>
+          <p:txBody>
+            <a:bodyPr rtlCol="0" anchor="ctr"/>
+            <a:lstStyle/>
+            <a:p>
+              <a:pPr algn="ctr"/>
+              <a:endParaRPr lang="en-US" dirty="0"/>
+            </a:p>
+          </p:txBody>
+        </p:sp>
+        <p:sp>
+          <p:nvSpPr>
+            <p:cNvPr id="48" name="Rectangle 47"/>
+            <p:cNvSpPr/>
+            <p:nvPr/>
+          </p:nvSpPr>
+          <p:spPr>
+            <a:xfrm>
+              <a:off x="1523206" y="5473711"/>
+              <a:ext cx="76200" cy="76200"/>
+            </a:xfrm>
+            <a:prstGeom prst="rect">
+              <a:avLst/>
+            </a:prstGeom>
+            <a:solidFill>
+              <a:srgbClr val="FFFF00"/>
+            </a:solidFill>
+            <a:ln>
+              <a:noFill/>
+            </a:ln>
+          </p:spPr>
+          <p:style>
+            <a:lnRef idx="2">
+              <a:schemeClr val="accent1">
+                <a:shade val="50000"/>
+              </a:schemeClr>
+            </a:lnRef>
+            <a:fillRef idx="1">
+              <a:schemeClr val="accent1"/>
+            </a:fillRef>
+            <a:effectRef idx="0">
+              <a:schemeClr val="accent1"/>
+            </a:effectRef>
+            <a:fontRef idx="minor">
+              <a:schemeClr val="lt1"/>
+            </a:fontRef>
+          </p:style>
+          <p:txBody>
+            <a:bodyPr rtlCol="0" anchor="ctr"/>
+            <a:lstStyle/>
+            <a:p>
+              <a:pPr algn="ctr"/>
+              <a:endParaRPr lang="en-US"/>
+            </a:p>
+          </p:txBody>
+        </p:sp>
+        <p:sp>
+          <p:nvSpPr>
+            <p:cNvPr id="49" name="Rectangle 48"/>
+            <p:cNvSpPr/>
+            <p:nvPr/>
+          </p:nvSpPr>
+          <p:spPr>
+            <a:xfrm>
+              <a:off x="1523206" y="5562600"/>
+              <a:ext cx="76200" cy="76200"/>
+            </a:xfrm>
+            <a:prstGeom prst="rect">
+              <a:avLst/>
+            </a:prstGeom>
+            <a:solidFill>
+              <a:srgbClr val="FFFF00"/>
+            </a:solidFill>
+            <a:ln>
+              <a:noFill/>
+            </a:ln>
+          </p:spPr>
+          <p:style>
+            <a:lnRef idx="2">
+              <a:schemeClr val="accent1">
+                <a:shade val="50000"/>
+              </a:schemeClr>
+            </a:lnRef>
+            <a:fillRef idx="1">
+              <a:schemeClr val="accent1"/>
+            </a:fillRef>
+            <a:effectRef idx="0">
+              <a:schemeClr val="accent1"/>
+            </a:effectRef>
+            <a:fontRef idx="minor">
+              <a:schemeClr val="lt1"/>
+            </a:fontRef>
+          </p:style>
+          <p:txBody>
+            <a:bodyPr rtlCol="0" anchor="ctr"/>
+            <a:lstStyle/>
+            <a:p>
+              <a:pPr algn="ctr"/>
+              <a:endParaRPr lang="en-US" dirty="0"/>
+            </a:p>
+          </p:txBody>
+        </p:sp>
+        <p:sp>
+          <p:nvSpPr>
+            <p:cNvPr id="50" name="Rectangle 49"/>
+            <p:cNvSpPr/>
+            <p:nvPr/>
+          </p:nvSpPr>
+          <p:spPr>
+            <a:xfrm>
+              <a:off x="1790696" y="4768850"/>
+              <a:ext cx="76200" cy="76200"/>
+            </a:xfrm>
+            <a:prstGeom prst="rect">
+              <a:avLst/>
+            </a:prstGeom>
+            <a:solidFill>
+              <a:srgbClr val="FFFF00"/>
+            </a:solidFill>
+            <a:ln>
+              <a:noFill/>
+            </a:ln>
+          </p:spPr>
+          <p:style>
+            <a:lnRef idx="2">
+              <a:schemeClr val="accent1">
+                <a:shade val="50000"/>
+              </a:schemeClr>
+            </a:lnRef>
+            <a:fillRef idx="1">
+              <a:schemeClr val="accent1"/>
+            </a:fillRef>
+            <a:effectRef idx="0">
+              <a:schemeClr val="accent1"/>
+            </a:effectRef>
+            <a:fontRef idx="minor">
+              <a:schemeClr val="lt1"/>
+            </a:fontRef>
+          </p:style>
+          <p:txBody>
+            <a:bodyPr rtlCol="0" anchor="ctr"/>
+            <a:lstStyle/>
+            <a:p>
+              <a:pPr algn="ctr"/>
+              <a:endParaRPr lang="en-US"/>
+            </a:p>
+          </p:txBody>
+        </p:sp>
+        <p:sp>
+          <p:nvSpPr>
+            <p:cNvPr id="51" name="Rectangle 50"/>
+            <p:cNvSpPr/>
+            <p:nvPr/>
+          </p:nvSpPr>
+          <p:spPr>
+            <a:xfrm>
+              <a:off x="1878809" y="4768850"/>
+              <a:ext cx="76200" cy="76200"/>
+            </a:xfrm>
+            <a:prstGeom prst="rect">
+              <a:avLst/>
+            </a:prstGeom>
+            <a:solidFill>
+              <a:srgbClr val="FFFF00"/>
+            </a:solidFill>
+            <a:ln>
+              <a:noFill/>
+            </a:ln>
+          </p:spPr>
+          <p:style>
+            <a:lnRef idx="2">
+              <a:schemeClr val="accent1">
+                <a:shade val="50000"/>
+              </a:schemeClr>
+            </a:lnRef>
+            <a:fillRef idx="1">
+              <a:schemeClr val="accent1"/>
+            </a:fillRef>
+            <a:effectRef idx="0">
+              <a:schemeClr val="accent1"/>
+            </a:effectRef>
+            <a:fontRef idx="minor">
+              <a:schemeClr val="lt1"/>
+            </a:fontRef>
+          </p:style>
+          <p:txBody>
+            <a:bodyPr rtlCol="0" anchor="ctr"/>
+            <a:lstStyle/>
+            <a:p>
+              <a:pPr algn="ctr"/>
+              <a:endParaRPr lang="en-US"/>
+            </a:p>
+          </p:txBody>
+        </p:sp>
+        <p:sp>
+          <p:nvSpPr>
+            <p:cNvPr id="52" name="Rectangle 51"/>
+            <p:cNvSpPr/>
+            <p:nvPr/>
+          </p:nvSpPr>
+          <p:spPr>
+            <a:xfrm>
+              <a:off x="1970081" y="4768850"/>
+              <a:ext cx="76200" cy="76200"/>
+            </a:xfrm>
+            <a:prstGeom prst="rect">
+              <a:avLst/>
+            </a:prstGeom>
+            <a:solidFill>
+              <a:srgbClr val="FFFF00"/>
+            </a:solidFill>
+            <a:ln>
+              <a:noFill/>
+            </a:ln>
+          </p:spPr>
+          <p:style>
+            <a:lnRef idx="2">
+              <a:schemeClr val="accent1">
+                <a:shade val="50000"/>
+              </a:schemeClr>
+            </a:lnRef>
+            <a:fillRef idx="1">
+              <a:schemeClr val="accent1"/>
+            </a:fillRef>
+            <a:effectRef idx="0">
+              <a:schemeClr val="accent1"/>
+            </a:effectRef>
+            <a:fontRef idx="minor">
+              <a:schemeClr val="lt1"/>
+            </a:fontRef>
+          </p:style>
+          <p:txBody>
+            <a:bodyPr rtlCol="0" anchor="ctr"/>
+            <a:lstStyle/>
+            <a:p>
+              <a:pPr algn="ctr"/>
+              <a:endParaRPr lang="en-US"/>
+            </a:p>
+          </p:txBody>
+        </p:sp>
+        <p:sp>
+          <p:nvSpPr>
+            <p:cNvPr id="53" name="Rectangle 52"/>
+            <p:cNvSpPr/>
+            <p:nvPr/>
+          </p:nvSpPr>
+          <p:spPr>
+            <a:xfrm>
+              <a:off x="2058194" y="4768850"/>
+              <a:ext cx="76200" cy="76200"/>
+            </a:xfrm>
+            <a:prstGeom prst="rect">
+              <a:avLst/>
+            </a:prstGeom>
+            <a:solidFill>
+              <a:srgbClr val="FFFF00"/>
+            </a:solidFill>
+            <a:ln>
+              <a:noFill/>
+            </a:ln>
+          </p:spPr>
+          <p:style>
+            <a:lnRef idx="2">
+              <a:schemeClr val="accent1">
+                <a:shade val="50000"/>
+              </a:schemeClr>
+            </a:lnRef>
+            <a:fillRef idx="1">
+              <a:schemeClr val="accent1"/>
+            </a:fillRef>
+            <a:effectRef idx="0">
+              <a:schemeClr val="accent1"/>
+            </a:effectRef>
+            <a:fontRef idx="minor">
+              <a:schemeClr val="lt1"/>
+            </a:fontRef>
+          </p:style>
+          <p:txBody>
+            <a:bodyPr rtlCol="0" anchor="ctr"/>
+            <a:lstStyle/>
+            <a:p>
+              <a:pPr algn="ctr"/>
+              <a:endParaRPr lang="en-US"/>
+            </a:p>
+          </p:txBody>
+        </p:sp>
+        <p:sp>
+          <p:nvSpPr>
+            <p:cNvPr id="54" name="Rectangle 53"/>
+            <p:cNvSpPr/>
+            <p:nvPr/>
+          </p:nvSpPr>
+          <p:spPr>
+            <a:xfrm>
+              <a:off x="2058194" y="4856955"/>
+              <a:ext cx="76200" cy="76200"/>
+            </a:xfrm>
+            <a:prstGeom prst="rect">
+              <a:avLst/>
+            </a:prstGeom>
+            <a:solidFill>
+              <a:srgbClr val="FFFF00"/>
+            </a:solidFill>
+            <a:ln>
+              <a:noFill/>
+            </a:ln>
+          </p:spPr>
+          <p:style>
+            <a:lnRef idx="2">
+              <a:schemeClr val="accent1">
+                <a:shade val="50000"/>
+              </a:schemeClr>
+            </a:lnRef>
+            <a:fillRef idx="1">
+              <a:schemeClr val="accent1"/>
+            </a:fillRef>
+            <a:effectRef idx="0">
+              <a:schemeClr val="accent1"/>
+            </a:effectRef>
+            <a:fontRef idx="minor">
+              <a:schemeClr val="lt1"/>
+            </a:fontRef>
+          </p:style>
+          <p:txBody>
+            <a:bodyPr rtlCol="0" anchor="ctr"/>
+            <a:lstStyle/>
+            <a:p>
+              <a:pPr algn="ctr"/>
+              <a:endParaRPr lang="en-US" dirty="0"/>
+            </a:p>
+          </p:txBody>
+        </p:sp>
+        <p:sp>
+          <p:nvSpPr>
+            <p:cNvPr id="55" name="Rectangle 54"/>
+            <p:cNvSpPr/>
+            <p:nvPr/>
+          </p:nvSpPr>
+          <p:spPr>
+            <a:xfrm>
+              <a:off x="2058194" y="4945063"/>
+              <a:ext cx="76200" cy="76200"/>
+            </a:xfrm>
+            <a:prstGeom prst="rect">
+              <a:avLst/>
+            </a:prstGeom>
+            <a:solidFill>
+              <a:srgbClr val="FFFF00"/>
+            </a:solidFill>
+            <a:ln>
+              <a:noFill/>
+            </a:ln>
+          </p:spPr>
+          <p:style>
+            <a:lnRef idx="2">
+              <a:schemeClr val="accent1">
+                <a:shade val="50000"/>
+              </a:schemeClr>
+            </a:lnRef>
+            <a:fillRef idx="1">
+              <a:schemeClr val="accent1"/>
+            </a:fillRef>
+            <a:effectRef idx="0">
+              <a:schemeClr val="accent1"/>
+            </a:effectRef>
+            <a:fontRef idx="minor">
+              <a:schemeClr val="lt1"/>
+            </a:fontRef>
+          </p:style>
+          <p:txBody>
+            <a:bodyPr rtlCol="0" anchor="ctr"/>
+            <a:lstStyle/>
+            <a:p>
+              <a:pPr algn="ctr"/>
+              <a:endParaRPr lang="en-US" dirty="0"/>
+            </a:p>
+          </p:txBody>
+        </p:sp>
+        <p:sp>
+          <p:nvSpPr>
+            <p:cNvPr id="56" name="Rectangle 55"/>
+            <p:cNvSpPr/>
+            <p:nvPr/>
+          </p:nvSpPr>
+          <p:spPr>
+            <a:xfrm>
+              <a:off x="2058194" y="5036355"/>
+              <a:ext cx="76200" cy="76200"/>
+            </a:xfrm>
+            <a:prstGeom prst="rect">
+              <a:avLst/>
+            </a:prstGeom>
+            <a:solidFill>
+              <a:srgbClr val="FFFF00"/>
+            </a:solidFill>
+            <a:ln>
+              <a:noFill/>
+            </a:ln>
+          </p:spPr>
+          <p:style>
+            <a:lnRef idx="2">
+              <a:schemeClr val="accent1">
+                <a:shade val="50000"/>
+              </a:schemeClr>
+            </a:lnRef>
+            <a:fillRef idx="1">
+              <a:schemeClr val="accent1"/>
+            </a:fillRef>
+            <a:effectRef idx="0">
+              <a:schemeClr val="accent1"/>
+            </a:effectRef>
+            <a:fontRef idx="minor">
+              <a:schemeClr val="lt1"/>
+            </a:fontRef>
+          </p:style>
+          <p:txBody>
+            <a:bodyPr rtlCol="0" anchor="ctr"/>
+            <a:lstStyle/>
+            <a:p>
+              <a:pPr algn="ctr"/>
+              <a:endParaRPr lang="en-US"/>
+            </a:p>
+          </p:txBody>
+        </p:sp>
+        <p:sp>
+          <p:nvSpPr>
+            <p:cNvPr id="57" name="Rectangle 56"/>
+            <p:cNvSpPr/>
+            <p:nvPr/>
+          </p:nvSpPr>
+          <p:spPr>
+            <a:xfrm>
+              <a:off x="1969287" y="5124453"/>
+              <a:ext cx="76200" cy="76200"/>
+            </a:xfrm>
+            <a:prstGeom prst="rect">
+              <a:avLst/>
+            </a:prstGeom>
+            <a:solidFill>
+              <a:srgbClr val="FFFF00"/>
+            </a:solidFill>
+            <a:ln>
+              <a:noFill/>
+            </a:ln>
+          </p:spPr>
+          <p:style>
+            <a:lnRef idx="2">
+              <a:schemeClr val="accent1">
+                <a:shade val="50000"/>
+              </a:schemeClr>
+            </a:lnRef>
+            <a:fillRef idx="1">
+              <a:schemeClr val="accent1"/>
+            </a:fillRef>
+            <a:effectRef idx="0">
+              <a:schemeClr val="accent1"/>
+            </a:effectRef>
+            <a:fontRef idx="minor">
+              <a:schemeClr val="lt1"/>
+            </a:fontRef>
+          </p:style>
+          <p:txBody>
+            <a:bodyPr rtlCol="0" anchor="ctr"/>
+            <a:lstStyle/>
+            <a:p>
+              <a:pPr algn="ctr"/>
+              <a:endParaRPr lang="en-US"/>
+            </a:p>
+          </p:txBody>
+        </p:sp>
+        <p:sp>
+          <p:nvSpPr>
+            <p:cNvPr id="58" name="Rectangle 57"/>
+            <p:cNvSpPr/>
+            <p:nvPr/>
+          </p:nvSpPr>
+          <p:spPr>
+            <a:xfrm>
+              <a:off x="2057400" y="5124453"/>
+              <a:ext cx="76200" cy="76200"/>
+            </a:xfrm>
+            <a:prstGeom prst="rect">
+              <a:avLst/>
+            </a:prstGeom>
+            <a:solidFill>
+              <a:srgbClr val="FFFF00"/>
+            </a:solidFill>
+            <a:ln>
+              <a:noFill/>
+            </a:ln>
+          </p:spPr>
+          <p:style>
+            <a:lnRef idx="2">
+              <a:schemeClr val="accent1">
+                <a:shade val="50000"/>
+              </a:schemeClr>
+            </a:lnRef>
+            <a:fillRef idx="1">
+              <a:schemeClr val="accent1"/>
+            </a:fillRef>
+            <a:effectRef idx="0">
+              <a:schemeClr val="accent1"/>
+            </a:effectRef>
+            <a:fontRef idx="minor">
+              <a:schemeClr val="lt1"/>
+            </a:fontRef>
+          </p:style>
+          <p:txBody>
+            <a:bodyPr rtlCol="0" anchor="ctr"/>
+            <a:lstStyle/>
+            <a:p>
+              <a:pPr algn="ctr"/>
+              <a:endParaRPr lang="en-US"/>
+            </a:p>
+          </p:txBody>
+        </p:sp>
+        <p:sp>
+          <p:nvSpPr>
+            <p:cNvPr id="59" name="Rectangle 58"/>
+            <p:cNvSpPr/>
+            <p:nvPr/>
+          </p:nvSpPr>
+          <p:spPr>
+            <a:xfrm>
+              <a:off x="1675606" y="4921250"/>
+              <a:ext cx="76200" cy="76200"/>
+            </a:xfrm>
+            <a:prstGeom prst="rect">
+              <a:avLst/>
+            </a:prstGeom>
+            <a:solidFill>
+              <a:srgbClr val="FFFF00"/>
+            </a:solidFill>
+            <a:ln>
+              <a:noFill/>
+            </a:ln>
+          </p:spPr>
+          <p:style>
+            <a:lnRef idx="2">
+              <a:schemeClr val="accent1">
+                <a:shade val="50000"/>
+              </a:schemeClr>
+            </a:lnRef>
+            <a:fillRef idx="1">
+              <a:schemeClr val="accent1"/>
+            </a:fillRef>
+            <a:effectRef idx="0">
+              <a:schemeClr val="accent1"/>
+            </a:effectRef>
+            <a:fontRef idx="minor">
+              <a:schemeClr val="lt1"/>
+            </a:fontRef>
+          </p:style>
+          <p:txBody>
+            <a:bodyPr rtlCol="0" anchor="ctr"/>
+            <a:lstStyle/>
+            <a:p>
+              <a:pPr algn="ctr"/>
+              <a:endParaRPr lang="en-US"/>
+            </a:p>
+          </p:txBody>
+        </p:sp>
+        <p:sp>
+          <p:nvSpPr>
+            <p:cNvPr id="60" name="Rectangle 59"/>
+            <p:cNvSpPr/>
+            <p:nvPr/>
+          </p:nvSpPr>
+          <p:spPr>
+            <a:xfrm>
+              <a:off x="1612106" y="5562600"/>
+              <a:ext cx="76200" cy="76200"/>
+            </a:xfrm>
+            <a:prstGeom prst="rect">
+              <a:avLst/>
+            </a:prstGeom>
+            <a:solidFill>
+              <a:srgbClr val="FFFF00"/>
+            </a:solidFill>
+            <a:ln>
+              <a:noFill/>
+            </a:ln>
+          </p:spPr>
+          <p:style>
+            <a:lnRef idx="2">
+              <a:schemeClr val="accent1">
+                <a:shade val="50000"/>
+              </a:schemeClr>
+            </a:lnRef>
+            <a:fillRef idx="1">
+              <a:schemeClr val="accent1"/>
+            </a:fillRef>
+            <a:effectRef idx="0">
+              <a:schemeClr val="accent1"/>
+            </a:effectRef>
+            <a:fontRef idx="minor">
+              <a:schemeClr val="lt1"/>
+            </a:fontRef>
+          </p:style>
+          <p:txBody>
+            <a:bodyPr rtlCol="0" anchor="ctr"/>
+            <a:lstStyle/>
+            <a:p>
+              <a:pPr algn="ctr"/>
+              <a:endParaRPr lang="en-US"/>
+            </a:p>
+          </p:txBody>
+        </p:sp>
+        <p:sp>
+          <p:nvSpPr>
+            <p:cNvPr id="61" name="Rectangle 60"/>
+            <p:cNvSpPr/>
+            <p:nvPr/>
+          </p:nvSpPr>
+          <p:spPr>
+            <a:xfrm>
+              <a:off x="1700219" y="5562600"/>
+              <a:ext cx="76200" cy="76200"/>
+            </a:xfrm>
+            <a:prstGeom prst="rect">
+              <a:avLst/>
+            </a:prstGeom>
+            <a:solidFill>
+              <a:srgbClr val="FFFF00"/>
+            </a:solidFill>
+            <a:ln>
+              <a:noFill/>
+            </a:ln>
+          </p:spPr>
+          <p:style>
+            <a:lnRef idx="2">
+              <a:schemeClr val="accent1">
+                <a:shade val="50000"/>
+              </a:schemeClr>
+            </a:lnRef>
+            <a:fillRef idx="1">
+              <a:schemeClr val="accent1"/>
+            </a:fillRef>
+            <a:effectRef idx="0">
+              <a:schemeClr val="accent1"/>
+            </a:effectRef>
+            <a:fontRef idx="minor">
+              <a:schemeClr val="lt1"/>
+            </a:fontRef>
+          </p:style>
+          <p:txBody>
+            <a:bodyPr rtlCol="0" anchor="ctr"/>
+            <a:lstStyle/>
+            <a:p>
+              <a:pPr algn="ctr"/>
+              <a:endParaRPr lang="en-US"/>
+            </a:p>
+          </p:txBody>
+        </p:sp>
+        <p:sp>
+          <p:nvSpPr>
+            <p:cNvPr id="62" name="Rectangle 61"/>
+            <p:cNvSpPr/>
+            <p:nvPr/>
+          </p:nvSpPr>
+          <p:spPr>
+            <a:xfrm>
+              <a:off x="1878806" y="5124450"/>
+              <a:ext cx="76200" cy="76200"/>
+            </a:xfrm>
+            <a:prstGeom prst="rect">
+              <a:avLst/>
+            </a:prstGeom>
+            <a:solidFill>
+              <a:srgbClr val="FFFF00"/>
+            </a:solidFill>
+            <a:ln>
+              <a:noFill/>
+            </a:ln>
+          </p:spPr>
+          <p:style>
+            <a:lnRef idx="2">
+              <a:schemeClr val="accent1">
+                <a:shade val="50000"/>
+              </a:schemeClr>
+            </a:lnRef>
+            <a:fillRef idx="1">
+              <a:schemeClr val="accent1"/>
+            </a:fillRef>
+            <a:effectRef idx="0">
+              <a:schemeClr val="accent1"/>
+            </a:effectRef>
+            <a:fontRef idx="minor">
+              <a:schemeClr val="lt1"/>
+            </a:fontRef>
+          </p:style>
+          <p:txBody>
+            <a:bodyPr rtlCol="0" anchor="ctr"/>
+            <a:lstStyle/>
+            <a:p>
+              <a:pPr algn="ctr"/>
+              <a:endParaRPr lang="en-US"/>
+            </a:p>
+          </p:txBody>
+        </p:sp>
+      </p:grpSp>
+      <p:grpSp>
+        <p:nvGrpSpPr>
+          <p:cNvPr id="63" name="Group 62"/>
+          <p:cNvGrpSpPr/>
+          <p:nvPr/>
+        </p:nvGrpSpPr>
+        <p:grpSpPr>
+          <a:xfrm>
+            <a:off x="2514600" y="3505200"/>
+            <a:ext cx="3352800" cy="3352800"/>
+            <a:chOff x="8686800" y="1828800"/>
+            <a:chExt cx="3352800" cy="3352800"/>
+          </a:xfrm>
           <a:solidFill>
             <a:schemeClr val="accent2">
               <a:lumMod val="75000"/>
             </a:schemeClr>
           </a:solidFill>
-          <a:ln>
+        </p:grpSpPr>
+        <p:sp>
+          <p:nvSpPr>
+            <p:cNvPr id="64" name="Oval 63"/>
+            <p:cNvSpPr/>
+            <p:nvPr/>
+          </p:nvSpPr>
+          <p:spPr>
+            <a:xfrm>
+              <a:off x="8686800" y="1828800"/>
+              <a:ext cx="3352800" cy="3352800"/>
+            </a:xfrm>
+            <a:prstGeom prst="ellipse">
+              <a:avLst/>
+            </a:prstGeom>
+            <a:grpFill/>
+            <a:ln>
+              <a:noFill/>
+            </a:ln>
+          </p:spPr>
+          <p:style>
+            <a:lnRef idx="2">
+              <a:schemeClr val="accent1">
+                <a:shade val="50000"/>
+              </a:schemeClr>
+            </a:lnRef>
+            <a:fillRef idx="1">
+              <a:schemeClr val="accent1"/>
+            </a:fillRef>
+            <a:effectRef idx="0">
+              <a:schemeClr val="accent1"/>
+            </a:effectRef>
+            <a:fontRef idx="minor">
+              <a:schemeClr val="lt1"/>
+            </a:fontRef>
+          </p:style>
+          <p:txBody>
+            <a:bodyPr rtlCol="0" anchor="ctr"/>
+            <a:lstStyle/>
+            <a:p>
+              <a:pPr algn="ctr"/>
+              <a:endParaRPr lang="en-US" sz="3200" dirty="0" smtClean="0">
+                <a:solidFill>
+                  <a:srgbClr val="FFFF00"/>
+                </a:solidFill>
+                <a:latin typeface="Blocked" pitchFamily="2" charset="0"/>
+              </a:endParaRPr>
+            </a:p>
+            <a:p>
+              <a:pPr algn="ctr"/>
+              <a:endParaRPr lang="en-US" sz="7200" dirty="0">
+                <a:solidFill>
+                  <a:srgbClr val="00FF00"/>
+                </a:solidFill>
+                <a:latin typeface="Ananda Namaste" pitchFamily="2" charset="0"/>
+              </a:endParaRPr>
+            </a:p>
+            <a:p>
+              <a:pPr algn="ctr"/>
+              <a:endParaRPr lang="en-US" sz="700" dirty="0">
+                <a:solidFill>
+                  <a:srgbClr val="00FF00"/>
+                </a:solidFill>
+                <a:latin typeface="Ananda Namaste" pitchFamily="2" charset="0"/>
+              </a:endParaRPr>
+            </a:p>
+          </p:txBody>
+        </p:sp>
+        <p:sp>
+          <p:nvSpPr>
+            <p:cNvPr id="65" name="TextBox 64"/>
+            <p:cNvSpPr txBox="1"/>
+            <p:nvPr/>
+          </p:nvSpPr>
+          <p:spPr>
+            <a:xfrm>
+              <a:off x="8915400" y="2590800"/>
+              <a:ext cx="3048000" cy="1795363"/>
+            </a:xfrm>
+            <a:prstGeom prst="rect">
+              <a:avLst/>
+            </a:prstGeom>
             <a:noFill/>
-          </a:ln>
-        </p:spPr>
-        <p:style>
-          <a:lnRef idx="2">
-            <a:schemeClr val="accent1">
-              <a:shade val="50000"/>
-            </a:schemeClr>
-          </a:lnRef>
-          <a:fillRef idx="1">
-            <a:schemeClr val="accent1"/>
-          </a:fillRef>
-          <a:effectRef idx="0">
-            <a:schemeClr val="accent1"/>
-          </a:effectRef>
-          <a:fontRef idx="minor">
-            <a:schemeClr val="lt1"/>
-          </a:fontRef>
-        </p:style>
-        <p:txBody>
-          <a:bodyPr rtlCol="0" anchor="ctr"/>
-          <a:lstStyle/>
-          <a:p>
-            <a:pPr algn="ctr"/>
-            <a:endParaRPr lang="en-US" sz="3200" dirty="0" smtClean="0">
-              <a:solidFill>
-                <a:srgbClr val="FFFF00"/>
-              </a:solidFill>
-              <a:latin typeface="Blocked" pitchFamily="2" charset="0"/>
-            </a:endParaRPr>
-          </a:p>
-          <a:p>
-            <a:pPr algn="ctr"/>
-            <a:endParaRPr lang="en-US" sz="7200" dirty="0">
-              <a:solidFill>
-                <a:srgbClr val="00FF00"/>
-              </a:solidFill>
-              <a:latin typeface="Ananda Namaste" pitchFamily="2" charset="0"/>
-            </a:endParaRPr>
-          </a:p>
-          <a:p>
-            <a:pPr algn="ctr"/>
-            <a:endParaRPr lang="en-US" sz="700" dirty="0">
-              <a:solidFill>
-                <a:srgbClr val="00FF00"/>
-              </a:solidFill>
-              <a:latin typeface="Ananda Namaste" pitchFamily="2" charset="0"/>
-            </a:endParaRPr>
-          </a:p>
-        </p:txBody>
-      </p:sp>
-      <p:sp>
-        <p:nvSpPr>
-          <p:cNvPr id="38" name="Rectangle 37"/>
-          <p:cNvSpPr/>
-          <p:nvPr/>
-        </p:nvSpPr>
-        <p:spPr>
-          <a:xfrm>
-            <a:off x="1523206" y="4768850"/>
-            <a:ext cx="76200" cy="76200"/>
-          </a:xfrm>
-          <a:prstGeom prst="rect">
-            <a:avLst/>
-          </a:prstGeom>
-          <a:solidFill>
-            <a:srgbClr val="FFFF00"/>
-          </a:solidFill>
-          <a:ln>
-            <a:noFill/>
-          </a:ln>
-        </p:spPr>
-        <p:style>
-          <a:lnRef idx="2">
-            <a:schemeClr val="accent1">
-              <a:shade val="50000"/>
-            </a:schemeClr>
-          </a:lnRef>
-          <a:fillRef idx="1">
-            <a:schemeClr val="accent1"/>
-          </a:fillRef>
-          <a:effectRef idx="0">
-            <a:schemeClr val="accent1"/>
-          </a:effectRef>
-          <a:fontRef idx="minor">
-            <a:schemeClr val="lt1"/>
-          </a:fontRef>
-        </p:style>
-        <p:txBody>
-          <a:bodyPr rtlCol="0" anchor="ctr"/>
-          <a:lstStyle/>
-          <a:p>
-            <a:pPr algn="ctr"/>
-            <a:endParaRPr lang="en-US"/>
-          </a:p>
-        </p:txBody>
-      </p:sp>
-      <p:sp>
-        <p:nvSpPr>
-          <p:cNvPr id="39" name="Rectangle 38"/>
-          <p:cNvSpPr/>
-          <p:nvPr/>
-        </p:nvSpPr>
-        <p:spPr>
-          <a:xfrm>
-            <a:off x="1523206" y="4856950"/>
-            <a:ext cx="76200" cy="76200"/>
-          </a:xfrm>
-          <a:prstGeom prst="rect">
-            <a:avLst/>
-          </a:prstGeom>
-          <a:solidFill>
-            <a:srgbClr val="FFFF00"/>
-          </a:solidFill>
-          <a:ln>
-            <a:noFill/>
-          </a:ln>
-        </p:spPr>
-        <p:style>
-          <a:lnRef idx="2">
-            <a:schemeClr val="accent1">
-              <a:shade val="50000"/>
-            </a:schemeClr>
-          </a:lnRef>
-          <a:fillRef idx="1">
-            <a:schemeClr val="accent1"/>
-          </a:fillRef>
-          <a:effectRef idx="0">
-            <a:schemeClr val="accent1"/>
-          </a:effectRef>
-          <a:fontRef idx="minor">
-            <a:schemeClr val="lt1"/>
-          </a:fontRef>
-        </p:style>
-        <p:txBody>
-          <a:bodyPr rtlCol="0" anchor="ctr"/>
-          <a:lstStyle/>
-          <a:p>
-            <a:pPr algn="ctr"/>
-            <a:endParaRPr lang="en-US" dirty="0"/>
-          </a:p>
-        </p:txBody>
-      </p:sp>
-      <p:sp>
-        <p:nvSpPr>
-          <p:cNvPr id="40" name="Rectangle 39"/>
-          <p:cNvSpPr/>
-          <p:nvPr/>
-        </p:nvSpPr>
-        <p:spPr>
-          <a:xfrm>
-            <a:off x="1523206" y="4945058"/>
-            <a:ext cx="76200" cy="76200"/>
-          </a:xfrm>
-          <a:prstGeom prst="rect">
-            <a:avLst/>
-          </a:prstGeom>
-          <a:solidFill>
-            <a:srgbClr val="FFFF00"/>
-          </a:solidFill>
-          <a:ln>
-            <a:noFill/>
-          </a:ln>
-        </p:spPr>
-        <p:style>
-          <a:lnRef idx="2">
-            <a:schemeClr val="accent1">
-              <a:shade val="50000"/>
-            </a:schemeClr>
-          </a:lnRef>
-          <a:fillRef idx="1">
-            <a:schemeClr val="accent1"/>
-          </a:fillRef>
-          <a:effectRef idx="0">
-            <a:schemeClr val="accent1"/>
-          </a:effectRef>
-          <a:fontRef idx="minor">
-            <a:schemeClr val="lt1"/>
-          </a:fontRef>
-        </p:style>
-        <p:txBody>
-          <a:bodyPr rtlCol="0" anchor="ctr"/>
-          <a:lstStyle/>
-          <a:p>
-            <a:pPr algn="ctr"/>
-            <a:endParaRPr lang="en-US" dirty="0"/>
-          </a:p>
-        </p:txBody>
-      </p:sp>
-      <p:sp>
-        <p:nvSpPr>
-          <p:cNvPr id="41" name="Rectangle 40"/>
-          <p:cNvSpPr/>
-          <p:nvPr/>
-        </p:nvSpPr>
-        <p:spPr>
-          <a:xfrm>
-            <a:off x="1613692" y="4768850"/>
-            <a:ext cx="76200" cy="76200"/>
-          </a:xfrm>
-          <a:prstGeom prst="rect">
-            <a:avLst/>
-          </a:prstGeom>
-          <a:solidFill>
-            <a:srgbClr val="FFFF00"/>
-          </a:solidFill>
-          <a:ln>
-            <a:noFill/>
-          </a:ln>
-        </p:spPr>
-        <p:style>
-          <a:lnRef idx="2">
-            <a:schemeClr val="accent1">
-              <a:shade val="50000"/>
-            </a:schemeClr>
-          </a:lnRef>
-          <a:fillRef idx="1">
-            <a:schemeClr val="accent1"/>
-          </a:fillRef>
-          <a:effectRef idx="0">
-            <a:schemeClr val="accent1"/>
-          </a:effectRef>
-          <a:fontRef idx="minor">
-            <a:schemeClr val="lt1"/>
-          </a:fontRef>
-        </p:style>
-        <p:txBody>
-          <a:bodyPr rtlCol="0" anchor="ctr"/>
-          <a:lstStyle/>
-          <a:p>
-            <a:pPr algn="ctr"/>
-            <a:endParaRPr lang="en-US"/>
-          </a:p>
-        </p:txBody>
-      </p:sp>
-      <p:sp>
-        <p:nvSpPr>
-          <p:cNvPr id="42" name="Rectangle 41"/>
-          <p:cNvSpPr/>
-          <p:nvPr/>
-        </p:nvSpPr>
-        <p:spPr>
-          <a:xfrm>
-            <a:off x="1701805" y="4768850"/>
-            <a:ext cx="76200" cy="76200"/>
-          </a:xfrm>
-          <a:prstGeom prst="rect">
-            <a:avLst/>
-          </a:prstGeom>
-          <a:solidFill>
-            <a:srgbClr val="FFFF00"/>
-          </a:solidFill>
-          <a:ln>
-            <a:noFill/>
-          </a:ln>
-        </p:spPr>
-        <p:style>
-          <a:lnRef idx="2">
-            <a:schemeClr val="accent1">
-              <a:shade val="50000"/>
-            </a:schemeClr>
-          </a:lnRef>
-          <a:fillRef idx="1">
-            <a:schemeClr val="accent1"/>
-          </a:fillRef>
-          <a:effectRef idx="0">
-            <a:schemeClr val="accent1"/>
-          </a:effectRef>
-          <a:fontRef idx="minor">
-            <a:schemeClr val="lt1"/>
-          </a:fontRef>
-        </p:style>
-        <p:txBody>
-          <a:bodyPr rtlCol="0" anchor="ctr"/>
-          <a:lstStyle/>
-          <a:p>
-            <a:pPr algn="ctr"/>
-            <a:endParaRPr lang="en-US"/>
-          </a:p>
-        </p:txBody>
-      </p:sp>
-      <p:sp>
-        <p:nvSpPr>
-          <p:cNvPr id="43" name="Rectangle 42"/>
-          <p:cNvSpPr/>
-          <p:nvPr/>
-        </p:nvSpPr>
-        <p:spPr>
-          <a:xfrm>
-            <a:off x="1523206" y="5033175"/>
-            <a:ext cx="76200" cy="76200"/>
-          </a:xfrm>
-          <a:prstGeom prst="rect">
-            <a:avLst/>
-          </a:prstGeom>
-          <a:solidFill>
-            <a:srgbClr val="FFFF00"/>
-          </a:solidFill>
-          <a:ln>
-            <a:noFill/>
-          </a:ln>
-        </p:spPr>
-        <p:style>
-          <a:lnRef idx="2">
-            <a:schemeClr val="accent1">
-              <a:shade val="50000"/>
-            </a:schemeClr>
-          </a:lnRef>
-          <a:fillRef idx="1">
-            <a:schemeClr val="accent1"/>
-          </a:fillRef>
-          <a:effectRef idx="0">
-            <a:schemeClr val="accent1"/>
-          </a:effectRef>
-          <a:fontRef idx="minor">
-            <a:schemeClr val="lt1"/>
-          </a:fontRef>
-        </p:style>
-        <p:txBody>
-          <a:bodyPr rtlCol="0" anchor="ctr"/>
-          <a:lstStyle/>
-          <a:p>
-            <a:pPr algn="ctr"/>
-            <a:endParaRPr lang="en-US"/>
-          </a:p>
-        </p:txBody>
-      </p:sp>
-      <p:sp>
-        <p:nvSpPr>
-          <p:cNvPr id="44" name="Rectangle 43"/>
-          <p:cNvSpPr/>
-          <p:nvPr/>
-        </p:nvSpPr>
-        <p:spPr>
-          <a:xfrm>
-            <a:off x="1523206" y="5121275"/>
-            <a:ext cx="76200" cy="76200"/>
-          </a:xfrm>
-          <a:prstGeom prst="rect">
-            <a:avLst/>
-          </a:prstGeom>
-          <a:solidFill>
-            <a:srgbClr val="FFFF00"/>
-          </a:solidFill>
-          <a:ln>
-            <a:noFill/>
-          </a:ln>
-        </p:spPr>
-        <p:style>
-          <a:lnRef idx="2">
-            <a:schemeClr val="accent1">
-              <a:shade val="50000"/>
-            </a:schemeClr>
-          </a:lnRef>
-          <a:fillRef idx="1">
-            <a:schemeClr val="accent1"/>
-          </a:fillRef>
-          <a:effectRef idx="0">
-            <a:schemeClr val="accent1"/>
-          </a:effectRef>
-          <a:fontRef idx="minor">
-            <a:schemeClr val="lt1"/>
-          </a:fontRef>
-        </p:style>
-        <p:txBody>
-          <a:bodyPr rtlCol="0" anchor="ctr"/>
-          <a:lstStyle/>
-          <a:p>
-            <a:pPr algn="ctr"/>
-            <a:endParaRPr lang="en-US" dirty="0"/>
-          </a:p>
-        </p:txBody>
-      </p:sp>
-      <p:sp>
-        <p:nvSpPr>
-          <p:cNvPr id="45" name="Rectangle 44"/>
-          <p:cNvSpPr/>
-          <p:nvPr/>
-        </p:nvSpPr>
-        <p:spPr>
-          <a:xfrm>
-            <a:off x="1523206" y="5209386"/>
-            <a:ext cx="76200" cy="76200"/>
-          </a:xfrm>
-          <a:prstGeom prst="rect">
-            <a:avLst/>
-          </a:prstGeom>
-          <a:solidFill>
-            <a:srgbClr val="FFFF00"/>
-          </a:solidFill>
-          <a:ln>
-            <a:noFill/>
-          </a:ln>
-        </p:spPr>
-        <p:style>
-          <a:lnRef idx="2">
-            <a:schemeClr val="accent1">
-              <a:shade val="50000"/>
-            </a:schemeClr>
-          </a:lnRef>
-          <a:fillRef idx="1">
-            <a:schemeClr val="accent1"/>
-          </a:fillRef>
-          <a:effectRef idx="0">
-            <a:schemeClr val="accent1"/>
-          </a:effectRef>
-          <a:fontRef idx="minor">
-            <a:schemeClr val="lt1"/>
-          </a:fontRef>
-        </p:style>
-        <p:txBody>
-          <a:bodyPr rtlCol="0" anchor="ctr"/>
-          <a:lstStyle/>
-          <a:p>
-            <a:pPr algn="ctr"/>
-            <a:endParaRPr lang="en-US"/>
-          </a:p>
-        </p:txBody>
-      </p:sp>
-      <p:sp>
-        <p:nvSpPr>
-          <p:cNvPr id="46" name="Rectangle 45"/>
-          <p:cNvSpPr/>
-          <p:nvPr/>
-        </p:nvSpPr>
-        <p:spPr>
-          <a:xfrm>
-            <a:off x="1523206" y="5297486"/>
-            <a:ext cx="76200" cy="76200"/>
-          </a:xfrm>
-          <a:prstGeom prst="rect">
-            <a:avLst/>
-          </a:prstGeom>
-          <a:solidFill>
-            <a:srgbClr val="FFFF00"/>
-          </a:solidFill>
-          <a:ln>
-            <a:noFill/>
-          </a:ln>
-        </p:spPr>
-        <p:style>
-          <a:lnRef idx="2">
-            <a:schemeClr val="accent1">
-              <a:shade val="50000"/>
-            </a:schemeClr>
-          </a:lnRef>
-          <a:fillRef idx="1">
-            <a:schemeClr val="accent1"/>
-          </a:fillRef>
-          <a:effectRef idx="0">
-            <a:schemeClr val="accent1"/>
-          </a:effectRef>
-          <a:fontRef idx="minor">
-            <a:schemeClr val="lt1"/>
-          </a:fontRef>
-        </p:style>
-        <p:txBody>
-          <a:bodyPr rtlCol="0" anchor="ctr"/>
-          <a:lstStyle/>
-          <a:p>
-            <a:pPr algn="ctr"/>
-            <a:endParaRPr lang="en-US" dirty="0"/>
-          </a:p>
-        </p:txBody>
-      </p:sp>
-      <p:sp>
-        <p:nvSpPr>
-          <p:cNvPr id="47" name="Rectangle 46"/>
-          <p:cNvSpPr/>
-          <p:nvPr/>
-        </p:nvSpPr>
-        <p:spPr>
-          <a:xfrm>
-            <a:off x="1523206" y="5385594"/>
-            <a:ext cx="76200" cy="76200"/>
-          </a:xfrm>
-          <a:prstGeom prst="rect">
-            <a:avLst/>
-          </a:prstGeom>
-          <a:solidFill>
-            <a:srgbClr val="FFFF00"/>
-          </a:solidFill>
-          <a:ln>
-            <a:noFill/>
-          </a:ln>
-        </p:spPr>
-        <p:style>
-          <a:lnRef idx="2">
-            <a:schemeClr val="accent1">
-              <a:shade val="50000"/>
-            </a:schemeClr>
-          </a:lnRef>
-          <a:fillRef idx="1">
-            <a:schemeClr val="accent1"/>
-          </a:fillRef>
-          <a:effectRef idx="0">
-            <a:schemeClr val="accent1"/>
-          </a:effectRef>
-          <a:fontRef idx="minor">
-            <a:schemeClr val="lt1"/>
-          </a:fontRef>
-        </p:style>
-        <p:txBody>
-          <a:bodyPr rtlCol="0" anchor="ctr"/>
-          <a:lstStyle/>
-          <a:p>
-            <a:pPr algn="ctr"/>
-            <a:endParaRPr lang="en-US" dirty="0"/>
-          </a:p>
-        </p:txBody>
-      </p:sp>
-      <p:sp>
-        <p:nvSpPr>
-          <p:cNvPr id="48" name="Rectangle 47"/>
-          <p:cNvSpPr/>
-          <p:nvPr/>
-        </p:nvSpPr>
-        <p:spPr>
-          <a:xfrm>
-            <a:off x="1523206" y="5473711"/>
-            <a:ext cx="76200" cy="76200"/>
-          </a:xfrm>
-          <a:prstGeom prst="rect">
-            <a:avLst/>
-          </a:prstGeom>
-          <a:solidFill>
-            <a:srgbClr val="FFFF00"/>
-          </a:solidFill>
-          <a:ln>
-            <a:noFill/>
-          </a:ln>
-        </p:spPr>
-        <p:style>
-          <a:lnRef idx="2">
-            <a:schemeClr val="accent1">
-              <a:shade val="50000"/>
-            </a:schemeClr>
-          </a:lnRef>
-          <a:fillRef idx="1">
-            <a:schemeClr val="accent1"/>
-          </a:fillRef>
-          <a:effectRef idx="0">
-            <a:schemeClr val="accent1"/>
-          </a:effectRef>
-          <a:fontRef idx="minor">
-            <a:schemeClr val="lt1"/>
-          </a:fontRef>
-        </p:style>
-        <p:txBody>
-          <a:bodyPr rtlCol="0" anchor="ctr"/>
-          <a:lstStyle/>
-          <a:p>
-            <a:pPr algn="ctr"/>
-            <a:endParaRPr lang="en-US"/>
-          </a:p>
-        </p:txBody>
-      </p:sp>
-      <p:sp>
-        <p:nvSpPr>
-          <p:cNvPr id="49" name="Rectangle 48"/>
-          <p:cNvSpPr/>
-          <p:nvPr/>
-        </p:nvSpPr>
-        <p:spPr>
-          <a:xfrm>
-            <a:off x="1523206" y="5562600"/>
-            <a:ext cx="76200" cy="76200"/>
-          </a:xfrm>
-          <a:prstGeom prst="rect">
-            <a:avLst/>
-          </a:prstGeom>
-          <a:solidFill>
-            <a:srgbClr val="FFFF00"/>
-          </a:solidFill>
-          <a:ln>
-            <a:noFill/>
-          </a:ln>
-        </p:spPr>
-        <p:style>
-          <a:lnRef idx="2">
-            <a:schemeClr val="accent1">
-              <a:shade val="50000"/>
-            </a:schemeClr>
-          </a:lnRef>
-          <a:fillRef idx="1">
-            <a:schemeClr val="accent1"/>
-          </a:fillRef>
-          <a:effectRef idx="0">
-            <a:schemeClr val="accent1"/>
-          </a:effectRef>
-          <a:fontRef idx="minor">
-            <a:schemeClr val="lt1"/>
-          </a:fontRef>
-        </p:style>
-        <p:txBody>
-          <a:bodyPr rtlCol="0" anchor="ctr"/>
-          <a:lstStyle/>
-          <a:p>
-            <a:pPr algn="ctr"/>
-            <a:endParaRPr lang="en-US" dirty="0"/>
-          </a:p>
-        </p:txBody>
-      </p:sp>
-      <p:sp>
-        <p:nvSpPr>
-          <p:cNvPr id="50" name="Rectangle 49"/>
-          <p:cNvSpPr/>
-          <p:nvPr/>
-        </p:nvSpPr>
-        <p:spPr>
-          <a:xfrm>
-            <a:off x="1790696" y="4768850"/>
-            <a:ext cx="76200" cy="76200"/>
-          </a:xfrm>
-          <a:prstGeom prst="rect">
-            <a:avLst/>
-          </a:prstGeom>
-          <a:solidFill>
-            <a:srgbClr val="FFFF00"/>
-          </a:solidFill>
-          <a:ln>
-            <a:noFill/>
-          </a:ln>
-        </p:spPr>
-        <p:style>
-          <a:lnRef idx="2">
-            <a:schemeClr val="accent1">
-              <a:shade val="50000"/>
-            </a:schemeClr>
-          </a:lnRef>
-          <a:fillRef idx="1">
-            <a:schemeClr val="accent1"/>
-          </a:fillRef>
-          <a:effectRef idx="0">
-            <a:schemeClr val="accent1"/>
-          </a:effectRef>
-          <a:fontRef idx="minor">
-            <a:schemeClr val="lt1"/>
-          </a:fontRef>
-        </p:style>
-        <p:txBody>
-          <a:bodyPr rtlCol="0" anchor="ctr"/>
-          <a:lstStyle/>
-          <a:p>
-            <a:pPr algn="ctr"/>
-            <a:endParaRPr lang="en-US"/>
-          </a:p>
-        </p:txBody>
-      </p:sp>
-      <p:sp>
-        <p:nvSpPr>
-          <p:cNvPr id="51" name="Rectangle 50"/>
-          <p:cNvSpPr/>
-          <p:nvPr/>
-        </p:nvSpPr>
-        <p:spPr>
-          <a:xfrm>
-            <a:off x="1878809" y="4768850"/>
-            <a:ext cx="76200" cy="76200"/>
-          </a:xfrm>
-          <a:prstGeom prst="rect">
-            <a:avLst/>
-          </a:prstGeom>
-          <a:solidFill>
-            <a:srgbClr val="FFFF00"/>
-          </a:solidFill>
-          <a:ln>
-            <a:noFill/>
-          </a:ln>
-        </p:spPr>
-        <p:style>
-          <a:lnRef idx="2">
-            <a:schemeClr val="accent1">
-              <a:shade val="50000"/>
-            </a:schemeClr>
-          </a:lnRef>
-          <a:fillRef idx="1">
-            <a:schemeClr val="accent1"/>
-          </a:fillRef>
-          <a:effectRef idx="0">
-            <a:schemeClr val="accent1"/>
-          </a:effectRef>
-          <a:fontRef idx="minor">
-            <a:schemeClr val="lt1"/>
-          </a:fontRef>
-        </p:style>
-        <p:txBody>
-          <a:bodyPr rtlCol="0" anchor="ctr"/>
-          <a:lstStyle/>
-          <a:p>
-            <a:pPr algn="ctr"/>
-            <a:endParaRPr lang="en-US"/>
-          </a:p>
-        </p:txBody>
-      </p:sp>
-      <p:sp>
-        <p:nvSpPr>
-          <p:cNvPr id="52" name="Rectangle 51"/>
-          <p:cNvSpPr/>
-          <p:nvPr/>
-        </p:nvSpPr>
-        <p:spPr>
-          <a:xfrm>
-            <a:off x="1970081" y="4768850"/>
-            <a:ext cx="76200" cy="76200"/>
-          </a:xfrm>
-          <a:prstGeom prst="rect">
-            <a:avLst/>
-          </a:prstGeom>
-          <a:solidFill>
-            <a:srgbClr val="FFFF00"/>
-          </a:solidFill>
-          <a:ln>
-            <a:noFill/>
-          </a:ln>
-        </p:spPr>
-        <p:style>
-          <a:lnRef idx="2">
-            <a:schemeClr val="accent1">
-              <a:shade val="50000"/>
-            </a:schemeClr>
-          </a:lnRef>
-          <a:fillRef idx="1">
-            <a:schemeClr val="accent1"/>
-          </a:fillRef>
-          <a:effectRef idx="0">
-            <a:schemeClr val="accent1"/>
-          </a:effectRef>
-          <a:fontRef idx="minor">
-            <a:schemeClr val="lt1"/>
-          </a:fontRef>
-        </p:style>
-        <p:txBody>
-          <a:bodyPr rtlCol="0" anchor="ctr"/>
-          <a:lstStyle/>
-          <a:p>
-            <a:pPr algn="ctr"/>
-            <a:endParaRPr lang="en-US"/>
-          </a:p>
-        </p:txBody>
-      </p:sp>
-      <p:sp>
-        <p:nvSpPr>
-          <p:cNvPr id="53" name="Rectangle 52"/>
-          <p:cNvSpPr/>
-          <p:nvPr/>
-        </p:nvSpPr>
-        <p:spPr>
-          <a:xfrm>
-            <a:off x="2058194" y="4768850"/>
-            <a:ext cx="76200" cy="76200"/>
-          </a:xfrm>
-          <a:prstGeom prst="rect">
-            <a:avLst/>
-          </a:prstGeom>
-          <a:solidFill>
-            <a:srgbClr val="FFFF00"/>
-          </a:solidFill>
-          <a:ln>
-            <a:noFill/>
-          </a:ln>
-        </p:spPr>
-        <p:style>
-          <a:lnRef idx="2">
-            <a:schemeClr val="accent1">
-              <a:shade val="50000"/>
-            </a:schemeClr>
-          </a:lnRef>
-          <a:fillRef idx="1">
-            <a:schemeClr val="accent1"/>
-          </a:fillRef>
-          <a:effectRef idx="0">
-            <a:schemeClr val="accent1"/>
-          </a:effectRef>
-          <a:fontRef idx="minor">
-            <a:schemeClr val="lt1"/>
-          </a:fontRef>
-        </p:style>
-        <p:txBody>
-          <a:bodyPr rtlCol="0" anchor="ctr"/>
-          <a:lstStyle/>
-          <a:p>
-            <a:pPr algn="ctr"/>
-            <a:endParaRPr lang="en-US"/>
-          </a:p>
-        </p:txBody>
-      </p:sp>
-      <p:sp>
-        <p:nvSpPr>
-          <p:cNvPr id="54" name="Rectangle 53"/>
-          <p:cNvSpPr/>
-          <p:nvPr/>
-        </p:nvSpPr>
-        <p:spPr>
-          <a:xfrm>
-            <a:off x="2058194" y="4856955"/>
-            <a:ext cx="76200" cy="76200"/>
-          </a:xfrm>
-          <a:prstGeom prst="rect">
-            <a:avLst/>
-          </a:prstGeom>
-          <a:solidFill>
-            <a:srgbClr val="FFFF00"/>
-          </a:solidFill>
-          <a:ln>
-            <a:noFill/>
-          </a:ln>
-        </p:spPr>
-        <p:style>
-          <a:lnRef idx="2">
-            <a:schemeClr val="accent1">
-              <a:shade val="50000"/>
-            </a:schemeClr>
-          </a:lnRef>
-          <a:fillRef idx="1">
-            <a:schemeClr val="accent1"/>
-          </a:fillRef>
-          <a:effectRef idx="0">
-            <a:schemeClr val="accent1"/>
-          </a:effectRef>
-          <a:fontRef idx="minor">
-            <a:schemeClr val="lt1"/>
-          </a:fontRef>
-        </p:style>
-        <p:txBody>
-          <a:bodyPr rtlCol="0" anchor="ctr"/>
-          <a:lstStyle/>
-          <a:p>
-            <a:pPr algn="ctr"/>
-            <a:endParaRPr lang="en-US" dirty="0"/>
-          </a:p>
-        </p:txBody>
-      </p:sp>
-      <p:sp>
-        <p:nvSpPr>
-          <p:cNvPr id="55" name="Rectangle 54"/>
-          <p:cNvSpPr/>
-          <p:nvPr/>
-        </p:nvSpPr>
-        <p:spPr>
-          <a:xfrm>
-            <a:off x="2058194" y="4945063"/>
-            <a:ext cx="76200" cy="76200"/>
-          </a:xfrm>
-          <a:prstGeom prst="rect">
-            <a:avLst/>
-          </a:prstGeom>
-          <a:solidFill>
-            <a:srgbClr val="FFFF00"/>
-          </a:solidFill>
-          <a:ln>
-            <a:noFill/>
-          </a:ln>
-        </p:spPr>
-        <p:style>
-          <a:lnRef idx="2">
-            <a:schemeClr val="accent1">
-              <a:shade val="50000"/>
-            </a:schemeClr>
-          </a:lnRef>
-          <a:fillRef idx="1">
-            <a:schemeClr val="accent1"/>
-          </a:fillRef>
-          <a:effectRef idx="0">
-            <a:schemeClr val="accent1"/>
-          </a:effectRef>
-          <a:fontRef idx="minor">
-            <a:schemeClr val="lt1"/>
-          </a:fontRef>
-        </p:style>
-        <p:txBody>
-          <a:bodyPr rtlCol="0" anchor="ctr"/>
-          <a:lstStyle/>
-          <a:p>
-            <a:pPr algn="ctr"/>
-            <a:endParaRPr lang="en-US" dirty="0"/>
-          </a:p>
-        </p:txBody>
-      </p:sp>
-      <p:sp>
-        <p:nvSpPr>
-          <p:cNvPr id="56" name="Rectangle 55"/>
-          <p:cNvSpPr/>
-          <p:nvPr/>
-        </p:nvSpPr>
-        <p:spPr>
-          <a:xfrm>
-            <a:off x="2058194" y="5036355"/>
-            <a:ext cx="76200" cy="76200"/>
-          </a:xfrm>
-          <a:prstGeom prst="rect">
-            <a:avLst/>
-          </a:prstGeom>
-          <a:solidFill>
-            <a:srgbClr val="FFFF00"/>
-          </a:solidFill>
-          <a:ln>
-            <a:noFill/>
-          </a:ln>
-        </p:spPr>
-        <p:style>
-          <a:lnRef idx="2">
-            <a:schemeClr val="accent1">
-              <a:shade val="50000"/>
-            </a:schemeClr>
-          </a:lnRef>
-          <a:fillRef idx="1">
-            <a:schemeClr val="accent1"/>
-          </a:fillRef>
-          <a:effectRef idx="0">
-            <a:schemeClr val="accent1"/>
-          </a:effectRef>
-          <a:fontRef idx="minor">
-            <a:schemeClr val="lt1"/>
-          </a:fontRef>
-        </p:style>
-        <p:txBody>
-          <a:bodyPr rtlCol="0" anchor="ctr"/>
-          <a:lstStyle/>
-          <a:p>
-            <a:pPr algn="ctr"/>
-            <a:endParaRPr lang="en-US"/>
-          </a:p>
-        </p:txBody>
-      </p:sp>
-      <p:sp>
-        <p:nvSpPr>
-          <p:cNvPr id="57" name="Rectangle 56"/>
-          <p:cNvSpPr/>
-          <p:nvPr/>
-        </p:nvSpPr>
-        <p:spPr>
-          <a:xfrm>
-            <a:off x="1969287" y="5124453"/>
-            <a:ext cx="76200" cy="76200"/>
-          </a:xfrm>
-          <a:prstGeom prst="rect">
-            <a:avLst/>
-          </a:prstGeom>
-          <a:solidFill>
-            <a:srgbClr val="FFFF00"/>
-          </a:solidFill>
-          <a:ln>
-            <a:noFill/>
-          </a:ln>
-        </p:spPr>
-        <p:style>
-          <a:lnRef idx="2">
-            <a:schemeClr val="accent1">
-              <a:shade val="50000"/>
-            </a:schemeClr>
-          </a:lnRef>
-          <a:fillRef idx="1">
-            <a:schemeClr val="accent1"/>
-          </a:fillRef>
-          <a:effectRef idx="0">
-            <a:schemeClr val="accent1"/>
-          </a:effectRef>
-          <a:fontRef idx="minor">
-            <a:schemeClr val="lt1"/>
-          </a:fontRef>
-        </p:style>
-        <p:txBody>
-          <a:bodyPr rtlCol="0" anchor="ctr"/>
-          <a:lstStyle/>
-          <a:p>
-            <a:pPr algn="ctr"/>
-            <a:endParaRPr lang="en-US"/>
-          </a:p>
-        </p:txBody>
-      </p:sp>
-      <p:sp>
-        <p:nvSpPr>
-          <p:cNvPr id="58" name="Rectangle 57"/>
-          <p:cNvSpPr/>
-          <p:nvPr/>
-        </p:nvSpPr>
-        <p:spPr>
-          <a:xfrm>
-            <a:off x="2057400" y="5124453"/>
-            <a:ext cx="76200" cy="76200"/>
-          </a:xfrm>
-          <a:prstGeom prst="rect">
-            <a:avLst/>
-          </a:prstGeom>
-          <a:solidFill>
-            <a:srgbClr val="FFFF00"/>
-          </a:solidFill>
-          <a:ln>
-            <a:noFill/>
-          </a:ln>
-        </p:spPr>
-        <p:style>
-          <a:lnRef idx="2">
-            <a:schemeClr val="accent1">
-              <a:shade val="50000"/>
-            </a:schemeClr>
-          </a:lnRef>
-          <a:fillRef idx="1">
-            <a:schemeClr val="accent1"/>
-          </a:fillRef>
-          <a:effectRef idx="0">
-            <a:schemeClr val="accent1"/>
-          </a:effectRef>
-          <a:fontRef idx="minor">
-            <a:schemeClr val="lt1"/>
-          </a:fontRef>
-        </p:style>
-        <p:txBody>
-          <a:bodyPr rtlCol="0" anchor="ctr"/>
-          <a:lstStyle/>
-          <a:p>
-            <a:pPr algn="ctr"/>
-            <a:endParaRPr lang="en-US"/>
-          </a:p>
-        </p:txBody>
-      </p:sp>
-      <p:sp>
-        <p:nvSpPr>
-          <p:cNvPr id="59" name="Rectangle 58"/>
-          <p:cNvSpPr/>
-          <p:nvPr/>
-        </p:nvSpPr>
-        <p:spPr>
-          <a:xfrm>
-            <a:off x="1675606" y="4921250"/>
-            <a:ext cx="76200" cy="76200"/>
-          </a:xfrm>
-          <a:prstGeom prst="rect">
-            <a:avLst/>
-          </a:prstGeom>
-          <a:solidFill>
-            <a:srgbClr val="FFFF00"/>
-          </a:solidFill>
-          <a:ln>
-            <a:noFill/>
-          </a:ln>
-        </p:spPr>
-        <p:style>
-          <a:lnRef idx="2">
-            <a:schemeClr val="accent1">
-              <a:shade val="50000"/>
-            </a:schemeClr>
-          </a:lnRef>
-          <a:fillRef idx="1">
-            <a:schemeClr val="accent1"/>
-          </a:fillRef>
-          <a:effectRef idx="0">
-            <a:schemeClr val="accent1"/>
-          </a:effectRef>
-          <a:fontRef idx="minor">
-            <a:schemeClr val="lt1"/>
-          </a:fontRef>
-        </p:style>
-        <p:txBody>
-          <a:bodyPr rtlCol="0" anchor="ctr"/>
-          <a:lstStyle/>
-          <a:p>
-            <a:pPr algn="ctr"/>
-            <a:endParaRPr lang="en-US"/>
-          </a:p>
-        </p:txBody>
-      </p:sp>
-      <p:sp>
-        <p:nvSpPr>
-          <p:cNvPr id="60" name="Rectangle 59"/>
-          <p:cNvSpPr/>
-          <p:nvPr/>
-        </p:nvSpPr>
-        <p:spPr>
-          <a:xfrm>
-            <a:off x="1612106" y="5562600"/>
-            <a:ext cx="76200" cy="76200"/>
-          </a:xfrm>
-          <a:prstGeom prst="rect">
-            <a:avLst/>
-          </a:prstGeom>
-          <a:solidFill>
-            <a:srgbClr val="FFFF00"/>
-          </a:solidFill>
-          <a:ln>
-            <a:noFill/>
-          </a:ln>
-        </p:spPr>
-        <p:style>
-          <a:lnRef idx="2">
-            <a:schemeClr val="accent1">
-              <a:shade val="50000"/>
-            </a:schemeClr>
-          </a:lnRef>
-          <a:fillRef idx="1">
-            <a:schemeClr val="accent1"/>
-          </a:fillRef>
-          <a:effectRef idx="0">
-            <a:schemeClr val="accent1"/>
-          </a:effectRef>
-          <a:fontRef idx="minor">
-            <a:schemeClr val="lt1"/>
-          </a:fontRef>
-        </p:style>
-        <p:txBody>
-          <a:bodyPr rtlCol="0" anchor="ctr"/>
-          <a:lstStyle/>
-          <a:p>
-            <a:pPr algn="ctr"/>
-            <a:endParaRPr lang="en-US"/>
-          </a:p>
-        </p:txBody>
-      </p:sp>
-      <p:sp>
-        <p:nvSpPr>
-          <p:cNvPr id="61" name="Rectangle 60"/>
-          <p:cNvSpPr/>
-          <p:nvPr/>
-        </p:nvSpPr>
-        <p:spPr>
-          <a:xfrm>
-            <a:off x="1700219" y="5562600"/>
-            <a:ext cx="76200" cy="76200"/>
-          </a:xfrm>
-          <a:prstGeom prst="rect">
-            <a:avLst/>
-          </a:prstGeom>
-          <a:solidFill>
-            <a:srgbClr val="FFFF00"/>
-          </a:solidFill>
-          <a:ln>
-            <a:noFill/>
-          </a:ln>
-        </p:spPr>
-        <p:style>
-          <a:lnRef idx="2">
-            <a:schemeClr val="accent1">
-              <a:shade val="50000"/>
-            </a:schemeClr>
-          </a:lnRef>
-          <a:fillRef idx="1">
-            <a:schemeClr val="accent1"/>
-          </a:fillRef>
-          <a:effectRef idx="0">
-            <a:schemeClr val="accent1"/>
-          </a:effectRef>
-          <a:fontRef idx="minor">
-            <a:schemeClr val="lt1"/>
-          </a:fontRef>
-        </p:style>
-        <p:txBody>
-          <a:bodyPr rtlCol="0" anchor="ctr"/>
-          <a:lstStyle/>
-          <a:p>
-            <a:pPr algn="ctr"/>
-            <a:endParaRPr lang="en-US"/>
-          </a:p>
-        </p:txBody>
-      </p:sp>
-      <p:sp>
-        <p:nvSpPr>
-          <p:cNvPr id="62" name="Rectangle 61"/>
-          <p:cNvSpPr/>
-          <p:nvPr/>
-        </p:nvSpPr>
-        <p:spPr>
-          <a:xfrm>
-            <a:off x="1878806" y="5124450"/>
-            <a:ext cx="76200" cy="76200"/>
-          </a:xfrm>
-          <a:prstGeom prst="rect">
-            <a:avLst/>
-          </a:prstGeom>
-          <a:solidFill>
-            <a:srgbClr val="FFFF00"/>
-          </a:solidFill>
-          <a:ln>
-            <a:noFill/>
-          </a:ln>
-        </p:spPr>
-        <p:style>
-          <a:lnRef idx="2">
-            <a:schemeClr val="accent1">
-              <a:shade val="50000"/>
-            </a:schemeClr>
-          </a:lnRef>
-          <a:fillRef idx="1">
-            <a:schemeClr val="accent1"/>
-          </a:fillRef>
-          <a:effectRef idx="0">
-            <a:schemeClr val="accent1"/>
-          </a:effectRef>
-          <a:fontRef idx="minor">
-            <a:schemeClr val="lt1"/>
-          </a:fontRef>
-        </p:style>
-        <p:txBody>
-          <a:bodyPr rtlCol="0" anchor="ctr"/>
-          <a:lstStyle/>
-          <a:p>
-            <a:pPr algn="ctr"/>
-            <a:endParaRPr lang="en-US"/>
-          </a:p>
-        </p:txBody>
-      </p:sp>
+          </p:spPr>
+          <p:txBody>
+            <a:bodyPr wrap="square" rtlCol="0">
+              <a:spAutoFit/>
+            </a:bodyPr>
+            <a:lstStyle/>
+            <a:p>
+              <a:r>
+                <a:rPr lang="en-US" sz="9600" dirty="0" smtClean="0">
+                  <a:solidFill>
+                    <a:srgbClr val="FFFF99"/>
+                  </a:solidFill>
+                  <a:latin typeface="Adobe Caslon Pro Bold" pitchFamily="18" charset="0"/>
+                </a:rPr>
+                <a:t>   (</a:t>
+              </a:r>
+              <a:r>
+                <a:rPr lang="en-US" sz="16600" baseline="-25000" dirty="0" smtClean="0">
+                  <a:solidFill>
+                    <a:srgbClr val="FFFF99"/>
+                  </a:solidFill>
+                  <a:latin typeface="Adobe Caslon Pro Bold" pitchFamily="18" charset="0"/>
+                </a:rPr>
+                <a:t>;</a:t>
+              </a:r>
+              <a:r>
+                <a:rPr lang="en-US" sz="9600" dirty="0" smtClean="0">
+                  <a:solidFill>
+                    <a:srgbClr val="FFFF99"/>
+                  </a:solidFill>
+                  <a:latin typeface="Adobe Caslon Pro Bold" pitchFamily="18" charset="0"/>
+                </a:rPr>
+                <a:t>}</a:t>
+              </a:r>
+              <a:endParaRPr lang="en-US" sz="2000" dirty="0">
+                <a:solidFill>
+                  <a:srgbClr val="00FF00"/>
+                </a:solidFill>
+              </a:endParaRPr>
+            </a:p>
+          </p:txBody>
+        </p:sp>
+      </p:grpSp>
     </p:spTree>
   </p:cSld>
   <p:clrMapOvr>
@@ -17473,7 +17632,7 @@
             <a:blip r:embed="rId4" cstate="print">
               <a:extLst>
                 <a:ext uri="{28A0092B-C50C-407E-A947-70E740481C1C}">
-                  <a14:useLocalDpi xmlns:a14="http://schemas.microsoft.com/office/drawing/2010/main" xmlns="" val="0"/>
+                  <a14:useLocalDpi xmlns="" xmlns:a14="http://schemas.microsoft.com/office/drawing/2010/main" val="0"/>
                 </a:ext>
               </a:extLst>
             </a:blip>
@@ -17493,7 +17652,7 @@
             <a:noFill/>
             <a:extLst>
               <a:ext uri="{909E8E84-426E-40DD-AFC4-6F175D3DCCD1}">
-                <a14:hiddenFill xmlns:a14="http://schemas.microsoft.com/office/drawing/2010/main" xmlns="">
+                <a14:hiddenFill xmlns="" xmlns:a14="http://schemas.microsoft.com/office/drawing/2010/main">
                   <a:solidFill>
                     <a:srgbClr val="FFFFFF"/>
                   </a:solidFill>
@@ -17940,7 +18099,7 @@
             <a:blip r:embed="rId6" cstate="print">
               <a:extLst>
                 <a:ext uri="{28A0092B-C50C-407E-A947-70E740481C1C}">
-                  <a14:useLocalDpi xmlns:a14="http://schemas.microsoft.com/office/drawing/2010/main" xmlns="" val="0"/>
+                  <a14:useLocalDpi xmlns="" xmlns:a14="http://schemas.microsoft.com/office/drawing/2010/main" val="0"/>
                 </a:ext>
               </a:extLst>
             </a:blip>
@@ -17960,7 +18119,7 @@
             <a:noFill/>
             <a:extLst>
               <a:ext uri="{909E8E84-426E-40DD-AFC4-6F175D3DCCD1}">
-                <a14:hiddenFill xmlns:a14="http://schemas.microsoft.com/office/drawing/2010/main" xmlns="">
+                <a14:hiddenFill xmlns="" xmlns:a14="http://schemas.microsoft.com/office/drawing/2010/main">
                   <a:solidFill>
                     <a:srgbClr val="FFFFFF"/>
                   </a:solidFill>
@@ -20164,7 +20323,7 @@
               <a:blip r:embed="rId6" cstate="print">
                 <a:extLst>
                   <a:ext uri="{28A0092B-C50C-407E-A947-70E740481C1C}">
-                    <a14:useLocalDpi xmlns:a14="http://schemas.microsoft.com/office/drawing/2010/main" xmlns="" val="0"/>
+                    <a14:useLocalDpi xmlns="" xmlns:a14="http://schemas.microsoft.com/office/drawing/2010/main" val="0"/>
                   </a:ext>
                 </a:extLst>
               </a:blip>
@@ -20184,7 +20343,7 @@
               <a:noFill/>
               <a:extLst>
                 <a:ext uri="{909E8E84-426E-40DD-AFC4-6F175D3DCCD1}">
-                  <a14:hiddenFill xmlns:a14="http://schemas.microsoft.com/office/drawing/2010/main" xmlns="">
+                  <a14:hiddenFill xmlns="" xmlns:a14="http://schemas.microsoft.com/office/drawing/2010/main">
                     <a:solidFill>
                       <a:srgbClr val="FFFFFF"/>
                     </a:solidFill>
@@ -27384,7 +27543,7 @@
               <a:blip r:embed="rId8" cstate="print">
                 <a:extLst>
                   <a:ext uri="{28A0092B-C50C-407E-A947-70E740481C1C}">
-                    <a14:useLocalDpi xmlns:a14="http://schemas.microsoft.com/office/drawing/2010/main" xmlns="" val="0"/>
+                    <a14:useLocalDpi xmlns="" xmlns:a14="http://schemas.microsoft.com/office/drawing/2010/main" val="0"/>
                   </a:ext>
                 </a:extLst>
               </a:blip>
@@ -27404,7 +27563,7 @@
               <a:noFill/>
               <a:extLst>
                 <a:ext uri="{909E8E84-426E-40DD-AFC4-6F175D3DCCD1}">
-                  <a14:hiddenFill xmlns:a14="http://schemas.microsoft.com/office/drawing/2010/main" xmlns="">
+                  <a14:hiddenFill xmlns="" xmlns:a14="http://schemas.microsoft.com/office/drawing/2010/main">
                     <a:solidFill>
                       <a:srgbClr val="FFFFFF"/>
                     </a:solidFill>
@@ -27872,7 +28031,7 @@
             <a:blip r:embed="rId8" cstate="print">
               <a:extLst>
                 <a:ext uri="{28A0092B-C50C-407E-A947-70E740481C1C}">
-                  <a14:useLocalDpi xmlns:a14="http://schemas.microsoft.com/office/drawing/2010/main" xmlns="" val="0"/>
+                  <a14:useLocalDpi xmlns="" xmlns:a14="http://schemas.microsoft.com/office/drawing/2010/main" val="0"/>
                 </a:ext>
               </a:extLst>
             </a:blip>
@@ -27892,7 +28051,7 @@
             <a:noFill/>
             <a:extLst>
               <a:ext uri="{909E8E84-426E-40DD-AFC4-6F175D3DCCD1}">
-                <a14:hiddenFill xmlns:a14="http://schemas.microsoft.com/office/drawing/2010/main" xmlns="">
+                <a14:hiddenFill xmlns="" xmlns:a14="http://schemas.microsoft.com/office/drawing/2010/main">
                   <a:solidFill>
                     <a:srgbClr val="FFFFFF"/>
                   </a:solidFill>
@@ -32455,7 +32614,7 @@
           <a:blip r:embed="rId2" cstate="print">
             <a:extLst>
               <a:ext uri="{28A0092B-C50C-407E-A947-70E740481C1C}">
-                <a14:useLocalDpi xmlns="" xmlns:a14="http://schemas.microsoft.com/office/drawing/2010/main" val="0"/>
+                <a14:useLocalDpi xmlns:a14="http://schemas.microsoft.com/office/drawing/2010/main" xmlns="" val="0"/>
               </a:ext>
             </a:extLst>
           </a:blip>
@@ -32484,14 +32643,14 @@
           </a:effectLst>
           <a:extLst>
             <a:ext uri="{909E8E84-426E-40DD-AFC4-6F175D3DCCD1}">
-              <a14:hiddenFill xmlns="" xmlns:a14="http://schemas.microsoft.com/office/drawing/2010/main">
+              <a14:hiddenFill xmlns:a14="http://schemas.microsoft.com/office/drawing/2010/main" xmlns="">
                 <a:solidFill>
                   <a:schemeClr val="accent1"/>
                 </a:solidFill>
               </a14:hiddenFill>
             </a:ext>
             <a:ext uri="{91240B29-F687-4F45-9708-019B960494DF}">
-              <a14:hiddenLine xmlns="" xmlns:a14="http://schemas.microsoft.com/office/drawing/2010/main" w="9525">
+              <a14:hiddenLine xmlns:a14="http://schemas.microsoft.com/office/drawing/2010/main" xmlns="" w="9525">
                 <a:solidFill>
                   <a:schemeClr val="tx1"/>
                 </a:solidFill>

--- a/HMSWebTest-Pen/Assets/Images/hmsgraphics.pptx
+++ b/HMSWebTest-Pen/Assets/Images/hmsgraphics.pptx
@@ -5,7 +5,7 @@
     <p:sldMasterId id="2147483648" r:id="rId1"/>
   </p:sldMasterIdLst>
   <p:notesMasterIdLst>
-    <p:notesMasterId r:id="rId20"/>
+    <p:notesMasterId r:id="rId21"/>
   </p:notesMasterIdLst>
   <p:sldIdLst>
     <p:sldId id="256" r:id="rId2"/>
@@ -25,7 +25,8 @@
     <p:sldId id="268" r:id="rId16"/>
     <p:sldId id="273" r:id="rId17"/>
     <p:sldId id="269" r:id="rId18"/>
-    <p:sldId id="272" r:id="rId19"/>
+    <p:sldId id="274" r:id="rId19"/>
+    <p:sldId id="272" r:id="rId20"/>
   </p:sldIdLst>
   <p:sldSz cx="9144000" cy="6858000" type="screen4x3"/>
   <p:notesSz cx="6858000" cy="9144000"/>
@@ -210,7 +211,7 @@
             <a:fld id="{6153BB3E-9447-4512-867E-C40997E12B5B}" type="datetimeFigureOut">
               <a:rPr lang="en-US" smtClean="0"/>
               <a:pPr/>
-              <a:t>5/26/2017</a:t>
+              <a:t>6/3/2017</a:t>
             </a:fld>
             <a:endParaRPr lang="en-US"/>
           </a:p>
@@ -740,7 +741,7 @@
             <a:fld id="{090B515E-C25E-45EE-BA79-D334A31660AC}" type="datetimeFigureOut">
               <a:rPr lang="en-US" smtClean="0"/>
               <a:pPr/>
-              <a:t>5/26/2017</a:t>
+              <a:t>6/3/2017</a:t>
             </a:fld>
             <a:endParaRPr lang="en-US"/>
           </a:p>
@@ -907,7 +908,7 @@
             <a:fld id="{090B515E-C25E-45EE-BA79-D334A31660AC}" type="datetimeFigureOut">
               <a:rPr lang="en-US" smtClean="0"/>
               <a:pPr/>
-              <a:t>5/26/2017</a:t>
+              <a:t>6/3/2017</a:t>
             </a:fld>
             <a:endParaRPr lang="en-US"/>
           </a:p>
@@ -1084,7 +1085,7 @@
             <a:fld id="{090B515E-C25E-45EE-BA79-D334A31660AC}" type="datetimeFigureOut">
               <a:rPr lang="en-US" smtClean="0"/>
               <a:pPr/>
-              <a:t>5/26/2017</a:t>
+              <a:t>6/3/2017</a:t>
             </a:fld>
             <a:endParaRPr lang="en-US"/>
           </a:p>
@@ -1251,7 +1252,7 @@
             <a:fld id="{090B515E-C25E-45EE-BA79-D334A31660AC}" type="datetimeFigureOut">
               <a:rPr lang="en-US" smtClean="0"/>
               <a:pPr/>
-              <a:t>5/26/2017</a:t>
+              <a:t>6/3/2017</a:t>
             </a:fld>
             <a:endParaRPr lang="en-US"/>
           </a:p>
@@ -1494,7 +1495,7 @@
             <a:fld id="{090B515E-C25E-45EE-BA79-D334A31660AC}" type="datetimeFigureOut">
               <a:rPr lang="en-US" smtClean="0"/>
               <a:pPr/>
-              <a:t>5/26/2017</a:t>
+              <a:t>6/3/2017</a:t>
             </a:fld>
             <a:endParaRPr lang="en-US"/>
           </a:p>
@@ -1779,7 +1780,7 @@
             <a:fld id="{090B515E-C25E-45EE-BA79-D334A31660AC}" type="datetimeFigureOut">
               <a:rPr lang="en-US" smtClean="0"/>
               <a:pPr/>
-              <a:t>5/26/2017</a:t>
+              <a:t>6/3/2017</a:t>
             </a:fld>
             <a:endParaRPr lang="en-US"/>
           </a:p>
@@ -2198,7 +2199,7 @@
             <a:fld id="{090B515E-C25E-45EE-BA79-D334A31660AC}" type="datetimeFigureOut">
               <a:rPr lang="en-US" smtClean="0"/>
               <a:pPr/>
-              <a:t>5/26/2017</a:t>
+              <a:t>6/3/2017</a:t>
             </a:fld>
             <a:endParaRPr lang="en-US"/>
           </a:p>
@@ -2313,7 +2314,7 @@
             <a:fld id="{090B515E-C25E-45EE-BA79-D334A31660AC}" type="datetimeFigureOut">
               <a:rPr lang="en-US" smtClean="0"/>
               <a:pPr/>
-              <a:t>5/26/2017</a:t>
+              <a:t>6/3/2017</a:t>
             </a:fld>
             <a:endParaRPr lang="en-US"/>
           </a:p>
@@ -2405,7 +2406,7 @@
             <a:fld id="{090B515E-C25E-45EE-BA79-D334A31660AC}" type="datetimeFigureOut">
               <a:rPr lang="en-US" smtClean="0"/>
               <a:pPr/>
-              <a:t>5/26/2017</a:t>
+              <a:t>6/3/2017</a:t>
             </a:fld>
             <a:endParaRPr lang="en-US"/>
           </a:p>
@@ -2679,7 +2680,7 @@
             <a:fld id="{090B515E-C25E-45EE-BA79-D334A31660AC}" type="datetimeFigureOut">
               <a:rPr lang="en-US" smtClean="0"/>
               <a:pPr/>
-              <a:t>5/26/2017</a:t>
+              <a:t>6/3/2017</a:t>
             </a:fld>
             <a:endParaRPr lang="en-US"/>
           </a:p>
@@ -2929,7 +2930,7 @@
             <a:fld id="{090B515E-C25E-45EE-BA79-D334A31660AC}" type="datetimeFigureOut">
               <a:rPr lang="en-US" smtClean="0"/>
               <a:pPr/>
-              <a:t>5/26/2017</a:t>
+              <a:t>6/3/2017</a:t>
             </a:fld>
             <a:endParaRPr lang="en-US"/>
           </a:p>
@@ -3139,7 +3140,7 @@
             <a:fld id="{090B515E-C25E-45EE-BA79-D334A31660AC}" type="datetimeFigureOut">
               <a:rPr lang="en-US" smtClean="0"/>
               <a:pPr/>
-              <a:t>5/26/2017</a:t>
+              <a:t>6/3/2017</a:t>
             </a:fld>
             <a:endParaRPr lang="en-US"/>
           </a:p>
@@ -3977,7 +3978,7 @@
             <a:blip r:embed="rId2" cstate="print">
               <a:extLst>
                 <a:ext uri="{28A0092B-C50C-407E-A947-70E740481C1C}">
-                  <a14:useLocalDpi xmlns="" xmlns:a14="http://schemas.microsoft.com/office/drawing/2010/main" val="0"/>
+                  <a14:useLocalDpi xmlns:a14="http://schemas.microsoft.com/office/drawing/2010/main" xmlns="" val="0"/>
                 </a:ext>
               </a:extLst>
             </a:blip>
@@ -3997,7 +3998,7 @@
             <a:noFill/>
             <a:extLst>
               <a:ext uri="{909E8E84-426E-40DD-AFC4-6F175D3DCCD1}">
-                <a14:hiddenFill xmlns="" xmlns:a14="http://schemas.microsoft.com/office/drawing/2010/main">
+                <a14:hiddenFill xmlns:a14="http://schemas.microsoft.com/office/drawing/2010/main" xmlns="">
                   <a:solidFill>
                     <a:srgbClr val="FFFFFF"/>
                   </a:solidFill>
@@ -4080,7 +4081,7 @@
             <a:blip r:embed="rId3" cstate="print">
               <a:extLst>
                 <a:ext uri="{28A0092B-C50C-407E-A947-70E740481C1C}">
-                  <a14:useLocalDpi xmlns="" xmlns:a14="http://schemas.microsoft.com/office/drawing/2010/main" val="0"/>
+                  <a14:useLocalDpi xmlns:a14="http://schemas.microsoft.com/office/drawing/2010/main" xmlns="" val="0"/>
                 </a:ext>
               </a:extLst>
             </a:blip>
@@ -4100,7 +4101,7 @@
             <a:noFill/>
             <a:extLst>
               <a:ext uri="{909E8E84-426E-40DD-AFC4-6F175D3DCCD1}">
-                <a14:hiddenFill xmlns="" xmlns:a14="http://schemas.microsoft.com/office/drawing/2010/main">
+                <a14:hiddenFill xmlns:a14="http://schemas.microsoft.com/office/drawing/2010/main" xmlns="">
                   <a:solidFill>
                     <a:srgbClr val="FFFFFF"/>
                   </a:solidFill>
@@ -7083,7 +7084,7 @@
     </p:spTree>
     <p:extLst>
       <p:ext uri="{BB962C8B-B14F-4D97-AF65-F5344CB8AC3E}">
-        <p14:creationId xmlns="" xmlns:p14="http://schemas.microsoft.com/office/powerpoint/2010/main" val="1874106700"/>
+        <p14:creationId xmlns:p14="http://schemas.microsoft.com/office/powerpoint/2010/main" xmlns="" val="1874106700"/>
       </p:ext>
     </p:extLst>
   </p:cSld>
@@ -7756,7 +7757,7 @@
           <a:blip r:embed="rId2" cstate="print">
             <a:extLst>
               <a:ext uri="{28A0092B-C50C-407E-A947-70E740481C1C}">
-                <a14:useLocalDpi xmlns:a14="http://schemas.microsoft.com/office/drawing/2010/main" xmlns="" val="0"/>
+                <a14:useLocalDpi xmlns="" xmlns:a14="http://schemas.microsoft.com/office/drawing/2010/main" val="0"/>
               </a:ext>
             </a:extLst>
           </a:blip>
@@ -7785,14 +7786,14 @@
           </a:effectLst>
           <a:extLst>
             <a:ext uri="{909E8E84-426E-40DD-AFC4-6F175D3DCCD1}">
-              <a14:hiddenFill xmlns:a14="http://schemas.microsoft.com/office/drawing/2010/main" xmlns="">
+              <a14:hiddenFill xmlns="" xmlns:a14="http://schemas.microsoft.com/office/drawing/2010/main">
                 <a:solidFill>
                   <a:schemeClr val="accent1"/>
                 </a:solidFill>
               </a14:hiddenFill>
             </a:ext>
             <a:ext uri="{91240B29-F687-4F45-9708-019B960494DF}">
-              <a14:hiddenLine xmlns:a14="http://schemas.microsoft.com/office/drawing/2010/main" xmlns="" w="9525">
+              <a14:hiddenLine xmlns="" xmlns:a14="http://schemas.microsoft.com/office/drawing/2010/main" w="9525">
                 <a:solidFill>
                   <a:schemeClr val="tx1"/>
                 </a:solidFill>
@@ -7823,7 +7824,7 @@
             </a:duotone>
             <a:extLst>
               <a:ext uri="{28A0092B-C50C-407E-A947-70E740481C1C}">
-                <a14:useLocalDpi xmlns:a14="http://schemas.microsoft.com/office/drawing/2010/main" xmlns="" val="0"/>
+                <a14:useLocalDpi xmlns="" xmlns:a14="http://schemas.microsoft.com/office/drawing/2010/main" val="0"/>
               </a:ext>
             </a:extLst>
           </a:blip>
@@ -7852,14 +7853,14 @@
           </a:effectLst>
           <a:extLst>
             <a:ext uri="{909E8E84-426E-40DD-AFC4-6F175D3DCCD1}">
-              <a14:hiddenFill xmlns:a14="http://schemas.microsoft.com/office/drawing/2010/main" xmlns="">
+              <a14:hiddenFill xmlns="" xmlns:a14="http://schemas.microsoft.com/office/drawing/2010/main">
                 <a:solidFill>
                   <a:schemeClr val="accent1"/>
                 </a:solidFill>
               </a14:hiddenFill>
             </a:ext>
             <a:ext uri="{91240B29-F687-4F45-9708-019B960494DF}">
-              <a14:hiddenLine xmlns:a14="http://schemas.microsoft.com/office/drawing/2010/main" xmlns="" w="9525">
+              <a14:hiddenLine xmlns="" xmlns:a14="http://schemas.microsoft.com/office/drawing/2010/main" w="9525">
                 <a:solidFill>
                   <a:schemeClr val="tx1"/>
                 </a:solidFill>
@@ -14936,6 +14937,366 @@
           <a:chExt cx="0" cy="0"/>
         </a:xfrm>
       </p:grpSpPr>
+      <p:pic>
+        <p:nvPicPr>
+          <p:cNvPr id="7" name="Picture 2" descr="F:\Research\HMS\UnityProjects\HMS\HMSWebTest-Pen\Assets\Images\simplistic_play_icon__ico__png__by_micahpkay-d6opha8.png"/>
+          <p:cNvPicPr>
+            <a:picLocks noChangeAspect="1" noChangeArrowheads="1"/>
+          </p:cNvPicPr>
+          <p:nvPr/>
+        </p:nvPicPr>
+        <p:blipFill>
+          <a:blip r:embed="rId2" cstate="print"/>
+          <a:srcRect/>
+          <a:stretch>
+            <a:fillRect/>
+          </a:stretch>
+        </p:blipFill>
+        <p:spPr bwMode="auto">
+          <a:xfrm>
+            <a:off x="-4038600" y="-838200"/>
+            <a:ext cx="6348413" cy="6348412"/>
+          </a:xfrm>
+          <a:prstGeom prst="rect">
+            <a:avLst/>
+          </a:prstGeom>
+          <a:noFill/>
+        </p:spPr>
+      </p:pic>
+      <p:grpSp>
+        <p:nvGrpSpPr>
+          <p:cNvPr id="11" name="Group 10"/>
+          <p:cNvGrpSpPr/>
+          <p:nvPr/>
+        </p:nvGrpSpPr>
+        <p:grpSpPr>
+          <a:xfrm>
+            <a:off x="1981200" y="0"/>
+            <a:ext cx="5410200" cy="5410200"/>
+            <a:chOff x="6705600" y="762000"/>
+            <a:chExt cx="5410200" cy="5410200"/>
+          </a:xfrm>
+        </p:grpSpPr>
+        <p:sp>
+          <p:nvSpPr>
+            <p:cNvPr id="8" name="Oval 7"/>
+            <p:cNvSpPr/>
+            <p:nvPr/>
+          </p:nvSpPr>
+          <p:spPr>
+            <a:xfrm>
+              <a:off x="6705600" y="762000"/>
+              <a:ext cx="5410200" cy="5410200"/>
+            </a:xfrm>
+            <a:prstGeom prst="ellipse">
+              <a:avLst/>
+            </a:prstGeom>
+            <a:solidFill>
+              <a:srgbClr val="E62C00"/>
+            </a:solidFill>
+            <a:ln>
+              <a:noFill/>
+            </a:ln>
+          </p:spPr>
+          <p:style>
+            <a:lnRef idx="2">
+              <a:schemeClr val="accent1">
+                <a:shade val="50000"/>
+              </a:schemeClr>
+            </a:lnRef>
+            <a:fillRef idx="1">
+              <a:schemeClr val="accent1"/>
+            </a:fillRef>
+            <a:effectRef idx="0">
+              <a:schemeClr val="accent1"/>
+            </a:effectRef>
+            <a:fontRef idx="minor">
+              <a:schemeClr val="lt1"/>
+            </a:fontRef>
+          </p:style>
+          <p:txBody>
+            <a:bodyPr rtlCol="0" anchor="ctr"/>
+            <a:lstStyle/>
+            <a:p>
+              <a:pPr algn="ctr"/>
+              <a:endParaRPr lang="en-US"/>
+            </a:p>
+          </p:txBody>
+        </p:sp>
+        <p:sp>
+          <p:nvSpPr>
+            <p:cNvPr id="9" name="Down Arrow 8"/>
+            <p:cNvSpPr/>
+            <p:nvPr/>
+          </p:nvSpPr>
+          <p:spPr>
+            <a:xfrm>
+              <a:off x="8305800" y="1828800"/>
+              <a:ext cx="2247900" cy="2667000"/>
+            </a:xfrm>
+            <a:prstGeom prst="downArrow">
+              <a:avLst>
+                <a:gd name="adj1" fmla="val 46302"/>
+                <a:gd name="adj2" fmla="val 42604"/>
+              </a:avLst>
+            </a:prstGeom>
+            <a:solidFill>
+              <a:schemeClr val="bg1"/>
+            </a:solidFill>
+            <a:ln>
+              <a:noFill/>
+            </a:ln>
+          </p:spPr>
+          <p:style>
+            <a:lnRef idx="2">
+              <a:schemeClr val="accent1">
+                <a:shade val="50000"/>
+              </a:schemeClr>
+            </a:lnRef>
+            <a:fillRef idx="1">
+              <a:schemeClr val="accent1"/>
+            </a:fillRef>
+            <a:effectRef idx="0">
+              <a:schemeClr val="accent1"/>
+            </a:effectRef>
+            <a:fontRef idx="minor">
+              <a:schemeClr val="lt1"/>
+            </a:fontRef>
+          </p:style>
+          <p:txBody>
+            <a:bodyPr rtlCol="0" anchor="ctr"/>
+            <a:lstStyle/>
+            <a:p>
+              <a:pPr algn="ctr"/>
+              <a:endParaRPr lang="en-US"/>
+            </a:p>
+          </p:txBody>
+        </p:sp>
+        <p:sp>
+          <p:nvSpPr>
+            <p:cNvPr id="10" name="Rectangle 9"/>
+            <p:cNvSpPr/>
+            <p:nvPr/>
+          </p:nvSpPr>
+          <p:spPr>
+            <a:xfrm>
+              <a:off x="8305800" y="4655127"/>
+              <a:ext cx="2237509" cy="297873"/>
+            </a:xfrm>
+            <a:prstGeom prst="rect">
+              <a:avLst/>
+            </a:prstGeom>
+            <a:solidFill>
+              <a:schemeClr val="bg1"/>
+            </a:solidFill>
+            <a:ln>
+              <a:noFill/>
+            </a:ln>
+          </p:spPr>
+          <p:style>
+            <a:lnRef idx="2">
+              <a:schemeClr val="accent1">
+                <a:shade val="50000"/>
+              </a:schemeClr>
+            </a:lnRef>
+            <a:fillRef idx="1">
+              <a:schemeClr val="accent1"/>
+            </a:fillRef>
+            <a:effectRef idx="0">
+              <a:schemeClr val="accent1"/>
+            </a:effectRef>
+            <a:fontRef idx="minor">
+              <a:schemeClr val="lt1"/>
+            </a:fontRef>
+          </p:style>
+          <p:txBody>
+            <a:bodyPr rtlCol="0" anchor="ctr"/>
+            <a:lstStyle/>
+            <a:p>
+              <a:pPr algn="ctr"/>
+              <a:endParaRPr lang="en-US"/>
+            </a:p>
+          </p:txBody>
+        </p:sp>
+      </p:grpSp>
+      <p:grpSp>
+        <p:nvGrpSpPr>
+          <p:cNvPr id="16" name="Group 15"/>
+          <p:cNvGrpSpPr/>
+          <p:nvPr/>
+        </p:nvGrpSpPr>
+        <p:grpSpPr>
+          <a:xfrm>
+            <a:off x="13182600" y="838200"/>
+            <a:ext cx="5410200" cy="5410200"/>
+            <a:chOff x="13182600" y="838200"/>
+            <a:chExt cx="5410200" cy="5410200"/>
+          </a:xfrm>
+        </p:grpSpPr>
+        <p:sp>
+          <p:nvSpPr>
+            <p:cNvPr id="13" name="Oval 12"/>
+            <p:cNvSpPr/>
+            <p:nvPr/>
+          </p:nvSpPr>
+          <p:spPr>
+            <a:xfrm>
+              <a:off x="13182600" y="838200"/>
+              <a:ext cx="5410200" cy="5410200"/>
+            </a:xfrm>
+            <a:prstGeom prst="ellipse">
+              <a:avLst/>
+            </a:prstGeom>
+            <a:solidFill>
+              <a:srgbClr val="E62C00"/>
+            </a:solidFill>
+            <a:ln>
+              <a:noFill/>
+            </a:ln>
+          </p:spPr>
+          <p:style>
+            <a:lnRef idx="2">
+              <a:schemeClr val="accent1">
+                <a:shade val="50000"/>
+              </a:schemeClr>
+            </a:lnRef>
+            <a:fillRef idx="1">
+              <a:schemeClr val="accent1"/>
+            </a:fillRef>
+            <a:effectRef idx="0">
+              <a:schemeClr val="accent1"/>
+            </a:effectRef>
+            <a:fontRef idx="minor">
+              <a:schemeClr val="lt1"/>
+            </a:fontRef>
+          </p:style>
+          <p:txBody>
+            <a:bodyPr rtlCol="0" anchor="ctr"/>
+            <a:lstStyle/>
+            <a:p>
+              <a:pPr algn="ctr"/>
+              <a:endParaRPr lang="en-US"/>
+            </a:p>
+          </p:txBody>
+        </p:sp>
+        <p:sp>
+          <p:nvSpPr>
+            <p:cNvPr id="14" name="Up Arrow 13"/>
+            <p:cNvSpPr/>
+            <p:nvPr/>
+          </p:nvSpPr>
+          <p:spPr>
+            <a:xfrm>
+              <a:off x="14782800" y="1828800"/>
+              <a:ext cx="2247900" cy="2667000"/>
+            </a:xfrm>
+            <a:prstGeom prst="upArrow">
+              <a:avLst/>
+            </a:prstGeom>
+            <a:solidFill>
+              <a:schemeClr val="bg1"/>
+            </a:solidFill>
+            <a:ln>
+              <a:noFill/>
+            </a:ln>
+          </p:spPr>
+          <p:style>
+            <a:lnRef idx="2">
+              <a:schemeClr val="accent1">
+                <a:shade val="50000"/>
+              </a:schemeClr>
+            </a:lnRef>
+            <a:fillRef idx="1">
+              <a:schemeClr val="accent1"/>
+            </a:fillRef>
+            <a:effectRef idx="0">
+              <a:schemeClr val="accent1"/>
+            </a:effectRef>
+            <a:fontRef idx="minor">
+              <a:schemeClr val="lt1"/>
+            </a:fontRef>
+          </p:style>
+          <p:txBody>
+            <a:bodyPr rtlCol="0" anchor="ctr"/>
+            <a:lstStyle/>
+            <a:p>
+              <a:pPr algn="ctr"/>
+              <a:endParaRPr lang="en-US"/>
+            </a:p>
+          </p:txBody>
+        </p:sp>
+        <p:sp>
+          <p:nvSpPr>
+            <p:cNvPr id="15" name="Rectangle 14"/>
+            <p:cNvSpPr/>
+            <p:nvPr/>
+          </p:nvSpPr>
+          <p:spPr>
+            <a:xfrm>
+              <a:off x="14782800" y="4731327"/>
+              <a:ext cx="2237509" cy="297873"/>
+            </a:xfrm>
+            <a:prstGeom prst="rect">
+              <a:avLst/>
+            </a:prstGeom>
+            <a:solidFill>
+              <a:schemeClr val="bg1"/>
+            </a:solidFill>
+            <a:ln>
+              <a:noFill/>
+            </a:ln>
+          </p:spPr>
+          <p:style>
+            <a:lnRef idx="2">
+              <a:schemeClr val="accent1">
+                <a:shade val="50000"/>
+              </a:schemeClr>
+            </a:lnRef>
+            <a:fillRef idx="1">
+              <a:schemeClr val="accent1"/>
+            </a:fillRef>
+            <a:effectRef idx="0">
+              <a:schemeClr val="accent1"/>
+            </a:effectRef>
+            <a:fontRef idx="minor">
+              <a:schemeClr val="lt1"/>
+            </a:fontRef>
+          </p:style>
+          <p:txBody>
+            <a:bodyPr rtlCol="0" anchor="ctr"/>
+            <a:lstStyle/>
+            <a:p>
+              <a:pPr algn="ctr"/>
+              <a:endParaRPr lang="en-US"/>
+            </a:p>
+          </p:txBody>
+        </p:sp>
+      </p:grpSp>
+    </p:spTree>
+  </p:cSld>
+  <p:clrMapOvr>
+    <a:masterClrMapping/>
+  </p:clrMapOvr>
+</p:sld>
+</file>
+
+<file path=ppt/slides/slide19.xml><?xml version="1.0" encoding="utf-8"?>
+<p:sld xmlns:a="http://schemas.openxmlformats.org/drawingml/2006/main" xmlns:r="http://schemas.openxmlformats.org/officeDocument/2006/relationships" xmlns:p="http://schemas.openxmlformats.org/presentationml/2006/main">
+  <p:cSld>
+    <p:spTree>
+      <p:nvGrpSpPr>
+        <p:cNvPr id="1" name=""/>
+        <p:cNvGrpSpPr/>
+        <p:nvPr/>
+      </p:nvGrpSpPr>
+      <p:grpSpPr>
+        <a:xfrm>
+          <a:off x="0" y="0"/>
+          <a:ext cx="0" cy="0"/>
+          <a:chOff x="0" y="0"/>
+          <a:chExt cx="0" cy="0"/>
+        </a:xfrm>
+      </p:grpSpPr>
       <p:grpSp>
         <p:nvGrpSpPr>
           <p:cNvPr id="18" name="Group 17"/>
@@ -17632,7 +17993,7 @@
             <a:blip r:embed="rId4" cstate="print">
               <a:extLst>
                 <a:ext uri="{28A0092B-C50C-407E-A947-70E740481C1C}">
-                  <a14:useLocalDpi xmlns="" xmlns:a14="http://schemas.microsoft.com/office/drawing/2010/main" val="0"/>
+                  <a14:useLocalDpi xmlns:a14="http://schemas.microsoft.com/office/drawing/2010/main" xmlns="" val="0"/>
                 </a:ext>
               </a:extLst>
             </a:blip>
@@ -17652,7 +18013,7 @@
             <a:noFill/>
             <a:extLst>
               <a:ext uri="{909E8E84-426E-40DD-AFC4-6F175D3DCCD1}">
-                <a14:hiddenFill xmlns="" xmlns:a14="http://schemas.microsoft.com/office/drawing/2010/main">
+                <a14:hiddenFill xmlns:a14="http://schemas.microsoft.com/office/drawing/2010/main" xmlns="">
                   <a:solidFill>
                     <a:srgbClr val="FFFFFF"/>
                   </a:solidFill>
@@ -18099,7 +18460,7 @@
             <a:blip r:embed="rId6" cstate="print">
               <a:extLst>
                 <a:ext uri="{28A0092B-C50C-407E-A947-70E740481C1C}">
-                  <a14:useLocalDpi xmlns="" xmlns:a14="http://schemas.microsoft.com/office/drawing/2010/main" val="0"/>
+                  <a14:useLocalDpi xmlns:a14="http://schemas.microsoft.com/office/drawing/2010/main" xmlns="" val="0"/>
                 </a:ext>
               </a:extLst>
             </a:blip>
@@ -18119,7 +18480,7 @@
             <a:noFill/>
             <a:extLst>
               <a:ext uri="{909E8E84-426E-40DD-AFC4-6F175D3DCCD1}">
-                <a14:hiddenFill xmlns="" xmlns:a14="http://schemas.microsoft.com/office/drawing/2010/main">
+                <a14:hiddenFill xmlns:a14="http://schemas.microsoft.com/office/drawing/2010/main" xmlns="">
                   <a:solidFill>
                     <a:srgbClr val="FFFFFF"/>
                   </a:solidFill>
@@ -20323,7 +20684,7 @@
               <a:blip r:embed="rId6" cstate="print">
                 <a:extLst>
                   <a:ext uri="{28A0092B-C50C-407E-A947-70E740481C1C}">
-                    <a14:useLocalDpi xmlns="" xmlns:a14="http://schemas.microsoft.com/office/drawing/2010/main" val="0"/>
+                    <a14:useLocalDpi xmlns:a14="http://schemas.microsoft.com/office/drawing/2010/main" xmlns="" val="0"/>
                   </a:ext>
                 </a:extLst>
               </a:blip>
@@ -20343,7 +20704,7 @@
               <a:noFill/>
               <a:extLst>
                 <a:ext uri="{909E8E84-426E-40DD-AFC4-6F175D3DCCD1}">
-                  <a14:hiddenFill xmlns="" xmlns:a14="http://schemas.microsoft.com/office/drawing/2010/main">
+                  <a14:hiddenFill xmlns:a14="http://schemas.microsoft.com/office/drawing/2010/main" xmlns="">
                     <a:solidFill>
                       <a:srgbClr val="FFFFFF"/>
                     </a:solidFill>
@@ -27543,7 +27904,7 @@
               <a:blip r:embed="rId8" cstate="print">
                 <a:extLst>
                   <a:ext uri="{28A0092B-C50C-407E-A947-70E740481C1C}">
-                    <a14:useLocalDpi xmlns="" xmlns:a14="http://schemas.microsoft.com/office/drawing/2010/main" val="0"/>
+                    <a14:useLocalDpi xmlns:a14="http://schemas.microsoft.com/office/drawing/2010/main" xmlns="" val="0"/>
                   </a:ext>
                 </a:extLst>
               </a:blip>
@@ -27563,7 +27924,7 @@
               <a:noFill/>
               <a:extLst>
                 <a:ext uri="{909E8E84-426E-40DD-AFC4-6F175D3DCCD1}">
-                  <a14:hiddenFill xmlns="" xmlns:a14="http://schemas.microsoft.com/office/drawing/2010/main">
+                  <a14:hiddenFill xmlns:a14="http://schemas.microsoft.com/office/drawing/2010/main" xmlns="">
                     <a:solidFill>
                       <a:srgbClr val="FFFFFF"/>
                     </a:solidFill>
@@ -28031,7 +28392,7 @@
             <a:blip r:embed="rId8" cstate="print">
               <a:extLst>
                 <a:ext uri="{28A0092B-C50C-407E-A947-70E740481C1C}">
-                  <a14:useLocalDpi xmlns="" xmlns:a14="http://schemas.microsoft.com/office/drawing/2010/main" val="0"/>
+                  <a14:useLocalDpi xmlns:a14="http://schemas.microsoft.com/office/drawing/2010/main" xmlns="" val="0"/>
                 </a:ext>
               </a:extLst>
             </a:blip>
@@ -28051,7 +28412,7 @@
             <a:noFill/>
             <a:extLst>
               <a:ext uri="{909E8E84-426E-40DD-AFC4-6F175D3DCCD1}">
-                <a14:hiddenFill xmlns="" xmlns:a14="http://schemas.microsoft.com/office/drawing/2010/main">
+                <a14:hiddenFill xmlns:a14="http://schemas.microsoft.com/office/drawing/2010/main" xmlns="">
                   <a:solidFill>
                     <a:srgbClr val="FFFFFF"/>
                   </a:solidFill>
@@ -32614,7 +32975,7 @@
           <a:blip r:embed="rId2" cstate="print">
             <a:extLst>
               <a:ext uri="{28A0092B-C50C-407E-A947-70E740481C1C}">
-                <a14:useLocalDpi xmlns:a14="http://schemas.microsoft.com/office/drawing/2010/main" xmlns="" val="0"/>
+                <a14:useLocalDpi xmlns="" xmlns:a14="http://schemas.microsoft.com/office/drawing/2010/main" val="0"/>
               </a:ext>
             </a:extLst>
           </a:blip>
@@ -32643,14 +33004,14 @@
           </a:effectLst>
           <a:extLst>
             <a:ext uri="{909E8E84-426E-40DD-AFC4-6F175D3DCCD1}">
-              <a14:hiddenFill xmlns:a14="http://schemas.microsoft.com/office/drawing/2010/main" xmlns="">
+              <a14:hiddenFill xmlns="" xmlns:a14="http://schemas.microsoft.com/office/drawing/2010/main">
                 <a:solidFill>
                   <a:schemeClr val="accent1"/>
                 </a:solidFill>
               </a14:hiddenFill>
             </a:ext>
             <a:ext uri="{91240B29-F687-4F45-9708-019B960494DF}">
-              <a14:hiddenLine xmlns:a14="http://schemas.microsoft.com/office/drawing/2010/main" xmlns="" w="9525">
+              <a14:hiddenLine xmlns="" xmlns:a14="http://schemas.microsoft.com/office/drawing/2010/main" w="9525">
                 <a:solidFill>
                   <a:schemeClr val="tx1"/>
                 </a:solidFill>

--- a/HMSWebTest-Pen/Assets/Images/hmsgraphics.pptx
+++ b/HMSWebTest-Pen/Assets/Images/hmsgraphics.pptx
@@ -5,7 +5,7 @@
     <p:sldMasterId id="2147483648" r:id="rId1"/>
   </p:sldMasterIdLst>
   <p:notesMasterIdLst>
-    <p:notesMasterId r:id="rId21"/>
+    <p:notesMasterId r:id="rId23"/>
   </p:notesMasterIdLst>
   <p:sldIdLst>
     <p:sldId id="256" r:id="rId2"/>
@@ -24,9 +24,11 @@
     <p:sldId id="266" r:id="rId15"/>
     <p:sldId id="268" r:id="rId16"/>
     <p:sldId id="273" r:id="rId17"/>
-    <p:sldId id="269" r:id="rId18"/>
-    <p:sldId id="274" r:id="rId19"/>
-    <p:sldId id="272" r:id="rId20"/>
+    <p:sldId id="276" r:id="rId18"/>
+    <p:sldId id="269" r:id="rId19"/>
+    <p:sldId id="274" r:id="rId20"/>
+    <p:sldId id="272" r:id="rId21"/>
+    <p:sldId id="275" r:id="rId22"/>
   </p:sldIdLst>
   <p:sldSz cx="9144000" cy="6858000" type="screen4x3"/>
   <p:notesSz cx="6858000" cy="9144000"/>
@@ -125,7 +127,27 @@
       </a:defRPr>
     </a:lvl9pPr>
   </p:defaultTextStyle>
+  <p:extLst>
+    <p:ext uri="{EFAFB233-063F-42B5-8137-9DF3F51BA10A}">
+      <p15:sldGuideLst xmlns:p15="http://schemas.microsoft.com/office/powerpoint/2012/main" xmlns="">
+        <p15:guide id="1" orient="horz" pos="2160">
+          <p15:clr>
+            <a:srgbClr val="A4A3A4"/>
+          </p15:clr>
+        </p15:guide>
+        <p15:guide id="2" pos="2880">
+          <p15:clr>
+            <a:srgbClr val="A4A3A4"/>
+          </p15:clr>
+        </p15:guide>
+      </p15:sldGuideLst>
+    </p:ext>
+  </p:extLst>
 </p:presentation>
+</file>
+
+<file path=ppt/revisionInfo.xml><?xml version="1.0" encoding="utf-8"?>
+<p1510:revInfo xmlns:a="http://schemas.openxmlformats.org/drawingml/2006/main" xmlns:r="http://schemas.openxmlformats.org/officeDocument/2006/relationships" xmlns:p1510="http://schemas.microsoft.com/office/powerpoint/2015/10/main"/>
 </file>
 
 <file path=ppt/notesMasters/notesMaster1.xml><?xml version="1.0" encoding="utf-8"?>
@@ -211,7 +233,7 @@
             <a:fld id="{6153BB3E-9447-4512-867E-C40997E12B5B}" type="datetimeFigureOut">
               <a:rPr lang="en-US" smtClean="0"/>
               <a:pPr/>
-              <a:t>6/3/2017</a:t>
+              <a:t>7/26/2017</a:t>
             </a:fld>
             <a:endParaRPr lang="en-US"/>
           </a:p>
@@ -277,38 +299,37 @@
           <a:p>
             <a:pPr lvl="0"/>
             <a:r>
-              <a:rPr lang="en-US" smtClean="0"/>
+              <a:rPr lang="en-US"/>
               <a:t>Click to edit Master text styles</a:t>
             </a:r>
           </a:p>
           <a:p>
             <a:pPr lvl="1"/>
             <a:r>
-              <a:rPr lang="en-US" smtClean="0"/>
+              <a:rPr lang="en-US"/>
               <a:t>Second level</a:t>
             </a:r>
           </a:p>
           <a:p>
             <a:pPr lvl="2"/>
             <a:r>
-              <a:rPr lang="en-US" smtClean="0"/>
+              <a:rPr lang="en-US"/>
               <a:t>Third level</a:t>
             </a:r>
           </a:p>
           <a:p>
             <a:pPr lvl="3"/>
             <a:r>
-              <a:rPr lang="en-US" smtClean="0"/>
+              <a:rPr lang="en-US"/>
               <a:t>Fourth level</a:t>
             </a:r>
           </a:p>
           <a:p>
             <a:pPr lvl="4"/>
             <a:r>
-              <a:rPr lang="en-US" smtClean="0"/>
+              <a:rPr lang="en-US"/>
               <a:t>Fifth level</a:t>
             </a:r>
-            <a:endParaRPr lang="en-US"/>
           </a:p>
         </p:txBody>
       </p:sp>
@@ -597,10 +618,9 @@
           <a:lstStyle/>
           <a:p>
             <a:r>
-              <a:rPr lang="en-US" smtClean="0"/>
+              <a:rPr lang="en-US"/>
               <a:t>Click to edit Master title style</a:t>
             </a:r>
-            <a:endParaRPr lang="en-US"/>
           </a:p>
         </p:txBody>
       </p:sp>
@@ -716,10 +736,9 @@
           </a:lstStyle>
           <a:p>
             <a:r>
-              <a:rPr lang="en-US" smtClean="0"/>
+              <a:rPr lang="en-US"/>
               <a:t>Click to edit Master subtitle style</a:t>
             </a:r>
-            <a:endParaRPr lang="en-US"/>
           </a:p>
         </p:txBody>
       </p:sp>
@@ -741,7 +760,7 @@
             <a:fld id="{090B515E-C25E-45EE-BA79-D334A31660AC}" type="datetimeFigureOut">
               <a:rPr lang="en-US" smtClean="0"/>
               <a:pPr/>
-              <a:t>6/3/2017</a:t>
+              <a:t>7/26/2017</a:t>
             </a:fld>
             <a:endParaRPr lang="en-US"/>
           </a:p>
@@ -831,10 +850,9 @@
           <a:lstStyle/>
           <a:p>
             <a:r>
-              <a:rPr lang="en-US" smtClean="0"/>
+              <a:rPr lang="en-US"/>
               <a:t>Click to edit Master title style</a:t>
             </a:r>
-            <a:endParaRPr lang="en-US"/>
           </a:p>
         </p:txBody>
       </p:sp>
@@ -855,38 +873,37 @@
           <a:p>
             <a:pPr lvl="0"/>
             <a:r>
-              <a:rPr lang="en-US" smtClean="0"/>
+              <a:rPr lang="en-US"/>
               <a:t>Click to edit Master text styles</a:t>
             </a:r>
           </a:p>
           <a:p>
             <a:pPr lvl="1"/>
             <a:r>
-              <a:rPr lang="en-US" smtClean="0"/>
+              <a:rPr lang="en-US"/>
               <a:t>Second level</a:t>
             </a:r>
           </a:p>
           <a:p>
             <a:pPr lvl="2"/>
             <a:r>
-              <a:rPr lang="en-US" smtClean="0"/>
+              <a:rPr lang="en-US"/>
               <a:t>Third level</a:t>
             </a:r>
           </a:p>
           <a:p>
             <a:pPr lvl="3"/>
             <a:r>
-              <a:rPr lang="en-US" smtClean="0"/>
+              <a:rPr lang="en-US"/>
               <a:t>Fourth level</a:t>
             </a:r>
           </a:p>
           <a:p>
             <a:pPr lvl="4"/>
             <a:r>
-              <a:rPr lang="en-US" smtClean="0"/>
+              <a:rPr lang="en-US"/>
               <a:t>Fifth level</a:t>
             </a:r>
-            <a:endParaRPr lang="en-US"/>
           </a:p>
         </p:txBody>
       </p:sp>
@@ -908,7 +925,7 @@
             <a:fld id="{090B515E-C25E-45EE-BA79-D334A31660AC}" type="datetimeFigureOut">
               <a:rPr lang="en-US" smtClean="0"/>
               <a:pPr/>
-              <a:t>6/3/2017</a:t>
+              <a:t>7/26/2017</a:t>
             </a:fld>
             <a:endParaRPr lang="en-US"/>
           </a:p>
@@ -1003,10 +1020,9 @@
           <a:lstStyle/>
           <a:p>
             <a:r>
-              <a:rPr lang="en-US" smtClean="0"/>
+              <a:rPr lang="en-US"/>
               <a:t>Click to edit Master title style</a:t>
             </a:r>
-            <a:endParaRPr lang="en-US"/>
           </a:p>
         </p:txBody>
       </p:sp>
@@ -1032,38 +1048,37 @@
           <a:p>
             <a:pPr lvl="0"/>
             <a:r>
-              <a:rPr lang="en-US" smtClean="0"/>
+              <a:rPr lang="en-US"/>
               <a:t>Click to edit Master text styles</a:t>
             </a:r>
           </a:p>
           <a:p>
             <a:pPr lvl="1"/>
             <a:r>
-              <a:rPr lang="en-US" smtClean="0"/>
+              <a:rPr lang="en-US"/>
               <a:t>Second level</a:t>
             </a:r>
           </a:p>
           <a:p>
             <a:pPr lvl="2"/>
             <a:r>
-              <a:rPr lang="en-US" smtClean="0"/>
+              <a:rPr lang="en-US"/>
               <a:t>Third level</a:t>
             </a:r>
           </a:p>
           <a:p>
             <a:pPr lvl="3"/>
             <a:r>
-              <a:rPr lang="en-US" smtClean="0"/>
+              <a:rPr lang="en-US"/>
               <a:t>Fourth level</a:t>
             </a:r>
           </a:p>
           <a:p>
             <a:pPr lvl="4"/>
             <a:r>
-              <a:rPr lang="en-US" smtClean="0"/>
+              <a:rPr lang="en-US"/>
               <a:t>Fifth level</a:t>
             </a:r>
-            <a:endParaRPr lang="en-US"/>
           </a:p>
         </p:txBody>
       </p:sp>
@@ -1085,7 +1100,7 @@
             <a:fld id="{090B515E-C25E-45EE-BA79-D334A31660AC}" type="datetimeFigureOut">
               <a:rPr lang="en-US" smtClean="0"/>
               <a:pPr/>
-              <a:t>6/3/2017</a:t>
+              <a:t>7/26/2017</a:t>
             </a:fld>
             <a:endParaRPr lang="en-US"/>
           </a:p>
@@ -1175,10 +1190,9 @@
           <a:lstStyle/>
           <a:p>
             <a:r>
-              <a:rPr lang="en-US" smtClean="0"/>
+              <a:rPr lang="en-US"/>
               <a:t>Click to edit Master title style</a:t>
             </a:r>
-            <a:endParaRPr lang="en-US"/>
           </a:p>
         </p:txBody>
       </p:sp>
@@ -1199,38 +1213,37 @@
           <a:p>
             <a:pPr lvl="0"/>
             <a:r>
-              <a:rPr lang="en-US" smtClean="0"/>
+              <a:rPr lang="en-US"/>
               <a:t>Click to edit Master text styles</a:t>
             </a:r>
           </a:p>
           <a:p>
             <a:pPr lvl="1"/>
             <a:r>
-              <a:rPr lang="en-US" smtClean="0"/>
+              <a:rPr lang="en-US"/>
               <a:t>Second level</a:t>
             </a:r>
           </a:p>
           <a:p>
             <a:pPr lvl="2"/>
             <a:r>
-              <a:rPr lang="en-US" smtClean="0"/>
+              <a:rPr lang="en-US"/>
               <a:t>Third level</a:t>
             </a:r>
           </a:p>
           <a:p>
             <a:pPr lvl="3"/>
             <a:r>
-              <a:rPr lang="en-US" smtClean="0"/>
+              <a:rPr lang="en-US"/>
               <a:t>Fourth level</a:t>
             </a:r>
           </a:p>
           <a:p>
             <a:pPr lvl="4"/>
             <a:r>
-              <a:rPr lang="en-US" smtClean="0"/>
+              <a:rPr lang="en-US"/>
               <a:t>Fifth level</a:t>
             </a:r>
-            <a:endParaRPr lang="en-US"/>
           </a:p>
         </p:txBody>
       </p:sp>
@@ -1252,7 +1265,7 @@
             <a:fld id="{090B515E-C25E-45EE-BA79-D334A31660AC}" type="datetimeFigureOut">
               <a:rPr lang="en-US" smtClean="0"/>
               <a:pPr/>
-              <a:t>6/3/2017</a:t>
+              <a:t>7/26/2017</a:t>
             </a:fld>
             <a:endParaRPr lang="en-US"/>
           </a:p>
@@ -1351,10 +1364,9 @@
           </a:lstStyle>
           <a:p>
             <a:r>
-              <a:rPr lang="en-US" smtClean="0"/>
+              <a:rPr lang="en-US"/>
               <a:t>Click to edit Master title style</a:t>
             </a:r>
-            <a:endParaRPr lang="en-US"/>
           </a:p>
         </p:txBody>
       </p:sp>
@@ -1471,7 +1483,7 @@
           <a:p>
             <a:pPr lvl="0"/>
             <a:r>
-              <a:rPr lang="en-US" smtClean="0"/>
+              <a:rPr lang="en-US"/>
               <a:t>Click to edit Master text styles</a:t>
             </a:r>
           </a:p>
@@ -1495,7 +1507,7 @@
             <a:fld id="{090B515E-C25E-45EE-BA79-D334A31660AC}" type="datetimeFigureOut">
               <a:rPr lang="en-US" smtClean="0"/>
               <a:pPr/>
-              <a:t>6/3/2017</a:t>
+              <a:t>7/26/2017</a:t>
             </a:fld>
             <a:endParaRPr lang="en-US"/>
           </a:p>
@@ -1585,10 +1597,9 @@
           <a:lstStyle/>
           <a:p>
             <a:r>
-              <a:rPr lang="en-US" smtClean="0"/>
+              <a:rPr lang="en-US"/>
               <a:t>Click to edit Master title style</a:t>
             </a:r>
-            <a:endParaRPr lang="en-US"/>
           </a:p>
         </p:txBody>
       </p:sp>
@@ -1642,38 +1653,37 @@
           <a:p>
             <a:pPr lvl="0"/>
             <a:r>
-              <a:rPr lang="en-US" smtClean="0"/>
+              <a:rPr lang="en-US"/>
               <a:t>Click to edit Master text styles</a:t>
             </a:r>
           </a:p>
           <a:p>
             <a:pPr lvl="1"/>
             <a:r>
-              <a:rPr lang="en-US" smtClean="0"/>
+              <a:rPr lang="en-US"/>
               <a:t>Second level</a:t>
             </a:r>
           </a:p>
           <a:p>
             <a:pPr lvl="2"/>
             <a:r>
-              <a:rPr lang="en-US" smtClean="0"/>
+              <a:rPr lang="en-US"/>
               <a:t>Third level</a:t>
             </a:r>
           </a:p>
           <a:p>
             <a:pPr lvl="3"/>
             <a:r>
-              <a:rPr lang="en-US" smtClean="0"/>
+              <a:rPr lang="en-US"/>
               <a:t>Fourth level</a:t>
             </a:r>
           </a:p>
           <a:p>
             <a:pPr lvl="4"/>
             <a:r>
-              <a:rPr lang="en-US" smtClean="0"/>
+              <a:rPr lang="en-US"/>
               <a:t>Fifth level</a:t>
             </a:r>
-            <a:endParaRPr lang="en-US"/>
           </a:p>
         </p:txBody>
       </p:sp>
@@ -1727,38 +1737,37 @@
           <a:p>
             <a:pPr lvl="0"/>
             <a:r>
-              <a:rPr lang="en-US" smtClean="0"/>
+              <a:rPr lang="en-US"/>
               <a:t>Click to edit Master text styles</a:t>
             </a:r>
           </a:p>
           <a:p>
             <a:pPr lvl="1"/>
             <a:r>
-              <a:rPr lang="en-US" smtClean="0"/>
+              <a:rPr lang="en-US"/>
               <a:t>Second level</a:t>
             </a:r>
           </a:p>
           <a:p>
             <a:pPr lvl="2"/>
             <a:r>
-              <a:rPr lang="en-US" smtClean="0"/>
+              <a:rPr lang="en-US"/>
               <a:t>Third level</a:t>
             </a:r>
           </a:p>
           <a:p>
             <a:pPr lvl="3"/>
             <a:r>
-              <a:rPr lang="en-US" smtClean="0"/>
+              <a:rPr lang="en-US"/>
               <a:t>Fourth level</a:t>
             </a:r>
           </a:p>
           <a:p>
             <a:pPr lvl="4"/>
             <a:r>
-              <a:rPr lang="en-US" smtClean="0"/>
+              <a:rPr lang="en-US"/>
               <a:t>Fifth level</a:t>
             </a:r>
-            <a:endParaRPr lang="en-US"/>
           </a:p>
         </p:txBody>
       </p:sp>
@@ -1780,7 +1789,7 @@
             <a:fld id="{090B515E-C25E-45EE-BA79-D334A31660AC}" type="datetimeFigureOut">
               <a:rPr lang="en-US" smtClean="0"/>
               <a:pPr/>
-              <a:t>6/3/2017</a:t>
+              <a:t>7/26/2017</a:t>
             </a:fld>
             <a:endParaRPr lang="en-US"/>
           </a:p>
@@ -1874,10 +1883,9 @@
           </a:lstStyle>
           <a:p>
             <a:r>
-              <a:rPr lang="en-US" smtClean="0"/>
+              <a:rPr lang="en-US"/>
               <a:t>Click to edit Master title style</a:t>
             </a:r>
-            <a:endParaRPr lang="en-US"/>
           </a:p>
         </p:txBody>
       </p:sp>
@@ -1940,7 +1948,7 @@
           <a:p>
             <a:pPr lvl="0"/>
             <a:r>
-              <a:rPr lang="en-US" smtClean="0"/>
+              <a:rPr lang="en-US"/>
               <a:t>Click to edit Master text styles</a:t>
             </a:r>
           </a:p>
@@ -1996,38 +2004,37 @@
           <a:p>
             <a:pPr lvl="0"/>
             <a:r>
-              <a:rPr lang="en-US" smtClean="0"/>
+              <a:rPr lang="en-US"/>
               <a:t>Click to edit Master text styles</a:t>
             </a:r>
           </a:p>
           <a:p>
             <a:pPr lvl="1"/>
             <a:r>
-              <a:rPr lang="en-US" smtClean="0"/>
+              <a:rPr lang="en-US"/>
               <a:t>Second level</a:t>
             </a:r>
           </a:p>
           <a:p>
             <a:pPr lvl="2"/>
             <a:r>
-              <a:rPr lang="en-US" smtClean="0"/>
+              <a:rPr lang="en-US"/>
               <a:t>Third level</a:t>
             </a:r>
           </a:p>
           <a:p>
             <a:pPr lvl="3"/>
             <a:r>
-              <a:rPr lang="en-US" smtClean="0"/>
+              <a:rPr lang="en-US"/>
               <a:t>Fourth level</a:t>
             </a:r>
           </a:p>
           <a:p>
             <a:pPr lvl="4"/>
             <a:r>
-              <a:rPr lang="en-US" smtClean="0"/>
+              <a:rPr lang="en-US"/>
               <a:t>Fifth level</a:t>
             </a:r>
-            <a:endParaRPr lang="en-US"/>
           </a:p>
         </p:txBody>
       </p:sp>
@@ -2090,7 +2097,7 @@
           <a:p>
             <a:pPr lvl="0"/>
             <a:r>
-              <a:rPr lang="en-US" smtClean="0"/>
+              <a:rPr lang="en-US"/>
               <a:t>Click to edit Master text styles</a:t>
             </a:r>
           </a:p>
@@ -2146,38 +2153,37 @@
           <a:p>
             <a:pPr lvl="0"/>
             <a:r>
-              <a:rPr lang="en-US" smtClean="0"/>
+              <a:rPr lang="en-US"/>
               <a:t>Click to edit Master text styles</a:t>
             </a:r>
           </a:p>
           <a:p>
             <a:pPr lvl="1"/>
             <a:r>
-              <a:rPr lang="en-US" smtClean="0"/>
+              <a:rPr lang="en-US"/>
               <a:t>Second level</a:t>
             </a:r>
           </a:p>
           <a:p>
             <a:pPr lvl="2"/>
             <a:r>
-              <a:rPr lang="en-US" smtClean="0"/>
+              <a:rPr lang="en-US"/>
               <a:t>Third level</a:t>
             </a:r>
           </a:p>
           <a:p>
             <a:pPr lvl="3"/>
             <a:r>
-              <a:rPr lang="en-US" smtClean="0"/>
+              <a:rPr lang="en-US"/>
               <a:t>Fourth level</a:t>
             </a:r>
           </a:p>
           <a:p>
             <a:pPr lvl="4"/>
             <a:r>
-              <a:rPr lang="en-US" smtClean="0"/>
+              <a:rPr lang="en-US"/>
               <a:t>Fifth level</a:t>
             </a:r>
-            <a:endParaRPr lang="en-US"/>
           </a:p>
         </p:txBody>
       </p:sp>
@@ -2199,7 +2205,7 @@
             <a:fld id="{090B515E-C25E-45EE-BA79-D334A31660AC}" type="datetimeFigureOut">
               <a:rPr lang="en-US" smtClean="0"/>
               <a:pPr/>
-              <a:t>6/3/2017</a:t>
+              <a:t>7/26/2017</a:t>
             </a:fld>
             <a:endParaRPr lang="en-US"/>
           </a:p>
@@ -2289,10 +2295,9 @@
           <a:lstStyle/>
           <a:p>
             <a:r>
-              <a:rPr lang="en-US" smtClean="0"/>
+              <a:rPr lang="en-US"/>
               <a:t>Click to edit Master title style</a:t>
             </a:r>
-            <a:endParaRPr lang="en-US"/>
           </a:p>
         </p:txBody>
       </p:sp>
@@ -2314,7 +2319,7 @@
             <a:fld id="{090B515E-C25E-45EE-BA79-D334A31660AC}" type="datetimeFigureOut">
               <a:rPr lang="en-US" smtClean="0"/>
               <a:pPr/>
-              <a:t>6/3/2017</a:t>
+              <a:t>7/26/2017</a:t>
             </a:fld>
             <a:endParaRPr lang="en-US"/>
           </a:p>
@@ -2406,7 +2411,7 @@
             <a:fld id="{090B515E-C25E-45EE-BA79-D334A31660AC}" type="datetimeFigureOut">
               <a:rPr lang="en-US" smtClean="0"/>
               <a:pPr/>
-              <a:t>6/3/2017</a:t>
+              <a:t>7/26/2017</a:t>
             </a:fld>
             <a:endParaRPr lang="en-US"/>
           </a:p>
@@ -2505,10 +2510,9 @@
           </a:lstStyle>
           <a:p>
             <a:r>
-              <a:rPr lang="en-US" smtClean="0"/>
+              <a:rPr lang="en-US"/>
               <a:t>Click to edit Master title style</a:t>
             </a:r>
-            <a:endParaRPr lang="en-US"/>
           </a:p>
         </p:txBody>
       </p:sp>
@@ -2562,38 +2566,37 @@
           <a:p>
             <a:pPr lvl="0"/>
             <a:r>
-              <a:rPr lang="en-US" smtClean="0"/>
+              <a:rPr lang="en-US"/>
               <a:t>Click to edit Master text styles</a:t>
             </a:r>
           </a:p>
           <a:p>
             <a:pPr lvl="1"/>
             <a:r>
-              <a:rPr lang="en-US" smtClean="0"/>
+              <a:rPr lang="en-US"/>
               <a:t>Second level</a:t>
             </a:r>
           </a:p>
           <a:p>
             <a:pPr lvl="2"/>
             <a:r>
-              <a:rPr lang="en-US" smtClean="0"/>
+              <a:rPr lang="en-US"/>
               <a:t>Third level</a:t>
             </a:r>
           </a:p>
           <a:p>
             <a:pPr lvl="3"/>
             <a:r>
-              <a:rPr lang="en-US" smtClean="0"/>
+              <a:rPr lang="en-US"/>
               <a:t>Fourth level</a:t>
             </a:r>
           </a:p>
           <a:p>
             <a:pPr lvl="4"/>
             <a:r>
-              <a:rPr lang="en-US" smtClean="0"/>
+              <a:rPr lang="en-US"/>
               <a:t>Fifth level</a:t>
             </a:r>
-            <a:endParaRPr lang="en-US"/>
           </a:p>
         </p:txBody>
       </p:sp>
@@ -2656,7 +2659,7 @@
           <a:p>
             <a:pPr lvl="0"/>
             <a:r>
-              <a:rPr lang="en-US" smtClean="0"/>
+              <a:rPr lang="en-US"/>
               <a:t>Click to edit Master text styles</a:t>
             </a:r>
           </a:p>
@@ -2680,7 +2683,7 @@
             <a:fld id="{090B515E-C25E-45EE-BA79-D334A31660AC}" type="datetimeFigureOut">
               <a:rPr lang="en-US" smtClean="0"/>
               <a:pPr/>
-              <a:t>6/3/2017</a:t>
+              <a:t>7/26/2017</a:t>
             </a:fld>
             <a:endParaRPr lang="en-US"/>
           </a:p>
@@ -2779,10 +2782,9 @@
           </a:lstStyle>
           <a:p>
             <a:r>
-              <a:rPr lang="en-US" smtClean="0"/>
+              <a:rPr lang="en-US"/>
               <a:t>Click to edit Master title style</a:t>
             </a:r>
-            <a:endParaRPr lang="en-US"/>
           </a:p>
         </p:txBody>
       </p:sp>
@@ -2906,7 +2908,7 @@
           <a:p>
             <a:pPr lvl="0"/>
             <a:r>
-              <a:rPr lang="en-US" smtClean="0"/>
+              <a:rPr lang="en-US"/>
               <a:t>Click to edit Master text styles</a:t>
             </a:r>
           </a:p>
@@ -2930,7 +2932,7 @@
             <a:fld id="{090B515E-C25E-45EE-BA79-D334A31660AC}" type="datetimeFigureOut">
               <a:rPr lang="en-US" smtClean="0"/>
               <a:pPr/>
-              <a:t>6/3/2017</a:t>
+              <a:t>7/26/2017</a:t>
             </a:fld>
             <a:endParaRPr lang="en-US"/>
           </a:p>
@@ -3035,10 +3037,9 @@
           <a:lstStyle/>
           <a:p>
             <a:r>
-              <a:rPr lang="en-US" smtClean="0"/>
+              <a:rPr lang="en-US"/>
               <a:t>Click to edit Master title style</a:t>
             </a:r>
-            <a:endParaRPr lang="en-US"/>
           </a:p>
         </p:txBody>
       </p:sp>
@@ -3069,38 +3070,37 @@
           <a:p>
             <a:pPr lvl="0"/>
             <a:r>
-              <a:rPr lang="en-US" smtClean="0"/>
+              <a:rPr lang="en-US"/>
               <a:t>Click to edit Master text styles</a:t>
             </a:r>
           </a:p>
           <a:p>
             <a:pPr lvl="1"/>
             <a:r>
-              <a:rPr lang="en-US" smtClean="0"/>
+              <a:rPr lang="en-US"/>
               <a:t>Second level</a:t>
             </a:r>
           </a:p>
           <a:p>
             <a:pPr lvl="2"/>
             <a:r>
-              <a:rPr lang="en-US" smtClean="0"/>
+              <a:rPr lang="en-US"/>
               <a:t>Third level</a:t>
             </a:r>
           </a:p>
           <a:p>
             <a:pPr lvl="3"/>
             <a:r>
-              <a:rPr lang="en-US" smtClean="0"/>
+              <a:rPr lang="en-US"/>
               <a:t>Fourth level</a:t>
             </a:r>
           </a:p>
           <a:p>
             <a:pPr lvl="4"/>
             <a:r>
-              <a:rPr lang="en-US" smtClean="0"/>
+              <a:rPr lang="en-US"/>
               <a:t>Fifth level</a:t>
             </a:r>
-            <a:endParaRPr lang="en-US"/>
           </a:p>
         </p:txBody>
       </p:sp>
@@ -3140,7 +3140,7 @@
             <a:fld id="{090B515E-C25E-45EE-BA79-D334A31660AC}" type="datetimeFigureOut">
               <a:rPr lang="en-US" smtClean="0"/>
               <a:pPr/>
-              <a:t>6/3/2017</a:t>
+              <a:t>7/26/2017</a:t>
             </a:fld>
             <a:endParaRPr lang="en-US"/>
           </a:p>
@@ -4694,18 +4694,13 @@
           <a:lstStyle/>
           <a:p>
             <a:r>
-              <a:rPr lang="en-US" sz="1400" b="1" dirty="0" smtClean="0">
+              <a:rPr lang="en-US" sz="1400" b="1" dirty="0">
                 <a:solidFill>
                   <a:schemeClr val="bg1"/>
                 </a:solidFill>
               </a:rPr>
               <a:t>Left</a:t>
             </a:r>
-            <a:endParaRPr lang="en-US" sz="1400" b="1" dirty="0">
-              <a:solidFill>
-                <a:schemeClr val="bg1"/>
-              </a:solidFill>
-            </a:endParaRPr>
           </a:p>
         </p:txBody>
       </p:sp>
@@ -4868,18 +4863,13 @@
             <a:lstStyle/>
             <a:p>
               <a:r>
-                <a:rPr lang="en-US" sz="1400" b="1" dirty="0" smtClean="0">
+                <a:rPr lang="en-US" sz="1400" b="1" dirty="0">
                   <a:solidFill>
                     <a:schemeClr val="bg1"/>
                   </a:solidFill>
                 </a:rPr>
                 <a:t>Right</a:t>
               </a:r>
-              <a:endParaRPr lang="en-US" sz="1400" b="1" dirty="0">
-                <a:solidFill>
-                  <a:schemeClr val="bg1"/>
-                </a:solidFill>
-              </a:endParaRPr>
             </a:p>
           </p:txBody>
         </p:sp>
@@ -5091,10 +5081,9 @@
           <a:lstStyle/>
           <a:p>
             <a:r>
-              <a:rPr lang="en-US" sz="1200" b="1" dirty="0" smtClean="0"/>
+              <a:rPr lang="en-US" sz="1200" b="1" dirty="0"/>
               <a:t>Go Forward</a:t>
             </a:r>
-            <a:endParaRPr lang="en-US" sz="1200" b="1" dirty="0"/>
           </a:p>
         </p:txBody>
       </p:sp>
@@ -5168,10 +5157,9 @@
           <a:lstStyle/>
           <a:p>
             <a:r>
-              <a:rPr lang="en-US" sz="1200" b="1" dirty="0" smtClean="0"/>
+              <a:rPr lang="en-US" sz="1200" b="1" dirty="0"/>
               <a:t>Turn Left</a:t>
             </a:r>
-            <a:endParaRPr lang="en-US" sz="1200" b="1" dirty="0"/>
           </a:p>
         </p:txBody>
       </p:sp>
@@ -5363,10 +5351,9 @@
             <a:lstStyle/>
             <a:p>
               <a:r>
-                <a:rPr lang="en-US" sz="1200" b="1" dirty="0" smtClean="0"/>
+                <a:rPr lang="en-US" sz="1200" b="1" dirty="0"/>
                 <a:t>Turn Left</a:t>
               </a:r>
-              <a:endParaRPr lang="en-US" sz="1200" b="1" dirty="0"/>
             </a:p>
           </p:txBody>
         </p:sp>
@@ -5566,10 +5553,9 @@
           <a:lstStyle/>
           <a:p>
             <a:r>
-              <a:rPr lang="en-US" sz="1200" b="1" dirty="0" smtClean="0"/>
+              <a:rPr lang="en-US" sz="1200" b="1" dirty="0"/>
               <a:t>Turn Left</a:t>
             </a:r>
-            <a:endParaRPr lang="en-US" sz="1200" b="1" dirty="0"/>
           </a:p>
         </p:txBody>
       </p:sp>
@@ -5709,10 +5695,9 @@
             <a:lstStyle/>
             <a:p>
               <a:r>
-                <a:rPr lang="en-US" sz="1200" b="1" dirty="0" smtClean="0"/>
+                <a:rPr lang="en-US" sz="1200" b="1" dirty="0"/>
                 <a:t>Turn Right</a:t>
               </a:r>
-              <a:endParaRPr lang="en-US" sz="1200" b="1" dirty="0"/>
             </a:p>
           </p:txBody>
         </p:sp>
@@ -5874,10 +5859,9 @@
             <a:lstStyle/>
             <a:p>
               <a:r>
-                <a:rPr lang="en-US" sz="1200" b="1" dirty="0" smtClean="0"/>
+                <a:rPr lang="en-US" sz="1200" b="1" dirty="0"/>
                 <a:t>Turn Right</a:t>
               </a:r>
-              <a:endParaRPr lang="en-US" sz="1200" b="1" dirty="0"/>
             </a:p>
           </p:txBody>
         </p:sp>
@@ -6080,10 +6064,9 @@
           <a:lstStyle/>
           <a:p>
             <a:r>
-              <a:rPr lang="en-US" sz="1200" b="1" dirty="0" smtClean="0"/>
+              <a:rPr lang="en-US" sz="1200" b="1" dirty="0"/>
               <a:t>Turn Right</a:t>
             </a:r>
-            <a:endParaRPr lang="en-US" sz="1200" b="1" dirty="0"/>
           </a:p>
         </p:txBody>
       </p:sp>
@@ -6241,10 +6224,9 @@
           <a:lstStyle/>
           <a:p>
             <a:r>
-              <a:rPr lang="en-US" sz="1200" b="1" dirty="0" smtClean="0"/>
+              <a:rPr lang="en-US" sz="1200" b="1" dirty="0"/>
               <a:t>Turn Left</a:t>
             </a:r>
-            <a:endParaRPr lang="en-US" sz="1200" b="1" dirty="0"/>
           </a:p>
         </p:txBody>
       </p:sp>
@@ -6376,10 +6358,9 @@
           <a:lstStyle/>
           <a:p>
             <a:r>
-              <a:rPr lang="en-US" sz="1200" b="1" dirty="0" smtClean="0"/>
+              <a:rPr lang="en-US" sz="1200" b="1" dirty="0"/>
               <a:t>Eat</a:t>
             </a:r>
-            <a:endParaRPr lang="en-US" sz="1200" b="1" dirty="0"/>
           </a:p>
         </p:txBody>
       </p:sp>
@@ -6453,10 +6434,9 @@
           <a:lstStyle/>
           <a:p>
             <a:r>
-              <a:rPr lang="en-US" sz="1200" b="1" dirty="0" smtClean="0"/>
+              <a:rPr lang="en-US" sz="1200" b="1" dirty="0"/>
               <a:t>Eat</a:t>
             </a:r>
-            <a:endParaRPr lang="en-US" sz="1200" b="1" dirty="0"/>
           </a:p>
         </p:txBody>
       </p:sp>
@@ -6650,14 +6630,11 @@
           <a:p>
             <a:pPr algn="ctr"/>
             <a:r>
-              <a:rPr lang="en-US" b="1" dirty="0" smtClean="0">
+              <a:rPr lang="en-US" b="1" dirty="0">
                 <a:latin typeface="Calibri" pitchFamily="34" charset="0"/>
               </a:rPr>
               <a:t>1</a:t>
             </a:r>
-            <a:endParaRPr lang="en-US" b="1" dirty="0">
-              <a:latin typeface="Calibri" pitchFamily="34" charset="0"/>
-            </a:endParaRPr>
           </a:p>
         </p:txBody>
       </p:sp>
@@ -6886,10 +6863,9 @@
           <a:p>
             <a:pPr algn="ctr"/>
             <a:r>
-              <a:rPr lang="en-US" sz="1200" b="1" dirty="0" smtClean="0"/>
+              <a:rPr lang="en-US" sz="1200" b="1" dirty="0"/>
               <a:t>{</a:t>
             </a:r>
-            <a:endParaRPr lang="en-US" sz="1200" b="1" dirty="0"/>
           </a:p>
         </p:txBody>
       </p:sp>
@@ -6967,10 +6943,9 @@
           <a:p>
             <a:pPr algn="ctr"/>
             <a:r>
-              <a:rPr lang="en-US" sz="1200" b="1" dirty="0" smtClean="0"/>
+              <a:rPr lang="en-US" sz="1200" b="1" dirty="0"/>
               <a:t>{</a:t>
             </a:r>
-            <a:endParaRPr lang="en-US" sz="1200" b="1" dirty="0"/>
           </a:p>
         </p:txBody>
       </p:sp>
@@ -7248,7 +7223,7 @@
               <a:defRPr/>
             </a:pPr>
             <a:r>
-              <a:rPr kumimoji="0" lang="en-US" sz="2400" b="1" i="0" u="none" strike="noStrike" kern="1200" cap="none" spc="0" normalizeH="0" baseline="0" noProof="0" dirty="0" smtClean="0">
+              <a:rPr kumimoji="0" lang="en-US" sz="2400" b="1" i="0" u="none" strike="noStrike" kern="1200" cap="none" spc="0" normalizeH="0" baseline="0" noProof="0" dirty="0">
                 <a:ln>
                   <a:noFill/>
                 </a:ln>
@@ -7271,7 +7246,7 @@
               <a:t>H</a:t>
             </a:r>
             <a:r>
-              <a:rPr kumimoji="0" lang="en-US" sz="2400" b="1" i="0" u="none" strike="noStrike" kern="1200" cap="none" spc="0" normalizeH="0" baseline="0" noProof="0" dirty="0" smtClean="0">
+              <a:rPr kumimoji="0" lang="en-US" sz="2400" b="1" i="0" u="none" strike="noStrike" kern="1200" cap="none" spc="0" normalizeH="0" baseline="0" noProof="0" dirty="0">
                 <a:ln>
                   <a:noFill/>
                 </a:ln>
@@ -7297,7 +7272,7 @@
               <a:t>a</a:t>
             </a:r>
             <a:r>
-              <a:rPr kumimoji="0" lang="en-US" sz="2400" b="1" i="0" u="none" strike="noStrike" kern="1200" cap="none" spc="0" normalizeH="0" baseline="0" noProof="0" dirty="0" smtClean="0">
+              <a:rPr kumimoji="0" lang="en-US" sz="2400" b="1" i="0" u="none" strike="noStrike" kern="1200" cap="none" spc="0" normalizeH="0" baseline="0" noProof="0" dirty="0">
                 <a:ln>
                   <a:noFill/>
                 </a:ln>
@@ -7320,7 +7295,7 @@
               <a:t>a</a:t>
             </a:r>
             <a:r>
-              <a:rPr kumimoji="0" lang="en-US" sz="2400" b="1" i="0" u="none" strike="noStrike" kern="1200" cap="none" spc="0" normalizeH="0" baseline="0" noProof="0" dirty="0" smtClean="0">
+              <a:rPr kumimoji="0" lang="en-US" sz="2400" b="1" i="0" u="none" strike="noStrike" kern="1200" cap="none" spc="0" normalizeH="0" baseline="0" noProof="0" dirty="0">
                 <a:ln>
                   <a:noFill/>
                 </a:ln>
@@ -7343,7 +7318,7 @@
               <a:t>t</a:t>
             </a:r>
             <a:r>
-              <a:rPr kumimoji="0" lang="en-US" sz="2400" b="1" i="0" u="none" strike="noStrike" kern="1200" cap="none" spc="0" normalizeH="0" baseline="0" noProof="0" dirty="0" smtClean="0">
+              <a:rPr kumimoji="0" lang="en-US" sz="2400" b="1" i="0" u="none" strike="noStrike" kern="1200" cap="none" spc="0" normalizeH="0" baseline="0" noProof="0" dirty="0">
                 <a:ln>
                   <a:noFill/>
                 </a:ln>
@@ -7368,7 +7343,7 @@
               <a:t>h</a:t>
             </a:r>
             <a:r>
-              <a:rPr kumimoji="0" lang="en-US" sz="2400" b="1" i="0" u="none" strike="noStrike" kern="1200" cap="none" spc="0" normalizeH="0" baseline="0" noProof="0" dirty="0" smtClean="0">
+              <a:rPr kumimoji="0" lang="en-US" sz="2400" b="1" i="0" u="none" strike="noStrike" kern="1200" cap="none" spc="0" normalizeH="0" baseline="0" noProof="0" dirty="0">
                 <a:ln>
                   <a:noFill/>
                 </a:ln>
@@ -7391,7 +7366,7 @@
               <a:t>i</a:t>
             </a:r>
             <a:r>
-              <a:rPr kumimoji="0" lang="en-US" sz="2400" b="1" i="0" u="none" strike="noStrike" kern="1200" cap="none" spc="0" normalizeH="0" baseline="0" noProof="0" dirty="0" smtClean="0">
+              <a:rPr kumimoji="0" lang="en-US" sz="2400" b="1" i="0" u="none" strike="noStrike" kern="1200" cap="none" spc="0" normalizeH="0" baseline="0" noProof="0" dirty="0">
                 <a:ln>
                   <a:noFill/>
                 </a:ln>
@@ -7414,7 +7389,7 @@
               <a:t> </a:t>
             </a:r>
             <a:br>
-              <a:rPr kumimoji="0" lang="en-US" sz="2400" b="1" i="0" u="none" strike="noStrike" kern="1200" cap="none" spc="0" normalizeH="0" baseline="0" noProof="0" dirty="0" smtClean="0">
+              <a:rPr kumimoji="0" lang="en-US" sz="2400" b="1" i="0" u="none" strike="noStrike" kern="1200" cap="none" spc="0" normalizeH="0" baseline="0" noProof="0" dirty="0">
                 <a:ln>
                   <a:noFill/>
                 </a:ln>
@@ -7436,7 +7411,7 @@
               </a:rPr>
             </a:br>
             <a:r>
-              <a:rPr kumimoji="0" lang="en-US" sz="2400" b="1" i="0" u="none" strike="noStrike" kern="1200" cap="none" spc="0" normalizeH="0" baseline="0" noProof="0" dirty="0" smtClean="0">
+              <a:rPr kumimoji="0" lang="en-US" sz="2400" b="1" i="0" u="none" strike="noStrike" kern="1200" cap="none" spc="0" normalizeH="0" baseline="0" noProof="0" dirty="0">
                 <a:ln>
                   <a:noFill/>
                 </a:ln>
@@ -7462,7 +7437,7 @@
               <a:t>M</a:t>
             </a:r>
             <a:r>
-              <a:rPr kumimoji="0" lang="en-US" sz="2400" b="1" i="0" u="none" strike="noStrike" kern="1200" cap="none" spc="0" normalizeH="0" baseline="0" noProof="0" dirty="0" smtClean="0">
+              <a:rPr kumimoji="0" lang="en-US" sz="2400" b="1" i="0" u="none" strike="noStrike" kern="1200" cap="none" spc="0" normalizeH="0" baseline="0" noProof="0" dirty="0">
                 <a:ln>
                   <a:noFill/>
                 </a:ln>
@@ -7488,7 +7463,7 @@
               <a:t>e</a:t>
             </a:r>
             <a:r>
-              <a:rPr kumimoji="0" lang="en-US" sz="2400" b="1" i="0" u="none" strike="noStrike" kern="1200" cap="none" spc="0" normalizeH="0" baseline="0" noProof="0" dirty="0" smtClean="0">
+              <a:rPr kumimoji="0" lang="en-US" sz="2400" b="1" i="0" u="none" strike="noStrike" kern="1200" cap="none" spc="0" normalizeH="0" baseline="0" noProof="0" dirty="0">
                 <a:ln>
                   <a:noFill/>
                 </a:ln>
@@ -7511,7 +7486,7 @@
               <a:t>r</a:t>
             </a:r>
             <a:r>
-              <a:rPr kumimoji="0" lang="en-US" sz="2400" b="1" i="0" u="none" strike="noStrike" kern="1200" cap="none" spc="0" normalizeH="0" baseline="0" noProof="0" dirty="0" smtClean="0">
+              <a:rPr kumimoji="0" lang="en-US" sz="2400" b="1" i="0" u="none" strike="noStrike" kern="1200" cap="none" spc="0" normalizeH="0" baseline="0" noProof="0" dirty="0">
                 <a:ln>
                   <a:noFill/>
                 </a:ln>
@@ -7534,7 +7509,7 @@
               <a:t>a</a:t>
             </a:r>
             <a:r>
-              <a:rPr kumimoji="0" lang="en-US" sz="2400" b="1" i="0" u="none" strike="noStrike" kern="1200" cap="none" spc="0" normalizeH="0" baseline="0" noProof="0" dirty="0" smtClean="0">
+              <a:rPr kumimoji="0" lang="en-US" sz="2400" b="1" i="0" u="none" strike="noStrike" kern="1200" cap="none" spc="0" normalizeH="0" baseline="0" noProof="0" dirty="0">
                 <a:ln>
                   <a:noFill/>
                 </a:ln>
@@ -7557,7 +7532,7 @@
               <a:t> </a:t>
             </a:r>
             <a:br>
-              <a:rPr kumimoji="0" lang="en-US" sz="2400" b="1" i="0" u="none" strike="noStrike" kern="1200" cap="none" spc="0" normalizeH="0" baseline="0" noProof="0" dirty="0" smtClean="0">
+              <a:rPr kumimoji="0" lang="en-US" sz="2400" b="1" i="0" u="none" strike="noStrike" kern="1200" cap="none" spc="0" normalizeH="0" baseline="0" noProof="0" dirty="0">
                 <a:ln>
                   <a:noFill/>
                 </a:ln>
@@ -7579,7 +7554,7 @@
               </a:rPr>
             </a:br>
             <a:r>
-              <a:rPr kumimoji="0" lang="en-US" sz="2400" b="1" i="0" u="none" strike="noStrike" kern="1200" cap="none" spc="0" normalizeH="0" baseline="0" noProof="0" dirty="0" smtClean="0">
+              <a:rPr kumimoji="0" lang="en-US" sz="2400" b="1" i="0" u="none" strike="noStrike" kern="1200" cap="none" spc="0" normalizeH="0" baseline="0" noProof="0" dirty="0">
                 <a:ln>
                   <a:noFill/>
                 </a:ln>
@@ -7605,7 +7580,7 @@
               <a:t>S</a:t>
             </a:r>
             <a:r>
-              <a:rPr kumimoji="0" lang="en-US" sz="2400" b="1" i="0" u="none" strike="noStrike" kern="1200" cap="none" spc="0" normalizeH="0" baseline="0" noProof="0" dirty="0" smtClean="0">
+              <a:rPr kumimoji="0" lang="en-US" sz="2400" b="1" i="0" u="none" strike="noStrike" kern="1200" cap="none" spc="0" normalizeH="0" baseline="0" noProof="0" dirty="0">
                 <a:ln>
                   <a:noFill/>
                 </a:ln>
@@ -7628,7 +7603,7 @@
               <a:t>a</a:t>
             </a:r>
             <a:r>
-              <a:rPr kumimoji="0" lang="en-US" sz="2400" b="1" i="0" u="none" strike="noStrike" kern="1200" cap="none" spc="0" normalizeH="0" baseline="0" noProof="0" dirty="0" smtClean="0">
+              <a:rPr kumimoji="0" lang="en-US" sz="2400" b="1" i="0" u="none" strike="noStrike" kern="1200" cap="none" spc="0" normalizeH="0" baseline="0" noProof="0" dirty="0">
                 <a:ln>
                   <a:noFill/>
                 </a:ln>
@@ -7654,7 +7629,7 @@
               <a:t>a</a:t>
             </a:r>
             <a:r>
-              <a:rPr kumimoji="0" lang="en-US" sz="2400" b="1" i="0" u="none" strike="noStrike" kern="1200" cap="none" spc="0" normalizeH="0" baseline="0" noProof="0" dirty="0" smtClean="0">
+              <a:rPr kumimoji="0" lang="en-US" sz="2400" b="1" i="0" u="none" strike="noStrike" kern="1200" cap="none" spc="0" normalizeH="0" baseline="0" noProof="0" dirty="0">
                 <a:ln>
                   <a:noFill/>
                 </a:ln>
@@ -7677,7 +7652,7 @@
               <a:t>t</a:t>
             </a:r>
             <a:r>
-              <a:rPr kumimoji="0" lang="en-US" sz="2400" b="1" i="0" u="none" strike="noStrike" kern="1200" cap="none" spc="0" normalizeH="0" baseline="0" noProof="0" dirty="0" smtClean="0">
+              <a:rPr kumimoji="0" lang="en-US" sz="2400" b="1" i="0" u="none" strike="noStrike" kern="1200" cap="none" spc="0" normalizeH="0" baseline="0" noProof="0" dirty="0">
                 <a:ln>
                   <a:noFill/>
                 </a:ln>
@@ -7700,7 +7675,7 @@
               <a:t>h</a:t>
             </a:r>
             <a:r>
-              <a:rPr kumimoji="0" lang="en-US" sz="2400" b="1" i="0" u="none" strike="noStrike" kern="1200" cap="none" spc="0" normalizeH="0" baseline="0" noProof="0" dirty="0" smtClean="0">
+              <a:rPr kumimoji="0" lang="en-US" sz="2400" b="1" i="0" u="none" strike="noStrike" kern="1200" cap="none" spc="0" normalizeH="0" baseline="0" noProof="0" dirty="0">
                 <a:ln>
                   <a:noFill/>
                 </a:ln>
@@ -7722,26 +7697,6 @@
               </a:rPr>
               <a:t>i</a:t>
             </a:r>
-            <a:endParaRPr kumimoji="0" lang="en-US" sz="2400" b="1" i="0" u="none" strike="noStrike" kern="1200" cap="none" spc="0" normalizeH="0" baseline="0" noProof="0" dirty="0">
-              <a:ln>
-                <a:noFill/>
-              </a:ln>
-              <a:solidFill>
-                <a:srgbClr val="00B050"/>
-              </a:solidFill>
-              <a:effectLst>
-                <a:outerShdw blurRad="38100" dist="38100" dir="2700000" algn="tl">
-                  <a:srgbClr val="000000">
-                    <a:alpha val="43137"/>
-                  </a:srgbClr>
-                </a:outerShdw>
-              </a:effectLst>
-              <a:uLnTx/>
-              <a:uFillTx/>
-              <a:latin typeface="Sweet Cheeks" panose="02000603000000000000" pitchFamily="2" charset="0"/>
-              <a:ea typeface="Sweet Cheeks" panose="02000603000000000000" pitchFamily="2" charset="0"/>
-              <a:cs typeface="+mj-cs"/>
-            </a:endParaRPr>
           </a:p>
         </p:txBody>
       </p:sp>
@@ -7757,7 +7712,7 @@
           <a:blip r:embed="rId2" cstate="print">
             <a:extLst>
               <a:ext uri="{28A0092B-C50C-407E-A947-70E740481C1C}">
-                <a14:useLocalDpi xmlns="" xmlns:a14="http://schemas.microsoft.com/office/drawing/2010/main" val="0"/>
+                <a14:useLocalDpi xmlns:a14="http://schemas.microsoft.com/office/drawing/2010/main" xmlns="" val="0"/>
               </a:ext>
             </a:extLst>
           </a:blip>
@@ -7786,14 +7741,14 @@
           </a:effectLst>
           <a:extLst>
             <a:ext uri="{909E8E84-426E-40DD-AFC4-6F175D3DCCD1}">
-              <a14:hiddenFill xmlns="" xmlns:a14="http://schemas.microsoft.com/office/drawing/2010/main">
+              <a14:hiddenFill xmlns:a14="http://schemas.microsoft.com/office/drawing/2010/main" xmlns="">
                 <a:solidFill>
                   <a:schemeClr val="accent1"/>
                 </a:solidFill>
               </a14:hiddenFill>
             </a:ext>
             <a:ext uri="{91240B29-F687-4F45-9708-019B960494DF}">
-              <a14:hiddenLine xmlns="" xmlns:a14="http://schemas.microsoft.com/office/drawing/2010/main" w="9525">
+              <a14:hiddenLine xmlns:a14="http://schemas.microsoft.com/office/drawing/2010/main" xmlns="" w="9525">
                 <a:solidFill>
                   <a:schemeClr val="tx1"/>
                 </a:solidFill>
@@ -7824,7 +7779,7 @@
             </a:duotone>
             <a:extLst>
               <a:ext uri="{28A0092B-C50C-407E-A947-70E740481C1C}">
-                <a14:useLocalDpi xmlns="" xmlns:a14="http://schemas.microsoft.com/office/drawing/2010/main" val="0"/>
+                <a14:useLocalDpi xmlns:a14="http://schemas.microsoft.com/office/drawing/2010/main" xmlns="" val="0"/>
               </a:ext>
             </a:extLst>
           </a:blip>
@@ -7853,14 +7808,14 @@
           </a:effectLst>
           <a:extLst>
             <a:ext uri="{909E8E84-426E-40DD-AFC4-6F175D3DCCD1}">
-              <a14:hiddenFill xmlns="" xmlns:a14="http://schemas.microsoft.com/office/drawing/2010/main">
+              <a14:hiddenFill xmlns:a14="http://schemas.microsoft.com/office/drawing/2010/main" xmlns="">
                 <a:solidFill>
                   <a:schemeClr val="accent1"/>
                 </a:solidFill>
               </a14:hiddenFill>
             </a:ext>
             <a:ext uri="{91240B29-F687-4F45-9708-019B960494DF}">
-              <a14:hiddenLine xmlns="" xmlns:a14="http://schemas.microsoft.com/office/drawing/2010/main" w="9525">
+              <a14:hiddenLine xmlns:a14="http://schemas.microsoft.com/office/drawing/2010/main" xmlns="" w="9525">
                 <a:solidFill>
                   <a:schemeClr val="tx1"/>
                 </a:solidFill>
@@ -7895,25 +7850,11 @@
           <a:lstStyle/>
           <a:p>
             <a:r>
-              <a:rPr lang="en-US" dirty="0" smtClean="0">
-                <a:latin typeface="Sweet Cheeks" panose="02000603000000000000" pitchFamily="2" charset="0"/>
-                <a:ea typeface="Sweet Cheeks" panose="02000603000000000000" pitchFamily="2" charset="0"/>
-              </a:rPr>
-              <a:t>Made </a:t>
-            </a:r>
-            <a:r>
               <a:rPr lang="en-US" dirty="0">
                 <a:latin typeface="Sweet Cheeks" panose="02000603000000000000" pitchFamily="2" charset="0"/>
                 <a:ea typeface="Sweet Cheeks" panose="02000603000000000000" pitchFamily="2" charset="0"/>
               </a:rPr>
-              <a:t>with </a:t>
-            </a:r>
-            <a:r>
-              <a:rPr lang="en-US" dirty="0" smtClean="0">
-                <a:latin typeface="Sweet Cheeks" panose="02000603000000000000" pitchFamily="2" charset="0"/>
-                <a:ea typeface="Sweet Cheeks" panose="02000603000000000000" pitchFamily="2" charset="0"/>
-              </a:rPr>
-              <a:t>AMMA’s </a:t>
+              <a:t>Made with AMMA’s </a:t>
             </a:r>
             <a:r>
               <a:rPr lang="en-US" dirty="0">
@@ -7924,7 +7865,7 @@
               <a:t>💗</a:t>
             </a:r>
             <a:r>
-              <a:rPr lang="en-US" dirty="0" smtClean="0">
+              <a:rPr lang="en-US" dirty="0">
                 <a:solidFill>
                   <a:srgbClr val="FF0000"/>
                 </a:solidFill>
@@ -7934,16 +7875,12 @@
               <a:t> </a:t>
             </a:r>
             <a:r>
-              <a:rPr lang="en-US" dirty="0" smtClean="0">
+              <a:rPr lang="en-US" dirty="0">
                 <a:latin typeface="Sweet Cheeks" panose="02000603000000000000" pitchFamily="2" charset="0"/>
                 <a:ea typeface="Sweet Cheeks" panose="02000603000000000000" pitchFamily="2" charset="0"/>
               </a:rPr>
               <a:t>at AMMACHI Labs</a:t>
             </a:r>
-            <a:endParaRPr lang="en-US" dirty="0">
-              <a:latin typeface="Sweet Cheeks" panose="02000603000000000000" pitchFamily="2" charset="0"/>
-              <a:ea typeface="Sweet Cheeks" panose="02000603000000000000" pitchFamily="2" charset="0"/>
-            </a:endParaRPr>
           </a:p>
         </p:txBody>
       </p:sp>
@@ -8062,7 +7999,7 @@
               <a:defRPr/>
             </a:pPr>
             <a:r>
-              <a:rPr kumimoji="0" lang="en-US" sz="3200" b="1" i="0" u="none" strike="noStrike" kern="1200" cap="none" spc="0" normalizeH="0" baseline="0" noProof="0" dirty="0" smtClean="0">
+              <a:rPr kumimoji="0" lang="en-US" sz="3200" b="1" i="0" u="none" strike="noStrike" kern="1200" cap="none" spc="0" normalizeH="0" baseline="0" noProof="0" dirty="0">
                 <a:ln>
                   <a:noFill/>
                 </a:ln>
@@ -8085,7 +8022,7 @@
               <a:t>H</a:t>
             </a:r>
             <a:r>
-              <a:rPr kumimoji="0" lang="en-US" sz="3200" b="1" i="0" u="none" strike="noStrike" kern="1200" cap="none" spc="0" normalizeH="0" baseline="0" noProof="0" dirty="0" smtClean="0">
+              <a:rPr kumimoji="0" lang="en-US" sz="3200" b="1" i="0" u="none" strike="noStrike" kern="1200" cap="none" spc="0" normalizeH="0" baseline="0" noProof="0" dirty="0">
                 <a:ln>
                   <a:noFill/>
                 </a:ln>
@@ -8111,7 +8048,7 @@
               <a:t>a</a:t>
             </a:r>
             <a:r>
-              <a:rPr kumimoji="0" lang="en-US" sz="3200" b="1" i="0" u="none" strike="noStrike" kern="1200" cap="none" spc="0" normalizeH="0" baseline="0" noProof="0" dirty="0" smtClean="0">
+              <a:rPr kumimoji="0" lang="en-US" sz="3200" b="1" i="0" u="none" strike="noStrike" kern="1200" cap="none" spc="0" normalizeH="0" baseline="0" noProof="0" dirty="0">
                 <a:ln>
                   <a:noFill/>
                 </a:ln>
@@ -8134,7 +8071,7 @@
               <a:t>a</a:t>
             </a:r>
             <a:r>
-              <a:rPr kumimoji="0" lang="en-US" sz="3200" b="1" i="0" u="none" strike="noStrike" kern="1200" cap="none" spc="0" normalizeH="0" baseline="0" noProof="0" dirty="0" smtClean="0">
+              <a:rPr kumimoji="0" lang="en-US" sz="3200" b="1" i="0" u="none" strike="noStrike" kern="1200" cap="none" spc="0" normalizeH="0" baseline="0" noProof="0" dirty="0">
                 <a:ln>
                   <a:noFill/>
                 </a:ln>
@@ -8157,7 +8094,7 @@
               <a:t>t</a:t>
             </a:r>
             <a:r>
-              <a:rPr kumimoji="0" lang="en-US" sz="3200" b="1" i="0" u="none" strike="noStrike" kern="1200" cap="none" spc="0" normalizeH="0" baseline="0" noProof="0" dirty="0" smtClean="0">
+              <a:rPr kumimoji="0" lang="en-US" sz="3200" b="1" i="0" u="none" strike="noStrike" kern="1200" cap="none" spc="0" normalizeH="0" baseline="0" noProof="0" dirty="0">
                 <a:ln>
                   <a:noFill/>
                 </a:ln>
@@ -8182,7 +8119,7 @@
               <a:t>h</a:t>
             </a:r>
             <a:r>
-              <a:rPr kumimoji="0" lang="en-US" sz="3200" b="1" i="0" u="none" strike="noStrike" kern="1200" cap="none" spc="0" normalizeH="0" baseline="0" noProof="0" dirty="0" smtClean="0">
+              <a:rPr kumimoji="0" lang="en-US" sz="3200" b="1" i="0" u="none" strike="noStrike" kern="1200" cap="none" spc="0" normalizeH="0" baseline="0" noProof="0" dirty="0">
                 <a:ln>
                   <a:noFill/>
                 </a:ln>
@@ -8205,7 +8142,7 @@
               <a:t>i</a:t>
             </a:r>
             <a:r>
-              <a:rPr lang="en-US" sz="3200" b="1" dirty="0" smtClean="0">
+              <a:rPr lang="en-US" sz="3200" b="1" dirty="0">
                 <a:effectLst>
                   <a:outerShdw blurRad="38100" dist="38100" dir="2700000" algn="tl">
                     <a:srgbClr val="000000">
@@ -8220,7 +8157,7 @@
               <a:t> </a:t>
             </a:r>
             <a:r>
-              <a:rPr kumimoji="0" lang="en-US" sz="3200" b="1" i="0" u="none" strike="noStrike" kern="1200" cap="none" spc="0" normalizeH="0" baseline="0" noProof="0" dirty="0" smtClean="0">
+              <a:rPr kumimoji="0" lang="en-US" sz="3200" b="1" i="0" u="none" strike="noStrike" kern="1200" cap="none" spc="0" normalizeH="0" baseline="0" noProof="0" dirty="0">
                 <a:ln>
                   <a:noFill/>
                 </a:ln>
@@ -8246,7 +8183,7 @@
               <a:t>M</a:t>
             </a:r>
             <a:r>
-              <a:rPr kumimoji="0" lang="en-US" sz="3200" b="1" i="0" u="none" strike="noStrike" kern="1200" cap="none" spc="0" normalizeH="0" baseline="0" noProof="0" dirty="0" smtClean="0">
+              <a:rPr kumimoji="0" lang="en-US" sz="3200" b="1" i="0" u="none" strike="noStrike" kern="1200" cap="none" spc="0" normalizeH="0" baseline="0" noProof="0" dirty="0">
                 <a:ln>
                   <a:noFill/>
                 </a:ln>
@@ -8272,7 +8209,7 @@
               <a:t>e</a:t>
             </a:r>
             <a:r>
-              <a:rPr kumimoji="0" lang="en-US" sz="3200" b="1" i="0" u="none" strike="noStrike" kern="1200" cap="none" spc="0" normalizeH="0" baseline="0" noProof="0" dirty="0" smtClean="0">
+              <a:rPr kumimoji="0" lang="en-US" sz="3200" b="1" i="0" u="none" strike="noStrike" kern="1200" cap="none" spc="0" normalizeH="0" baseline="0" noProof="0" dirty="0">
                 <a:ln>
                   <a:noFill/>
                 </a:ln>
@@ -8295,7 +8232,7 @@
               <a:t>r</a:t>
             </a:r>
             <a:r>
-              <a:rPr kumimoji="0" lang="en-US" sz="3200" b="1" i="0" u="none" strike="noStrike" kern="1200" cap="none" spc="0" normalizeH="0" baseline="0" noProof="0" dirty="0" smtClean="0">
+              <a:rPr kumimoji="0" lang="en-US" sz="3200" b="1" i="0" u="none" strike="noStrike" kern="1200" cap="none" spc="0" normalizeH="0" baseline="0" noProof="0" dirty="0">
                 <a:ln>
                   <a:noFill/>
                 </a:ln>
@@ -8318,7 +8255,7 @@
               <a:t>a </a:t>
             </a:r>
             <a:r>
-              <a:rPr kumimoji="0" lang="en-US" sz="3200" b="1" i="0" u="none" strike="noStrike" kern="1200" cap="none" spc="0" normalizeH="0" baseline="0" noProof="0" dirty="0" smtClean="0">
+              <a:rPr kumimoji="0" lang="en-US" sz="3200" b="1" i="0" u="none" strike="noStrike" kern="1200" cap="none" spc="0" normalizeH="0" baseline="0" noProof="0" dirty="0">
                 <a:ln>
                   <a:noFill/>
                 </a:ln>
@@ -8344,7 +8281,7 @@
               <a:t>S</a:t>
             </a:r>
             <a:r>
-              <a:rPr kumimoji="0" lang="en-US" sz="3200" b="1" i="0" u="none" strike="noStrike" kern="1200" cap="none" spc="0" normalizeH="0" baseline="0" noProof="0" dirty="0" smtClean="0">
+              <a:rPr kumimoji="0" lang="en-US" sz="3200" b="1" i="0" u="none" strike="noStrike" kern="1200" cap="none" spc="0" normalizeH="0" baseline="0" noProof="0" dirty="0">
                 <a:ln>
                   <a:noFill/>
                 </a:ln>
@@ -8367,7 +8304,7 @@
               <a:t>a</a:t>
             </a:r>
             <a:r>
-              <a:rPr kumimoji="0" lang="en-US" sz="3200" b="1" i="0" u="none" strike="noStrike" kern="1200" cap="none" spc="0" normalizeH="0" baseline="0" noProof="0" dirty="0" smtClean="0">
+              <a:rPr kumimoji="0" lang="en-US" sz="3200" b="1" i="0" u="none" strike="noStrike" kern="1200" cap="none" spc="0" normalizeH="0" baseline="0" noProof="0" dirty="0">
                 <a:ln>
                   <a:noFill/>
                 </a:ln>
@@ -8393,7 +8330,7 @@
               <a:t>a</a:t>
             </a:r>
             <a:r>
-              <a:rPr kumimoji="0" lang="en-US" sz="3200" b="1" i="0" u="none" strike="noStrike" kern="1200" cap="none" spc="0" normalizeH="0" baseline="0" noProof="0" dirty="0" smtClean="0">
+              <a:rPr kumimoji="0" lang="en-US" sz="3200" b="1" i="0" u="none" strike="noStrike" kern="1200" cap="none" spc="0" normalizeH="0" baseline="0" noProof="0" dirty="0">
                 <a:ln>
                   <a:noFill/>
                 </a:ln>
@@ -8416,7 +8353,7 @@
               <a:t>t</a:t>
             </a:r>
             <a:r>
-              <a:rPr kumimoji="0" lang="en-US" sz="3200" b="1" i="0" u="none" strike="noStrike" kern="1200" cap="none" spc="0" normalizeH="0" baseline="0" noProof="0" dirty="0" smtClean="0">
+              <a:rPr kumimoji="0" lang="en-US" sz="3200" b="1" i="0" u="none" strike="noStrike" kern="1200" cap="none" spc="0" normalizeH="0" baseline="0" noProof="0" dirty="0">
                 <a:ln>
                   <a:noFill/>
                 </a:ln>
@@ -8439,7 +8376,7 @@
               <a:t>h</a:t>
             </a:r>
             <a:r>
-              <a:rPr kumimoji="0" lang="en-US" sz="3200" b="1" i="0" u="none" strike="noStrike" kern="1200" cap="none" spc="0" normalizeH="0" baseline="0" noProof="0" dirty="0" smtClean="0">
+              <a:rPr kumimoji="0" lang="en-US" sz="3200" b="1" i="0" u="none" strike="noStrike" kern="1200" cap="none" spc="0" normalizeH="0" baseline="0" noProof="0" dirty="0">
                 <a:ln>
                   <a:noFill/>
                 </a:ln>
@@ -8461,26 +8398,6 @@
               </a:rPr>
               <a:t>i</a:t>
             </a:r>
-            <a:endParaRPr kumimoji="0" lang="en-US" sz="3200" b="1" i="0" u="none" strike="noStrike" kern="1200" cap="none" spc="0" normalizeH="0" baseline="0" noProof="0" dirty="0">
-              <a:ln>
-                <a:noFill/>
-              </a:ln>
-              <a:solidFill>
-                <a:srgbClr val="00B050"/>
-              </a:solidFill>
-              <a:effectLst>
-                <a:outerShdw blurRad="38100" dist="38100" dir="2700000" algn="tl">
-                  <a:srgbClr val="000000">
-                    <a:alpha val="43137"/>
-                  </a:srgbClr>
-                </a:outerShdw>
-              </a:effectLst>
-              <a:uLnTx/>
-              <a:uFillTx/>
-              <a:latin typeface="Sweet Cheeks" panose="02000603000000000000" pitchFamily="2" charset="0"/>
-              <a:ea typeface="Sweet Cheeks" panose="02000603000000000000" pitchFamily="2" charset="0"/>
-              <a:cs typeface="+mj-cs"/>
-            </a:endParaRPr>
           </a:p>
         </p:txBody>
       </p:sp>
@@ -8589,7 +8506,7 @@
               <a:defRPr/>
             </a:pPr>
             <a:r>
-              <a:rPr lang="en-US" sz="8800" b="1" dirty="0" smtClean="0">
+              <a:rPr lang="en-US" sz="8800" b="1" dirty="0">
                 <a:effectLst>
                   <a:outerShdw blurRad="38100" dist="38100" dir="2700000" algn="tl">
                     <a:srgbClr val="000000">
@@ -8611,7 +8528,7 @@
               <a:defRPr/>
             </a:pPr>
             <a:r>
-              <a:rPr lang="en-US" sz="8800" b="1" dirty="0" smtClean="0">
+              <a:rPr lang="en-US" sz="8800" b="1" dirty="0">
                 <a:effectLst>
                   <a:outerShdw blurRad="38100" dist="38100" dir="2700000" algn="tl">
                     <a:srgbClr val="000000">
@@ -8658,7 +8575,7 @@
               <a:defRPr/>
             </a:pPr>
             <a:r>
-              <a:rPr lang="en-US" sz="9600" b="1" dirty="0" smtClean="0">
+              <a:rPr lang="en-US" sz="9600" b="1" dirty="0">
                 <a:solidFill>
                   <a:srgbClr val="00B0F0"/>
                 </a:solidFill>
@@ -8675,7 +8592,7 @@
               <a:t>A</a:t>
             </a:r>
             <a:r>
-              <a:rPr lang="en-US" sz="9600" b="1" dirty="0" smtClean="0">
+              <a:rPr lang="en-US" sz="9600" b="1" dirty="0">
                 <a:solidFill>
                   <a:srgbClr val="92D050"/>
                 </a:solidFill>
@@ -8692,7 +8609,7 @@
               <a:t>r</a:t>
             </a:r>
             <a:r>
-              <a:rPr lang="en-US" sz="9600" b="1" dirty="0" smtClean="0">
+              <a:rPr lang="en-US" sz="9600" b="1" dirty="0">
                 <a:solidFill>
                   <a:srgbClr val="FF9966"/>
                 </a:solidFill>
@@ -8709,7 +8626,7 @@
               <a:t>t</a:t>
             </a:r>
             <a:r>
-              <a:rPr lang="en-US" sz="9600" b="1" dirty="0" smtClean="0">
+              <a:rPr lang="en-US" sz="9600" b="1" dirty="0">
                 <a:solidFill>
                   <a:schemeClr val="accent2">
                     <a:lumMod val="75000"/>
@@ -8736,7 +8653,7 @@
               <a:defRPr/>
             </a:pPr>
             <a:r>
-              <a:rPr lang="en-US" sz="9600" b="1" dirty="0" smtClean="0">
+              <a:rPr lang="en-US" sz="9600" b="1" dirty="0">
                 <a:solidFill>
                   <a:schemeClr val="accent6">
                     <a:lumMod val="75000"/>
@@ -8755,7 +8672,7 @@
               <a:t>S</a:t>
             </a:r>
             <a:r>
-              <a:rPr lang="en-US" sz="9600" b="1" dirty="0" smtClean="0">
+              <a:rPr lang="en-US" sz="9600" b="1" dirty="0">
                 <a:solidFill>
                   <a:srgbClr val="B888DC"/>
                 </a:solidFill>
@@ -8772,7 +8689,7 @@
               <a:t>a</a:t>
             </a:r>
             <a:r>
-              <a:rPr lang="en-US" sz="9600" b="1" dirty="0" smtClean="0">
+              <a:rPr lang="en-US" sz="9600" b="1" dirty="0">
                 <a:solidFill>
                   <a:srgbClr val="FFC000"/>
                 </a:solidFill>
@@ -8789,7 +8706,7 @@
               <a:t>n</a:t>
             </a:r>
             <a:r>
-              <a:rPr lang="en-US" sz="9600" b="1" dirty="0" smtClean="0">
+              <a:rPr lang="en-US" sz="9600" b="1" dirty="0">
                 <a:solidFill>
                   <a:schemeClr val="accent3">
                     <a:lumMod val="40000"/>
@@ -8809,7 +8726,7 @@
               <a:t>d</a:t>
             </a:r>
             <a:r>
-              <a:rPr lang="en-US" sz="9600" b="1" dirty="0" smtClean="0">
+              <a:rPr lang="en-US" sz="9600" b="1" dirty="0">
                 <a:solidFill>
                   <a:srgbClr val="B888DC"/>
                 </a:solidFill>
@@ -8826,7 +8743,7 @@
               <a:t>b</a:t>
             </a:r>
             <a:r>
-              <a:rPr lang="en-US" sz="9600" b="1" dirty="0" smtClean="0">
+              <a:rPr lang="en-US" sz="9600" b="1" dirty="0">
                 <a:solidFill>
                   <a:schemeClr val="accent6">
                     <a:lumMod val="75000"/>
@@ -8845,7 +8762,7 @@
               <a:t>o</a:t>
             </a:r>
             <a:r>
-              <a:rPr lang="en-US" sz="9600" b="1" dirty="0" smtClean="0">
+              <a:rPr lang="en-US" sz="9600" b="1" dirty="0">
                 <a:solidFill>
                   <a:schemeClr val="accent2">
                     <a:lumMod val="75000"/>
@@ -8864,7 +8781,7 @@
               <a:t>x</a:t>
             </a:r>
             <a:r>
-              <a:rPr lang="en-US" sz="9600" b="1" dirty="0" smtClean="0">
+              <a:rPr lang="en-US" sz="9600" b="1" dirty="0">
                 <a:effectLst>
                   <a:outerShdw blurRad="38100" dist="38100" dir="2700000" algn="tl">
                     <a:srgbClr val="000000">
@@ -8960,7 +8877,7 @@
               <a:defRPr/>
             </a:pPr>
             <a:r>
-              <a:rPr lang="en-US" sz="9600" b="1" dirty="0" smtClean="0">
+              <a:rPr lang="en-US" sz="9600" b="1" dirty="0">
                 <a:solidFill>
                   <a:schemeClr val="bg1">
                     <a:lumMod val="95000"/>
@@ -8987,7 +8904,7 @@
               <a:defRPr/>
             </a:pPr>
             <a:r>
-              <a:rPr lang="en-US" sz="9600" b="1" dirty="0" smtClean="0">
+              <a:rPr lang="en-US" sz="9600" b="1" dirty="0">
                 <a:solidFill>
                   <a:schemeClr val="bg1">
                     <a:lumMod val="95000"/>
@@ -9044,7 +8961,7 @@
               <a:defRPr/>
             </a:pPr>
             <a:r>
-              <a:rPr lang="en-US" sz="9600" b="1" dirty="0" smtClean="0">
+              <a:rPr lang="en-US" sz="9600" b="1" dirty="0">
                 <a:solidFill>
                   <a:schemeClr val="accent1"/>
                 </a:solidFill>
@@ -9069,7 +8986,7 @@
               <a:defRPr/>
             </a:pPr>
             <a:r>
-              <a:rPr lang="en-US" sz="9600" b="1" dirty="0" smtClean="0">
+              <a:rPr lang="en-US" sz="9600" b="1" dirty="0">
                 <a:solidFill>
                   <a:schemeClr val="accent1"/>
                 </a:solidFill>
@@ -10499,10 +10416,9 @@
           <a:p>
             <a:pPr algn="ctr"/>
             <a:r>
-              <a:rPr lang="en-US" sz="1200" b="1" dirty="0" smtClean="0"/>
+              <a:rPr lang="en-US" sz="1200" b="1" dirty="0"/>
               <a:t>Eat</a:t>
             </a:r>
-            <a:endParaRPr lang="en-US" sz="1200" b="1" dirty="0"/>
           </a:p>
         </p:txBody>
       </p:sp>
@@ -10742,10 +10658,9 @@
           <a:lstStyle/>
           <a:p>
             <a:r>
-              <a:rPr lang="en-US" sz="1200" b="1" dirty="0" smtClean="0"/>
+              <a:rPr lang="en-US" sz="1200" b="1" dirty="0"/>
               <a:t>Go Forward</a:t>
             </a:r>
-            <a:endParaRPr lang="en-US" sz="1200" b="1" dirty="0"/>
           </a:p>
         </p:txBody>
       </p:sp>
@@ -11611,7 +11526,7 @@
           <a:lstStyle/>
           <a:p>
             <a:r>
-              <a:rPr lang="en-US" sz="11500" dirty="0" smtClean="0">
+              <a:rPr lang="en-US" sz="11500" dirty="0">
                 <a:solidFill>
                   <a:schemeClr val="bg1"/>
                 </a:solidFill>
@@ -11831,7 +11746,7 @@
           <a:p>
             <a:pPr algn="ctr"/>
             <a:r>
-              <a:rPr lang="en-US" sz="4400" dirty="0" err="1" smtClean="0">
+              <a:rPr lang="en-US" sz="4400" dirty="0" err="1">
                 <a:solidFill>
                   <a:srgbClr val="FFFF00"/>
                 </a:solidFill>
@@ -11839,7 +11754,7 @@
               </a:rPr>
               <a:t>elephun</a:t>
             </a:r>
-            <a:endParaRPr lang="en-US" sz="4400" dirty="0" smtClean="0">
+            <a:endParaRPr lang="en-US" sz="4400" dirty="0">
               <a:solidFill>
                 <a:srgbClr val="FFFF00"/>
               </a:solidFill>
@@ -11911,7 +11826,7 @@
           <a:p>
             <a:pPr algn="ctr"/>
             <a:r>
-              <a:rPr lang="en-US" sz="4400" dirty="0" err="1" smtClean="0">
+              <a:rPr lang="en-US" sz="4400" dirty="0" err="1">
                 <a:solidFill>
                   <a:srgbClr val="FFFF00"/>
                 </a:solidFill>
@@ -11919,7 +11834,7 @@
               </a:rPr>
               <a:t>elephun</a:t>
             </a:r>
-            <a:endParaRPr lang="en-US" sz="4400" dirty="0" smtClean="0">
+            <a:endParaRPr lang="en-US" sz="4400" dirty="0">
               <a:solidFill>
                 <a:srgbClr val="FFFF00"/>
               </a:solidFill>
@@ -13113,7 +13028,7 @@
           <a:lstStyle/>
           <a:p>
             <a:r>
-              <a:rPr lang="en-US" sz="6000" dirty="0" smtClean="0">
+              <a:rPr lang="en-US" sz="6000" dirty="0">
                 <a:solidFill>
                   <a:srgbClr val="FFFF00"/>
                 </a:solidFill>
@@ -13122,7 +13037,7 @@
               <a:t>{(.</a:t>
             </a:r>
             <a:r>
-              <a:rPr lang="en-US" sz="8000" baseline="-36000" dirty="0" smtClean="0">
+              <a:rPr lang="en-US" sz="8000" baseline="-36000" dirty="0">
                 <a:solidFill>
                   <a:srgbClr val="FFFF00"/>
                 </a:solidFill>
@@ -13131,7 +13046,7 @@
               <a:t>;</a:t>
             </a:r>
             <a:r>
-              <a:rPr lang="en-US" sz="6000" dirty="0" smtClean="0">
+              <a:rPr lang="en-US" sz="6000" dirty="0">
                 <a:solidFill>
                   <a:srgbClr val="FFFF00"/>
                 </a:solidFill>
@@ -13208,7 +13123,7 @@
             <a:lstStyle/>
             <a:p>
               <a:pPr algn="ctr"/>
-              <a:endParaRPr lang="en-US" sz="3200" dirty="0" smtClean="0">
+              <a:endParaRPr lang="en-US" sz="3200" dirty="0">
                 <a:solidFill>
                   <a:srgbClr val="FFFF00"/>
                 </a:solidFill>
@@ -13258,7 +13173,7 @@
             <a:lstStyle/>
             <a:p>
               <a:r>
-                <a:rPr lang="en-US" sz="9600" dirty="0" smtClean="0">
+                <a:rPr lang="en-US" sz="9600" dirty="0">
                   <a:solidFill>
                     <a:srgbClr val="FFFF99"/>
                   </a:solidFill>
@@ -13267,7 +13182,7 @@
                 <a:t>{(.</a:t>
               </a:r>
               <a:r>
-                <a:rPr lang="en-US" sz="16600" baseline="-36000" dirty="0" smtClean="0">
+                <a:rPr lang="en-US" sz="16600" baseline="-36000" dirty="0">
                   <a:solidFill>
                     <a:srgbClr val="FFFF99"/>
                   </a:solidFill>
@@ -13276,7 +13191,7 @@
                 <a:t>;</a:t>
               </a:r>
               <a:r>
-                <a:rPr lang="en-US" sz="9600" dirty="0" smtClean="0">
+                <a:rPr lang="en-US" sz="9600" dirty="0">
                   <a:solidFill>
                     <a:srgbClr val="FFFF99"/>
                   </a:solidFill>
@@ -13351,7 +13266,7 @@
             <a:lstStyle/>
             <a:p>
               <a:pPr algn="ctr"/>
-              <a:endParaRPr lang="en-US" sz="3200" dirty="0" smtClean="0">
+              <a:endParaRPr lang="en-US" sz="3200" dirty="0">
                 <a:solidFill>
                   <a:srgbClr val="FFFF00"/>
                 </a:solidFill>
@@ -14588,7 +14503,7 @@
             <a:lstStyle/>
             <a:p>
               <a:pPr algn="ctr"/>
-              <a:endParaRPr lang="en-US" sz="3200" dirty="0" smtClean="0">
+              <a:endParaRPr lang="en-US" sz="3200" dirty="0">
                 <a:solidFill>
                   <a:srgbClr val="FFFF00"/>
                 </a:solidFill>
@@ -14638,7 +14553,7 @@
             <a:lstStyle/>
             <a:p>
               <a:r>
-                <a:rPr lang="en-US" sz="9600" dirty="0" smtClean="0">
+                <a:rPr lang="en-US" sz="9600" dirty="0">
                   <a:solidFill>
                     <a:srgbClr val="FFFF99"/>
                   </a:solidFill>
@@ -14647,7 +14562,7 @@
                 <a:t>   (</a:t>
               </a:r>
               <a:r>
-                <a:rPr lang="en-US" sz="16600" baseline="-25000" dirty="0" smtClean="0">
+                <a:rPr lang="en-US" sz="16600" baseline="-25000" dirty="0">
                   <a:solidFill>
                     <a:srgbClr val="FFFF99"/>
                   </a:solidFill>
@@ -14656,7 +14571,7 @@
                 <a:t>;</a:t>
               </a:r>
               <a:r>
-                <a:rPr lang="en-US" sz="9600" dirty="0" smtClean="0">
+                <a:rPr lang="en-US" sz="9600" dirty="0">
                   <a:solidFill>
                     <a:srgbClr val="FFFF99"/>
                   </a:solidFill>
@@ -14700,6 +14615,2877 @@
       </p:grpSpPr>
       <p:sp>
         <p:nvSpPr>
+          <p:cNvPr id="5" name="Oval 4"/>
+          <p:cNvSpPr/>
+          <p:nvPr/>
+        </p:nvSpPr>
+        <p:spPr>
+          <a:xfrm>
+            <a:off x="-609600" y="1295400"/>
+            <a:ext cx="5181600" cy="5181600"/>
+          </a:xfrm>
+          <a:prstGeom prst="ellipse">
+            <a:avLst/>
+          </a:prstGeom>
+          <a:solidFill>
+            <a:schemeClr val="accent2">
+              <a:lumMod val="75000"/>
+            </a:schemeClr>
+          </a:solidFill>
+          <a:ln>
+            <a:noFill/>
+          </a:ln>
+        </p:spPr>
+        <p:style>
+          <a:lnRef idx="2">
+            <a:schemeClr val="accent1">
+              <a:shade val="50000"/>
+            </a:schemeClr>
+          </a:lnRef>
+          <a:fillRef idx="1">
+            <a:schemeClr val="accent1"/>
+          </a:fillRef>
+          <a:effectRef idx="0">
+            <a:schemeClr val="accent1"/>
+          </a:effectRef>
+          <a:fontRef idx="minor">
+            <a:schemeClr val="lt1"/>
+          </a:fontRef>
+        </p:style>
+        <p:txBody>
+          <a:bodyPr rtlCol="0" anchor="ctr"/>
+          <a:lstStyle/>
+          <a:p>
+            <a:pPr algn="ctr"/>
+            <a:endParaRPr lang="en-US" sz="3200" dirty="0">
+              <a:solidFill>
+                <a:srgbClr val="FFFF00"/>
+              </a:solidFill>
+              <a:latin typeface="Blocked" pitchFamily="2" charset="0"/>
+            </a:endParaRPr>
+          </a:p>
+          <a:p>
+            <a:pPr algn="ctr"/>
+            <a:endParaRPr lang="en-US" sz="7200" dirty="0">
+              <a:solidFill>
+                <a:srgbClr val="00FF00"/>
+              </a:solidFill>
+              <a:latin typeface="Ananda Namaste" pitchFamily="2" charset="0"/>
+            </a:endParaRPr>
+          </a:p>
+          <a:p>
+            <a:pPr algn="ctr"/>
+            <a:endParaRPr lang="en-US" sz="700" dirty="0">
+              <a:solidFill>
+                <a:srgbClr val="00FF00"/>
+              </a:solidFill>
+              <a:latin typeface="Ananda Namaste" pitchFamily="2" charset="0"/>
+            </a:endParaRPr>
+          </a:p>
+        </p:txBody>
+      </p:sp>
+      <p:sp>
+        <p:nvSpPr>
+          <p:cNvPr id="6" name="Rectangle 5"/>
+          <p:cNvSpPr/>
+          <p:nvPr/>
+        </p:nvSpPr>
+        <p:spPr>
+          <a:xfrm>
+            <a:off x="887495" y="2408989"/>
+            <a:ext cx="272716" cy="272716"/>
+          </a:xfrm>
+          <a:prstGeom prst="rect">
+            <a:avLst/>
+          </a:prstGeom>
+          <a:solidFill>
+            <a:srgbClr val="FFFF00"/>
+          </a:solidFill>
+          <a:ln>
+            <a:noFill/>
+          </a:ln>
+        </p:spPr>
+        <p:style>
+          <a:lnRef idx="2">
+            <a:schemeClr val="accent1">
+              <a:shade val="50000"/>
+            </a:schemeClr>
+          </a:lnRef>
+          <a:fillRef idx="1">
+            <a:schemeClr val="accent1"/>
+          </a:fillRef>
+          <a:effectRef idx="0">
+            <a:schemeClr val="accent1"/>
+          </a:effectRef>
+          <a:fontRef idx="minor">
+            <a:schemeClr val="lt1"/>
+          </a:fontRef>
+        </p:style>
+        <p:txBody>
+          <a:bodyPr rtlCol="0" anchor="ctr"/>
+          <a:lstStyle/>
+          <a:p>
+            <a:pPr algn="ctr"/>
+            <a:endParaRPr lang="en-US">
+              <a:solidFill>
+                <a:schemeClr val="accent1">
+                  <a:lumMod val="75000"/>
+                </a:schemeClr>
+              </a:solidFill>
+            </a:endParaRPr>
+          </a:p>
+        </p:txBody>
+      </p:sp>
+      <p:sp>
+        <p:nvSpPr>
+          <p:cNvPr id="7" name="Rectangle 6"/>
+          <p:cNvSpPr/>
+          <p:nvPr/>
+        </p:nvSpPr>
+        <p:spPr>
+          <a:xfrm>
+            <a:off x="887495" y="2724632"/>
+            <a:ext cx="272716" cy="272716"/>
+          </a:xfrm>
+          <a:prstGeom prst="rect">
+            <a:avLst/>
+          </a:prstGeom>
+          <a:solidFill>
+            <a:srgbClr val="FFFF00"/>
+          </a:solidFill>
+          <a:ln>
+            <a:noFill/>
+          </a:ln>
+        </p:spPr>
+        <p:style>
+          <a:lnRef idx="2">
+            <a:schemeClr val="accent1">
+              <a:shade val="50000"/>
+            </a:schemeClr>
+          </a:lnRef>
+          <a:fillRef idx="1">
+            <a:schemeClr val="accent1"/>
+          </a:fillRef>
+          <a:effectRef idx="0">
+            <a:schemeClr val="accent1"/>
+          </a:effectRef>
+          <a:fontRef idx="minor">
+            <a:schemeClr val="lt1"/>
+          </a:fontRef>
+        </p:style>
+        <p:txBody>
+          <a:bodyPr rtlCol="0" anchor="ctr"/>
+          <a:lstStyle/>
+          <a:p>
+            <a:pPr algn="ctr"/>
+            <a:endParaRPr lang="en-US" dirty="0">
+              <a:solidFill>
+                <a:schemeClr val="accent1">
+                  <a:lumMod val="75000"/>
+                </a:schemeClr>
+              </a:solidFill>
+            </a:endParaRPr>
+          </a:p>
+        </p:txBody>
+      </p:sp>
+      <p:sp>
+        <p:nvSpPr>
+          <p:cNvPr id="8" name="Rectangle 7"/>
+          <p:cNvSpPr/>
+          <p:nvPr/>
+        </p:nvSpPr>
+        <p:spPr>
+          <a:xfrm>
+            <a:off x="887495" y="3040275"/>
+            <a:ext cx="272716" cy="272716"/>
+          </a:xfrm>
+          <a:prstGeom prst="rect">
+            <a:avLst/>
+          </a:prstGeom>
+          <a:solidFill>
+            <a:srgbClr val="FFFF00"/>
+          </a:solidFill>
+          <a:ln>
+            <a:noFill/>
+          </a:ln>
+        </p:spPr>
+        <p:style>
+          <a:lnRef idx="2">
+            <a:schemeClr val="accent1">
+              <a:shade val="50000"/>
+            </a:schemeClr>
+          </a:lnRef>
+          <a:fillRef idx="1">
+            <a:schemeClr val="accent1"/>
+          </a:fillRef>
+          <a:effectRef idx="0">
+            <a:schemeClr val="accent1"/>
+          </a:effectRef>
+          <a:fontRef idx="minor">
+            <a:schemeClr val="lt1"/>
+          </a:fontRef>
+        </p:style>
+        <p:txBody>
+          <a:bodyPr rtlCol="0" anchor="ctr"/>
+          <a:lstStyle/>
+          <a:p>
+            <a:pPr algn="ctr"/>
+            <a:endParaRPr lang="en-US" dirty="0">
+              <a:solidFill>
+                <a:schemeClr val="accent1">
+                  <a:lumMod val="75000"/>
+                </a:schemeClr>
+              </a:solidFill>
+            </a:endParaRPr>
+          </a:p>
+        </p:txBody>
+      </p:sp>
+      <p:sp>
+        <p:nvSpPr>
+          <p:cNvPr id="9" name="Rectangle 8"/>
+          <p:cNvSpPr/>
+          <p:nvPr/>
+        </p:nvSpPr>
+        <p:spPr>
+          <a:xfrm>
+            <a:off x="1206611" y="2408989"/>
+            <a:ext cx="272716" cy="272716"/>
+          </a:xfrm>
+          <a:prstGeom prst="rect">
+            <a:avLst/>
+          </a:prstGeom>
+          <a:solidFill>
+            <a:srgbClr val="FFFF00"/>
+          </a:solidFill>
+          <a:ln>
+            <a:noFill/>
+          </a:ln>
+        </p:spPr>
+        <p:style>
+          <a:lnRef idx="2">
+            <a:schemeClr val="accent1">
+              <a:shade val="50000"/>
+            </a:schemeClr>
+          </a:lnRef>
+          <a:fillRef idx="1">
+            <a:schemeClr val="accent1"/>
+          </a:fillRef>
+          <a:effectRef idx="0">
+            <a:schemeClr val="accent1"/>
+          </a:effectRef>
+          <a:fontRef idx="minor">
+            <a:schemeClr val="lt1"/>
+          </a:fontRef>
+        </p:style>
+        <p:txBody>
+          <a:bodyPr rtlCol="0" anchor="ctr"/>
+          <a:lstStyle/>
+          <a:p>
+            <a:pPr algn="ctr"/>
+            <a:endParaRPr lang="en-US">
+              <a:solidFill>
+                <a:schemeClr val="accent1">
+                  <a:lumMod val="75000"/>
+                </a:schemeClr>
+              </a:solidFill>
+            </a:endParaRPr>
+          </a:p>
+        </p:txBody>
+      </p:sp>
+      <p:sp>
+        <p:nvSpPr>
+          <p:cNvPr id="10" name="Rectangle 9"/>
+          <p:cNvSpPr/>
+          <p:nvPr/>
+        </p:nvSpPr>
+        <p:spPr>
+          <a:xfrm>
+            <a:off x="1525727" y="2408989"/>
+            <a:ext cx="272716" cy="272716"/>
+          </a:xfrm>
+          <a:prstGeom prst="rect">
+            <a:avLst/>
+          </a:prstGeom>
+          <a:solidFill>
+            <a:srgbClr val="FFFF00"/>
+          </a:solidFill>
+          <a:ln>
+            <a:noFill/>
+          </a:ln>
+        </p:spPr>
+        <p:style>
+          <a:lnRef idx="2">
+            <a:schemeClr val="accent1">
+              <a:shade val="50000"/>
+            </a:schemeClr>
+          </a:lnRef>
+          <a:fillRef idx="1">
+            <a:schemeClr val="accent1"/>
+          </a:fillRef>
+          <a:effectRef idx="0">
+            <a:schemeClr val="accent1"/>
+          </a:effectRef>
+          <a:fontRef idx="minor">
+            <a:schemeClr val="lt1"/>
+          </a:fontRef>
+        </p:style>
+        <p:txBody>
+          <a:bodyPr rtlCol="0" anchor="ctr"/>
+          <a:lstStyle/>
+          <a:p>
+            <a:pPr algn="ctr"/>
+            <a:endParaRPr lang="en-US">
+              <a:solidFill>
+                <a:schemeClr val="accent1">
+                  <a:lumMod val="75000"/>
+                </a:schemeClr>
+              </a:solidFill>
+            </a:endParaRPr>
+          </a:p>
+        </p:txBody>
+      </p:sp>
+      <p:sp>
+        <p:nvSpPr>
+          <p:cNvPr id="11" name="Rectangle 10"/>
+          <p:cNvSpPr/>
+          <p:nvPr/>
+        </p:nvSpPr>
+        <p:spPr>
+          <a:xfrm>
+            <a:off x="887495" y="3355918"/>
+            <a:ext cx="272716" cy="272716"/>
+          </a:xfrm>
+          <a:prstGeom prst="rect">
+            <a:avLst/>
+          </a:prstGeom>
+          <a:solidFill>
+            <a:srgbClr val="FFFF00"/>
+          </a:solidFill>
+          <a:ln>
+            <a:noFill/>
+          </a:ln>
+        </p:spPr>
+        <p:style>
+          <a:lnRef idx="2">
+            <a:schemeClr val="accent1">
+              <a:shade val="50000"/>
+            </a:schemeClr>
+          </a:lnRef>
+          <a:fillRef idx="1">
+            <a:schemeClr val="accent1"/>
+          </a:fillRef>
+          <a:effectRef idx="0">
+            <a:schemeClr val="accent1"/>
+          </a:effectRef>
+          <a:fontRef idx="minor">
+            <a:schemeClr val="lt1"/>
+          </a:fontRef>
+        </p:style>
+        <p:txBody>
+          <a:bodyPr rtlCol="0" anchor="ctr"/>
+          <a:lstStyle/>
+          <a:p>
+            <a:pPr algn="ctr"/>
+            <a:endParaRPr lang="en-US">
+              <a:solidFill>
+                <a:schemeClr val="accent1">
+                  <a:lumMod val="75000"/>
+                </a:schemeClr>
+              </a:solidFill>
+            </a:endParaRPr>
+          </a:p>
+        </p:txBody>
+      </p:sp>
+      <p:sp>
+        <p:nvSpPr>
+          <p:cNvPr id="12" name="Rectangle 11"/>
+          <p:cNvSpPr/>
+          <p:nvPr/>
+        </p:nvSpPr>
+        <p:spPr>
+          <a:xfrm>
+            <a:off x="887495" y="3671561"/>
+            <a:ext cx="272716" cy="272716"/>
+          </a:xfrm>
+          <a:prstGeom prst="rect">
+            <a:avLst/>
+          </a:prstGeom>
+          <a:solidFill>
+            <a:srgbClr val="FFFF00"/>
+          </a:solidFill>
+          <a:ln>
+            <a:noFill/>
+          </a:ln>
+        </p:spPr>
+        <p:style>
+          <a:lnRef idx="2">
+            <a:schemeClr val="accent1">
+              <a:shade val="50000"/>
+            </a:schemeClr>
+          </a:lnRef>
+          <a:fillRef idx="1">
+            <a:schemeClr val="accent1"/>
+          </a:fillRef>
+          <a:effectRef idx="0">
+            <a:schemeClr val="accent1"/>
+          </a:effectRef>
+          <a:fontRef idx="minor">
+            <a:schemeClr val="lt1"/>
+          </a:fontRef>
+        </p:style>
+        <p:txBody>
+          <a:bodyPr rtlCol="0" anchor="ctr"/>
+          <a:lstStyle/>
+          <a:p>
+            <a:pPr algn="ctr"/>
+            <a:endParaRPr lang="en-US" dirty="0">
+              <a:solidFill>
+                <a:schemeClr val="accent1">
+                  <a:lumMod val="75000"/>
+                </a:schemeClr>
+              </a:solidFill>
+            </a:endParaRPr>
+          </a:p>
+        </p:txBody>
+      </p:sp>
+      <p:sp>
+        <p:nvSpPr>
+          <p:cNvPr id="13" name="Rectangle 12"/>
+          <p:cNvSpPr/>
+          <p:nvPr/>
+        </p:nvSpPr>
+        <p:spPr>
+          <a:xfrm>
+            <a:off x="887495" y="3987204"/>
+            <a:ext cx="272716" cy="272716"/>
+          </a:xfrm>
+          <a:prstGeom prst="rect">
+            <a:avLst/>
+          </a:prstGeom>
+          <a:solidFill>
+            <a:srgbClr val="FFFF00"/>
+          </a:solidFill>
+          <a:ln>
+            <a:noFill/>
+          </a:ln>
+        </p:spPr>
+        <p:style>
+          <a:lnRef idx="2">
+            <a:schemeClr val="accent1">
+              <a:shade val="50000"/>
+            </a:schemeClr>
+          </a:lnRef>
+          <a:fillRef idx="1">
+            <a:schemeClr val="accent1"/>
+          </a:fillRef>
+          <a:effectRef idx="0">
+            <a:schemeClr val="accent1"/>
+          </a:effectRef>
+          <a:fontRef idx="minor">
+            <a:schemeClr val="lt1"/>
+          </a:fontRef>
+        </p:style>
+        <p:txBody>
+          <a:bodyPr rtlCol="0" anchor="ctr"/>
+          <a:lstStyle/>
+          <a:p>
+            <a:pPr algn="ctr"/>
+            <a:endParaRPr lang="en-US">
+              <a:solidFill>
+                <a:schemeClr val="accent1">
+                  <a:lumMod val="75000"/>
+                </a:schemeClr>
+              </a:solidFill>
+            </a:endParaRPr>
+          </a:p>
+        </p:txBody>
+      </p:sp>
+      <p:sp>
+        <p:nvSpPr>
+          <p:cNvPr id="14" name="Rectangle 13"/>
+          <p:cNvSpPr/>
+          <p:nvPr/>
+        </p:nvSpPr>
+        <p:spPr>
+          <a:xfrm>
+            <a:off x="887495" y="4302847"/>
+            <a:ext cx="272716" cy="272716"/>
+          </a:xfrm>
+          <a:prstGeom prst="rect">
+            <a:avLst/>
+          </a:prstGeom>
+          <a:solidFill>
+            <a:srgbClr val="FFFF00"/>
+          </a:solidFill>
+          <a:ln>
+            <a:noFill/>
+          </a:ln>
+        </p:spPr>
+        <p:style>
+          <a:lnRef idx="2">
+            <a:schemeClr val="accent1">
+              <a:shade val="50000"/>
+            </a:schemeClr>
+          </a:lnRef>
+          <a:fillRef idx="1">
+            <a:schemeClr val="accent1"/>
+          </a:fillRef>
+          <a:effectRef idx="0">
+            <a:schemeClr val="accent1"/>
+          </a:effectRef>
+          <a:fontRef idx="minor">
+            <a:schemeClr val="lt1"/>
+          </a:fontRef>
+        </p:style>
+        <p:txBody>
+          <a:bodyPr rtlCol="0" anchor="ctr"/>
+          <a:lstStyle/>
+          <a:p>
+            <a:pPr algn="ctr"/>
+            <a:endParaRPr lang="en-US" dirty="0">
+              <a:solidFill>
+                <a:schemeClr val="accent1">
+                  <a:lumMod val="75000"/>
+                </a:schemeClr>
+              </a:solidFill>
+            </a:endParaRPr>
+          </a:p>
+        </p:txBody>
+      </p:sp>
+      <p:sp>
+        <p:nvSpPr>
+          <p:cNvPr id="15" name="Rectangle 14"/>
+          <p:cNvSpPr/>
+          <p:nvPr/>
+        </p:nvSpPr>
+        <p:spPr>
+          <a:xfrm>
+            <a:off x="887495" y="4618490"/>
+            <a:ext cx="272716" cy="272716"/>
+          </a:xfrm>
+          <a:prstGeom prst="rect">
+            <a:avLst/>
+          </a:prstGeom>
+          <a:solidFill>
+            <a:srgbClr val="FFFF00"/>
+          </a:solidFill>
+          <a:ln>
+            <a:noFill/>
+          </a:ln>
+        </p:spPr>
+        <p:style>
+          <a:lnRef idx="2">
+            <a:schemeClr val="accent1">
+              <a:shade val="50000"/>
+            </a:schemeClr>
+          </a:lnRef>
+          <a:fillRef idx="1">
+            <a:schemeClr val="accent1"/>
+          </a:fillRef>
+          <a:effectRef idx="0">
+            <a:schemeClr val="accent1"/>
+          </a:effectRef>
+          <a:fontRef idx="minor">
+            <a:schemeClr val="lt1"/>
+          </a:fontRef>
+        </p:style>
+        <p:txBody>
+          <a:bodyPr rtlCol="0" anchor="ctr"/>
+          <a:lstStyle/>
+          <a:p>
+            <a:pPr algn="ctr"/>
+            <a:endParaRPr lang="en-US" dirty="0">
+              <a:solidFill>
+                <a:schemeClr val="accent1">
+                  <a:lumMod val="75000"/>
+                </a:schemeClr>
+              </a:solidFill>
+            </a:endParaRPr>
+          </a:p>
+        </p:txBody>
+      </p:sp>
+      <p:sp>
+        <p:nvSpPr>
+          <p:cNvPr id="16" name="Rectangle 15"/>
+          <p:cNvSpPr/>
+          <p:nvPr/>
+        </p:nvSpPr>
+        <p:spPr>
+          <a:xfrm>
+            <a:off x="887495" y="4934133"/>
+            <a:ext cx="272716" cy="272716"/>
+          </a:xfrm>
+          <a:prstGeom prst="rect">
+            <a:avLst/>
+          </a:prstGeom>
+          <a:solidFill>
+            <a:srgbClr val="FFFF00"/>
+          </a:solidFill>
+          <a:ln>
+            <a:noFill/>
+          </a:ln>
+        </p:spPr>
+        <p:style>
+          <a:lnRef idx="2">
+            <a:schemeClr val="accent1">
+              <a:shade val="50000"/>
+            </a:schemeClr>
+          </a:lnRef>
+          <a:fillRef idx="1">
+            <a:schemeClr val="accent1"/>
+          </a:fillRef>
+          <a:effectRef idx="0">
+            <a:schemeClr val="accent1"/>
+          </a:effectRef>
+          <a:fontRef idx="minor">
+            <a:schemeClr val="lt1"/>
+          </a:fontRef>
+        </p:style>
+        <p:txBody>
+          <a:bodyPr rtlCol="0" anchor="ctr"/>
+          <a:lstStyle/>
+          <a:p>
+            <a:pPr algn="ctr"/>
+            <a:endParaRPr lang="en-US">
+              <a:solidFill>
+                <a:schemeClr val="accent1">
+                  <a:lumMod val="75000"/>
+                </a:schemeClr>
+              </a:solidFill>
+            </a:endParaRPr>
+          </a:p>
+        </p:txBody>
+      </p:sp>
+      <p:sp>
+        <p:nvSpPr>
+          <p:cNvPr id="17" name="Rectangle 16"/>
+          <p:cNvSpPr/>
+          <p:nvPr/>
+        </p:nvSpPr>
+        <p:spPr>
+          <a:xfrm>
+            <a:off x="887495" y="5249779"/>
+            <a:ext cx="272716" cy="272716"/>
+          </a:xfrm>
+          <a:prstGeom prst="rect">
+            <a:avLst/>
+          </a:prstGeom>
+          <a:solidFill>
+            <a:srgbClr val="FFFF00"/>
+          </a:solidFill>
+          <a:ln>
+            <a:noFill/>
+          </a:ln>
+        </p:spPr>
+        <p:style>
+          <a:lnRef idx="2">
+            <a:schemeClr val="accent1">
+              <a:shade val="50000"/>
+            </a:schemeClr>
+          </a:lnRef>
+          <a:fillRef idx="1">
+            <a:schemeClr val="accent1"/>
+          </a:fillRef>
+          <a:effectRef idx="0">
+            <a:schemeClr val="accent1"/>
+          </a:effectRef>
+          <a:fontRef idx="minor">
+            <a:schemeClr val="lt1"/>
+          </a:fontRef>
+        </p:style>
+        <p:txBody>
+          <a:bodyPr rtlCol="0" anchor="ctr"/>
+          <a:lstStyle/>
+          <a:p>
+            <a:pPr algn="ctr"/>
+            <a:endParaRPr lang="en-US" dirty="0">
+              <a:solidFill>
+                <a:schemeClr val="accent1">
+                  <a:lumMod val="75000"/>
+                </a:schemeClr>
+              </a:solidFill>
+            </a:endParaRPr>
+          </a:p>
+        </p:txBody>
+      </p:sp>
+      <p:sp>
+        <p:nvSpPr>
+          <p:cNvPr id="18" name="Rectangle 17"/>
+          <p:cNvSpPr/>
+          <p:nvPr/>
+        </p:nvSpPr>
+        <p:spPr>
+          <a:xfrm>
+            <a:off x="1844843" y="2408989"/>
+            <a:ext cx="272716" cy="272716"/>
+          </a:xfrm>
+          <a:prstGeom prst="rect">
+            <a:avLst/>
+          </a:prstGeom>
+          <a:solidFill>
+            <a:srgbClr val="FFFF00"/>
+          </a:solidFill>
+          <a:ln>
+            <a:noFill/>
+          </a:ln>
+        </p:spPr>
+        <p:style>
+          <a:lnRef idx="2">
+            <a:schemeClr val="accent1">
+              <a:shade val="50000"/>
+            </a:schemeClr>
+          </a:lnRef>
+          <a:fillRef idx="1">
+            <a:schemeClr val="accent1"/>
+          </a:fillRef>
+          <a:effectRef idx="0">
+            <a:schemeClr val="accent1"/>
+          </a:effectRef>
+          <a:fontRef idx="minor">
+            <a:schemeClr val="lt1"/>
+          </a:fontRef>
+        </p:style>
+        <p:txBody>
+          <a:bodyPr rtlCol="0" anchor="ctr"/>
+          <a:lstStyle/>
+          <a:p>
+            <a:pPr algn="ctr"/>
+            <a:endParaRPr lang="en-US">
+              <a:solidFill>
+                <a:schemeClr val="accent1">
+                  <a:lumMod val="75000"/>
+                </a:schemeClr>
+              </a:solidFill>
+            </a:endParaRPr>
+          </a:p>
+        </p:txBody>
+      </p:sp>
+      <p:sp>
+        <p:nvSpPr>
+          <p:cNvPr id="19" name="Rectangle 18"/>
+          <p:cNvSpPr/>
+          <p:nvPr/>
+        </p:nvSpPr>
+        <p:spPr>
+          <a:xfrm>
+            <a:off x="2163959" y="2408989"/>
+            <a:ext cx="272716" cy="272716"/>
+          </a:xfrm>
+          <a:prstGeom prst="rect">
+            <a:avLst/>
+          </a:prstGeom>
+          <a:solidFill>
+            <a:srgbClr val="FFFF00"/>
+          </a:solidFill>
+          <a:ln>
+            <a:noFill/>
+          </a:ln>
+        </p:spPr>
+        <p:style>
+          <a:lnRef idx="2">
+            <a:schemeClr val="accent1">
+              <a:shade val="50000"/>
+            </a:schemeClr>
+          </a:lnRef>
+          <a:fillRef idx="1">
+            <a:schemeClr val="accent1"/>
+          </a:fillRef>
+          <a:effectRef idx="0">
+            <a:schemeClr val="accent1"/>
+          </a:effectRef>
+          <a:fontRef idx="minor">
+            <a:schemeClr val="lt1"/>
+          </a:fontRef>
+        </p:style>
+        <p:txBody>
+          <a:bodyPr rtlCol="0" anchor="ctr"/>
+          <a:lstStyle/>
+          <a:p>
+            <a:pPr algn="ctr"/>
+            <a:endParaRPr lang="en-US">
+              <a:solidFill>
+                <a:schemeClr val="accent1">
+                  <a:lumMod val="75000"/>
+                </a:schemeClr>
+              </a:solidFill>
+            </a:endParaRPr>
+          </a:p>
+        </p:txBody>
+      </p:sp>
+      <p:sp>
+        <p:nvSpPr>
+          <p:cNvPr id="20" name="Rectangle 19"/>
+          <p:cNvSpPr/>
+          <p:nvPr/>
+        </p:nvSpPr>
+        <p:spPr>
+          <a:xfrm>
+            <a:off x="2483075" y="2408989"/>
+            <a:ext cx="272716" cy="272716"/>
+          </a:xfrm>
+          <a:prstGeom prst="rect">
+            <a:avLst/>
+          </a:prstGeom>
+          <a:solidFill>
+            <a:srgbClr val="FFFF00"/>
+          </a:solidFill>
+          <a:ln>
+            <a:noFill/>
+          </a:ln>
+        </p:spPr>
+        <p:style>
+          <a:lnRef idx="2">
+            <a:schemeClr val="accent1">
+              <a:shade val="50000"/>
+            </a:schemeClr>
+          </a:lnRef>
+          <a:fillRef idx="1">
+            <a:schemeClr val="accent1"/>
+          </a:fillRef>
+          <a:effectRef idx="0">
+            <a:schemeClr val="accent1"/>
+          </a:effectRef>
+          <a:fontRef idx="minor">
+            <a:schemeClr val="lt1"/>
+          </a:fontRef>
+        </p:style>
+        <p:txBody>
+          <a:bodyPr rtlCol="0" anchor="ctr"/>
+          <a:lstStyle/>
+          <a:p>
+            <a:pPr algn="ctr"/>
+            <a:endParaRPr lang="en-US">
+              <a:solidFill>
+                <a:schemeClr val="accent1">
+                  <a:lumMod val="75000"/>
+                </a:schemeClr>
+              </a:solidFill>
+            </a:endParaRPr>
+          </a:p>
+        </p:txBody>
+      </p:sp>
+      <p:sp>
+        <p:nvSpPr>
+          <p:cNvPr id="21" name="Rectangle 20"/>
+          <p:cNvSpPr/>
+          <p:nvPr/>
+        </p:nvSpPr>
+        <p:spPr>
+          <a:xfrm>
+            <a:off x="2802189" y="2408989"/>
+            <a:ext cx="272716" cy="272716"/>
+          </a:xfrm>
+          <a:prstGeom prst="rect">
+            <a:avLst/>
+          </a:prstGeom>
+          <a:solidFill>
+            <a:srgbClr val="FFFF00"/>
+          </a:solidFill>
+          <a:ln>
+            <a:noFill/>
+          </a:ln>
+        </p:spPr>
+        <p:style>
+          <a:lnRef idx="2">
+            <a:schemeClr val="accent1">
+              <a:shade val="50000"/>
+            </a:schemeClr>
+          </a:lnRef>
+          <a:fillRef idx="1">
+            <a:schemeClr val="accent1"/>
+          </a:fillRef>
+          <a:effectRef idx="0">
+            <a:schemeClr val="accent1"/>
+          </a:effectRef>
+          <a:fontRef idx="minor">
+            <a:schemeClr val="lt1"/>
+          </a:fontRef>
+        </p:style>
+        <p:txBody>
+          <a:bodyPr rtlCol="0" anchor="ctr"/>
+          <a:lstStyle/>
+          <a:p>
+            <a:pPr algn="ctr"/>
+            <a:endParaRPr lang="en-US">
+              <a:solidFill>
+                <a:schemeClr val="accent1">
+                  <a:lumMod val="75000"/>
+                </a:schemeClr>
+              </a:solidFill>
+            </a:endParaRPr>
+          </a:p>
+        </p:txBody>
+      </p:sp>
+      <p:sp>
+        <p:nvSpPr>
+          <p:cNvPr id="22" name="Rectangle 21"/>
+          <p:cNvSpPr/>
+          <p:nvPr/>
+        </p:nvSpPr>
+        <p:spPr>
+          <a:xfrm>
+            <a:off x="2802189" y="2727160"/>
+            <a:ext cx="272716" cy="272716"/>
+          </a:xfrm>
+          <a:prstGeom prst="rect">
+            <a:avLst/>
+          </a:prstGeom>
+          <a:solidFill>
+            <a:srgbClr val="FFFF00"/>
+          </a:solidFill>
+          <a:ln>
+            <a:noFill/>
+          </a:ln>
+        </p:spPr>
+        <p:style>
+          <a:lnRef idx="2">
+            <a:schemeClr val="accent1">
+              <a:shade val="50000"/>
+            </a:schemeClr>
+          </a:lnRef>
+          <a:fillRef idx="1">
+            <a:schemeClr val="accent1"/>
+          </a:fillRef>
+          <a:effectRef idx="0">
+            <a:schemeClr val="accent1"/>
+          </a:effectRef>
+          <a:fontRef idx="minor">
+            <a:schemeClr val="lt1"/>
+          </a:fontRef>
+        </p:style>
+        <p:txBody>
+          <a:bodyPr rtlCol="0" anchor="ctr"/>
+          <a:lstStyle/>
+          <a:p>
+            <a:pPr algn="ctr"/>
+            <a:endParaRPr lang="en-US" dirty="0">
+              <a:solidFill>
+                <a:schemeClr val="accent1">
+                  <a:lumMod val="75000"/>
+                </a:schemeClr>
+              </a:solidFill>
+            </a:endParaRPr>
+          </a:p>
+        </p:txBody>
+      </p:sp>
+      <p:sp>
+        <p:nvSpPr>
+          <p:cNvPr id="23" name="Rectangle 22"/>
+          <p:cNvSpPr/>
+          <p:nvPr/>
+        </p:nvSpPr>
+        <p:spPr>
+          <a:xfrm>
+            <a:off x="2802189" y="3045331"/>
+            <a:ext cx="272716" cy="272716"/>
+          </a:xfrm>
+          <a:prstGeom prst="rect">
+            <a:avLst/>
+          </a:prstGeom>
+          <a:solidFill>
+            <a:srgbClr val="FFFF00"/>
+          </a:solidFill>
+          <a:ln>
+            <a:noFill/>
+          </a:ln>
+        </p:spPr>
+        <p:style>
+          <a:lnRef idx="2">
+            <a:schemeClr val="accent1">
+              <a:shade val="50000"/>
+            </a:schemeClr>
+          </a:lnRef>
+          <a:fillRef idx="1">
+            <a:schemeClr val="accent1"/>
+          </a:fillRef>
+          <a:effectRef idx="0">
+            <a:schemeClr val="accent1"/>
+          </a:effectRef>
+          <a:fontRef idx="minor">
+            <a:schemeClr val="lt1"/>
+          </a:fontRef>
+        </p:style>
+        <p:txBody>
+          <a:bodyPr rtlCol="0" anchor="ctr"/>
+          <a:lstStyle/>
+          <a:p>
+            <a:pPr algn="ctr"/>
+            <a:endParaRPr lang="en-US" dirty="0">
+              <a:solidFill>
+                <a:schemeClr val="accent1">
+                  <a:lumMod val="75000"/>
+                </a:schemeClr>
+              </a:solidFill>
+            </a:endParaRPr>
+          </a:p>
+        </p:txBody>
+      </p:sp>
+      <p:sp>
+        <p:nvSpPr>
+          <p:cNvPr id="24" name="Rectangle 23"/>
+          <p:cNvSpPr/>
+          <p:nvPr/>
+        </p:nvSpPr>
+        <p:spPr>
+          <a:xfrm>
+            <a:off x="2802189" y="3363502"/>
+            <a:ext cx="272716" cy="272716"/>
+          </a:xfrm>
+          <a:prstGeom prst="rect">
+            <a:avLst/>
+          </a:prstGeom>
+          <a:solidFill>
+            <a:srgbClr val="FFFF00"/>
+          </a:solidFill>
+          <a:ln>
+            <a:noFill/>
+          </a:ln>
+        </p:spPr>
+        <p:style>
+          <a:lnRef idx="2">
+            <a:schemeClr val="accent1">
+              <a:shade val="50000"/>
+            </a:schemeClr>
+          </a:lnRef>
+          <a:fillRef idx="1">
+            <a:schemeClr val="accent1"/>
+          </a:fillRef>
+          <a:effectRef idx="0">
+            <a:schemeClr val="accent1"/>
+          </a:effectRef>
+          <a:fontRef idx="minor">
+            <a:schemeClr val="lt1"/>
+          </a:fontRef>
+        </p:style>
+        <p:txBody>
+          <a:bodyPr rtlCol="0" anchor="ctr"/>
+          <a:lstStyle/>
+          <a:p>
+            <a:pPr algn="ctr"/>
+            <a:endParaRPr lang="en-US">
+              <a:solidFill>
+                <a:schemeClr val="accent1">
+                  <a:lumMod val="75000"/>
+                </a:schemeClr>
+              </a:solidFill>
+            </a:endParaRPr>
+          </a:p>
+        </p:txBody>
+      </p:sp>
+      <p:sp>
+        <p:nvSpPr>
+          <p:cNvPr id="25" name="Rectangle 24"/>
+          <p:cNvSpPr/>
+          <p:nvPr/>
+        </p:nvSpPr>
+        <p:spPr>
+          <a:xfrm>
+            <a:off x="2479758" y="3681674"/>
+            <a:ext cx="272716" cy="272716"/>
+          </a:xfrm>
+          <a:prstGeom prst="rect">
+            <a:avLst/>
+          </a:prstGeom>
+          <a:solidFill>
+            <a:srgbClr val="FFFF00"/>
+          </a:solidFill>
+          <a:ln>
+            <a:noFill/>
+          </a:ln>
+        </p:spPr>
+        <p:style>
+          <a:lnRef idx="2">
+            <a:schemeClr val="accent1">
+              <a:shade val="50000"/>
+            </a:schemeClr>
+          </a:lnRef>
+          <a:fillRef idx="1">
+            <a:schemeClr val="accent1"/>
+          </a:fillRef>
+          <a:effectRef idx="0">
+            <a:schemeClr val="accent1"/>
+          </a:effectRef>
+          <a:fontRef idx="minor">
+            <a:schemeClr val="lt1"/>
+          </a:fontRef>
+        </p:style>
+        <p:txBody>
+          <a:bodyPr rtlCol="0" anchor="ctr"/>
+          <a:lstStyle/>
+          <a:p>
+            <a:pPr algn="ctr"/>
+            <a:endParaRPr lang="en-US">
+              <a:solidFill>
+                <a:schemeClr val="accent1">
+                  <a:lumMod val="75000"/>
+                </a:schemeClr>
+              </a:solidFill>
+            </a:endParaRPr>
+          </a:p>
+        </p:txBody>
+      </p:sp>
+      <p:sp>
+        <p:nvSpPr>
+          <p:cNvPr id="26" name="Rectangle 25"/>
+          <p:cNvSpPr/>
+          <p:nvPr/>
+        </p:nvSpPr>
+        <p:spPr>
+          <a:xfrm>
+            <a:off x="2799347" y="3681674"/>
+            <a:ext cx="272716" cy="272716"/>
+          </a:xfrm>
+          <a:prstGeom prst="rect">
+            <a:avLst/>
+          </a:prstGeom>
+          <a:solidFill>
+            <a:srgbClr val="FFFF00"/>
+          </a:solidFill>
+          <a:ln>
+            <a:noFill/>
+          </a:ln>
+        </p:spPr>
+        <p:style>
+          <a:lnRef idx="2">
+            <a:schemeClr val="accent1">
+              <a:shade val="50000"/>
+            </a:schemeClr>
+          </a:lnRef>
+          <a:fillRef idx="1">
+            <a:schemeClr val="accent1"/>
+          </a:fillRef>
+          <a:effectRef idx="0">
+            <a:schemeClr val="accent1"/>
+          </a:effectRef>
+          <a:fontRef idx="minor">
+            <a:schemeClr val="lt1"/>
+          </a:fontRef>
+        </p:style>
+        <p:txBody>
+          <a:bodyPr rtlCol="0" anchor="ctr"/>
+          <a:lstStyle/>
+          <a:p>
+            <a:pPr algn="ctr"/>
+            <a:endParaRPr lang="en-US">
+              <a:solidFill>
+                <a:schemeClr val="accent1">
+                  <a:lumMod val="75000"/>
+                </a:schemeClr>
+              </a:solidFill>
+            </a:endParaRPr>
+          </a:p>
+        </p:txBody>
+      </p:sp>
+      <p:sp>
+        <p:nvSpPr>
+          <p:cNvPr id="27" name="Rectangle 26"/>
+          <p:cNvSpPr/>
+          <p:nvPr/>
+        </p:nvSpPr>
+        <p:spPr>
+          <a:xfrm>
+            <a:off x="1432927" y="2954421"/>
+            <a:ext cx="272716" cy="272716"/>
+          </a:xfrm>
+          <a:prstGeom prst="rect">
+            <a:avLst/>
+          </a:prstGeom>
+          <a:solidFill>
+            <a:srgbClr val="FFFF00"/>
+          </a:solidFill>
+          <a:ln>
+            <a:noFill/>
+          </a:ln>
+        </p:spPr>
+        <p:style>
+          <a:lnRef idx="2">
+            <a:schemeClr val="accent1">
+              <a:shade val="50000"/>
+            </a:schemeClr>
+          </a:lnRef>
+          <a:fillRef idx="1">
+            <a:schemeClr val="accent1"/>
+          </a:fillRef>
+          <a:effectRef idx="0">
+            <a:schemeClr val="accent1"/>
+          </a:effectRef>
+          <a:fontRef idx="minor">
+            <a:schemeClr val="lt1"/>
+          </a:fontRef>
+        </p:style>
+        <p:txBody>
+          <a:bodyPr rtlCol="0" anchor="ctr"/>
+          <a:lstStyle/>
+          <a:p>
+            <a:pPr algn="ctr"/>
+            <a:endParaRPr lang="en-US">
+              <a:solidFill>
+                <a:schemeClr val="accent1">
+                  <a:lumMod val="75000"/>
+                </a:schemeClr>
+              </a:solidFill>
+            </a:endParaRPr>
+          </a:p>
+        </p:txBody>
+      </p:sp>
+      <p:sp>
+        <p:nvSpPr>
+          <p:cNvPr id="28" name="Rectangle 27"/>
+          <p:cNvSpPr/>
+          <p:nvPr/>
+        </p:nvSpPr>
+        <p:spPr>
+          <a:xfrm>
+            <a:off x="1204255" y="5249779"/>
+            <a:ext cx="272716" cy="272716"/>
+          </a:xfrm>
+          <a:prstGeom prst="rect">
+            <a:avLst/>
+          </a:prstGeom>
+          <a:solidFill>
+            <a:srgbClr val="FFFF00"/>
+          </a:solidFill>
+          <a:ln>
+            <a:noFill/>
+          </a:ln>
+        </p:spPr>
+        <p:style>
+          <a:lnRef idx="2">
+            <a:schemeClr val="accent1">
+              <a:shade val="50000"/>
+            </a:schemeClr>
+          </a:lnRef>
+          <a:fillRef idx="1">
+            <a:schemeClr val="accent1"/>
+          </a:fillRef>
+          <a:effectRef idx="0">
+            <a:schemeClr val="accent1"/>
+          </a:effectRef>
+          <a:fontRef idx="minor">
+            <a:schemeClr val="lt1"/>
+          </a:fontRef>
+        </p:style>
+        <p:txBody>
+          <a:bodyPr rtlCol="0" anchor="ctr"/>
+          <a:lstStyle/>
+          <a:p>
+            <a:pPr algn="ctr"/>
+            <a:endParaRPr lang="en-US">
+              <a:solidFill>
+                <a:schemeClr val="accent1">
+                  <a:lumMod val="75000"/>
+                </a:schemeClr>
+              </a:solidFill>
+            </a:endParaRPr>
+          </a:p>
+        </p:txBody>
+      </p:sp>
+      <p:sp>
+        <p:nvSpPr>
+          <p:cNvPr id="29" name="Rectangle 28"/>
+          <p:cNvSpPr/>
+          <p:nvPr/>
+        </p:nvSpPr>
+        <p:spPr>
+          <a:xfrm>
+            <a:off x="1521015" y="5249779"/>
+            <a:ext cx="272716" cy="272716"/>
+          </a:xfrm>
+          <a:prstGeom prst="rect">
+            <a:avLst/>
+          </a:prstGeom>
+          <a:solidFill>
+            <a:srgbClr val="FFFF00"/>
+          </a:solidFill>
+          <a:ln>
+            <a:noFill/>
+          </a:ln>
+        </p:spPr>
+        <p:style>
+          <a:lnRef idx="2">
+            <a:schemeClr val="accent1">
+              <a:shade val="50000"/>
+            </a:schemeClr>
+          </a:lnRef>
+          <a:fillRef idx="1">
+            <a:schemeClr val="accent1"/>
+          </a:fillRef>
+          <a:effectRef idx="0">
+            <a:schemeClr val="accent1"/>
+          </a:effectRef>
+          <a:fontRef idx="minor">
+            <a:schemeClr val="lt1"/>
+          </a:fontRef>
+        </p:style>
+        <p:txBody>
+          <a:bodyPr rtlCol="0" anchor="ctr"/>
+          <a:lstStyle/>
+          <a:p>
+            <a:pPr algn="ctr"/>
+            <a:endParaRPr lang="en-US">
+              <a:solidFill>
+                <a:schemeClr val="accent1">
+                  <a:lumMod val="75000"/>
+                </a:schemeClr>
+              </a:solidFill>
+            </a:endParaRPr>
+          </a:p>
+        </p:txBody>
+      </p:sp>
+      <p:sp>
+        <p:nvSpPr>
+          <p:cNvPr id="30" name="Rectangle 29"/>
+          <p:cNvSpPr/>
+          <p:nvPr/>
+        </p:nvSpPr>
+        <p:spPr>
+          <a:xfrm>
+            <a:off x="2160169" y="3681663"/>
+            <a:ext cx="272716" cy="272716"/>
+          </a:xfrm>
+          <a:prstGeom prst="rect">
+            <a:avLst/>
+          </a:prstGeom>
+          <a:solidFill>
+            <a:srgbClr val="FFFF00"/>
+          </a:solidFill>
+          <a:ln>
+            <a:noFill/>
+          </a:ln>
+        </p:spPr>
+        <p:style>
+          <a:lnRef idx="2">
+            <a:schemeClr val="accent1">
+              <a:shade val="50000"/>
+            </a:schemeClr>
+          </a:lnRef>
+          <a:fillRef idx="1">
+            <a:schemeClr val="accent1"/>
+          </a:fillRef>
+          <a:effectRef idx="0">
+            <a:schemeClr val="accent1"/>
+          </a:effectRef>
+          <a:fontRef idx="minor">
+            <a:schemeClr val="lt1"/>
+          </a:fontRef>
+        </p:style>
+        <p:txBody>
+          <a:bodyPr rtlCol="0" anchor="ctr"/>
+          <a:lstStyle/>
+          <a:p>
+            <a:pPr algn="ctr"/>
+            <a:endParaRPr lang="en-US">
+              <a:solidFill>
+                <a:schemeClr val="accent1">
+                  <a:lumMod val="75000"/>
+                </a:schemeClr>
+              </a:solidFill>
+            </a:endParaRPr>
+          </a:p>
+        </p:txBody>
+      </p:sp>
+      <p:sp>
+        <p:nvSpPr>
+          <p:cNvPr id="31" name="Rectangle 30"/>
+          <p:cNvSpPr/>
+          <p:nvPr/>
+        </p:nvSpPr>
+        <p:spPr>
+          <a:xfrm>
+            <a:off x="1828800" y="0"/>
+            <a:ext cx="3200400" cy="990600"/>
+          </a:xfrm>
+          <a:prstGeom prst="rect">
+            <a:avLst/>
+          </a:prstGeom>
+          <a:noFill/>
+          <a:ln>
+            <a:noFill/>
+          </a:ln>
+        </p:spPr>
+        <p:style>
+          <a:lnRef idx="2">
+            <a:schemeClr val="accent1">
+              <a:shade val="50000"/>
+            </a:schemeClr>
+          </a:lnRef>
+          <a:fillRef idx="1">
+            <a:schemeClr val="accent1"/>
+          </a:fillRef>
+          <a:effectRef idx="0">
+            <a:schemeClr val="accent1"/>
+          </a:effectRef>
+          <a:fontRef idx="minor">
+            <a:schemeClr val="lt1"/>
+          </a:fontRef>
+        </p:style>
+        <p:txBody>
+          <a:bodyPr rtlCol="0" anchor="ctr"/>
+          <a:lstStyle/>
+          <a:p>
+            <a:pPr algn="ctr"/>
+            <a:r>
+              <a:rPr lang="en-US" sz="4400" dirty="0" err="1" smtClean="0">
+                <a:solidFill>
+                  <a:schemeClr val="accent3">
+                    <a:lumMod val="20000"/>
+                    <a:lumOff val="80000"/>
+                  </a:schemeClr>
+                </a:solidFill>
+                <a:latin typeface="Blocked" pitchFamily="2" charset="0"/>
+              </a:rPr>
+              <a:t>Elephun</a:t>
+            </a:r>
+            <a:endParaRPr lang="en-US" sz="4400" dirty="0" smtClean="0">
+              <a:solidFill>
+                <a:schemeClr val="accent3">
+                  <a:lumMod val="20000"/>
+                  <a:lumOff val="80000"/>
+                </a:schemeClr>
+              </a:solidFill>
+              <a:latin typeface="Blocked" pitchFamily="2" charset="0"/>
+            </a:endParaRPr>
+          </a:p>
+          <a:p>
+            <a:pPr algn="ctr"/>
+            <a:r>
+              <a:rPr lang="en-US" sz="1400" dirty="0" smtClean="0">
+                <a:solidFill>
+                  <a:schemeClr val="accent3">
+                    <a:lumMod val="20000"/>
+                    <a:lumOff val="80000"/>
+                  </a:schemeClr>
+                </a:solidFill>
+                <a:latin typeface="Blocked" pitchFamily="2" charset="0"/>
+              </a:rPr>
+              <a:t>Learn 2 code </a:t>
+            </a:r>
+            <a:endParaRPr lang="en-US" sz="2800" dirty="0">
+              <a:solidFill>
+                <a:schemeClr val="accent3">
+                  <a:lumMod val="20000"/>
+                  <a:lumOff val="80000"/>
+                </a:schemeClr>
+              </a:solidFill>
+              <a:latin typeface="Ananda Namaste" pitchFamily="2" charset="0"/>
+            </a:endParaRPr>
+          </a:p>
+          <a:p>
+            <a:pPr algn="ctr"/>
+            <a:endParaRPr lang="en-US" sz="700" dirty="0">
+              <a:solidFill>
+                <a:schemeClr val="accent3">
+                  <a:lumMod val="20000"/>
+                  <a:lumOff val="80000"/>
+                </a:schemeClr>
+              </a:solidFill>
+              <a:latin typeface="Ananda Namaste" pitchFamily="2" charset="0"/>
+            </a:endParaRPr>
+          </a:p>
+        </p:txBody>
+      </p:sp>
+      <p:sp>
+        <p:nvSpPr>
+          <p:cNvPr id="32" name="Rectangle 31"/>
+          <p:cNvSpPr/>
+          <p:nvPr/>
+        </p:nvSpPr>
+        <p:spPr>
+          <a:xfrm>
+            <a:off x="5889790" y="2372894"/>
+            <a:ext cx="272716" cy="272716"/>
+          </a:xfrm>
+          <a:prstGeom prst="rect">
+            <a:avLst/>
+          </a:prstGeom>
+          <a:solidFill>
+            <a:schemeClr val="accent3">
+              <a:lumMod val="20000"/>
+              <a:lumOff val="80000"/>
+            </a:schemeClr>
+          </a:solidFill>
+          <a:ln>
+            <a:noFill/>
+          </a:ln>
+        </p:spPr>
+        <p:style>
+          <a:lnRef idx="2">
+            <a:schemeClr val="accent1">
+              <a:shade val="50000"/>
+            </a:schemeClr>
+          </a:lnRef>
+          <a:fillRef idx="1">
+            <a:schemeClr val="accent1"/>
+          </a:fillRef>
+          <a:effectRef idx="0">
+            <a:schemeClr val="accent1"/>
+          </a:effectRef>
+          <a:fontRef idx="minor">
+            <a:schemeClr val="lt1"/>
+          </a:fontRef>
+        </p:style>
+        <p:txBody>
+          <a:bodyPr rtlCol="0" anchor="ctr"/>
+          <a:lstStyle/>
+          <a:p>
+            <a:pPr algn="ctr"/>
+            <a:endParaRPr lang="en-US">
+              <a:solidFill>
+                <a:schemeClr val="accent1">
+                  <a:lumMod val="75000"/>
+                </a:schemeClr>
+              </a:solidFill>
+            </a:endParaRPr>
+          </a:p>
+        </p:txBody>
+      </p:sp>
+      <p:sp>
+        <p:nvSpPr>
+          <p:cNvPr id="33" name="Rectangle 32"/>
+          <p:cNvSpPr/>
+          <p:nvPr/>
+        </p:nvSpPr>
+        <p:spPr>
+          <a:xfrm>
+            <a:off x="5889790" y="2688537"/>
+            <a:ext cx="272716" cy="272716"/>
+          </a:xfrm>
+          <a:prstGeom prst="rect">
+            <a:avLst/>
+          </a:prstGeom>
+          <a:solidFill>
+            <a:schemeClr val="accent3">
+              <a:lumMod val="20000"/>
+              <a:lumOff val="80000"/>
+            </a:schemeClr>
+          </a:solidFill>
+          <a:ln>
+            <a:noFill/>
+          </a:ln>
+        </p:spPr>
+        <p:style>
+          <a:lnRef idx="2">
+            <a:schemeClr val="accent1">
+              <a:shade val="50000"/>
+            </a:schemeClr>
+          </a:lnRef>
+          <a:fillRef idx="1">
+            <a:schemeClr val="accent1"/>
+          </a:fillRef>
+          <a:effectRef idx="0">
+            <a:schemeClr val="accent1"/>
+          </a:effectRef>
+          <a:fontRef idx="minor">
+            <a:schemeClr val="lt1"/>
+          </a:fontRef>
+        </p:style>
+        <p:txBody>
+          <a:bodyPr rtlCol="0" anchor="ctr"/>
+          <a:lstStyle/>
+          <a:p>
+            <a:pPr algn="ctr"/>
+            <a:endParaRPr lang="en-US" dirty="0">
+              <a:solidFill>
+                <a:schemeClr val="accent1">
+                  <a:lumMod val="75000"/>
+                </a:schemeClr>
+              </a:solidFill>
+            </a:endParaRPr>
+          </a:p>
+        </p:txBody>
+      </p:sp>
+      <p:sp>
+        <p:nvSpPr>
+          <p:cNvPr id="34" name="Rectangle 33"/>
+          <p:cNvSpPr/>
+          <p:nvPr/>
+        </p:nvSpPr>
+        <p:spPr>
+          <a:xfrm>
+            <a:off x="5889790" y="3004180"/>
+            <a:ext cx="272716" cy="272716"/>
+          </a:xfrm>
+          <a:prstGeom prst="rect">
+            <a:avLst/>
+          </a:prstGeom>
+          <a:solidFill>
+            <a:schemeClr val="accent3">
+              <a:lumMod val="20000"/>
+              <a:lumOff val="80000"/>
+            </a:schemeClr>
+          </a:solidFill>
+          <a:ln>
+            <a:noFill/>
+          </a:ln>
+        </p:spPr>
+        <p:style>
+          <a:lnRef idx="2">
+            <a:schemeClr val="accent1">
+              <a:shade val="50000"/>
+            </a:schemeClr>
+          </a:lnRef>
+          <a:fillRef idx="1">
+            <a:schemeClr val="accent1"/>
+          </a:fillRef>
+          <a:effectRef idx="0">
+            <a:schemeClr val="accent1"/>
+          </a:effectRef>
+          <a:fontRef idx="minor">
+            <a:schemeClr val="lt1"/>
+          </a:fontRef>
+        </p:style>
+        <p:txBody>
+          <a:bodyPr rtlCol="0" anchor="ctr"/>
+          <a:lstStyle/>
+          <a:p>
+            <a:pPr algn="ctr"/>
+            <a:endParaRPr lang="en-US" dirty="0">
+              <a:solidFill>
+                <a:schemeClr val="accent1">
+                  <a:lumMod val="75000"/>
+                </a:schemeClr>
+              </a:solidFill>
+            </a:endParaRPr>
+          </a:p>
+        </p:txBody>
+      </p:sp>
+      <p:sp>
+        <p:nvSpPr>
+          <p:cNvPr id="35" name="Rectangle 34"/>
+          <p:cNvSpPr/>
+          <p:nvPr/>
+        </p:nvSpPr>
+        <p:spPr>
+          <a:xfrm>
+            <a:off x="6208906" y="2372894"/>
+            <a:ext cx="272716" cy="272716"/>
+          </a:xfrm>
+          <a:prstGeom prst="rect">
+            <a:avLst/>
+          </a:prstGeom>
+          <a:solidFill>
+            <a:schemeClr val="accent3">
+              <a:lumMod val="20000"/>
+              <a:lumOff val="80000"/>
+            </a:schemeClr>
+          </a:solidFill>
+          <a:ln>
+            <a:noFill/>
+          </a:ln>
+        </p:spPr>
+        <p:style>
+          <a:lnRef idx="2">
+            <a:schemeClr val="accent1">
+              <a:shade val="50000"/>
+            </a:schemeClr>
+          </a:lnRef>
+          <a:fillRef idx="1">
+            <a:schemeClr val="accent1"/>
+          </a:fillRef>
+          <a:effectRef idx="0">
+            <a:schemeClr val="accent1"/>
+          </a:effectRef>
+          <a:fontRef idx="minor">
+            <a:schemeClr val="lt1"/>
+          </a:fontRef>
+        </p:style>
+        <p:txBody>
+          <a:bodyPr rtlCol="0" anchor="ctr"/>
+          <a:lstStyle/>
+          <a:p>
+            <a:pPr algn="ctr"/>
+            <a:endParaRPr lang="en-US">
+              <a:solidFill>
+                <a:schemeClr val="accent1">
+                  <a:lumMod val="75000"/>
+                </a:schemeClr>
+              </a:solidFill>
+            </a:endParaRPr>
+          </a:p>
+        </p:txBody>
+      </p:sp>
+      <p:sp>
+        <p:nvSpPr>
+          <p:cNvPr id="36" name="Rectangle 35"/>
+          <p:cNvSpPr/>
+          <p:nvPr/>
+        </p:nvSpPr>
+        <p:spPr>
+          <a:xfrm>
+            <a:off x="6528022" y="2372894"/>
+            <a:ext cx="272716" cy="272716"/>
+          </a:xfrm>
+          <a:prstGeom prst="rect">
+            <a:avLst/>
+          </a:prstGeom>
+          <a:solidFill>
+            <a:schemeClr val="accent3">
+              <a:lumMod val="20000"/>
+              <a:lumOff val="80000"/>
+            </a:schemeClr>
+          </a:solidFill>
+          <a:ln>
+            <a:noFill/>
+          </a:ln>
+        </p:spPr>
+        <p:style>
+          <a:lnRef idx="2">
+            <a:schemeClr val="accent1">
+              <a:shade val="50000"/>
+            </a:schemeClr>
+          </a:lnRef>
+          <a:fillRef idx="1">
+            <a:schemeClr val="accent1"/>
+          </a:fillRef>
+          <a:effectRef idx="0">
+            <a:schemeClr val="accent1"/>
+          </a:effectRef>
+          <a:fontRef idx="minor">
+            <a:schemeClr val="lt1"/>
+          </a:fontRef>
+        </p:style>
+        <p:txBody>
+          <a:bodyPr rtlCol="0" anchor="ctr"/>
+          <a:lstStyle/>
+          <a:p>
+            <a:pPr algn="ctr"/>
+            <a:endParaRPr lang="en-US">
+              <a:solidFill>
+                <a:schemeClr val="accent1">
+                  <a:lumMod val="75000"/>
+                </a:schemeClr>
+              </a:solidFill>
+            </a:endParaRPr>
+          </a:p>
+        </p:txBody>
+      </p:sp>
+      <p:sp>
+        <p:nvSpPr>
+          <p:cNvPr id="37" name="Rectangle 36"/>
+          <p:cNvSpPr/>
+          <p:nvPr/>
+        </p:nvSpPr>
+        <p:spPr>
+          <a:xfrm>
+            <a:off x="5889790" y="3319823"/>
+            <a:ext cx="272716" cy="272716"/>
+          </a:xfrm>
+          <a:prstGeom prst="rect">
+            <a:avLst/>
+          </a:prstGeom>
+          <a:solidFill>
+            <a:schemeClr val="accent3">
+              <a:lumMod val="20000"/>
+              <a:lumOff val="80000"/>
+            </a:schemeClr>
+          </a:solidFill>
+          <a:ln>
+            <a:noFill/>
+          </a:ln>
+        </p:spPr>
+        <p:style>
+          <a:lnRef idx="2">
+            <a:schemeClr val="accent1">
+              <a:shade val="50000"/>
+            </a:schemeClr>
+          </a:lnRef>
+          <a:fillRef idx="1">
+            <a:schemeClr val="accent1"/>
+          </a:fillRef>
+          <a:effectRef idx="0">
+            <a:schemeClr val="accent1"/>
+          </a:effectRef>
+          <a:fontRef idx="minor">
+            <a:schemeClr val="lt1"/>
+          </a:fontRef>
+        </p:style>
+        <p:txBody>
+          <a:bodyPr rtlCol="0" anchor="ctr"/>
+          <a:lstStyle/>
+          <a:p>
+            <a:pPr algn="ctr"/>
+            <a:endParaRPr lang="en-US">
+              <a:solidFill>
+                <a:schemeClr val="accent1">
+                  <a:lumMod val="75000"/>
+                </a:schemeClr>
+              </a:solidFill>
+            </a:endParaRPr>
+          </a:p>
+        </p:txBody>
+      </p:sp>
+      <p:sp>
+        <p:nvSpPr>
+          <p:cNvPr id="38" name="Rectangle 37"/>
+          <p:cNvSpPr/>
+          <p:nvPr/>
+        </p:nvSpPr>
+        <p:spPr>
+          <a:xfrm>
+            <a:off x="5889790" y="3635466"/>
+            <a:ext cx="272716" cy="272716"/>
+          </a:xfrm>
+          <a:prstGeom prst="rect">
+            <a:avLst/>
+          </a:prstGeom>
+          <a:solidFill>
+            <a:schemeClr val="accent3">
+              <a:lumMod val="20000"/>
+              <a:lumOff val="80000"/>
+            </a:schemeClr>
+          </a:solidFill>
+          <a:ln>
+            <a:noFill/>
+          </a:ln>
+        </p:spPr>
+        <p:style>
+          <a:lnRef idx="2">
+            <a:schemeClr val="accent1">
+              <a:shade val="50000"/>
+            </a:schemeClr>
+          </a:lnRef>
+          <a:fillRef idx="1">
+            <a:schemeClr val="accent1"/>
+          </a:fillRef>
+          <a:effectRef idx="0">
+            <a:schemeClr val="accent1"/>
+          </a:effectRef>
+          <a:fontRef idx="minor">
+            <a:schemeClr val="lt1"/>
+          </a:fontRef>
+        </p:style>
+        <p:txBody>
+          <a:bodyPr rtlCol="0" anchor="ctr"/>
+          <a:lstStyle/>
+          <a:p>
+            <a:pPr algn="ctr"/>
+            <a:endParaRPr lang="en-US" dirty="0">
+              <a:solidFill>
+                <a:schemeClr val="accent1">
+                  <a:lumMod val="75000"/>
+                </a:schemeClr>
+              </a:solidFill>
+            </a:endParaRPr>
+          </a:p>
+        </p:txBody>
+      </p:sp>
+      <p:sp>
+        <p:nvSpPr>
+          <p:cNvPr id="39" name="Rectangle 38"/>
+          <p:cNvSpPr/>
+          <p:nvPr/>
+        </p:nvSpPr>
+        <p:spPr>
+          <a:xfrm>
+            <a:off x="5889790" y="3951109"/>
+            <a:ext cx="272716" cy="272716"/>
+          </a:xfrm>
+          <a:prstGeom prst="rect">
+            <a:avLst/>
+          </a:prstGeom>
+          <a:solidFill>
+            <a:schemeClr val="accent3">
+              <a:lumMod val="20000"/>
+              <a:lumOff val="80000"/>
+            </a:schemeClr>
+          </a:solidFill>
+          <a:ln>
+            <a:noFill/>
+          </a:ln>
+        </p:spPr>
+        <p:style>
+          <a:lnRef idx="2">
+            <a:schemeClr val="accent1">
+              <a:shade val="50000"/>
+            </a:schemeClr>
+          </a:lnRef>
+          <a:fillRef idx="1">
+            <a:schemeClr val="accent1"/>
+          </a:fillRef>
+          <a:effectRef idx="0">
+            <a:schemeClr val="accent1"/>
+          </a:effectRef>
+          <a:fontRef idx="minor">
+            <a:schemeClr val="lt1"/>
+          </a:fontRef>
+        </p:style>
+        <p:txBody>
+          <a:bodyPr rtlCol="0" anchor="ctr"/>
+          <a:lstStyle/>
+          <a:p>
+            <a:pPr algn="ctr"/>
+            <a:endParaRPr lang="en-US">
+              <a:solidFill>
+                <a:schemeClr val="accent1">
+                  <a:lumMod val="75000"/>
+                </a:schemeClr>
+              </a:solidFill>
+            </a:endParaRPr>
+          </a:p>
+        </p:txBody>
+      </p:sp>
+      <p:sp>
+        <p:nvSpPr>
+          <p:cNvPr id="40" name="Rectangle 39"/>
+          <p:cNvSpPr/>
+          <p:nvPr/>
+        </p:nvSpPr>
+        <p:spPr>
+          <a:xfrm>
+            <a:off x="5889790" y="4266752"/>
+            <a:ext cx="272716" cy="272716"/>
+          </a:xfrm>
+          <a:prstGeom prst="rect">
+            <a:avLst/>
+          </a:prstGeom>
+          <a:solidFill>
+            <a:schemeClr val="accent3">
+              <a:lumMod val="20000"/>
+              <a:lumOff val="80000"/>
+            </a:schemeClr>
+          </a:solidFill>
+          <a:ln>
+            <a:noFill/>
+          </a:ln>
+        </p:spPr>
+        <p:style>
+          <a:lnRef idx="2">
+            <a:schemeClr val="accent1">
+              <a:shade val="50000"/>
+            </a:schemeClr>
+          </a:lnRef>
+          <a:fillRef idx="1">
+            <a:schemeClr val="accent1"/>
+          </a:fillRef>
+          <a:effectRef idx="0">
+            <a:schemeClr val="accent1"/>
+          </a:effectRef>
+          <a:fontRef idx="minor">
+            <a:schemeClr val="lt1"/>
+          </a:fontRef>
+        </p:style>
+        <p:txBody>
+          <a:bodyPr rtlCol="0" anchor="ctr"/>
+          <a:lstStyle/>
+          <a:p>
+            <a:pPr algn="ctr"/>
+            <a:endParaRPr lang="en-US" dirty="0">
+              <a:solidFill>
+                <a:schemeClr val="accent1">
+                  <a:lumMod val="75000"/>
+                </a:schemeClr>
+              </a:solidFill>
+            </a:endParaRPr>
+          </a:p>
+        </p:txBody>
+      </p:sp>
+      <p:sp>
+        <p:nvSpPr>
+          <p:cNvPr id="41" name="Rectangle 40"/>
+          <p:cNvSpPr/>
+          <p:nvPr/>
+        </p:nvSpPr>
+        <p:spPr>
+          <a:xfrm>
+            <a:off x="5889790" y="4582395"/>
+            <a:ext cx="272716" cy="272716"/>
+          </a:xfrm>
+          <a:prstGeom prst="rect">
+            <a:avLst/>
+          </a:prstGeom>
+          <a:solidFill>
+            <a:schemeClr val="accent3">
+              <a:lumMod val="20000"/>
+              <a:lumOff val="80000"/>
+            </a:schemeClr>
+          </a:solidFill>
+          <a:ln>
+            <a:noFill/>
+          </a:ln>
+        </p:spPr>
+        <p:style>
+          <a:lnRef idx="2">
+            <a:schemeClr val="accent1">
+              <a:shade val="50000"/>
+            </a:schemeClr>
+          </a:lnRef>
+          <a:fillRef idx="1">
+            <a:schemeClr val="accent1"/>
+          </a:fillRef>
+          <a:effectRef idx="0">
+            <a:schemeClr val="accent1"/>
+          </a:effectRef>
+          <a:fontRef idx="minor">
+            <a:schemeClr val="lt1"/>
+          </a:fontRef>
+        </p:style>
+        <p:txBody>
+          <a:bodyPr rtlCol="0" anchor="ctr"/>
+          <a:lstStyle/>
+          <a:p>
+            <a:pPr algn="ctr"/>
+            <a:endParaRPr lang="en-US" dirty="0">
+              <a:solidFill>
+                <a:schemeClr val="accent1">
+                  <a:lumMod val="75000"/>
+                </a:schemeClr>
+              </a:solidFill>
+            </a:endParaRPr>
+          </a:p>
+        </p:txBody>
+      </p:sp>
+      <p:sp>
+        <p:nvSpPr>
+          <p:cNvPr id="42" name="Rectangle 41"/>
+          <p:cNvSpPr/>
+          <p:nvPr/>
+        </p:nvSpPr>
+        <p:spPr>
+          <a:xfrm>
+            <a:off x="5889790" y="4898038"/>
+            <a:ext cx="272716" cy="272716"/>
+          </a:xfrm>
+          <a:prstGeom prst="rect">
+            <a:avLst/>
+          </a:prstGeom>
+          <a:solidFill>
+            <a:schemeClr val="accent3">
+              <a:lumMod val="20000"/>
+              <a:lumOff val="80000"/>
+            </a:schemeClr>
+          </a:solidFill>
+          <a:ln>
+            <a:noFill/>
+          </a:ln>
+        </p:spPr>
+        <p:style>
+          <a:lnRef idx="2">
+            <a:schemeClr val="accent1">
+              <a:shade val="50000"/>
+            </a:schemeClr>
+          </a:lnRef>
+          <a:fillRef idx="1">
+            <a:schemeClr val="accent1"/>
+          </a:fillRef>
+          <a:effectRef idx="0">
+            <a:schemeClr val="accent1"/>
+          </a:effectRef>
+          <a:fontRef idx="minor">
+            <a:schemeClr val="lt1"/>
+          </a:fontRef>
+        </p:style>
+        <p:txBody>
+          <a:bodyPr rtlCol="0" anchor="ctr"/>
+          <a:lstStyle/>
+          <a:p>
+            <a:pPr algn="ctr"/>
+            <a:endParaRPr lang="en-US">
+              <a:solidFill>
+                <a:schemeClr val="accent1">
+                  <a:lumMod val="75000"/>
+                </a:schemeClr>
+              </a:solidFill>
+            </a:endParaRPr>
+          </a:p>
+        </p:txBody>
+      </p:sp>
+      <p:sp>
+        <p:nvSpPr>
+          <p:cNvPr id="43" name="Rectangle 42"/>
+          <p:cNvSpPr/>
+          <p:nvPr/>
+        </p:nvSpPr>
+        <p:spPr>
+          <a:xfrm>
+            <a:off x="5889790" y="5213684"/>
+            <a:ext cx="272716" cy="272716"/>
+          </a:xfrm>
+          <a:prstGeom prst="rect">
+            <a:avLst/>
+          </a:prstGeom>
+          <a:solidFill>
+            <a:schemeClr val="accent3">
+              <a:lumMod val="20000"/>
+              <a:lumOff val="80000"/>
+            </a:schemeClr>
+          </a:solidFill>
+          <a:ln>
+            <a:noFill/>
+          </a:ln>
+        </p:spPr>
+        <p:style>
+          <a:lnRef idx="2">
+            <a:schemeClr val="accent1">
+              <a:shade val="50000"/>
+            </a:schemeClr>
+          </a:lnRef>
+          <a:fillRef idx="1">
+            <a:schemeClr val="accent1"/>
+          </a:fillRef>
+          <a:effectRef idx="0">
+            <a:schemeClr val="accent1"/>
+          </a:effectRef>
+          <a:fontRef idx="minor">
+            <a:schemeClr val="lt1"/>
+          </a:fontRef>
+        </p:style>
+        <p:txBody>
+          <a:bodyPr rtlCol="0" anchor="ctr"/>
+          <a:lstStyle/>
+          <a:p>
+            <a:pPr algn="ctr"/>
+            <a:endParaRPr lang="en-US" dirty="0">
+              <a:solidFill>
+                <a:schemeClr val="accent1">
+                  <a:lumMod val="75000"/>
+                </a:schemeClr>
+              </a:solidFill>
+            </a:endParaRPr>
+          </a:p>
+        </p:txBody>
+      </p:sp>
+      <p:sp>
+        <p:nvSpPr>
+          <p:cNvPr id="44" name="Rectangle 43"/>
+          <p:cNvSpPr/>
+          <p:nvPr/>
+        </p:nvSpPr>
+        <p:spPr>
+          <a:xfrm>
+            <a:off x="6847138" y="2372894"/>
+            <a:ext cx="272716" cy="272716"/>
+          </a:xfrm>
+          <a:prstGeom prst="rect">
+            <a:avLst/>
+          </a:prstGeom>
+          <a:solidFill>
+            <a:schemeClr val="accent3">
+              <a:lumMod val="20000"/>
+              <a:lumOff val="80000"/>
+            </a:schemeClr>
+          </a:solidFill>
+          <a:ln>
+            <a:noFill/>
+          </a:ln>
+        </p:spPr>
+        <p:style>
+          <a:lnRef idx="2">
+            <a:schemeClr val="accent1">
+              <a:shade val="50000"/>
+            </a:schemeClr>
+          </a:lnRef>
+          <a:fillRef idx="1">
+            <a:schemeClr val="accent1"/>
+          </a:fillRef>
+          <a:effectRef idx="0">
+            <a:schemeClr val="accent1"/>
+          </a:effectRef>
+          <a:fontRef idx="minor">
+            <a:schemeClr val="lt1"/>
+          </a:fontRef>
+        </p:style>
+        <p:txBody>
+          <a:bodyPr rtlCol="0" anchor="ctr"/>
+          <a:lstStyle/>
+          <a:p>
+            <a:pPr algn="ctr"/>
+            <a:endParaRPr lang="en-US">
+              <a:solidFill>
+                <a:schemeClr val="accent1">
+                  <a:lumMod val="75000"/>
+                </a:schemeClr>
+              </a:solidFill>
+            </a:endParaRPr>
+          </a:p>
+        </p:txBody>
+      </p:sp>
+      <p:sp>
+        <p:nvSpPr>
+          <p:cNvPr id="45" name="Rectangle 44"/>
+          <p:cNvSpPr/>
+          <p:nvPr/>
+        </p:nvSpPr>
+        <p:spPr>
+          <a:xfrm>
+            <a:off x="7166254" y="2372894"/>
+            <a:ext cx="272716" cy="272716"/>
+          </a:xfrm>
+          <a:prstGeom prst="rect">
+            <a:avLst/>
+          </a:prstGeom>
+          <a:solidFill>
+            <a:schemeClr val="accent3">
+              <a:lumMod val="20000"/>
+              <a:lumOff val="80000"/>
+            </a:schemeClr>
+          </a:solidFill>
+          <a:ln>
+            <a:noFill/>
+          </a:ln>
+        </p:spPr>
+        <p:style>
+          <a:lnRef idx="2">
+            <a:schemeClr val="accent1">
+              <a:shade val="50000"/>
+            </a:schemeClr>
+          </a:lnRef>
+          <a:fillRef idx="1">
+            <a:schemeClr val="accent1"/>
+          </a:fillRef>
+          <a:effectRef idx="0">
+            <a:schemeClr val="accent1"/>
+          </a:effectRef>
+          <a:fontRef idx="minor">
+            <a:schemeClr val="lt1"/>
+          </a:fontRef>
+        </p:style>
+        <p:txBody>
+          <a:bodyPr rtlCol="0" anchor="ctr"/>
+          <a:lstStyle/>
+          <a:p>
+            <a:pPr algn="ctr"/>
+            <a:endParaRPr lang="en-US">
+              <a:solidFill>
+                <a:schemeClr val="accent1">
+                  <a:lumMod val="75000"/>
+                </a:schemeClr>
+              </a:solidFill>
+            </a:endParaRPr>
+          </a:p>
+        </p:txBody>
+      </p:sp>
+      <p:sp>
+        <p:nvSpPr>
+          <p:cNvPr id="46" name="Rectangle 45"/>
+          <p:cNvSpPr/>
+          <p:nvPr/>
+        </p:nvSpPr>
+        <p:spPr>
+          <a:xfrm>
+            <a:off x="7485370" y="2372894"/>
+            <a:ext cx="272716" cy="272716"/>
+          </a:xfrm>
+          <a:prstGeom prst="rect">
+            <a:avLst/>
+          </a:prstGeom>
+          <a:solidFill>
+            <a:schemeClr val="accent3">
+              <a:lumMod val="20000"/>
+              <a:lumOff val="80000"/>
+            </a:schemeClr>
+          </a:solidFill>
+          <a:ln>
+            <a:noFill/>
+          </a:ln>
+        </p:spPr>
+        <p:style>
+          <a:lnRef idx="2">
+            <a:schemeClr val="accent1">
+              <a:shade val="50000"/>
+            </a:schemeClr>
+          </a:lnRef>
+          <a:fillRef idx="1">
+            <a:schemeClr val="accent1"/>
+          </a:fillRef>
+          <a:effectRef idx="0">
+            <a:schemeClr val="accent1"/>
+          </a:effectRef>
+          <a:fontRef idx="minor">
+            <a:schemeClr val="lt1"/>
+          </a:fontRef>
+        </p:style>
+        <p:txBody>
+          <a:bodyPr rtlCol="0" anchor="ctr"/>
+          <a:lstStyle/>
+          <a:p>
+            <a:pPr algn="ctr"/>
+            <a:endParaRPr lang="en-US">
+              <a:solidFill>
+                <a:schemeClr val="accent1">
+                  <a:lumMod val="75000"/>
+                </a:schemeClr>
+              </a:solidFill>
+            </a:endParaRPr>
+          </a:p>
+        </p:txBody>
+      </p:sp>
+      <p:sp>
+        <p:nvSpPr>
+          <p:cNvPr id="47" name="Rectangle 46"/>
+          <p:cNvSpPr/>
+          <p:nvPr/>
+        </p:nvSpPr>
+        <p:spPr>
+          <a:xfrm>
+            <a:off x="7804484" y="2372894"/>
+            <a:ext cx="272716" cy="272716"/>
+          </a:xfrm>
+          <a:prstGeom prst="rect">
+            <a:avLst/>
+          </a:prstGeom>
+          <a:solidFill>
+            <a:schemeClr val="accent3">
+              <a:lumMod val="20000"/>
+              <a:lumOff val="80000"/>
+            </a:schemeClr>
+          </a:solidFill>
+          <a:ln>
+            <a:noFill/>
+          </a:ln>
+        </p:spPr>
+        <p:style>
+          <a:lnRef idx="2">
+            <a:schemeClr val="accent1">
+              <a:shade val="50000"/>
+            </a:schemeClr>
+          </a:lnRef>
+          <a:fillRef idx="1">
+            <a:schemeClr val="accent1"/>
+          </a:fillRef>
+          <a:effectRef idx="0">
+            <a:schemeClr val="accent1"/>
+          </a:effectRef>
+          <a:fontRef idx="minor">
+            <a:schemeClr val="lt1"/>
+          </a:fontRef>
+        </p:style>
+        <p:txBody>
+          <a:bodyPr rtlCol="0" anchor="ctr"/>
+          <a:lstStyle/>
+          <a:p>
+            <a:pPr algn="ctr"/>
+            <a:endParaRPr lang="en-US">
+              <a:solidFill>
+                <a:schemeClr val="accent1">
+                  <a:lumMod val="75000"/>
+                </a:schemeClr>
+              </a:solidFill>
+            </a:endParaRPr>
+          </a:p>
+        </p:txBody>
+      </p:sp>
+      <p:sp>
+        <p:nvSpPr>
+          <p:cNvPr id="48" name="Rectangle 47"/>
+          <p:cNvSpPr/>
+          <p:nvPr/>
+        </p:nvSpPr>
+        <p:spPr>
+          <a:xfrm>
+            <a:off x="7804484" y="2691065"/>
+            <a:ext cx="272716" cy="272716"/>
+          </a:xfrm>
+          <a:prstGeom prst="rect">
+            <a:avLst/>
+          </a:prstGeom>
+          <a:solidFill>
+            <a:schemeClr val="accent3">
+              <a:lumMod val="20000"/>
+              <a:lumOff val="80000"/>
+            </a:schemeClr>
+          </a:solidFill>
+          <a:ln>
+            <a:noFill/>
+          </a:ln>
+        </p:spPr>
+        <p:style>
+          <a:lnRef idx="2">
+            <a:schemeClr val="accent1">
+              <a:shade val="50000"/>
+            </a:schemeClr>
+          </a:lnRef>
+          <a:fillRef idx="1">
+            <a:schemeClr val="accent1"/>
+          </a:fillRef>
+          <a:effectRef idx="0">
+            <a:schemeClr val="accent1"/>
+          </a:effectRef>
+          <a:fontRef idx="minor">
+            <a:schemeClr val="lt1"/>
+          </a:fontRef>
+        </p:style>
+        <p:txBody>
+          <a:bodyPr rtlCol="0" anchor="ctr"/>
+          <a:lstStyle/>
+          <a:p>
+            <a:pPr algn="ctr"/>
+            <a:endParaRPr lang="en-US" dirty="0">
+              <a:solidFill>
+                <a:schemeClr val="accent1">
+                  <a:lumMod val="75000"/>
+                </a:schemeClr>
+              </a:solidFill>
+            </a:endParaRPr>
+          </a:p>
+        </p:txBody>
+      </p:sp>
+      <p:sp>
+        <p:nvSpPr>
+          <p:cNvPr id="49" name="Rectangle 48"/>
+          <p:cNvSpPr/>
+          <p:nvPr/>
+        </p:nvSpPr>
+        <p:spPr>
+          <a:xfrm>
+            <a:off x="7804484" y="3009236"/>
+            <a:ext cx="272716" cy="272716"/>
+          </a:xfrm>
+          <a:prstGeom prst="rect">
+            <a:avLst/>
+          </a:prstGeom>
+          <a:solidFill>
+            <a:schemeClr val="accent3">
+              <a:lumMod val="20000"/>
+              <a:lumOff val="80000"/>
+            </a:schemeClr>
+          </a:solidFill>
+          <a:ln>
+            <a:noFill/>
+          </a:ln>
+        </p:spPr>
+        <p:style>
+          <a:lnRef idx="2">
+            <a:schemeClr val="accent1">
+              <a:shade val="50000"/>
+            </a:schemeClr>
+          </a:lnRef>
+          <a:fillRef idx="1">
+            <a:schemeClr val="accent1"/>
+          </a:fillRef>
+          <a:effectRef idx="0">
+            <a:schemeClr val="accent1"/>
+          </a:effectRef>
+          <a:fontRef idx="minor">
+            <a:schemeClr val="lt1"/>
+          </a:fontRef>
+        </p:style>
+        <p:txBody>
+          <a:bodyPr rtlCol="0" anchor="ctr"/>
+          <a:lstStyle/>
+          <a:p>
+            <a:pPr algn="ctr"/>
+            <a:endParaRPr lang="en-US" dirty="0">
+              <a:solidFill>
+                <a:schemeClr val="accent1">
+                  <a:lumMod val="75000"/>
+                </a:schemeClr>
+              </a:solidFill>
+            </a:endParaRPr>
+          </a:p>
+        </p:txBody>
+      </p:sp>
+      <p:sp>
+        <p:nvSpPr>
+          <p:cNvPr id="50" name="Rectangle 49"/>
+          <p:cNvSpPr/>
+          <p:nvPr/>
+        </p:nvSpPr>
+        <p:spPr>
+          <a:xfrm>
+            <a:off x="7804484" y="3327407"/>
+            <a:ext cx="272716" cy="272716"/>
+          </a:xfrm>
+          <a:prstGeom prst="rect">
+            <a:avLst/>
+          </a:prstGeom>
+          <a:solidFill>
+            <a:schemeClr val="accent3">
+              <a:lumMod val="20000"/>
+              <a:lumOff val="80000"/>
+            </a:schemeClr>
+          </a:solidFill>
+          <a:ln>
+            <a:noFill/>
+          </a:ln>
+        </p:spPr>
+        <p:style>
+          <a:lnRef idx="2">
+            <a:schemeClr val="accent1">
+              <a:shade val="50000"/>
+            </a:schemeClr>
+          </a:lnRef>
+          <a:fillRef idx="1">
+            <a:schemeClr val="accent1"/>
+          </a:fillRef>
+          <a:effectRef idx="0">
+            <a:schemeClr val="accent1"/>
+          </a:effectRef>
+          <a:fontRef idx="minor">
+            <a:schemeClr val="lt1"/>
+          </a:fontRef>
+        </p:style>
+        <p:txBody>
+          <a:bodyPr rtlCol="0" anchor="ctr"/>
+          <a:lstStyle/>
+          <a:p>
+            <a:pPr algn="ctr"/>
+            <a:endParaRPr lang="en-US">
+              <a:solidFill>
+                <a:schemeClr val="accent1">
+                  <a:lumMod val="75000"/>
+                </a:schemeClr>
+              </a:solidFill>
+            </a:endParaRPr>
+          </a:p>
+        </p:txBody>
+      </p:sp>
+      <p:sp>
+        <p:nvSpPr>
+          <p:cNvPr id="51" name="Rectangle 50"/>
+          <p:cNvSpPr/>
+          <p:nvPr/>
+        </p:nvSpPr>
+        <p:spPr>
+          <a:xfrm>
+            <a:off x="7482053" y="3645579"/>
+            <a:ext cx="272716" cy="272716"/>
+          </a:xfrm>
+          <a:prstGeom prst="rect">
+            <a:avLst/>
+          </a:prstGeom>
+          <a:solidFill>
+            <a:schemeClr val="accent3">
+              <a:lumMod val="20000"/>
+              <a:lumOff val="80000"/>
+            </a:schemeClr>
+          </a:solidFill>
+          <a:ln>
+            <a:noFill/>
+          </a:ln>
+        </p:spPr>
+        <p:style>
+          <a:lnRef idx="2">
+            <a:schemeClr val="accent1">
+              <a:shade val="50000"/>
+            </a:schemeClr>
+          </a:lnRef>
+          <a:fillRef idx="1">
+            <a:schemeClr val="accent1"/>
+          </a:fillRef>
+          <a:effectRef idx="0">
+            <a:schemeClr val="accent1"/>
+          </a:effectRef>
+          <a:fontRef idx="minor">
+            <a:schemeClr val="lt1"/>
+          </a:fontRef>
+        </p:style>
+        <p:txBody>
+          <a:bodyPr rtlCol="0" anchor="ctr"/>
+          <a:lstStyle/>
+          <a:p>
+            <a:pPr algn="ctr"/>
+            <a:endParaRPr lang="en-US">
+              <a:solidFill>
+                <a:schemeClr val="accent1">
+                  <a:lumMod val="75000"/>
+                </a:schemeClr>
+              </a:solidFill>
+            </a:endParaRPr>
+          </a:p>
+        </p:txBody>
+      </p:sp>
+      <p:sp>
+        <p:nvSpPr>
+          <p:cNvPr id="52" name="Rectangle 51"/>
+          <p:cNvSpPr/>
+          <p:nvPr/>
+        </p:nvSpPr>
+        <p:spPr>
+          <a:xfrm>
+            <a:off x="7801642" y="3645579"/>
+            <a:ext cx="272716" cy="272716"/>
+          </a:xfrm>
+          <a:prstGeom prst="rect">
+            <a:avLst/>
+          </a:prstGeom>
+          <a:solidFill>
+            <a:schemeClr val="accent3">
+              <a:lumMod val="20000"/>
+              <a:lumOff val="80000"/>
+            </a:schemeClr>
+          </a:solidFill>
+          <a:ln>
+            <a:noFill/>
+          </a:ln>
+        </p:spPr>
+        <p:style>
+          <a:lnRef idx="2">
+            <a:schemeClr val="accent1">
+              <a:shade val="50000"/>
+            </a:schemeClr>
+          </a:lnRef>
+          <a:fillRef idx="1">
+            <a:schemeClr val="accent1"/>
+          </a:fillRef>
+          <a:effectRef idx="0">
+            <a:schemeClr val="accent1"/>
+          </a:effectRef>
+          <a:fontRef idx="minor">
+            <a:schemeClr val="lt1"/>
+          </a:fontRef>
+        </p:style>
+        <p:txBody>
+          <a:bodyPr rtlCol="0" anchor="ctr"/>
+          <a:lstStyle/>
+          <a:p>
+            <a:pPr algn="ctr"/>
+            <a:endParaRPr lang="en-US">
+              <a:solidFill>
+                <a:schemeClr val="accent1">
+                  <a:lumMod val="75000"/>
+                </a:schemeClr>
+              </a:solidFill>
+            </a:endParaRPr>
+          </a:p>
+        </p:txBody>
+      </p:sp>
+      <p:sp>
+        <p:nvSpPr>
+          <p:cNvPr id="53" name="Rectangle 52"/>
+          <p:cNvSpPr/>
+          <p:nvPr/>
+        </p:nvSpPr>
+        <p:spPr>
+          <a:xfrm>
+            <a:off x="6435222" y="2918326"/>
+            <a:ext cx="272716" cy="272716"/>
+          </a:xfrm>
+          <a:prstGeom prst="rect">
+            <a:avLst/>
+          </a:prstGeom>
+          <a:solidFill>
+            <a:schemeClr val="accent3">
+              <a:lumMod val="20000"/>
+              <a:lumOff val="80000"/>
+            </a:schemeClr>
+          </a:solidFill>
+          <a:ln>
+            <a:noFill/>
+          </a:ln>
+        </p:spPr>
+        <p:style>
+          <a:lnRef idx="2">
+            <a:schemeClr val="accent1">
+              <a:shade val="50000"/>
+            </a:schemeClr>
+          </a:lnRef>
+          <a:fillRef idx="1">
+            <a:schemeClr val="accent1"/>
+          </a:fillRef>
+          <a:effectRef idx="0">
+            <a:schemeClr val="accent1"/>
+          </a:effectRef>
+          <a:fontRef idx="minor">
+            <a:schemeClr val="lt1"/>
+          </a:fontRef>
+        </p:style>
+        <p:txBody>
+          <a:bodyPr rtlCol="0" anchor="ctr"/>
+          <a:lstStyle/>
+          <a:p>
+            <a:pPr algn="ctr"/>
+            <a:endParaRPr lang="en-US">
+              <a:solidFill>
+                <a:schemeClr val="accent1">
+                  <a:lumMod val="75000"/>
+                </a:schemeClr>
+              </a:solidFill>
+            </a:endParaRPr>
+          </a:p>
+        </p:txBody>
+      </p:sp>
+      <p:sp>
+        <p:nvSpPr>
+          <p:cNvPr id="54" name="Rectangle 53"/>
+          <p:cNvSpPr/>
+          <p:nvPr/>
+        </p:nvSpPr>
+        <p:spPr>
+          <a:xfrm>
+            <a:off x="6206550" y="5213684"/>
+            <a:ext cx="272716" cy="272716"/>
+          </a:xfrm>
+          <a:prstGeom prst="rect">
+            <a:avLst/>
+          </a:prstGeom>
+          <a:solidFill>
+            <a:schemeClr val="accent3">
+              <a:lumMod val="20000"/>
+              <a:lumOff val="80000"/>
+            </a:schemeClr>
+          </a:solidFill>
+          <a:ln>
+            <a:noFill/>
+          </a:ln>
+        </p:spPr>
+        <p:style>
+          <a:lnRef idx="2">
+            <a:schemeClr val="accent1">
+              <a:shade val="50000"/>
+            </a:schemeClr>
+          </a:lnRef>
+          <a:fillRef idx="1">
+            <a:schemeClr val="accent1"/>
+          </a:fillRef>
+          <a:effectRef idx="0">
+            <a:schemeClr val="accent1"/>
+          </a:effectRef>
+          <a:fontRef idx="minor">
+            <a:schemeClr val="lt1"/>
+          </a:fontRef>
+        </p:style>
+        <p:txBody>
+          <a:bodyPr rtlCol="0" anchor="ctr"/>
+          <a:lstStyle/>
+          <a:p>
+            <a:pPr algn="ctr"/>
+            <a:endParaRPr lang="en-US">
+              <a:solidFill>
+                <a:schemeClr val="accent1">
+                  <a:lumMod val="75000"/>
+                </a:schemeClr>
+              </a:solidFill>
+            </a:endParaRPr>
+          </a:p>
+        </p:txBody>
+      </p:sp>
+      <p:sp>
+        <p:nvSpPr>
+          <p:cNvPr id="55" name="Rectangle 54"/>
+          <p:cNvSpPr/>
+          <p:nvPr/>
+        </p:nvSpPr>
+        <p:spPr>
+          <a:xfrm>
+            <a:off x="6523310" y="5213684"/>
+            <a:ext cx="272716" cy="272716"/>
+          </a:xfrm>
+          <a:prstGeom prst="rect">
+            <a:avLst/>
+          </a:prstGeom>
+          <a:solidFill>
+            <a:schemeClr val="accent3">
+              <a:lumMod val="20000"/>
+              <a:lumOff val="80000"/>
+            </a:schemeClr>
+          </a:solidFill>
+          <a:ln>
+            <a:noFill/>
+          </a:ln>
+        </p:spPr>
+        <p:style>
+          <a:lnRef idx="2">
+            <a:schemeClr val="accent1">
+              <a:shade val="50000"/>
+            </a:schemeClr>
+          </a:lnRef>
+          <a:fillRef idx="1">
+            <a:schemeClr val="accent1"/>
+          </a:fillRef>
+          <a:effectRef idx="0">
+            <a:schemeClr val="accent1"/>
+          </a:effectRef>
+          <a:fontRef idx="minor">
+            <a:schemeClr val="lt1"/>
+          </a:fontRef>
+        </p:style>
+        <p:txBody>
+          <a:bodyPr rtlCol="0" anchor="ctr"/>
+          <a:lstStyle/>
+          <a:p>
+            <a:pPr algn="ctr"/>
+            <a:endParaRPr lang="en-US">
+              <a:solidFill>
+                <a:schemeClr val="accent1">
+                  <a:lumMod val="75000"/>
+                </a:schemeClr>
+              </a:solidFill>
+            </a:endParaRPr>
+          </a:p>
+        </p:txBody>
+      </p:sp>
+      <p:sp>
+        <p:nvSpPr>
+          <p:cNvPr id="56" name="Rectangle 55"/>
+          <p:cNvSpPr/>
+          <p:nvPr/>
+        </p:nvSpPr>
+        <p:spPr>
+          <a:xfrm>
+            <a:off x="7162464" y="3645568"/>
+            <a:ext cx="272716" cy="272716"/>
+          </a:xfrm>
+          <a:prstGeom prst="rect">
+            <a:avLst/>
+          </a:prstGeom>
+          <a:solidFill>
+            <a:schemeClr val="accent3">
+              <a:lumMod val="20000"/>
+              <a:lumOff val="80000"/>
+            </a:schemeClr>
+          </a:solidFill>
+          <a:ln>
+            <a:noFill/>
+          </a:ln>
+        </p:spPr>
+        <p:style>
+          <a:lnRef idx="2">
+            <a:schemeClr val="accent1">
+              <a:shade val="50000"/>
+            </a:schemeClr>
+          </a:lnRef>
+          <a:fillRef idx="1">
+            <a:schemeClr val="accent1"/>
+          </a:fillRef>
+          <a:effectRef idx="0">
+            <a:schemeClr val="accent1"/>
+          </a:effectRef>
+          <a:fontRef idx="minor">
+            <a:schemeClr val="lt1"/>
+          </a:fontRef>
+        </p:style>
+        <p:txBody>
+          <a:bodyPr rtlCol="0" anchor="ctr"/>
+          <a:lstStyle/>
+          <a:p>
+            <a:pPr algn="ctr"/>
+            <a:endParaRPr lang="en-US">
+              <a:solidFill>
+                <a:schemeClr val="accent1">
+                  <a:lumMod val="75000"/>
+                </a:schemeClr>
+              </a:solidFill>
+            </a:endParaRPr>
+          </a:p>
+        </p:txBody>
+      </p:sp>
+    </p:spTree>
+  </p:cSld>
+  <p:clrMapOvr>
+    <a:masterClrMapping/>
+  </p:clrMapOvr>
+</p:sld>
+</file>
+
+<file path=ppt/slides/slide18.xml><?xml version="1.0" encoding="utf-8"?>
+<p:sld xmlns:a="http://schemas.openxmlformats.org/drawingml/2006/main" xmlns:r="http://schemas.openxmlformats.org/officeDocument/2006/relationships" xmlns:p="http://schemas.openxmlformats.org/presentationml/2006/main">
+  <p:cSld>
+    <p:spTree>
+      <p:nvGrpSpPr>
+        <p:cNvPr id="1" name=""/>
+        <p:cNvGrpSpPr/>
+        <p:nvPr/>
+      </p:nvGrpSpPr>
+      <p:grpSpPr>
+        <a:xfrm>
+          <a:off x="0" y="0"/>
+          <a:ext cx="0" cy="0"/>
+          <a:chOff x="0" y="0"/>
+          <a:chExt cx="0" cy="0"/>
+        </a:xfrm>
+      </p:grpSpPr>
+      <p:sp>
+        <p:nvSpPr>
           <p:cNvPr id="4" name="Title 1"/>
           <p:cNvSpPr txBox="1">
             <a:spLocks/>
@@ -14739,7 +17525,7 @@
               <a:defRPr/>
             </a:pPr>
             <a:r>
-              <a:rPr kumimoji="0" lang="en-US" sz="2400" b="1" i="0" u="none" strike="noStrike" kern="1200" cap="none" spc="0" normalizeH="0" baseline="0" noProof="0" dirty="0" smtClean="0">
+              <a:rPr kumimoji="0" lang="en-US" sz="2400" b="1" i="0" u="none" strike="noStrike" kern="1200" cap="none" spc="0" normalizeH="0" baseline="0" noProof="0" dirty="0">
                 <a:ln>
                   <a:noFill/>
                 </a:ln>
@@ -14761,26 +17547,6 @@
               </a:rPr>
               <a:t>HMS</a:t>
             </a:r>
-            <a:endParaRPr kumimoji="0" lang="en-US" sz="2400" b="1" i="0" u="none" strike="noStrike" kern="1200" cap="none" spc="0" normalizeH="0" baseline="0" noProof="0" dirty="0">
-              <a:ln>
-                <a:noFill/>
-              </a:ln>
-              <a:solidFill>
-                <a:srgbClr val="FF0000"/>
-              </a:solidFill>
-              <a:effectLst>
-                <a:outerShdw blurRad="38100" dist="38100" dir="2700000" algn="tl">
-                  <a:srgbClr val="000000">
-                    <a:alpha val="43137"/>
-                  </a:srgbClr>
-                </a:outerShdw>
-              </a:effectLst>
-              <a:uLnTx/>
-              <a:uFillTx/>
-              <a:latin typeface="Sweet Cheeks" panose="02000603000000000000" pitchFamily="2" charset="0"/>
-              <a:ea typeface="Sweet Cheeks" panose="02000603000000000000" pitchFamily="2" charset="0"/>
-              <a:cs typeface="+mj-cs"/>
-            </a:endParaRPr>
           </a:p>
         </p:txBody>
       </p:sp>
@@ -14920,7 +17686,7 @@
 </p:sld>
 </file>
 
-<file path=ppt/slides/slide18.xml><?xml version="1.0" encoding="utf-8"?>
+<file path=ppt/slides/slide19.xml><?xml version="1.0" encoding="utf-8"?>
 <p:sld xmlns:a="http://schemas.openxmlformats.org/drawingml/2006/main" xmlns:r="http://schemas.openxmlformats.org/officeDocument/2006/relationships" xmlns:p="http://schemas.openxmlformats.org/presentationml/2006/main">
   <p:cSld>
     <p:spTree>
@@ -15280,7 +18046,1042 @@
 </p:sld>
 </file>
 
-<file path=ppt/slides/slide19.xml><?xml version="1.0" encoding="utf-8"?>
+<file path=ppt/slides/slide2.xml><?xml version="1.0" encoding="utf-8"?>
+<p:sld xmlns:a="http://schemas.openxmlformats.org/drawingml/2006/main" xmlns:r="http://schemas.openxmlformats.org/officeDocument/2006/relationships" xmlns:p="http://schemas.openxmlformats.org/presentationml/2006/main">
+  <p:cSld>
+    <p:spTree>
+      <p:nvGrpSpPr>
+        <p:cNvPr id="1" name=""/>
+        <p:cNvGrpSpPr/>
+        <p:nvPr/>
+      </p:nvGrpSpPr>
+      <p:grpSpPr>
+        <a:xfrm>
+          <a:off x="0" y="0"/>
+          <a:ext cx="0" cy="0"/>
+          <a:chOff x="0" y="0"/>
+          <a:chExt cx="0" cy="0"/>
+        </a:xfrm>
+      </p:grpSpPr>
+      <p:grpSp>
+        <p:nvGrpSpPr>
+          <p:cNvPr id="56" name="Group 55"/>
+          <p:cNvGrpSpPr/>
+          <p:nvPr/>
+        </p:nvGrpSpPr>
+        <p:grpSpPr>
+          <a:xfrm>
+            <a:off x="5486400" y="3429000"/>
+            <a:ext cx="1828800" cy="1828800"/>
+            <a:chOff x="5486400" y="3429000"/>
+            <a:chExt cx="1828800" cy="1828800"/>
+          </a:xfrm>
+        </p:grpSpPr>
+        <p:pic>
+          <p:nvPicPr>
+            <p:cNvPr id="15362" name="Picture 2" descr="Elephant Reading"/>
+            <p:cNvPicPr>
+              <a:picLocks noChangeAspect="1" noChangeArrowheads="1"/>
+            </p:cNvPicPr>
+            <p:nvPr/>
+          </p:nvPicPr>
+          <p:blipFill>
+            <a:blip r:embed="rId2" cstate="print"/>
+            <a:srcRect/>
+            <a:stretch>
+              <a:fillRect/>
+            </a:stretch>
+          </p:blipFill>
+          <p:spPr bwMode="auto">
+            <a:xfrm>
+              <a:off x="5867400" y="3566259"/>
+              <a:ext cx="1143000" cy="1234341"/>
+            </a:xfrm>
+            <a:prstGeom prst="rect">
+              <a:avLst/>
+            </a:prstGeom>
+            <a:noFill/>
+          </p:spPr>
+        </p:pic>
+        <p:sp>
+          <p:nvSpPr>
+            <p:cNvPr id="28" name="Isosceles Triangle 27"/>
+            <p:cNvSpPr/>
+            <p:nvPr/>
+          </p:nvSpPr>
+          <p:spPr>
+            <a:xfrm rot="5400000">
+              <a:off x="6344557" y="4950279"/>
+              <a:ext cx="163286" cy="152400"/>
+            </a:xfrm>
+            <a:prstGeom prst="triangle">
+              <a:avLst/>
+            </a:prstGeom>
+            <a:ln>
+              <a:noFill/>
+            </a:ln>
+          </p:spPr>
+          <p:style>
+            <a:lnRef idx="2">
+              <a:schemeClr val="accent1">
+                <a:shade val="50000"/>
+              </a:schemeClr>
+            </a:lnRef>
+            <a:fillRef idx="1">
+              <a:schemeClr val="accent1"/>
+            </a:fillRef>
+            <a:effectRef idx="0">
+              <a:schemeClr val="accent1"/>
+            </a:effectRef>
+            <a:fontRef idx="minor">
+              <a:schemeClr val="lt1"/>
+            </a:fontRef>
+          </p:style>
+          <p:txBody>
+            <a:bodyPr rtlCol="0" anchor="ctr"/>
+            <a:lstStyle/>
+            <a:p>
+              <a:pPr algn="ctr"/>
+              <a:endParaRPr lang="en-US"/>
+            </a:p>
+          </p:txBody>
+        </p:sp>
+        <p:sp>
+          <p:nvSpPr>
+            <p:cNvPr id="29" name="Oval 28"/>
+            <p:cNvSpPr/>
+            <p:nvPr/>
+          </p:nvSpPr>
+          <p:spPr>
+            <a:xfrm>
+              <a:off x="6248400" y="4876800"/>
+              <a:ext cx="304800" cy="304800"/>
+            </a:xfrm>
+            <a:prstGeom prst="ellipse">
+              <a:avLst/>
+            </a:prstGeom>
+            <a:noFill/>
+            <a:ln w="12700">
+              <a:solidFill>
+                <a:schemeClr val="tx1"/>
+              </a:solidFill>
+            </a:ln>
+          </p:spPr>
+          <p:style>
+            <a:lnRef idx="2">
+              <a:schemeClr val="accent1">
+                <a:shade val="50000"/>
+              </a:schemeClr>
+            </a:lnRef>
+            <a:fillRef idx="1">
+              <a:schemeClr val="accent1"/>
+            </a:fillRef>
+            <a:effectRef idx="0">
+              <a:schemeClr val="accent1"/>
+            </a:effectRef>
+            <a:fontRef idx="minor">
+              <a:schemeClr val="lt1"/>
+            </a:fontRef>
+          </p:style>
+          <p:txBody>
+            <a:bodyPr rtlCol="0" anchor="ctr"/>
+            <a:lstStyle/>
+            <a:p>
+              <a:pPr algn="ctr"/>
+              <a:endParaRPr lang="en-US"/>
+            </a:p>
+          </p:txBody>
+        </p:sp>
+        <p:sp>
+          <p:nvSpPr>
+            <p:cNvPr id="31" name="Rectangle 30"/>
+            <p:cNvSpPr/>
+            <p:nvPr/>
+          </p:nvSpPr>
+          <p:spPr>
+            <a:xfrm>
+              <a:off x="5486400" y="3429000"/>
+              <a:ext cx="1828800" cy="1828800"/>
+            </a:xfrm>
+            <a:prstGeom prst="rect">
+              <a:avLst/>
+            </a:prstGeom>
+            <a:noFill/>
+            <a:ln w="19050">
+              <a:solidFill>
+                <a:schemeClr val="tx1"/>
+              </a:solidFill>
+              <a:prstDash val="solid"/>
+            </a:ln>
+          </p:spPr>
+          <p:style>
+            <a:lnRef idx="2">
+              <a:schemeClr val="accent1">
+                <a:shade val="50000"/>
+              </a:schemeClr>
+            </a:lnRef>
+            <a:fillRef idx="1">
+              <a:schemeClr val="accent1"/>
+            </a:fillRef>
+            <a:effectRef idx="0">
+              <a:schemeClr val="accent1"/>
+            </a:effectRef>
+            <a:fontRef idx="minor">
+              <a:schemeClr val="lt1"/>
+            </a:fontRef>
+          </p:style>
+          <p:txBody>
+            <a:bodyPr rtlCol="0" anchor="ctr"/>
+            <a:lstStyle/>
+            <a:p>
+              <a:pPr algn="ctr"/>
+              <a:endParaRPr lang="en-US"/>
+            </a:p>
+          </p:txBody>
+        </p:sp>
+      </p:grpSp>
+      <p:grpSp>
+        <p:nvGrpSpPr>
+          <p:cNvPr id="55" name="Group 54"/>
+          <p:cNvGrpSpPr/>
+          <p:nvPr/>
+        </p:nvGrpSpPr>
+        <p:grpSpPr>
+          <a:xfrm>
+            <a:off x="533400" y="1143000"/>
+            <a:ext cx="7391400" cy="917377"/>
+            <a:chOff x="533400" y="1143000"/>
+            <a:chExt cx="7391400" cy="917377"/>
+          </a:xfrm>
+        </p:grpSpPr>
+        <p:sp>
+          <p:nvSpPr>
+            <p:cNvPr id="23" name="Rectangle 22"/>
+            <p:cNvSpPr/>
+            <p:nvPr/>
+          </p:nvSpPr>
+          <p:spPr>
+            <a:xfrm>
+              <a:off x="533400" y="1143000"/>
+              <a:ext cx="7391400" cy="914400"/>
+            </a:xfrm>
+            <a:prstGeom prst="rect">
+              <a:avLst/>
+            </a:prstGeom>
+            <a:solidFill>
+              <a:srgbClr val="92D050"/>
+            </a:solidFill>
+            <a:ln>
+              <a:noFill/>
+            </a:ln>
+          </p:spPr>
+          <p:style>
+            <a:lnRef idx="2">
+              <a:schemeClr val="accent1">
+                <a:shade val="50000"/>
+              </a:schemeClr>
+            </a:lnRef>
+            <a:fillRef idx="1">
+              <a:schemeClr val="accent1"/>
+            </a:fillRef>
+            <a:effectRef idx="0">
+              <a:schemeClr val="accent1"/>
+            </a:effectRef>
+            <a:fontRef idx="minor">
+              <a:schemeClr val="lt1"/>
+            </a:fontRef>
+          </p:style>
+          <p:txBody>
+            <a:bodyPr rtlCol="0" anchor="ctr"/>
+            <a:lstStyle/>
+            <a:p>
+              <a:r>
+                <a:rPr lang="en-US" b="1" dirty="0">
+                  <a:latin typeface="Calibri" pitchFamily="34" charset="0"/>
+                </a:rPr>
+                <a:t>   0   1   2   3   4   5   6   7   8   9   10   11   12   13   14   15   16   17   18   19   20</a:t>
+              </a:r>
+            </a:p>
+          </p:txBody>
+        </p:sp>
+        <p:sp>
+          <p:nvSpPr>
+            <p:cNvPr id="32" name="TextBox 31"/>
+            <p:cNvSpPr txBox="1"/>
+            <p:nvPr/>
+          </p:nvSpPr>
+          <p:spPr>
+            <a:xfrm>
+              <a:off x="3856737" y="1752600"/>
+              <a:ext cx="608500" cy="307777"/>
+            </a:xfrm>
+            <a:prstGeom prst="rect">
+              <a:avLst/>
+            </a:prstGeom>
+            <a:noFill/>
+          </p:spPr>
+          <p:txBody>
+            <a:bodyPr wrap="none" rtlCol="0">
+              <a:spAutoFit/>
+            </a:bodyPr>
+            <a:lstStyle/>
+            <a:p>
+              <a:pPr algn="ctr"/>
+              <a:r>
+                <a:rPr lang="en-US" sz="1400" b="1" dirty="0"/>
+                <a:t>count</a:t>
+              </a:r>
+            </a:p>
+          </p:txBody>
+        </p:sp>
+      </p:grpSp>
+      <p:sp>
+        <p:nvSpPr>
+          <p:cNvPr id="33" name="Rectangle 32"/>
+          <p:cNvSpPr/>
+          <p:nvPr/>
+        </p:nvSpPr>
+        <p:spPr>
+          <a:xfrm>
+            <a:off x="609600" y="2667000"/>
+            <a:ext cx="228600" cy="609600"/>
+          </a:xfrm>
+          <a:prstGeom prst="rect">
+            <a:avLst/>
+          </a:prstGeom>
+          <a:solidFill>
+            <a:srgbClr val="008A3E"/>
+          </a:solidFill>
+          <a:ln>
+            <a:noFill/>
+          </a:ln>
+        </p:spPr>
+        <p:style>
+          <a:lnRef idx="2">
+            <a:schemeClr val="accent1">
+              <a:shade val="50000"/>
+            </a:schemeClr>
+          </a:lnRef>
+          <a:fillRef idx="1">
+            <a:schemeClr val="accent1"/>
+          </a:fillRef>
+          <a:effectRef idx="0">
+            <a:schemeClr val="accent1"/>
+          </a:effectRef>
+          <a:fontRef idx="minor">
+            <a:schemeClr val="lt1"/>
+          </a:fontRef>
+        </p:style>
+        <p:txBody>
+          <a:bodyPr rtlCol="0" anchor="ctr"/>
+          <a:lstStyle/>
+          <a:p>
+            <a:pPr algn="ctr"/>
+            <a:r>
+              <a:rPr lang="en-US" b="1" dirty="0">
+                <a:latin typeface="Calibri" pitchFamily="34" charset="0"/>
+              </a:rPr>
+              <a:t>1</a:t>
+            </a:r>
+          </a:p>
+        </p:txBody>
+      </p:sp>
+      <p:sp>
+        <p:nvSpPr>
+          <p:cNvPr id="39" name="Rectangle 38"/>
+          <p:cNvSpPr/>
+          <p:nvPr/>
+        </p:nvSpPr>
+        <p:spPr>
+          <a:xfrm>
+            <a:off x="914400" y="2667000"/>
+            <a:ext cx="228600" cy="609600"/>
+          </a:xfrm>
+          <a:prstGeom prst="rect">
+            <a:avLst/>
+          </a:prstGeom>
+          <a:solidFill>
+            <a:srgbClr val="008A3E"/>
+          </a:solidFill>
+          <a:ln>
+            <a:noFill/>
+          </a:ln>
+        </p:spPr>
+        <p:style>
+          <a:lnRef idx="2">
+            <a:schemeClr val="accent1">
+              <a:shade val="50000"/>
+            </a:schemeClr>
+          </a:lnRef>
+          <a:fillRef idx="1">
+            <a:schemeClr val="accent1"/>
+          </a:fillRef>
+          <a:effectRef idx="0">
+            <a:schemeClr val="accent1"/>
+          </a:effectRef>
+          <a:fontRef idx="minor">
+            <a:schemeClr val="lt1"/>
+          </a:fontRef>
+        </p:style>
+        <p:txBody>
+          <a:bodyPr rtlCol="0" anchor="ctr"/>
+          <a:lstStyle/>
+          <a:p>
+            <a:pPr algn="ctr"/>
+            <a:r>
+              <a:rPr lang="en-US" b="1" dirty="0">
+                <a:latin typeface="Calibri" pitchFamily="34" charset="0"/>
+              </a:rPr>
+              <a:t>2</a:t>
+            </a:r>
+          </a:p>
+        </p:txBody>
+      </p:sp>
+      <p:sp>
+        <p:nvSpPr>
+          <p:cNvPr id="40" name="Rectangle 39"/>
+          <p:cNvSpPr/>
+          <p:nvPr/>
+        </p:nvSpPr>
+        <p:spPr>
+          <a:xfrm>
+            <a:off x="1219200" y="2667000"/>
+            <a:ext cx="228600" cy="609600"/>
+          </a:xfrm>
+          <a:prstGeom prst="rect">
+            <a:avLst/>
+          </a:prstGeom>
+          <a:solidFill>
+            <a:srgbClr val="008A3E"/>
+          </a:solidFill>
+          <a:ln>
+            <a:noFill/>
+          </a:ln>
+        </p:spPr>
+        <p:style>
+          <a:lnRef idx="2">
+            <a:schemeClr val="accent1">
+              <a:shade val="50000"/>
+            </a:schemeClr>
+          </a:lnRef>
+          <a:fillRef idx="1">
+            <a:schemeClr val="accent1"/>
+          </a:fillRef>
+          <a:effectRef idx="0">
+            <a:schemeClr val="accent1"/>
+          </a:effectRef>
+          <a:fontRef idx="minor">
+            <a:schemeClr val="lt1"/>
+          </a:fontRef>
+        </p:style>
+        <p:txBody>
+          <a:bodyPr rtlCol="0" anchor="ctr"/>
+          <a:lstStyle/>
+          <a:p>
+            <a:pPr algn="ctr"/>
+            <a:r>
+              <a:rPr lang="en-US" b="1" dirty="0">
+                <a:latin typeface="Calibri" pitchFamily="34" charset="0"/>
+              </a:rPr>
+              <a:t>3</a:t>
+            </a:r>
+          </a:p>
+        </p:txBody>
+      </p:sp>
+      <p:sp>
+        <p:nvSpPr>
+          <p:cNvPr id="41" name="Rectangle 40"/>
+          <p:cNvSpPr/>
+          <p:nvPr/>
+        </p:nvSpPr>
+        <p:spPr>
+          <a:xfrm>
+            <a:off x="1524000" y="2667000"/>
+            <a:ext cx="228600" cy="609600"/>
+          </a:xfrm>
+          <a:prstGeom prst="rect">
+            <a:avLst/>
+          </a:prstGeom>
+          <a:solidFill>
+            <a:srgbClr val="008A3E"/>
+          </a:solidFill>
+          <a:ln>
+            <a:noFill/>
+          </a:ln>
+        </p:spPr>
+        <p:style>
+          <a:lnRef idx="2">
+            <a:schemeClr val="accent1">
+              <a:shade val="50000"/>
+            </a:schemeClr>
+          </a:lnRef>
+          <a:fillRef idx="1">
+            <a:schemeClr val="accent1"/>
+          </a:fillRef>
+          <a:effectRef idx="0">
+            <a:schemeClr val="accent1"/>
+          </a:effectRef>
+          <a:fontRef idx="minor">
+            <a:schemeClr val="lt1"/>
+          </a:fontRef>
+        </p:style>
+        <p:txBody>
+          <a:bodyPr rtlCol="0" anchor="ctr"/>
+          <a:lstStyle/>
+          <a:p>
+            <a:pPr algn="ctr"/>
+            <a:r>
+              <a:rPr lang="en-US" b="1" dirty="0">
+                <a:latin typeface="Calibri" pitchFamily="34" charset="0"/>
+              </a:rPr>
+              <a:t>4</a:t>
+            </a:r>
+          </a:p>
+        </p:txBody>
+      </p:sp>
+      <p:sp>
+        <p:nvSpPr>
+          <p:cNvPr id="42" name="Rectangle 41"/>
+          <p:cNvSpPr/>
+          <p:nvPr/>
+        </p:nvSpPr>
+        <p:spPr>
+          <a:xfrm>
+            <a:off x="1828800" y="2667000"/>
+            <a:ext cx="228600" cy="609600"/>
+          </a:xfrm>
+          <a:prstGeom prst="rect">
+            <a:avLst/>
+          </a:prstGeom>
+          <a:solidFill>
+            <a:srgbClr val="008A3E"/>
+          </a:solidFill>
+          <a:ln>
+            <a:noFill/>
+          </a:ln>
+        </p:spPr>
+        <p:style>
+          <a:lnRef idx="2">
+            <a:schemeClr val="accent1">
+              <a:shade val="50000"/>
+            </a:schemeClr>
+          </a:lnRef>
+          <a:fillRef idx="1">
+            <a:schemeClr val="accent1"/>
+          </a:fillRef>
+          <a:effectRef idx="0">
+            <a:schemeClr val="accent1"/>
+          </a:effectRef>
+          <a:fontRef idx="minor">
+            <a:schemeClr val="lt1"/>
+          </a:fontRef>
+        </p:style>
+        <p:txBody>
+          <a:bodyPr rtlCol="0" anchor="ctr"/>
+          <a:lstStyle/>
+          <a:p>
+            <a:pPr algn="ctr"/>
+            <a:r>
+              <a:rPr lang="en-US" b="1" dirty="0">
+                <a:latin typeface="Calibri" pitchFamily="34" charset="0"/>
+              </a:rPr>
+              <a:t>5</a:t>
+            </a:r>
+          </a:p>
+        </p:txBody>
+      </p:sp>
+      <p:sp>
+        <p:nvSpPr>
+          <p:cNvPr id="43" name="Rectangle 42"/>
+          <p:cNvSpPr/>
+          <p:nvPr/>
+        </p:nvSpPr>
+        <p:spPr>
+          <a:xfrm>
+            <a:off x="2133600" y="2667000"/>
+            <a:ext cx="228600" cy="609600"/>
+          </a:xfrm>
+          <a:prstGeom prst="rect">
+            <a:avLst/>
+          </a:prstGeom>
+          <a:solidFill>
+            <a:srgbClr val="008A3E"/>
+          </a:solidFill>
+          <a:ln>
+            <a:noFill/>
+          </a:ln>
+        </p:spPr>
+        <p:style>
+          <a:lnRef idx="2">
+            <a:schemeClr val="accent1">
+              <a:shade val="50000"/>
+            </a:schemeClr>
+          </a:lnRef>
+          <a:fillRef idx="1">
+            <a:schemeClr val="accent1"/>
+          </a:fillRef>
+          <a:effectRef idx="0">
+            <a:schemeClr val="accent1"/>
+          </a:effectRef>
+          <a:fontRef idx="minor">
+            <a:schemeClr val="lt1"/>
+          </a:fontRef>
+        </p:style>
+        <p:txBody>
+          <a:bodyPr rtlCol="0" anchor="ctr"/>
+          <a:lstStyle/>
+          <a:p>
+            <a:pPr algn="ctr"/>
+            <a:r>
+              <a:rPr lang="en-US" b="1" dirty="0">
+                <a:latin typeface="Calibri" pitchFamily="34" charset="0"/>
+              </a:rPr>
+              <a:t>6</a:t>
+            </a:r>
+          </a:p>
+        </p:txBody>
+      </p:sp>
+      <p:sp>
+        <p:nvSpPr>
+          <p:cNvPr id="44" name="Rectangle 43"/>
+          <p:cNvSpPr/>
+          <p:nvPr/>
+        </p:nvSpPr>
+        <p:spPr>
+          <a:xfrm>
+            <a:off x="3352800" y="2667000"/>
+            <a:ext cx="228600" cy="609600"/>
+          </a:xfrm>
+          <a:prstGeom prst="rect">
+            <a:avLst/>
+          </a:prstGeom>
+          <a:solidFill>
+            <a:srgbClr val="008A3E"/>
+          </a:solidFill>
+          <a:ln>
+            <a:noFill/>
+          </a:ln>
+        </p:spPr>
+        <p:style>
+          <a:lnRef idx="2">
+            <a:schemeClr val="accent1">
+              <a:shade val="50000"/>
+            </a:schemeClr>
+          </a:lnRef>
+          <a:fillRef idx="1">
+            <a:schemeClr val="accent1"/>
+          </a:fillRef>
+          <a:effectRef idx="0">
+            <a:schemeClr val="accent1"/>
+          </a:effectRef>
+          <a:fontRef idx="minor">
+            <a:schemeClr val="lt1"/>
+          </a:fontRef>
+        </p:style>
+        <p:txBody>
+          <a:bodyPr rtlCol="0" anchor="ctr"/>
+          <a:lstStyle/>
+          <a:p>
+            <a:pPr algn="ctr"/>
+            <a:r>
+              <a:rPr lang="en-US" b="1" dirty="0">
+                <a:latin typeface="Calibri" pitchFamily="34" charset="0"/>
+              </a:rPr>
+              <a:t>1</a:t>
+            </a:r>
+          </a:p>
+        </p:txBody>
+      </p:sp>
+      <p:sp>
+        <p:nvSpPr>
+          <p:cNvPr id="48" name="Rectangle 47"/>
+          <p:cNvSpPr/>
+          <p:nvPr/>
+        </p:nvSpPr>
+        <p:spPr>
+          <a:xfrm>
+            <a:off x="304800" y="2667000"/>
+            <a:ext cx="228600" cy="609600"/>
+          </a:xfrm>
+          <a:prstGeom prst="rect">
+            <a:avLst/>
+          </a:prstGeom>
+          <a:solidFill>
+            <a:srgbClr val="008A3E"/>
+          </a:solidFill>
+          <a:ln>
+            <a:noFill/>
+          </a:ln>
+        </p:spPr>
+        <p:style>
+          <a:lnRef idx="2">
+            <a:schemeClr val="accent1">
+              <a:shade val="50000"/>
+            </a:schemeClr>
+          </a:lnRef>
+          <a:fillRef idx="1">
+            <a:schemeClr val="accent1"/>
+          </a:fillRef>
+          <a:effectRef idx="0">
+            <a:schemeClr val="accent1"/>
+          </a:effectRef>
+          <a:fontRef idx="minor">
+            <a:schemeClr val="lt1"/>
+          </a:fontRef>
+        </p:style>
+        <p:txBody>
+          <a:bodyPr rtlCol="0" anchor="ctr"/>
+          <a:lstStyle/>
+          <a:p>
+            <a:pPr algn="ctr"/>
+            <a:r>
+              <a:rPr lang="en-US" b="1" dirty="0">
+                <a:latin typeface="Calibri" pitchFamily="34" charset="0"/>
+              </a:rPr>
+              <a:t>0</a:t>
+            </a:r>
+          </a:p>
+        </p:txBody>
+      </p:sp>
+      <p:sp>
+        <p:nvSpPr>
+          <p:cNvPr id="49" name="Rectangle 48"/>
+          <p:cNvSpPr/>
+          <p:nvPr/>
+        </p:nvSpPr>
+        <p:spPr>
+          <a:xfrm>
+            <a:off x="3048000" y="2667000"/>
+            <a:ext cx="228600" cy="609600"/>
+          </a:xfrm>
+          <a:prstGeom prst="rect">
+            <a:avLst/>
+          </a:prstGeom>
+          <a:solidFill>
+            <a:srgbClr val="008A3E"/>
+          </a:solidFill>
+          <a:ln>
+            <a:noFill/>
+          </a:ln>
+        </p:spPr>
+        <p:style>
+          <a:lnRef idx="2">
+            <a:schemeClr val="accent1">
+              <a:shade val="50000"/>
+            </a:schemeClr>
+          </a:lnRef>
+          <a:fillRef idx="1">
+            <a:schemeClr val="accent1"/>
+          </a:fillRef>
+          <a:effectRef idx="0">
+            <a:schemeClr val="accent1"/>
+          </a:effectRef>
+          <a:fontRef idx="minor">
+            <a:schemeClr val="lt1"/>
+          </a:fontRef>
+        </p:style>
+        <p:txBody>
+          <a:bodyPr rtlCol="0" anchor="ctr"/>
+          <a:lstStyle/>
+          <a:p>
+            <a:pPr algn="ctr"/>
+            <a:r>
+              <a:rPr lang="en-US" b="1" dirty="0">
+                <a:latin typeface="Calibri" pitchFamily="34" charset="0"/>
+              </a:rPr>
+              <a:t>9</a:t>
+            </a:r>
+          </a:p>
+        </p:txBody>
+      </p:sp>
+      <p:sp>
+        <p:nvSpPr>
+          <p:cNvPr id="50" name="Rectangle 49"/>
+          <p:cNvSpPr/>
+          <p:nvPr/>
+        </p:nvSpPr>
+        <p:spPr>
+          <a:xfrm>
+            <a:off x="2743200" y="2667000"/>
+            <a:ext cx="228600" cy="609600"/>
+          </a:xfrm>
+          <a:prstGeom prst="rect">
+            <a:avLst/>
+          </a:prstGeom>
+          <a:solidFill>
+            <a:srgbClr val="008A3E"/>
+          </a:solidFill>
+          <a:ln>
+            <a:noFill/>
+          </a:ln>
+        </p:spPr>
+        <p:style>
+          <a:lnRef idx="2">
+            <a:schemeClr val="accent1">
+              <a:shade val="50000"/>
+            </a:schemeClr>
+          </a:lnRef>
+          <a:fillRef idx="1">
+            <a:schemeClr val="accent1"/>
+          </a:fillRef>
+          <a:effectRef idx="0">
+            <a:schemeClr val="accent1"/>
+          </a:effectRef>
+          <a:fontRef idx="minor">
+            <a:schemeClr val="lt1"/>
+          </a:fontRef>
+        </p:style>
+        <p:txBody>
+          <a:bodyPr rtlCol="0" anchor="ctr"/>
+          <a:lstStyle/>
+          <a:p>
+            <a:pPr algn="ctr"/>
+            <a:r>
+              <a:rPr lang="en-US" b="1" dirty="0">
+                <a:latin typeface="Calibri" pitchFamily="34" charset="0"/>
+              </a:rPr>
+              <a:t>8</a:t>
+            </a:r>
+          </a:p>
+        </p:txBody>
+      </p:sp>
+      <p:sp>
+        <p:nvSpPr>
+          <p:cNvPr id="51" name="Rectangle 50"/>
+          <p:cNvSpPr/>
+          <p:nvPr/>
+        </p:nvSpPr>
+        <p:spPr>
+          <a:xfrm>
+            <a:off x="2438400" y="2667000"/>
+            <a:ext cx="228600" cy="609600"/>
+          </a:xfrm>
+          <a:prstGeom prst="rect">
+            <a:avLst/>
+          </a:prstGeom>
+          <a:solidFill>
+            <a:srgbClr val="008A3E"/>
+          </a:solidFill>
+          <a:ln>
+            <a:noFill/>
+          </a:ln>
+        </p:spPr>
+        <p:style>
+          <a:lnRef idx="2">
+            <a:schemeClr val="accent1">
+              <a:shade val="50000"/>
+            </a:schemeClr>
+          </a:lnRef>
+          <a:fillRef idx="1">
+            <a:schemeClr val="accent1"/>
+          </a:fillRef>
+          <a:effectRef idx="0">
+            <a:schemeClr val="accent1"/>
+          </a:effectRef>
+          <a:fontRef idx="minor">
+            <a:schemeClr val="lt1"/>
+          </a:fontRef>
+        </p:style>
+        <p:txBody>
+          <a:bodyPr rtlCol="0" anchor="ctr"/>
+          <a:lstStyle/>
+          <a:p>
+            <a:pPr algn="ctr"/>
+            <a:r>
+              <a:rPr lang="en-US" b="1" dirty="0">
+                <a:latin typeface="Calibri" pitchFamily="34" charset="0"/>
+              </a:rPr>
+              <a:t>7</a:t>
+            </a:r>
+          </a:p>
+        </p:txBody>
+      </p:sp>
+      <p:pic>
+        <p:nvPicPr>
+          <p:cNvPr id="15363" name="Picture 3" descr="1272571786353863323platano"/>
+          <p:cNvPicPr>
+            <a:picLocks noChangeAspect="1" noChangeArrowheads="1"/>
+          </p:cNvPicPr>
+          <p:nvPr/>
+        </p:nvPicPr>
+        <p:blipFill>
+          <a:blip r:embed="rId3" cstate="print"/>
+          <a:srcRect/>
+          <a:stretch>
+            <a:fillRect/>
+          </a:stretch>
+        </p:blipFill>
+        <p:spPr bwMode="auto">
+          <a:xfrm>
+            <a:off x="1600200" y="4191000"/>
+            <a:ext cx="618799" cy="838200"/>
+          </a:xfrm>
+          <a:prstGeom prst="rect">
+            <a:avLst/>
+          </a:prstGeom>
+          <a:noFill/>
+          <a:ln w="9525" algn="in">
+            <a:noFill/>
+            <a:miter lim="800000"/>
+            <a:headEnd/>
+            <a:tailEnd/>
+          </a:ln>
+        </p:spPr>
+      </p:pic>
+      <p:pic>
+        <p:nvPicPr>
+          <p:cNvPr id="15364" name="Picture 4" descr="RTG7egnzc"/>
+          <p:cNvPicPr>
+            <a:picLocks noChangeAspect="1" noChangeArrowheads="1"/>
+          </p:cNvPicPr>
+          <p:nvPr/>
+        </p:nvPicPr>
+        <p:blipFill>
+          <a:blip r:embed="rId4" cstate="print"/>
+          <a:srcRect/>
+          <a:stretch>
+            <a:fillRect/>
+          </a:stretch>
+        </p:blipFill>
+        <p:spPr bwMode="auto">
+          <a:xfrm>
+            <a:off x="533400" y="4191000"/>
+            <a:ext cx="762000" cy="914400"/>
+          </a:xfrm>
+          <a:prstGeom prst="rect">
+            <a:avLst/>
+          </a:prstGeom>
+          <a:noFill/>
+          <a:ln w="9525" algn="in">
+            <a:noFill/>
+            <a:miter lim="800000"/>
+            <a:headEnd/>
+            <a:tailEnd/>
+          </a:ln>
+        </p:spPr>
+      </p:pic>
+      <p:pic>
+        <p:nvPicPr>
+          <p:cNvPr id="15366" name="Picture 6" descr="http://www.zam-ads.com/wp-content/uploads/2011/11/banana-peel.jpg"/>
+          <p:cNvPicPr>
+            <a:picLocks noChangeAspect="1" noChangeArrowheads="1"/>
+          </p:cNvPicPr>
+          <p:nvPr/>
+        </p:nvPicPr>
+        <p:blipFill>
+          <a:blip r:embed="rId5" cstate="print"/>
+          <a:srcRect/>
+          <a:stretch>
+            <a:fillRect/>
+          </a:stretch>
+        </p:blipFill>
+        <p:spPr bwMode="auto">
+          <a:xfrm>
+            <a:off x="2514600" y="4191000"/>
+            <a:ext cx="921099" cy="914400"/>
+          </a:xfrm>
+          <a:prstGeom prst="rect">
+            <a:avLst/>
+          </a:prstGeom>
+          <a:noFill/>
+        </p:spPr>
+      </p:pic>
+      <p:sp>
+        <p:nvSpPr>
+          <p:cNvPr id="25" name="TextBox 24"/>
+          <p:cNvSpPr txBox="1"/>
+          <p:nvPr/>
+        </p:nvSpPr>
+        <p:spPr>
+          <a:xfrm>
+            <a:off x="762000" y="5148590"/>
+            <a:ext cx="338554" cy="261610"/>
+          </a:xfrm>
+          <a:prstGeom prst="rect">
+            <a:avLst/>
+          </a:prstGeom>
+          <a:noFill/>
+        </p:spPr>
+        <p:txBody>
+          <a:bodyPr wrap="none" rtlCol="0">
+            <a:spAutoFit/>
+          </a:bodyPr>
+          <a:lstStyle/>
+          <a:p>
+            <a:r>
+              <a:rPr lang="en-US" sz="1100" dirty="0"/>
+              <a:t>(a)</a:t>
+            </a:r>
+          </a:p>
+        </p:txBody>
+      </p:sp>
+      <p:sp>
+        <p:nvSpPr>
+          <p:cNvPr id="26" name="TextBox 25"/>
+          <p:cNvSpPr txBox="1"/>
+          <p:nvPr/>
+        </p:nvSpPr>
+        <p:spPr>
+          <a:xfrm>
+            <a:off x="1795046" y="5148590"/>
+            <a:ext cx="344966" cy="261610"/>
+          </a:xfrm>
+          <a:prstGeom prst="rect">
+            <a:avLst/>
+          </a:prstGeom>
+          <a:noFill/>
+        </p:spPr>
+        <p:txBody>
+          <a:bodyPr wrap="none" rtlCol="0">
+            <a:spAutoFit/>
+          </a:bodyPr>
+          <a:lstStyle/>
+          <a:p>
+            <a:r>
+              <a:rPr lang="en-US" sz="1100" dirty="0"/>
+              <a:t>(b)</a:t>
+            </a:r>
+          </a:p>
+        </p:txBody>
+      </p:sp>
+      <p:sp>
+        <p:nvSpPr>
+          <p:cNvPr id="27" name="TextBox 26"/>
+          <p:cNvSpPr txBox="1"/>
+          <p:nvPr/>
+        </p:nvSpPr>
+        <p:spPr>
+          <a:xfrm>
+            <a:off x="2785646" y="5148590"/>
+            <a:ext cx="330540" cy="261610"/>
+          </a:xfrm>
+          <a:prstGeom prst="rect">
+            <a:avLst/>
+          </a:prstGeom>
+          <a:noFill/>
+        </p:spPr>
+        <p:txBody>
+          <a:bodyPr wrap="none" rtlCol="0">
+            <a:spAutoFit/>
+          </a:bodyPr>
+          <a:lstStyle/>
+          <a:p>
+            <a:r>
+              <a:rPr lang="en-US" sz="1100" dirty="0"/>
+              <a:t>(c)</a:t>
+            </a:r>
+          </a:p>
+        </p:txBody>
+      </p:sp>
+    </p:spTree>
+  </p:cSld>
+  <p:clrMapOvr>
+    <a:masterClrMapping/>
+  </p:clrMapOvr>
+</p:sld>
+</file>
+
+<file path=ppt/slides/slide20.xml><?xml version="1.0" encoding="utf-8"?>
 <p:sld xmlns:a="http://schemas.openxmlformats.org/drawingml/2006/main" xmlns:r="http://schemas.openxmlformats.org/officeDocument/2006/relationships" xmlns:p="http://schemas.openxmlformats.org/presentationml/2006/main">
   <p:cSld>
     <p:spTree>
@@ -16709,7 +20510,7 @@
 </p:sld>
 </file>
 
-<file path=ppt/slides/slide2.xml><?xml version="1.0" encoding="utf-8"?>
+<file path=ppt/slides/slide21.xml><?xml version="1.0" encoding="utf-8"?>
 <p:sld xmlns:a="http://schemas.openxmlformats.org/drawingml/2006/main" xmlns:r="http://schemas.openxmlformats.org/officeDocument/2006/relationships" xmlns:p="http://schemas.openxmlformats.org/presentationml/2006/main">
   <p:cSld>
     <p:spTree>
@@ -16726,1056 +20527,6 @@
           <a:chExt cx="0" cy="0"/>
         </a:xfrm>
       </p:grpSpPr>
-      <p:grpSp>
-        <p:nvGrpSpPr>
-          <p:cNvPr id="56" name="Group 55"/>
-          <p:cNvGrpSpPr/>
-          <p:nvPr/>
-        </p:nvGrpSpPr>
-        <p:grpSpPr>
-          <a:xfrm>
-            <a:off x="5486400" y="3429000"/>
-            <a:ext cx="1828800" cy="1828800"/>
-            <a:chOff x="5486400" y="3429000"/>
-            <a:chExt cx="1828800" cy="1828800"/>
-          </a:xfrm>
-        </p:grpSpPr>
-        <p:pic>
-          <p:nvPicPr>
-            <p:cNvPr id="15362" name="Picture 2" descr="Elephant Reading"/>
-            <p:cNvPicPr>
-              <a:picLocks noChangeAspect="1" noChangeArrowheads="1"/>
-            </p:cNvPicPr>
-            <p:nvPr/>
-          </p:nvPicPr>
-          <p:blipFill>
-            <a:blip r:embed="rId2" cstate="print"/>
-            <a:srcRect/>
-            <a:stretch>
-              <a:fillRect/>
-            </a:stretch>
-          </p:blipFill>
-          <p:spPr bwMode="auto">
-            <a:xfrm>
-              <a:off x="5867400" y="3566259"/>
-              <a:ext cx="1143000" cy="1234341"/>
-            </a:xfrm>
-            <a:prstGeom prst="rect">
-              <a:avLst/>
-            </a:prstGeom>
-            <a:noFill/>
-          </p:spPr>
-        </p:pic>
-        <p:sp>
-          <p:nvSpPr>
-            <p:cNvPr id="28" name="Isosceles Triangle 27"/>
-            <p:cNvSpPr/>
-            <p:nvPr/>
-          </p:nvSpPr>
-          <p:spPr>
-            <a:xfrm rot="5400000">
-              <a:off x="6344557" y="4950279"/>
-              <a:ext cx="163286" cy="152400"/>
-            </a:xfrm>
-            <a:prstGeom prst="triangle">
-              <a:avLst/>
-            </a:prstGeom>
-            <a:ln>
-              <a:noFill/>
-            </a:ln>
-          </p:spPr>
-          <p:style>
-            <a:lnRef idx="2">
-              <a:schemeClr val="accent1">
-                <a:shade val="50000"/>
-              </a:schemeClr>
-            </a:lnRef>
-            <a:fillRef idx="1">
-              <a:schemeClr val="accent1"/>
-            </a:fillRef>
-            <a:effectRef idx="0">
-              <a:schemeClr val="accent1"/>
-            </a:effectRef>
-            <a:fontRef idx="minor">
-              <a:schemeClr val="lt1"/>
-            </a:fontRef>
-          </p:style>
-          <p:txBody>
-            <a:bodyPr rtlCol="0" anchor="ctr"/>
-            <a:lstStyle/>
-            <a:p>
-              <a:pPr algn="ctr"/>
-              <a:endParaRPr lang="en-US"/>
-            </a:p>
-          </p:txBody>
-        </p:sp>
-        <p:sp>
-          <p:nvSpPr>
-            <p:cNvPr id="29" name="Oval 28"/>
-            <p:cNvSpPr/>
-            <p:nvPr/>
-          </p:nvSpPr>
-          <p:spPr>
-            <a:xfrm>
-              <a:off x="6248400" y="4876800"/>
-              <a:ext cx="304800" cy="304800"/>
-            </a:xfrm>
-            <a:prstGeom prst="ellipse">
-              <a:avLst/>
-            </a:prstGeom>
-            <a:noFill/>
-            <a:ln w="12700">
-              <a:solidFill>
-                <a:schemeClr val="tx1"/>
-              </a:solidFill>
-            </a:ln>
-          </p:spPr>
-          <p:style>
-            <a:lnRef idx="2">
-              <a:schemeClr val="accent1">
-                <a:shade val="50000"/>
-              </a:schemeClr>
-            </a:lnRef>
-            <a:fillRef idx="1">
-              <a:schemeClr val="accent1"/>
-            </a:fillRef>
-            <a:effectRef idx="0">
-              <a:schemeClr val="accent1"/>
-            </a:effectRef>
-            <a:fontRef idx="minor">
-              <a:schemeClr val="lt1"/>
-            </a:fontRef>
-          </p:style>
-          <p:txBody>
-            <a:bodyPr rtlCol="0" anchor="ctr"/>
-            <a:lstStyle/>
-            <a:p>
-              <a:pPr algn="ctr"/>
-              <a:endParaRPr lang="en-US"/>
-            </a:p>
-          </p:txBody>
-        </p:sp>
-        <p:sp>
-          <p:nvSpPr>
-            <p:cNvPr id="31" name="Rectangle 30"/>
-            <p:cNvSpPr/>
-            <p:nvPr/>
-          </p:nvSpPr>
-          <p:spPr>
-            <a:xfrm>
-              <a:off x="5486400" y="3429000"/>
-              <a:ext cx="1828800" cy="1828800"/>
-            </a:xfrm>
-            <a:prstGeom prst="rect">
-              <a:avLst/>
-            </a:prstGeom>
-            <a:noFill/>
-            <a:ln w="19050">
-              <a:solidFill>
-                <a:schemeClr val="tx1"/>
-              </a:solidFill>
-              <a:prstDash val="solid"/>
-            </a:ln>
-          </p:spPr>
-          <p:style>
-            <a:lnRef idx="2">
-              <a:schemeClr val="accent1">
-                <a:shade val="50000"/>
-              </a:schemeClr>
-            </a:lnRef>
-            <a:fillRef idx="1">
-              <a:schemeClr val="accent1"/>
-            </a:fillRef>
-            <a:effectRef idx="0">
-              <a:schemeClr val="accent1"/>
-            </a:effectRef>
-            <a:fontRef idx="minor">
-              <a:schemeClr val="lt1"/>
-            </a:fontRef>
-          </p:style>
-          <p:txBody>
-            <a:bodyPr rtlCol="0" anchor="ctr"/>
-            <a:lstStyle/>
-            <a:p>
-              <a:pPr algn="ctr"/>
-              <a:endParaRPr lang="en-US"/>
-            </a:p>
-          </p:txBody>
-        </p:sp>
-      </p:grpSp>
-      <p:grpSp>
-        <p:nvGrpSpPr>
-          <p:cNvPr id="55" name="Group 54"/>
-          <p:cNvGrpSpPr/>
-          <p:nvPr/>
-        </p:nvGrpSpPr>
-        <p:grpSpPr>
-          <a:xfrm>
-            <a:off x="533400" y="1143000"/>
-            <a:ext cx="7391400" cy="917377"/>
-            <a:chOff x="533400" y="1143000"/>
-            <a:chExt cx="7391400" cy="917377"/>
-          </a:xfrm>
-        </p:grpSpPr>
-        <p:sp>
-          <p:nvSpPr>
-            <p:cNvPr id="23" name="Rectangle 22"/>
-            <p:cNvSpPr/>
-            <p:nvPr/>
-          </p:nvSpPr>
-          <p:spPr>
-            <a:xfrm>
-              <a:off x="533400" y="1143000"/>
-              <a:ext cx="7391400" cy="914400"/>
-            </a:xfrm>
-            <a:prstGeom prst="rect">
-              <a:avLst/>
-            </a:prstGeom>
-            <a:solidFill>
-              <a:srgbClr val="92D050"/>
-            </a:solidFill>
-            <a:ln>
-              <a:noFill/>
-            </a:ln>
-          </p:spPr>
-          <p:style>
-            <a:lnRef idx="2">
-              <a:schemeClr val="accent1">
-                <a:shade val="50000"/>
-              </a:schemeClr>
-            </a:lnRef>
-            <a:fillRef idx="1">
-              <a:schemeClr val="accent1"/>
-            </a:fillRef>
-            <a:effectRef idx="0">
-              <a:schemeClr val="accent1"/>
-            </a:effectRef>
-            <a:fontRef idx="minor">
-              <a:schemeClr val="lt1"/>
-            </a:fontRef>
-          </p:style>
-          <p:txBody>
-            <a:bodyPr rtlCol="0" anchor="ctr"/>
-            <a:lstStyle/>
-            <a:p>
-              <a:r>
-                <a:rPr lang="en-US" b="1" dirty="0" smtClean="0">
-                  <a:latin typeface="Calibri" pitchFamily="34" charset="0"/>
-                </a:rPr>
-                <a:t>   0   1   2   3   4   5   6   7   8   9   10   11   12   13   14   15   16   17   18   19   20</a:t>
-              </a:r>
-              <a:endParaRPr lang="en-US" b="1" dirty="0">
-                <a:latin typeface="Calibri" pitchFamily="34" charset="0"/>
-              </a:endParaRPr>
-            </a:p>
-          </p:txBody>
-        </p:sp>
-        <p:sp>
-          <p:nvSpPr>
-            <p:cNvPr id="32" name="TextBox 31"/>
-            <p:cNvSpPr txBox="1"/>
-            <p:nvPr/>
-          </p:nvSpPr>
-          <p:spPr>
-            <a:xfrm>
-              <a:off x="3856737" y="1752600"/>
-              <a:ext cx="608500" cy="307777"/>
-            </a:xfrm>
-            <a:prstGeom prst="rect">
-              <a:avLst/>
-            </a:prstGeom>
-            <a:noFill/>
-          </p:spPr>
-          <p:txBody>
-            <a:bodyPr wrap="none" rtlCol="0">
-              <a:spAutoFit/>
-            </a:bodyPr>
-            <a:lstStyle/>
-            <a:p>
-              <a:pPr algn="ctr"/>
-              <a:r>
-                <a:rPr lang="en-US" sz="1400" b="1" dirty="0" smtClean="0"/>
-                <a:t>count</a:t>
-              </a:r>
-              <a:endParaRPr lang="en-US" sz="1400" b="1" dirty="0"/>
-            </a:p>
-          </p:txBody>
-        </p:sp>
-      </p:grpSp>
-      <p:sp>
-        <p:nvSpPr>
-          <p:cNvPr id="33" name="Rectangle 32"/>
-          <p:cNvSpPr/>
-          <p:nvPr/>
-        </p:nvSpPr>
-        <p:spPr>
-          <a:xfrm>
-            <a:off x="609600" y="2667000"/>
-            <a:ext cx="228600" cy="609600"/>
-          </a:xfrm>
-          <a:prstGeom prst="rect">
-            <a:avLst/>
-          </a:prstGeom>
-          <a:solidFill>
-            <a:srgbClr val="008A3E"/>
-          </a:solidFill>
-          <a:ln>
-            <a:noFill/>
-          </a:ln>
-        </p:spPr>
-        <p:style>
-          <a:lnRef idx="2">
-            <a:schemeClr val="accent1">
-              <a:shade val="50000"/>
-            </a:schemeClr>
-          </a:lnRef>
-          <a:fillRef idx="1">
-            <a:schemeClr val="accent1"/>
-          </a:fillRef>
-          <a:effectRef idx="0">
-            <a:schemeClr val="accent1"/>
-          </a:effectRef>
-          <a:fontRef idx="minor">
-            <a:schemeClr val="lt1"/>
-          </a:fontRef>
-        </p:style>
-        <p:txBody>
-          <a:bodyPr rtlCol="0" anchor="ctr"/>
-          <a:lstStyle/>
-          <a:p>
-            <a:pPr algn="ctr"/>
-            <a:r>
-              <a:rPr lang="en-US" b="1" dirty="0" smtClean="0">
-                <a:latin typeface="Calibri" pitchFamily="34" charset="0"/>
-              </a:rPr>
-              <a:t>1</a:t>
-            </a:r>
-            <a:endParaRPr lang="en-US" b="1" dirty="0">
-              <a:latin typeface="Calibri" pitchFamily="34" charset="0"/>
-            </a:endParaRPr>
-          </a:p>
-        </p:txBody>
-      </p:sp>
-      <p:sp>
-        <p:nvSpPr>
-          <p:cNvPr id="39" name="Rectangle 38"/>
-          <p:cNvSpPr/>
-          <p:nvPr/>
-        </p:nvSpPr>
-        <p:spPr>
-          <a:xfrm>
-            <a:off x="914400" y="2667000"/>
-            <a:ext cx="228600" cy="609600"/>
-          </a:xfrm>
-          <a:prstGeom prst="rect">
-            <a:avLst/>
-          </a:prstGeom>
-          <a:solidFill>
-            <a:srgbClr val="008A3E"/>
-          </a:solidFill>
-          <a:ln>
-            <a:noFill/>
-          </a:ln>
-        </p:spPr>
-        <p:style>
-          <a:lnRef idx="2">
-            <a:schemeClr val="accent1">
-              <a:shade val="50000"/>
-            </a:schemeClr>
-          </a:lnRef>
-          <a:fillRef idx="1">
-            <a:schemeClr val="accent1"/>
-          </a:fillRef>
-          <a:effectRef idx="0">
-            <a:schemeClr val="accent1"/>
-          </a:effectRef>
-          <a:fontRef idx="minor">
-            <a:schemeClr val="lt1"/>
-          </a:fontRef>
-        </p:style>
-        <p:txBody>
-          <a:bodyPr rtlCol="0" anchor="ctr"/>
-          <a:lstStyle/>
-          <a:p>
-            <a:pPr algn="ctr"/>
-            <a:r>
-              <a:rPr lang="en-US" b="1" dirty="0" smtClean="0">
-                <a:latin typeface="Calibri" pitchFamily="34" charset="0"/>
-              </a:rPr>
-              <a:t>2</a:t>
-            </a:r>
-            <a:endParaRPr lang="en-US" b="1" dirty="0">
-              <a:latin typeface="Calibri" pitchFamily="34" charset="0"/>
-            </a:endParaRPr>
-          </a:p>
-        </p:txBody>
-      </p:sp>
-      <p:sp>
-        <p:nvSpPr>
-          <p:cNvPr id="40" name="Rectangle 39"/>
-          <p:cNvSpPr/>
-          <p:nvPr/>
-        </p:nvSpPr>
-        <p:spPr>
-          <a:xfrm>
-            <a:off x="1219200" y="2667000"/>
-            <a:ext cx="228600" cy="609600"/>
-          </a:xfrm>
-          <a:prstGeom prst="rect">
-            <a:avLst/>
-          </a:prstGeom>
-          <a:solidFill>
-            <a:srgbClr val="008A3E"/>
-          </a:solidFill>
-          <a:ln>
-            <a:noFill/>
-          </a:ln>
-        </p:spPr>
-        <p:style>
-          <a:lnRef idx="2">
-            <a:schemeClr val="accent1">
-              <a:shade val="50000"/>
-            </a:schemeClr>
-          </a:lnRef>
-          <a:fillRef idx="1">
-            <a:schemeClr val="accent1"/>
-          </a:fillRef>
-          <a:effectRef idx="0">
-            <a:schemeClr val="accent1"/>
-          </a:effectRef>
-          <a:fontRef idx="minor">
-            <a:schemeClr val="lt1"/>
-          </a:fontRef>
-        </p:style>
-        <p:txBody>
-          <a:bodyPr rtlCol="0" anchor="ctr"/>
-          <a:lstStyle/>
-          <a:p>
-            <a:pPr algn="ctr"/>
-            <a:r>
-              <a:rPr lang="en-US" b="1" dirty="0" smtClean="0">
-                <a:latin typeface="Calibri" pitchFamily="34" charset="0"/>
-              </a:rPr>
-              <a:t>3</a:t>
-            </a:r>
-            <a:endParaRPr lang="en-US" b="1" dirty="0">
-              <a:latin typeface="Calibri" pitchFamily="34" charset="0"/>
-            </a:endParaRPr>
-          </a:p>
-        </p:txBody>
-      </p:sp>
-      <p:sp>
-        <p:nvSpPr>
-          <p:cNvPr id="41" name="Rectangle 40"/>
-          <p:cNvSpPr/>
-          <p:nvPr/>
-        </p:nvSpPr>
-        <p:spPr>
-          <a:xfrm>
-            <a:off x="1524000" y="2667000"/>
-            <a:ext cx="228600" cy="609600"/>
-          </a:xfrm>
-          <a:prstGeom prst="rect">
-            <a:avLst/>
-          </a:prstGeom>
-          <a:solidFill>
-            <a:srgbClr val="008A3E"/>
-          </a:solidFill>
-          <a:ln>
-            <a:noFill/>
-          </a:ln>
-        </p:spPr>
-        <p:style>
-          <a:lnRef idx="2">
-            <a:schemeClr val="accent1">
-              <a:shade val="50000"/>
-            </a:schemeClr>
-          </a:lnRef>
-          <a:fillRef idx="1">
-            <a:schemeClr val="accent1"/>
-          </a:fillRef>
-          <a:effectRef idx="0">
-            <a:schemeClr val="accent1"/>
-          </a:effectRef>
-          <a:fontRef idx="minor">
-            <a:schemeClr val="lt1"/>
-          </a:fontRef>
-        </p:style>
-        <p:txBody>
-          <a:bodyPr rtlCol="0" anchor="ctr"/>
-          <a:lstStyle/>
-          <a:p>
-            <a:pPr algn="ctr"/>
-            <a:r>
-              <a:rPr lang="en-US" b="1" dirty="0" smtClean="0">
-                <a:latin typeface="Calibri" pitchFamily="34" charset="0"/>
-              </a:rPr>
-              <a:t>4</a:t>
-            </a:r>
-            <a:endParaRPr lang="en-US" b="1" dirty="0">
-              <a:latin typeface="Calibri" pitchFamily="34" charset="0"/>
-            </a:endParaRPr>
-          </a:p>
-        </p:txBody>
-      </p:sp>
-      <p:sp>
-        <p:nvSpPr>
-          <p:cNvPr id="42" name="Rectangle 41"/>
-          <p:cNvSpPr/>
-          <p:nvPr/>
-        </p:nvSpPr>
-        <p:spPr>
-          <a:xfrm>
-            <a:off x="1828800" y="2667000"/>
-            <a:ext cx="228600" cy="609600"/>
-          </a:xfrm>
-          <a:prstGeom prst="rect">
-            <a:avLst/>
-          </a:prstGeom>
-          <a:solidFill>
-            <a:srgbClr val="008A3E"/>
-          </a:solidFill>
-          <a:ln>
-            <a:noFill/>
-          </a:ln>
-        </p:spPr>
-        <p:style>
-          <a:lnRef idx="2">
-            <a:schemeClr val="accent1">
-              <a:shade val="50000"/>
-            </a:schemeClr>
-          </a:lnRef>
-          <a:fillRef idx="1">
-            <a:schemeClr val="accent1"/>
-          </a:fillRef>
-          <a:effectRef idx="0">
-            <a:schemeClr val="accent1"/>
-          </a:effectRef>
-          <a:fontRef idx="minor">
-            <a:schemeClr val="lt1"/>
-          </a:fontRef>
-        </p:style>
-        <p:txBody>
-          <a:bodyPr rtlCol="0" anchor="ctr"/>
-          <a:lstStyle/>
-          <a:p>
-            <a:pPr algn="ctr"/>
-            <a:r>
-              <a:rPr lang="en-US" b="1" dirty="0" smtClean="0">
-                <a:latin typeface="Calibri" pitchFamily="34" charset="0"/>
-              </a:rPr>
-              <a:t>5</a:t>
-            </a:r>
-            <a:endParaRPr lang="en-US" b="1" dirty="0">
-              <a:latin typeface="Calibri" pitchFamily="34" charset="0"/>
-            </a:endParaRPr>
-          </a:p>
-        </p:txBody>
-      </p:sp>
-      <p:sp>
-        <p:nvSpPr>
-          <p:cNvPr id="43" name="Rectangle 42"/>
-          <p:cNvSpPr/>
-          <p:nvPr/>
-        </p:nvSpPr>
-        <p:spPr>
-          <a:xfrm>
-            <a:off x="2133600" y="2667000"/>
-            <a:ext cx="228600" cy="609600"/>
-          </a:xfrm>
-          <a:prstGeom prst="rect">
-            <a:avLst/>
-          </a:prstGeom>
-          <a:solidFill>
-            <a:srgbClr val="008A3E"/>
-          </a:solidFill>
-          <a:ln>
-            <a:noFill/>
-          </a:ln>
-        </p:spPr>
-        <p:style>
-          <a:lnRef idx="2">
-            <a:schemeClr val="accent1">
-              <a:shade val="50000"/>
-            </a:schemeClr>
-          </a:lnRef>
-          <a:fillRef idx="1">
-            <a:schemeClr val="accent1"/>
-          </a:fillRef>
-          <a:effectRef idx="0">
-            <a:schemeClr val="accent1"/>
-          </a:effectRef>
-          <a:fontRef idx="minor">
-            <a:schemeClr val="lt1"/>
-          </a:fontRef>
-        </p:style>
-        <p:txBody>
-          <a:bodyPr rtlCol="0" anchor="ctr"/>
-          <a:lstStyle/>
-          <a:p>
-            <a:pPr algn="ctr"/>
-            <a:r>
-              <a:rPr lang="en-US" b="1" dirty="0" smtClean="0">
-                <a:latin typeface="Calibri" pitchFamily="34" charset="0"/>
-              </a:rPr>
-              <a:t>6</a:t>
-            </a:r>
-            <a:endParaRPr lang="en-US" b="1" dirty="0">
-              <a:latin typeface="Calibri" pitchFamily="34" charset="0"/>
-            </a:endParaRPr>
-          </a:p>
-        </p:txBody>
-      </p:sp>
-      <p:sp>
-        <p:nvSpPr>
-          <p:cNvPr id="44" name="Rectangle 43"/>
-          <p:cNvSpPr/>
-          <p:nvPr/>
-        </p:nvSpPr>
-        <p:spPr>
-          <a:xfrm>
-            <a:off x="3352800" y="2667000"/>
-            <a:ext cx="228600" cy="609600"/>
-          </a:xfrm>
-          <a:prstGeom prst="rect">
-            <a:avLst/>
-          </a:prstGeom>
-          <a:solidFill>
-            <a:srgbClr val="008A3E"/>
-          </a:solidFill>
-          <a:ln>
-            <a:noFill/>
-          </a:ln>
-        </p:spPr>
-        <p:style>
-          <a:lnRef idx="2">
-            <a:schemeClr val="accent1">
-              <a:shade val="50000"/>
-            </a:schemeClr>
-          </a:lnRef>
-          <a:fillRef idx="1">
-            <a:schemeClr val="accent1"/>
-          </a:fillRef>
-          <a:effectRef idx="0">
-            <a:schemeClr val="accent1"/>
-          </a:effectRef>
-          <a:fontRef idx="minor">
-            <a:schemeClr val="lt1"/>
-          </a:fontRef>
-        </p:style>
-        <p:txBody>
-          <a:bodyPr rtlCol="0" anchor="ctr"/>
-          <a:lstStyle/>
-          <a:p>
-            <a:pPr algn="ctr"/>
-            <a:r>
-              <a:rPr lang="en-US" b="1" dirty="0" smtClean="0">
-                <a:latin typeface="Calibri" pitchFamily="34" charset="0"/>
-              </a:rPr>
-              <a:t>1</a:t>
-            </a:r>
-            <a:endParaRPr lang="en-US" b="1" dirty="0">
-              <a:latin typeface="Calibri" pitchFamily="34" charset="0"/>
-            </a:endParaRPr>
-          </a:p>
-        </p:txBody>
-      </p:sp>
-      <p:sp>
-        <p:nvSpPr>
-          <p:cNvPr id="48" name="Rectangle 47"/>
-          <p:cNvSpPr/>
-          <p:nvPr/>
-        </p:nvSpPr>
-        <p:spPr>
-          <a:xfrm>
-            <a:off x="304800" y="2667000"/>
-            <a:ext cx="228600" cy="609600"/>
-          </a:xfrm>
-          <a:prstGeom prst="rect">
-            <a:avLst/>
-          </a:prstGeom>
-          <a:solidFill>
-            <a:srgbClr val="008A3E"/>
-          </a:solidFill>
-          <a:ln>
-            <a:noFill/>
-          </a:ln>
-        </p:spPr>
-        <p:style>
-          <a:lnRef idx="2">
-            <a:schemeClr val="accent1">
-              <a:shade val="50000"/>
-            </a:schemeClr>
-          </a:lnRef>
-          <a:fillRef idx="1">
-            <a:schemeClr val="accent1"/>
-          </a:fillRef>
-          <a:effectRef idx="0">
-            <a:schemeClr val="accent1"/>
-          </a:effectRef>
-          <a:fontRef idx="minor">
-            <a:schemeClr val="lt1"/>
-          </a:fontRef>
-        </p:style>
-        <p:txBody>
-          <a:bodyPr rtlCol="0" anchor="ctr"/>
-          <a:lstStyle/>
-          <a:p>
-            <a:pPr algn="ctr"/>
-            <a:r>
-              <a:rPr lang="en-US" b="1" dirty="0" smtClean="0">
-                <a:latin typeface="Calibri" pitchFamily="34" charset="0"/>
-              </a:rPr>
-              <a:t>0</a:t>
-            </a:r>
-            <a:endParaRPr lang="en-US" b="1" dirty="0">
-              <a:latin typeface="Calibri" pitchFamily="34" charset="0"/>
-            </a:endParaRPr>
-          </a:p>
-        </p:txBody>
-      </p:sp>
-      <p:sp>
-        <p:nvSpPr>
-          <p:cNvPr id="49" name="Rectangle 48"/>
-          <p:cNvSpPr/>
-          <p:nvPr/>
-        </p:nvSpPr>
-        <p:spPr>
-          <a:xfrm>
-            <a:off x="3048000" y="2667000"/>
-            <a:ext cx="228600" cy="609600"/>
-          </a:xfrm>
-          <a:prstGeom prst="rect">
-            <a:avLst/>
-          </a:prstGeom>
-          <a:solidFill>
-            <a:srgbClr val="008A3E"/>
-          </a:solidFill>
-          <a:ln>
-            <a:noFill/>
-          </a:ln>
-        </p:spPr>
-        <p:style>
-          <a:lnRef idx="2">
-            <a:schemeClr val="accent1">
-              <a:shade val="50000"/>
-            </a:schemeClr>
-          </a:lnRef>
-          <a:fillRef idx="1">
-            <a:schemeClr val="accent1"/>
-          </a:fillRef>
-          <a:effectRef idx="0">
-            <a:schemeClr val="accent1"/>
-          </a:effectRef>
-          <a:fontRef idx="minor">
-            <a:schemeClr val="lt1"/>
-          </a:fontRef>
-        </p:style>
-        <p:txBody>
-          <a:bodyPr rtlCol="0" anchor="ctr"/>
-          <a:lstStyle/>
-          <a:p>
-            <a:pPr algn="ctr"/>
-            <a:r>
-              <a:rPr lang="en-US" b="1" dirty="0" smtClean="0">
-                <a:latin typeface="Calibri" pitchFamily="34" charset="0"/>
-              </a:rPr>
-              <a:t>9</a:t>
-            </a:r>
-            <a:endParaRPr lang="en-US" b="1" dirty="0">
-              <a:latin typeface="Calibri" pitchFamily="34" charset="0"/>
-            </a:endParaRPr>
-          </a:p>
-        </p:txBody>
-      </p:sp>
-      <p:sp>
-        <p:nvSpPr>
-          <p:cNvPr id="50" name="Rectangle 49"/>
-          <p:cNvSpPr/>
-          <p:nvPr/>
-        </p:nvSpPr>
-        <p:spPr>
-          <a:xfrm>
-            <a:off x="2743200" y="2667000"/>
-            <a:ext cx="228600" cy="609600"/>
-          </a:xfrm>
-          <a:prstGeom prst="rect">
-            <a:avLst/>
-          </a:prstGeom>
-          <a:solidFill>
-            <a:srgbClr val="008A3E"/>
-          </a:solidFill>
-          <a:ln>
-            <a:noFill/>
-          </a:ln>
-        </p:spPr>
-        <p:style>
-          <a:lnRef idx="2">
-            <a:schemeClr val="accent1">
-              <a:shade val="50000"/>
-            </a:schemeClr>
-          </a:lnRef>
-          <a:fillRef idx="1">
-            <a:schemeClr val="accent1"/>
-          </a:fillRef>
-          <a:effectRef idx="0">
-            <a:schemeClr val="accent1"/>
-          </a:effectRef>
-          <a:fontRef idx="minor">
-            <a:schemeClr val="lt1"/>
-          </a:fontRef>
-        </p:style>
-        <p:txBody>
-          <a:bodyPr rtlCol="0" anchor="ctr"/>
-          <a:lstStyle/>
-          <a:p>
-            <a:pPr algn="ctr"/>
-            <a:r>
-              <a:rPr lang="en-US" b="1" dirty="0" smtClean="0">
-                <a:latin typeface="Calibri" pitchFamily="34" charset="0"/>
-              </a:rPr>
-              <a:t>8</a:t>
-            </a:r>
-            <a:endParaRPr lang="en-US" b="1" dirty="0">
-              <a:latin typeface="Calibri" pitchFamily="34" charset="0"/>
-            </a:endParaRPr>
-          </a:p>
-        </p:txBody>
-      </p:sp>
-      <p:sp>
-        <p:nvSpPr>
-          <p:cNvPr id="51" name="Rectangle 50"/>
-          <p:cNvSpPr/>
-          <p:nvPr/>
-        </p:nvSpPr>
-        <p:spPr>
-          <a:xfrm>
-            <a:off x="2438400" y="2667000"/>
-            <a:ext cx="228600" cy="609600"/>
-          </a:xfrm>
-          <a:prstGeom prst="rect">
-            <a:avLst/>
-          </a:prstGeom>
-          <a:solidFill>
-            <a:srgbClr val="008A3E"/>
-          </a:solidFill>
-          <a:ln>
-            <a:noFill/>
-          </a:ln>
-        </p:spPr>
-        <p:style>
-          <a:lnRef idx="2">
-            <a:schemeClr val="accent1">
-              <a:shade val="50000"/>
-            </a:schemeClr>
-          </a:lnRef>
-          <a:fillRef idx="1">
-            <a:schemeClr val="accent1"/>
-          </a:fillRef>
-          <a:effectRef idx="0">
-            <a:schemeClr val="accent1"/>
-          </a:effectRef>
-          <a:fontRef idx="minor">
-            <a:schemeClr val="lt1"/>
-          </a:fontRef>
-        </p:style>
-        <p:txBody>
-          <a:bodyPr rtlCol="0" anchor="ctr"/>
-          <a:lstStyle/>
-          <a:p>
-            <a:pPr algn="ctr"/>
-            <a:r>
-              <a:rPr lang="en-US" b="1" dirty="0" smtClean="0">
-                <a:latin typeface="Calibri" pitchFamily="34" charset="0"/>
-              </a:rPr>
-              <a:t>7</a:t>
-            </a:r>
-            <a:endParaRPr lang="en-US" b="1" dirty="0">
-              <a:latin typeface="Calibri" pitchFamily="34" charset="0"/>
-            </a:endParaRPr>
-          </a:p>
-        </p:txBody>
-      </p:sp>
-      <p:pic>
-        <p:nvPicPr>
-          <p:cNvPr id="15363" name="Picture 3" descr="1272571786353863323platano"/>
-          <p:cNvPicPr>
-            <a:picLocks noChangeAspect="1" noChangeArrowheads="1"/>
-          </p:cNvPicPr>
-          <p:nvPr/>
-        </p:nvPicPr>
-        <p:blipFill>
-          <a:blip r:embed="rId3" cstate="print"/>
-          <a:srcRect/>
-          <a:stretch>
-            <a:fillRect/>
-          </a:stretch>
-        </p:blipFill>
-        <p:spPr bwMode="auto">
-          <a:xfrm>
-            <a:off x="1600200" y="4191000"/>
-            <a:ext cx="618799" cy="838200"/>
-          </a:xfrm>
-          <a:prstGeom prst="rect">
-            <a:avLst/>
-          </a:prstGeom>
-          <a:noFill/>
-          <a:ln w="9525" algn="in">
-            <a:noFill/>
-            <a:miter lim="800000"/>
-            <a:headEnd/>
-            <a:tailEnd/>
-          </a:ln>
-        </p:spPr>
-      </p:pic>
-      <p:pic>
-        <p:nvPicPr>
-          <p:cNvPr id="15364" name="Picture 4" descr="RTG7egnzc"/>
-          <p:cNvPicPr>
-            <a:picLocks noChangeAspect="1" noChangeArrowheads="1"/>
-          </p:cNvPicPr>
-          <p:nvPr/>
-        </p:nvPicPr>
-        <p:blipFill>
-          <a:blip r:embed="rId4" cstate="print"/>
-          <a:srcRect/>
-          <a:stretch>
-            <a:fillRect/>
-          </a:stretch>
-        </p:blipFill>
-        <p:spPr bwMode="auto">
-          <a:xfrm>
-            <a:off x="533400" y="4191000"/>
-            <a:ext cx="762000" cy="914400"/>
-          </a:xfrm>
-          <a:prstGeom prst="rect">
-            <a:avLst/>
-          </a:prstGeom>
-          <a:noFill/>
-          <a:ln w="9525" algn="in">
-            <a:noFill/>
-            <a:miter lim="800000"/>
-            <a:headEnd/>
-            <a:tailEnd/>
-          </a:ln>
-        </p:spPr>
-      </p:pic>
-      <p:pic>
-        <p:nvPicPr>
-          <p:cNvPr id="15366" name="Picture 6" descr="http://www.zam-ads.com/wp-content/uploads/2011/11/banana-peel.jpg"/>
-          <p:cNvPicPr>
-            <a:picLocks noChangeAspect="1" noChangeArrowheads="1"/>
-          </p:cNvPicPr>
-          <p:nvPr/>
-        </p:nvPicPr>
-        <p:blipFill>
-          <a:blip r:embed="rId5" cstate="print"/>
-          <a:srcRect/>
-          <a:stretch>
-            <a:fillRect/>
-          </a:stretch>
-        </p:blipFill>
-        <p:spPr bwMode="auto">
-          <a:xfrm>
-            <a:off x="2514600" y="4191000"/>
-            <a:ext cx="921099" cy="914400"/>
-          </a:xfrm>
-          <a:prstGeom prst="rect">
-            <a:avLst/>
-          </a:prstGeom>
-          <a:noFill/>
-        </p:spPr>
-      </p:pic>
-      <p:sp>
-        <p:nvSpPr>
-          <p:cNvPr id="25" name="TextBox 24"/>
-          <p:cNvSpPr txBox="1"/>
-          <p:nvPr/>
-        </p:nvSpPr>
-        <p:spPr>
-          <a:xfrm>
-            <a:off x="762000" y="5148590"/>
-            <a:ext cx="338554" cy="261610"/>
-          </a:xfrm>
-          <a:prstGeom prst="rect">
-            <a:avLst/>
-          </a:prstGeom>
-          <a:noFill/>
-        </p:spPr>
-        <p:txBody>
-          <a:bodyPr wrap="none" rtlCol="0">
-            <a:spAutoFit/>
-          </a:bodyPr>
-          <a:lstStyle/>
-          <a:p>
-            <a:r>
-              <a:rPr lang="en-US" sz="1100" dirty="0" smtClean="0"/>
-              <a:t>(a)</a:t>
-            </a:r>
-            <a:endParaRPr lang="en-US" sz="1100" dirty="0"/>
-          </a:p>
-        </p:txBody>
-      </p:sp>
-      <p:sp>
-        <p:nvSpPr>
-          <p:cNvPr id="26" name="TextBox 25"/>
-          <p:cNvSpPr txBox="1"/>
-          <p:nvPr/>
-        </p:nvSpPr>
-        <p:spPr>
-          <a:xfrm>
-            <a:off x="1795046" y="5148590"/>
-            <a:ext cx="344966" cy="261610"/>
-          </a:xfrm>
-          <a:prstGeom prst="rect">
-            <a:avLst/>
-          </a:prstGeom>
-          <a:noFill/>
-        </p:spPr>
-        <p:txBody>
-          <a:bodyPr wrap="none" rtlCol="0">
-            <a:spAutoFit/>
-          </a:bodyPr>
-          <a:lstStyle/>
-          <a:p>
-            <a:r>
-              <a:rPr lang="en-US" sz="1100" dirty="0" smtClean="0"/>
-              <a:t>(b)</a:t>
-            </a:r>
-            <a:endParaRPr lang="en-US" sz="1100" dirty="0"/>
-          </a:p>
-        </p:txBody>
-      </p:sp>
-      <p:sp>
-        <p:nvSpPr>
-          <p:cNvPr id="27" name="TextBox 26"/>
-          <p:cNvSpPr txBox="1"/>
-          <p:nvPr/>
-        </p:nvSpPr>
-        <p:spPr>
-          <a:xfrm>
-            <a:off x="2785646" y="5148590"/>
-            <a:ext cx="330540" cy="261610"/>
-          </a:xfrm>
-          <a:prstGeom prst="rect">
-            <a:avLst/>
-          </a:prstGeom>
-          <a:noFill/>
-        </p:spPr>
-        <p:txBody>
-          <a:bodyPr wrap="none" rtlCol="0">
-            <a:spAutoFit/>
-          </a:bodyPr>
-          <a:lstStyle/>
-          <a:p>
-            <a:r>
-              <a:rPr lang="en-US" sz="1100" dirty="0" smtClean="0"/>
-              <a:t>(c)</a:t>
-            </a:r>
-            <a:endParaRPr lang="en-US" sz="1100" dirty="0"/>
-          </a:p>
-        </p:txBody>
-      </p:sp>
     </p:spTree>
   </p:cSld>
   <p:clrMapOvr>
@@ -17912,10 +20663,9 @@
             <a:p>
               <a:pPr algn="ctr"/>
               <a:r>
-                <a:rPr lang="en-US" sz="1200" b="1" dirty="0" smtClean="0"/>
+                <a:rPr lang="en-US" sz="1200" b="1" dirty="0"/>
                 <a:t>Eat</a:t>
               </a:r>
-              <a:endParaRPr lang="en-US" sz="1200" b="1" dirty="0"/>
             </a:p>
           </p:txBody>
         </p:sp>
@@ -18101,14 +20851,11 @@
           <a:p>
             <a:pPr algn="ctr"/>
             <a:r>
-              <a:rPr lang="en-US" b="1" dirty="0" smtClean="0">
+              <a:rPr lang="en-US" b="1" dirty="0">
                 <a:latin typeface="Calibri" pitchFamily="34" charset="0"/>
               </a:rPr>
               <a:t>3</a:t>
             </a:r>
-            <a:endParaRPr lang="en-US" b="1" dirty="0">
-              <a:latin typeface="Calibri" pitchFamily="34" charset="0"/>
-            </a:endParaRPr>
           </a:p>
         </p:txBody>
       </p:sp>
@@ -18304,10 +21051,9 @@
             <a:p>
               <a:pPr algn="ctr"/>
               <a:r>
-                <a:rPr lang="en-US" sz="1200" b="1" dirty="0" smtClean="0"/>
+                <a:rPr lang="en-US" sz="1200" b="1" dirty="0"/>
                 <a:t>}</a:t>
               </a:r>
-              <a:endParaRPr lang="en-US" sz="1200" b="1" dirty="0"/>
             </a:p>
           </p:txBody>
         </p:sp>
@@ -18441,10 +21187,9 @@
             <a:p>
               <a:pPr algn="ctr"/>
               <a:r>
-                <a:rPr lang="en-US" sz="1200" b="1" dirty="0" smtClean="0"/>
+                <a:rPr lang="en-US" sz="1200" b="1" dirty="0"/>
                 <a:t>{</a:t>
               </a:r>
-              <a:endParaRPr lang="en-US" sz="1200" b="1" dirty="0"/>
             </a:p>
           </p:txBody>
         </p:sp>
@@ -18565,10 +21310,9 @@
             <a:p>
               <a:pPr algn="ctr"/>
               <a:r>
-                <a:rPr lang="en-US" sz="1200" b="1" dirty="0" smtClean="0"/>
+                <a:rPr lang="en-US" sz="1200" b="1" dirty="0"/>
                 <a:t>Else</a:t>
               </a:r>
-              <a:endParaRPr lang="en-US" sz="1200" b="1" dirty="0"/>
             </a:p>
           </p:txBody>
         </p:sp>
@@ -18717,10 +21461,9 @@
             <a:p>
               <a:pPr algn="ctr"/>
               <a:r>
-                <a:rPr lang="en-US" sz="1200" b="1" dirty="0" smtClean="0"/>
+                <a:rPr lang="en-US" sz="1200" b="1" dirty="0"/>
                 <a:t>{</a:t>
               </a:r>
-              <a:endParaRPr lang="en-US" sz="1200" b="1" dirty="0"/>
             </a:p>
           </p:txBody>
         </p:sp>
@@ -18830,10 +21573,9 @@
             <a:p>
               <a:pPr algn="ctr"/>
               <a:r>
-                <a:rPr lang="en-US" dirty="0" smtClean="0"/>
+                <a:rPr lang="en-US" dirty="0"/>
                 <a:t>0</a:t>
               </a:r>
-              <a:endParaRPr lang="en-US" dirty="0"/>
             </a:p>
           </p:txBody>
         </p:sp>
@@ -18911,10 +21653,9 @@
             <a:p>
               <a:pPr algn="ctr"/>
               <a:r>
-                <a:rPr lang="en-US" sz="1200" b="1" dirty="0" smtClean="0"/>
+                <a:rPr lang="en-US" sz="1200" b="1" dirty="0"/>
                 <a:t>}</a:t>
               </a:r>
-              <a:endParaRPr lang="en-US" sz="1200" b="1" dirty="0"/>
             </a:p>
           </p:txBody>
         </p:sp>
@@ -19088,10 +21829,9 @@
             <a:p>
               <a:pPr algn="ctr"/>
               <a:r>
-                <a:rPr lang="en-US" sz="1200" b="1" dirty="0" smtClean="0"/>
+                <a:rPr lang="en-US" sz="1200" b="1" dirty="0"/>
                 <a:t>While</a:t>
               </a:r>
-              <a:endParaRPr lang="en-US" sz="1200" b="1" dirty="0"/>
             </a:p>
           </p:txBody>
         </p:sp>
@@ -19119,10 +21859,9 @@
             <a:p>
               <a:pPr algn="ctr"/>
               <a:r>
-                <a:rPr lang="en-US" sz="1200" b="1" dirty="0" smtClean="0"/>
+                <a:rPr lang="en-US" sz="1200" b="1" dirty="0"/>
                 <a:t>{</a:t>
               </a:r>
-              <a:endParaRPr lang="en-US" sz="1200" b="1" dirty="0"/>
             </a:p>
           </p:txBody>
         </p:sp>
@@ -19150,10 +21889,9 @@
             <a:p>
               <a:pPr algn="ctr"/>
               <a:r>
-                <a:rPr lang="en-US" sz="1200" b="1" dirty="0" smtClean="0"/>
+                <a:rPr lang="en-US" sz="1200" b="1" dirty="0"/>
                 <a:t>count</a:t>
               </a:r>
-              <a:endParaRPr lang="en-US" sz="1200" b="1" dirty="0"/>
             </a:p>
           </p:txBody>
         </p:sp>
@@ -19397,10 +22135,9 @@
             <a:p>
               <a:pPr algn="ctr"/>
               <a:r>
-                <a:rPr lang="en-US" sz="1200" b="1" dirty="0" smtClean="0"/>
+                <a:rPr lang="en-US" sz="1200" b="1" dirty="0"/>
                 <a:t>}</a:t>
               </a:r>
-              <a:endParaRPr lang="en-US" sz="1200" b="1" dirty="0"/>
             </a:p>
           </p:txBody>
         </p:sp>
@@ -19515,10 +22252,9 @@
             <a:lstStyle/>
             <a:p>
               <a:r>
-                <a:rPr lang="en-US" sz="1200" b="1" dirty="0" smtClean="0"/>
+                <a:rPr lang="en-US" sz="1200" b="1" dirty="0"/>
                 <a:t>Turn Right</a:t>
               </a:r>
-              <a:endParaRPr lang="en-US" sz="1200" b="1" dirty="0"/>
             </a:p>
           </p:txBody>
         </p:sp>
@@ -19691,10 +22427,9 @@
             <a:lstStyle/>
             <a:p>
               <a:r>
-                <a:rPr lang="en-US" sz="1200" b="1" dirty="0" smtClean="0"/>
+                <a:rPr lang="en-US" sz="1200" b="1" dirty="0"/>
                 <a:t>Turn Left</a:t>
               </a:r>
-              <a:endParaRPr lang="en-US" sz="1200" b="1" dirty="0"/>
             </a:p>
           </p:txBody>
         </p:sp>
@@ -19895,10 +22630,9 @@
             <a:lstStyle/>
             <a:p>
               <a:r>
-                <a:rPr lang="en-US" sz="1200" b="1" dirty="0" smtClean="0"/>
+                <a:rPr lang="en-US" sz="1200" b="1" dirty="0"/>
                 <a:t>Go Forward</a:t>
               </a:r>
-              <a:endParaRPr lang="en-US" sz="1200" b="1" dirty="0"/>
             </a:p>
           </p:txBody>
         </p:sp>
@@ -19973,10 +22707,9 @@
           <a:p>
             <a:pPr algn="ctr"/>
             <a:r>
-              <a:rPr lang="en-US" dirty="0" smtClean="0"/>
+              <a:rPr lang="en-US" dirty="0"/>
               <a:t>0</a:t>
             </a:r>
-            <a:endParaRPr lang="en-US" dirty="0"/>
           </a:p>
         </p:txBody>
       </p:sp>
@@ -20026,10 +22759,9 @@
           <a:p>
             <a:pPr algn="ctr"/>
             <a:r>
-              <a:rPr lang="en-US" dirty="0" smtClean="0"/>
+              <a:rPr lang="en-US" dirty="0"/>
               <a:t>0</a:t>
             </a:r>
-            <a:endParaRPr lang="en-US" dirty="0"/>
           </a:p>
         </p:txBody>
       </p:sp>
@@ -20079,10 +22811,9 @@
           <a:p>
             <a:pPr algn="ctr"/>
             <a:r>
-              <a:rPr lang="en-US" dirty="0" smtClean="0"/>
+              <a:rPr lang="en-US" dirty="0"/>
               <a:t>0</a:t>
             </a:r>
-            <a:endParaRPr lang="en-US" dirty="0"/>
           </a:p>
         </p:txBody>
       </p:sp>
@@ -20130,10 +22861,9 @@
           <a:p>
             <a:pPr algn="ctr"/>
             <a:r>
-              <a:rPr lang="en-US" dirty="0" smtClean="0"/>
+              <a:rPr lang="en-US" dirty="0"/>
               <a:t>0</a:t>
             </a:r>
-            <a:endParaRPr lang="en-US" dirty="0"/>
           </a:p>
         </p:txBody>
       </p:sp>
@@ -20183,10 +22913,9 @@
           <a:p>
             <a:pPr algn="ctr"/>
             <a:r>
-              <a:rPr lang="en-US" dirty="0" smtClean="0"/>
+              <a:rPr lang="en-US" dirty="0"/>
               <a:t>0</a:t>
             </a:r>
-            <a:endParaRPr lang="en-US" dirty="0"/>
           </a:p>
         </p:txBody>
       </p:sp>
@@ -20236,10 +22965,9 @@
           <a:p>
             <a:pPr algn="ctr"/>
             <a:r>
-              <a:rPr lang="en-US" dirty="0" smtClean="0"/>
+              <a:rPr lang="en-US" dirty="0"/>
               <a:t>0</a:t>
             </a:r>
-            <a:endParaRPr lang="en-US" dirty="0"/>
           </a:p>
         </p:txBody>
       </p:sp>
@@ -20287,10 +23015,9 @@
           <a:p>
             <a:pPr algn="ctr"/>
             <a:r>
-              <a:rPr lang="en-US" dirty="0" smtClean="0"/>
+              <a:rPr lang="en-US" dirty="0"/>
               <a:t>0</a:t>
             </a:r>
-            <a:endParaRPr lang="en-US" dirty="0"/>
           </a:p>
         </p:txBody>
       </p:sp>
@@ -20340,10 +23067,9 @@
           <a:p>
             <a:pPr algn="ctr"/>
             <a:r>
-              <a:rPr lang="en-US" dirty="0" smtClean="0"/>
+              <a:rPr lang="en-US" dirty="0"/>
               <a:t>0</a:t>
             </a:r>
-            <a:endParaRPr lang="en-US" dirty="0"/>
           </a:p>
         </p:txBody>
       </p:sp>
@@ -20393,10 +23119,9 @@
           <a:p>
             <a:pPr algn="ctr"/>
             <a:r>
-              <a:rPr lang="en-US" dirty="0" smtClean="0"/>
+              <a:rPr lang="en-US" dirty="0"/>
               <a:t>0</a:t>
             </a:r>
-            <a:endParaRPr lang="en-US" dirty="0"/>
           </a:p>
         </p:txBody>
       </p:sp>
@@ -20423,10 +23148,9 @@
           <a:lstStyle/>
           <a:p>
             <a:r>
-              <a:rPr lang="en-US" sz="1400" dirty="0" smtClean="0"/>
+              <a:rPr lang="en-US" sz="1400" dirty="0"/>
               <a:t>(4.a)</a:t>
             </a:r>
-            <a:endParaRPr lang="en-US" sz="1400" dirty="0"/>
           </a:p>
         </p:txBody>
       </p:sp>
@@ -20453,10 +23177,9 @@
           <a:lstStyle/>
           <a:p>
             <a:r>
-              <a:rPr lang="en-US" sz="1400" dirty="0" smtClean="0"/>
+              <a:rPr lang="en-US" sz="1400" dirty="0"/>
               <a:t>(4.b)</a:t>
             </a:r>
-            <a:endParaRPr lang="en-US" sz="1400" dirty="0"/>
           </a:p>
         </p:txBody>
       </p:sp>
@@ -20483,10 +23206,9 @@
           <a:lstStyle/>
           <a:p>
             <a:r>
-              <a:rPr lang="en-US" sz="1400" dirty="0" smtClean="0"/>
+              <a:rPr lang="en-US" sz="1400" dirty="0"/>
               <a:t>(2.d)</a:t>
             </a:r>
-            <a:endParaRPr lang="en-US" sz="1400" dirty="0"/>
           </a:p>
         </p:txBody>
       </p:sp>
@@ -20737,10 +23459,9 @@
               <a:p>
                 <a:pPr algn="ctr"/>
                 <a:r>
-                  <a:rPr lang="en-US" sz="1200" b="1" dirty="0" smtClean="0"/>
+                  <a:rPr lang="en-US" sz="1200" b="1" dirty="0"/>
                   <a:t>If</a:t>
                 </a:r>
-                <a:endParaRPr lang="en-US" sz="1200" b="1" dirty="0"/>
               </a:p>
             </p:txBody>
           </p:sp>
@@ -20768,10 +23489,9 @@
               <a:p>
                 <a:pPr algn="ctr"/>
                 <a:r>
-                  <a:rPr lang="en-US" sz="1200" b="1" dirty="0" smtClean="0"/>
+                  <a:rPr lang="en-US" sz="1200" b="1" dirty="0"/>
                   <a:t>{</a:t>
                 </a:r>
-                <a:endParaRPr lang="en-US" sz="1200" b="1" dirty="0"/>
               </a:p>
             </p:txBody>
           </p:sp>
@@ -20847,10 +23567,9 @@
           <a:lstStyle/>
           <a:p>
             <a:r>
-              <a:rPr lang="en-US" sz="1400" dirty="0" smtClean="0"/>
+              <a:rPr lang="en-US" sz="1400" dirty="0"/>
               <a:t>(5.a)</a:t>
             </a:r>
-            <a:endParaRPr lang="en-US" sz="1400" dirty="0"/>
           </a:p>
         </p:txBody>
       </p:sp>
@@ -20877,10 +23596,9 @@
           <a:lstStyle/>
           <a:p>
             <a:r>
-              <a:rPr lang="en-US" sz="1400" dirty="0" smtClean="0"/>
+              <a:rPr lang="en-US" sz="1400" dirty="0"/>
               <a:t>(5.b)</a:t>
             </a:r>
-            <a:endParaRPr lang="en-US" sz="1400" dirty="0"/>
           </a:p>
         </p:txBody>
       </p:sp>
@@ -20907,10 +23625,9 @@
           <a:lstStyle/>
           <a:p>
             <a:r>
-              <a:rPr lang="en-US" sz="1400" dirty="0" smtClean="0"/>
+              <a:rPr lang="en-US" sz="1400" dirty="0"/>
               <a:t>(5.c)</a:t>
             </a:r>
-            <a:endParaRPr lang="en-US" sz="1400" dirty="0"/>
           </a:p>
         </p:txBody>
       </p:sp>
@@ -20970,14 +23687,11 @@
             <a:lstStyle/>
             <a:p>
               <a:r>
-                <a:rPr lang="en-US" b="1" dirty="0" smtClean="0">
+                <a:rPr lang="en-US" b="1" dirty="0">
                   <a:latin typeface="Calibri" pitchFamily="34" charset="0"/>
                 </a:rPr>
                 <a:t>   0   1   2   3   4   5   6   7   8   9   10</a:t>
               </a:r>
-              <a:endParaRPr lang="en-US" b="1" dirty="0">
-                <a:latin typeface="Calibri" pitchFamily="34" charset="0"/>
-              </a:endParaRPr>
             </a:p>
           </p:txBody>
         </p:sp>
@@ -21005,10 +23719,9 @@
             <a:p>
               <a:pPr algn="ctr"/>
               <a:r>
-                <a:rPr lang="en-US" sz="1400" b="1" dirty="0" smtClean="0"/>
+                <a:rPr lang="en-US" sz="1400" b="1" dirty="0"/>
                 <a:t>count</a:t>
               </a:r>
-              <a:endParaRPr lang="en-US" sz="1400" b="1" dirty="0"/>
             </a:p>
           </p:txBody>
         </p:sp>
@@ -21036,10 +23749,9 @@
           <a:lstStyle/>
           <a:p>
             <a:r>
-              <a:rPr lang="en-US" sz="1400" dirty="0" smtClean="0"/>
+              <a:rPr lang="en-US" sz="1400" dirty="0"/>
               <a:t>(4.c)</a:t>
             </a:r>
-            <a:endParaRPr lang="en-US" sz="1400" dirty="0"/>
           </a:p>
         </p:txBody>
       </p:sp>
@@ -21156,10 +23868,9 @@
           <a:lstStyle/>
           <a:p>
             <a:r>
-              <a:rPr lang="en-US" sz="1400" dirty="0" smtClean="0"/>
+              <a:rPr lang="en-US" sz="1400" dirty="0"/>
               <a:t>(1.a)</a:t>
             </a:r>
-            <a:endParaRPr lang="en-US" sz="1400" dirty="0"/>
           </a:p>
         </p:txBody>
       </p:sp>
@@ -21186,10 +23897,9 @@
           <a:lstStyle/>
           <a:p>
             <a:r>
-              <a:rPr lang="en-US" sz="1400" dirty="0" smtClean="0"/>
+              <a:rPr lang="en-US" sz="1400" dirty="0"/>
               <a:t>(1.b)</a:t>
             </a:r>
-            <a:endParaRPr lang="en-US" sz="1400" dirty="0"/>
           </a:p>
         </p:txBody>
       </p:sp>
@@ -21216,10 +23926,9 @@
           <a:lstStyle/>
           <a:p>
             <a:r>
-              <a:rPr lang="en-US" sz="1400" dirty="0" smtClean="0"/>
+              <a:rPr lang="en-US" sz="1400" dirty="0"/>
               <a:t>(1.c)</a:t>
             </a:r>
-            <a:endParaRPr lang="en-US" sz="1400" dirty="0"/>
           </a:p>
         </p:txBody>
       </p:sp>
@@ -21246,10 +23955,9 @@
           <a:lstStyle/>
           <a:p>
             <a:r>
-              <a:rPr lang="en-US" sz="1400" dirty="0" smtClean="0"/>
+              <a:rPr lang="en-US" sz="1400" dirty="0"/>
               <a:t>(2.a)</a:t>
             </a:r>
-            <a:endParaRPr lang="en-US" sz="1400" dirty="0"/>
           </a:p>
         </p:txBody>
       </p:sp>
@@ -21276,10 +23984,9 @@
           <a:lstStyle/>
           <a:p>
             <a:r>
-              <a:rPr lang="en-US" sz="1400" dirty="0" smtClean="0"/>
+              <a:rPr lang="en-US" sz="1400" dirty="0"/>
               <a:t>(2.b)</a:t>
             </a:r>
-            <a:endParaRPr lang="en-US" sz="1400" dirty="0"/>
           </a:p>
         </p:txBody>
       </p:sp>
@@ -21306,10 +24013,9 @@
           <a:lstStyle/>
           <a:p>
             <a:r>
-              <a:rPr lang="en-US" sz="1400" dirty="0" smtClean="0"/>
+              <a:rPr lang="en-US" sz="1400" dirty="0"/>
               <a:t>(2.c)</a:t>
             </a:r>
-            <a:endParaRPr lang="en-US" sz="1400" dirty="0"/>
           </a:p>
         </p:txBody>
       </p:sp>
@@ -21513,10 +24219,9 @@
           <a:lstStyle/>
           <a:p>
             <a:r>
-              <a:rPr lang="en-US" sz="1400" dirty="0" smtClean="0"/>
+              <a:rPr lang="en-US" sz="1400" dirty="0"/>
               <a:t>(3)</a:t>
             </a:r>
-            <a:endParaRPr lang="en-US" sz="1400" dirty="0"/>
           </a:p>
         </p:txBody>
       </p:sp>
@@ -21562,15 +24267,69 @@
             <a:tbl>
               <a:tblPr/>
               <a:tblGrid>
-                <a:gridCol w="461767"/>
-                <a:gridCol w="461767"/>
-                <a:gridCol w="461767"/>
-                <a:gridCol w="461767"/>
-                <a:gridCol w="461767"/>
-                <a:gridCol w="461767"/>
-                <a:gridCol w="461767"/>
-                <a:gridCol w="461767"/>
-                <a:gridCol w="461767"/>
+                <a:gridCol w="461767">
+                  <a:extLst>
+                    <a:ext uri="{9D8B030D-6E8A-4147-A177-3AD203B41FA5}">
+                      <a16:colId xmlns:a16="http://schemas.microsoft.com/office/drawing/2014/main" xmlns="" val="20000"/>
+                    </a:ext>
+                  </a:extLst>
+                </a:gridCol>
+                <a:gridCol w="461767">
+                  <a:extLst>
+                    <a:ext uri="{9D8B030D-6E8A-4147-A177-3AD203B41FA5}">
+                      <a16:colId xmlns:a16="http://schemas.microsoft.com/office/drawing/2014/main" xmlns="" val="20001"/>
+                    </a:ext>
+                  </a:extLst>
+                </a:gridCol>
+                <a:gridCol w="461767">
+                  <a:extLst>
+                    <a:ext uri="{9D8B030D-6E8A-4147-A177-3AD203B41FA5}">
+                      <a16:colId xmlns:a16="http://schemas.microsoft.com/office/drawing/2014/main" xmlns="" val="20002"/>
+                    </a:ext>
+                  </a:extLst>
+                </a:gridCol>
+                <a:gridCol w="461767">
+                  <a:extLst>
+                    <a:ext uri="{9D8B030D-6E8A-4147-A177-3AD203B41FA5}">
+                      <a16:colId xmlns:a16="http://schemas.microsoft.com/office/drawing/2014/main" xmlns="" val="20003"/>
+                    </a:ext>
+                  </a:extLst>
+                </a:gridCol>
+                <a:gridCol w="461767">
+                  <a:extLst>
+                    <a:ext uri="{9D8B030D-6E8A-4147-A177-3AD203B41FA5}">
+                      <a16:colId xmlns:a16="http://schemas.microsoft.com/office/drawing/2014/main" xmlns="" val="20004"/>
+                    </a:ext>
+                  </a:extLst>
+                </a:gridCol>
+                <a:gridCol w="461767">
+                  <a:extLst>
+                    <a:ext uri="{9D8B030D-6E8A-4147-A177-3AD203B41FA5}">
+                      <a16:colId xmlns:a16="http://schemas.microsoft.com/office/drawing/2014/main" xmlns="" val="20005"/>
+                    </a:ext>
+                  </a:extLst>
+                </a:gridCol>
+                <a:gridCol w="461767">
+                  <a:extLst>
+                    <a:ext uri="{9D8B030D-6E8A-4147-A177-3AD203B41FA5}">
+                      <a16:colId xmlns:a16="http://schemas.microsoft.com/office/drawing/2014/main" xmlns="" val="20006"/>
+                    </a:ext>
+                  </a:extLst>
+                </a:gridCol>
+                <a:gridCol w="461767">
+                  <a:extLst>
+                    <a:ext uri="{9D8B030D-6E8A-4147-A177-3AD203B41FA5}">
+                      <a16:colId xmlns:a16="http://schemas.microsoft.com/office/drawing/2014/main" xmlns="" val="20007"/>
+                    </a:ext>
+                  </a:extLst>
+                </a:gridCol>
+                <a:gridCol w="461767">
+                  <a:extLst>
+                    <a:ext uri="{9D8B030D-6E8A-4147-A177-3AD203B41FA5}">
+                      <a16:colId xmlns:a16="http://schemas.microsoft.com/office/drawing/2014/main" xmlns="" val="20008"/>
+                    </a:ext>
+                  </a:extLst>
+                </a:gridCol>
               </a:tblGrid>
               <a:tr h="457746">
                 <a:tc>
@@ -22140,6 +24899,11 @@
                     </a:lnB>
                   </a:tcPr>
                 </a:tc>
+                <a:extLst>
+                  <a:ext uri="{0D108BD9-81ED-4DB2-BD59-A6C34878D82A}">
+                    <a16:rowId xmlns:a16="http://schemas.microsoft.com/office/drawing/2014/main" xmlns="" val="10000"/>
+                  </a:ext>
+                </a:extLst>
               </a:tr>
               <a:tr h="457751">
                 <a:tc>
@@ -22709,6 +25473,11 @@
                     </a:lnB>
                   </a:tcPr>
                 </a:tc>
+                <a:extLst>
+                  <a:ext uri="{0D108BD9-81ED-4DB2-BD59-A6C34878D82A}">
+                    <a16:rowId xmlns:a16="http://schemas.microsoft.com/office/drawing/2014/main" xmlns="" val="10001"/>
+                  </a:ext>
+                </a:extLst>
               </a:tr>
               <a:tr h="457751">
                 <a:tc>
@@ -23278,6 +26047,11 @@
                     </a:lnB>
                   </a:tcPr>
                 </a:tc>
+                <a:extLst>
+                  <a:ext uri="{0D108BD9-81ED-4DB2-BD59-A6C34878D82A}">
+                    <a16:rowId xmlns:a16="http://schemas.microsoft.com/office/drawing/2014/main" xmlns="" val="10002"/>
+                  </a:ext>
+                </a:extLst>
               </a:tr>
               <a:tr h="457746">
                 <a:tc>
@@ -23847,6 +26621,11 @@
                     </a:lnB>
                   </a:tcPr>
                 </a:tc>
+                <a:extLst>
+                  <a:ext uri="{0D108BD9-81ED-4DB2-BD59-A6C34878D82A}">
+                    <a16:rowId xmlns:a16="http://schemas.microsoft.com/office/drawing/2014/main" xmlns="" val="10003"/>
+                  </a:ext>
+                </a:extLst>
               </a:tr>
             </a:tbl>
           </a:graphicData>
@@ -24077,15 +26856,69 @@
             <a:tbl>
               <a:tblPr/>
               <a:tblGrid>
-                <a:gridCol w="245533"/>
-                <a:gridCol w="245533"/>
-                <a:gridCol w="245533"/>
-                <a:gridCol w="245533"/>
-                <a:gridCol w="245533"/>
-                <a:gridCol w="245533"/>
-                <a:gridCol w="245533"/>
-                <a:gridCol w="245533"/>
-                <a:gridCol w="245533"/>
+                <a:gridCol w="245533">
+                  <a:extLst>
+                    <a:ext uri="{9D8B030D-6E8A-4147-A177-3AD203B41FA5}">
+                      <a16:colId xmlns:a16="http://schemas.microsoft.com/office/drawing/2014/main" xmlns="" val="20000"/>
+                    </a:ext>
+                  </a:extLst>
+                </a:gridCol>
+                <a:gridCol w="245533">
+                  <a:extLst>
+                    <a:ext uri="{9D8B030D-6E8A-4147-A177-3AD203B41FA5}">
+                      <a16:colId xmlns:a16="http://schemas.microsoft.com/office/drawing/2014/main" xmlns="" val="20001"/>
+                    </a:ext>
+                  </a:extLst>
+                </a:gridCol>
+                <a:gridCol w="245533">
+                  <a:extLst>
+                    <a:ext uri="{9D8B030D-6E8A-4147-A177-3AD203B41FA5}">
+                      <a16:colId xmlns:a16="http://schemas.microsoft.com/office/drawing/2014/main" xmlns="" val="20002"/>
+                    </a:ext>
+                  </a:extLst>
+                </a:gridCol>
+                <a:gridCol w="245533">
+                  <a:extLst>
+                    <a:ext uri="{9D8B030D-6E8A-4147-A177-3AD203B41FA5}">
+                      <a16:colId xmlns:a16="http://schemas.microsoft.com/office/drawing/2014/main" xmlns="" val="20003"/>
+                    </a:ext>
+                  </a:extLst>
+                </a:gridCol>
+                <a:gridCol w="245533">
+                  <a:extLst>
+                    <a:ext uri="{9D8B030D-6E8A-4147-A177-3AD203B41FA5}">
+                      <a16:colId xmlns:a16="http://schemas.microsoft.com/office/drawing/2014/main" xmlns="" val="20004"/>
+                    </a:ext>
+                  </a:extLst>
+                </a:gridCol>
+                <a:gridCol w="245533">
+                  <a:extLst>
+                    <a:ext uri="{9D8B030D-6E8A-4147-A177-3AD203B41FA5}">
+                      <a16:colId xmlns:a16="http://schemas.microsoft.com/office/drawing/2014/main" xmlns="" val="20005"/>
+                    </a:ext>
+                  </a:extLst>
+                </a:gridCol>
+                <a:gridCol w="245533">
+                  <a:extLst>
+                    <a:ext uri="{9D8B030D-6E8A-4147-A177-3AD203B41FA5}">
+                      <a16:colId xmlns:a16="http://schemas.microsoft.com/office/drawing/2014/main" xmlns="" val="20006"/>
+                    </a:ext>
+                  </a:extLst>
+                </a:gridCol>
+                <a:gridCol w="245533">
+                  <a:extLst>
+                    <a:ext uri="{9D8B030D-6E8A-4147-A177-3AD203B41FA5}">
+                      <a16:colId xmlns:a16="http://schemas.microsoft.com/office/drawing/2014/main" xmlns="" val="20007"/>
+                    </a:ext>
+                  </a:extLst>
+                </a:gridCol>
+                <a:gridCol w="245533">
+                  <a:extLst>
+                    <a:ext uri="{9D8B030D-6E8A-4147-A177-3AD203B41FA5}">
+                      <a16:colId xmlns:a16="http://schemas.microsoft.com/office/drawing/2014/main" xmlns="" val="20008"/>
+                    </a:ext>
+                  </a:extLst>
+                </a:gridCol>
               </a:tblGrid>
               <a:tr h="243397">
                 <a:tc>
@@ -24655,6 +27488,11 @@
                     </a:lnB>
                   </a:tcPr>
                 </a:tc>
+                <a:extLst>
+                  <a:ext uri="{0D108BD9-81ED-4DB2-BD59-A6C34878D82A}">
+                    <a16:rowId xmlns:a16="http://schemas.microsoft.com/office/drawing/2014/main" xmlns="" val="10000"/>
+                  </a:ext>
+                </a:extLst>
               </a:tr>
               <a:tr h="243397">
                 <a:tc>
@@ -25224,6 +28062,11 @@
                     </a:lnB>
                   </a:tcPr>
                 </a:tc>
+                <a:extLst>
+                  <a:ext uri="{0D108BD9-81ED-4DB2-BD59-A6C34878D82A}">
+                    <a16:rowId xmlns:a16="http://schemas.microsoft.com/office/drawing/2014/main" xmlns="" val="10001"/>
+                  </a:ext>
+                </a:extLst>
               </a:tr>
               <a:tr h="243395">
                 <a:tc>
@@ -25793,6 +28636,11 @@
                     </a:lnB>
                   </a:tcPr>
                 </a:tc>
+                <a:extLst>
+                  <a:ext uri="{0D108BD9-81ED-4DB2-BD59-A6C34878D82A}">
+                    <a16:rowId xmlns:a16="http://schemas.microsoft.com/office/drawing/2014/main" xmlns="" val="10002"/>
+                  </a:ext>
+                </a:extLst>
               </a:tr>
               <a:tr h="243397">
                 <a:tc>
@@ -26362,6 +29210,11 @@
                     </a:lnB>
                   </a:tcPr>
                 </a:tc>
+                <a:extLst>
+                  <a:ext uri="{0D108BD9-81ED-4DB2-BD59-A6C34878D82A}">
+                    <a16:rowId xmlns:a16="http://schemas.microsoft.com/office/drawing/2014/main" xmlns="" val="10003"/>
+                  </a:ext>
+                </a:extLst>
               </a:tr>
             </a:tbl>
           </a:graphicData>
@@ -26490,7 +29343,7 @@
             <p:nvPr/>
           </p:nvPicPr>
           <p:blipFill>
-            <a:blip r:embed="rId3" cstate="print"/>
+            <a:blip r:embed="rId2" cstate="print"/>
             <a:srcRect/>
             <a:stretch>
               <a:fillRect/>
@@ -26702,10 +29555,9 @@
             <a:p>
               <a:pPr algn="ctr"/>
               <a:r>
-                <a:rPr lang="en-US" dirty="0" smtClean="0"/>
+                <a:rPr lang="en-US" dirty="0"/>
                 <a:t>0</a:t>
               </a:r>
-              <a:endParaRPr lang="en-US" dirty="0"/>
             </a:p>
           </p:txBody>
         </p:sp>
@@ -26755,10 +29607,9 @@
             <a:p>
               <a:pPr algn="ctr"/>
               <a:r>
-                <a:rPr lang="en-US" dirty="0" smtClean="0"/>
+                <a:rPr lang="en-US" dirty="0"/>
                 <a:t>0</a:t>
               </a:r>
-              <a:endParaRPr lang="en-US" dirty="0"/>
             </a:p>
           </p:txBody>
         </p:sp>
@@ -26808,10 +29659,9 @@
             <a:p>
               <a:pPr algn="ctr"/>
               <a:r>
-                <a:rPr lang="en-US" dirty="0" smtClean="0"/>
+                <a:rPr lang="en-US" dirty="0"/>
                 <a:t>0</a:t>
               </a:r>
-              <a:endParaRPr lang="en-US" dirty="0"/>
             </a:p>
           </p:txBody>
         </p:sp>
@@ -26874,10 +29724,9 @@
             <a:p>
               <a:pPr algn="ctr"/>
               <a:r>
-                <a:rPr lang="en-US" dirty="0" smtClean="0"/>
+                <a:rPr lang="en-US" dirty="0"/>
                 <a:t>0</a:t>
               </a:r>
-              <a:endParaRPr lang="en-US" dirty="0"/>
             </a:p>
           </p:txBody>
         </p:sp>
@@ -26927,10 +29776,9 @@
             <a:p>
               <a:pPr algn="ctr"/>
               <a:r>
-                <a:rPr lang="en-US" dirty="0" smtClean="0"/>
+                <a:rPr lang="en-US" dirty="0"/>
                 <a:t>0</a:t>
               </a:r>
-              <a:endParaRPr lang="en-US" dirty="0"/>
             </a:p>
           </p:txBody>
         </p:sp>
@@ -26980,10 +29828,9 @@
             <a:p>
               <a:pPr algn="ctr"/>
               <a:r>
-                <a:rPr lang="en-US" dirty="0" smtClean="0"/>
+                <a:rPr lang="en-US" dirty="0"/>
                 <a:t>0</a:t>
               </a:r>
-              <a:endParaRPr lang="en-US" dirty="0"/>
             </a:p>
           </p:txBody>
         </p:sp>
@@ -26997,7 +29844,7 @@
           <p:nvPr/>
         </p:nvPicPr>
         <p:blipFill>
-          <a:blip r:embed="rId4" cstate="print"/>
+          <a:blip r:embed="rId3" cstate="print"/>
           <a:srcRect/>
           <a:stretch>
             <a:fillRect/>
@@ -27029,7 +29876,7 @@
           <p:nvPr/>
         </p:nvPicPr>
         <p:blipFill>
-          <a:blip r:embed="rId5" cstate="print"/>
+          <a:blip r:embed="rId4" cstate="print"/>
           <a:srcRect/>
           <a:stretch>
             <a:fillRect/>
@@ -27061,7 +29908,7 @@
           <p:nvPr/>
         </p:nvPicPr>
         <p:blipFill>
-          <a:blip r:embed="rId5" cstate="print"/>
+          <a:blip r:embed="rId4" cstate="print"/>
           <a:srcRect/>
           <a:stretch>
             <a:fillRect/>
@@ -27234,7 +30081,7 @@
             <p:nvPr/>
           </p:nvPicPr>
           <p:blipFill>
-            <a:blip r:embed="rId6" cstate="print"/>
+            <a:blip r:embed="rId5" cstate="print"/>
             <a:srcRect/>
             <a:stretch>
               <a:fillRect/>
@@ -27261,7 +30108,7 @@
           <p:nvPr/>
         </p:nvPicPr>
         <p:blipFill>
-          <a:blip r:embed="rId7" cstate="print"/>
+          <a:blip r:embed="rId6" cstate="print"/>
           <a:srcRect/>
           <a:stretch>
             <a:fillRect/>
@@ -27301,10 +30148,9 @@
           <a:lstStyle/>
           <a:p>
             <a:r>
-              <a:rPr lang="en-US" sz="1200" dirty="0" smtClean="0"/>
+              <a:rPr lang="en-US" sz="1200" dirty="0"/>
               <a:t>Game Master</a:t>
             </a:r>
-            <a:endParaRPr lang="en-US" sz="1200" dirty="0"/>
           </a:p>
         </p:txBody>
       </p:sp>
@@ -27331,10 +30177,9 @@
           <a:lstStyle/>
           <a:p>
             <a:r>
-              <a:rPr lang="en-US" sz="1200" dirty="0" smtClean="0"/>
+              <a:rPr lang="en-US" sz="1200" dirty="0"/>
               <a:t>Player</a:t>
             </a:r>
-            <a:endParaRPr lang="en-US" sz="1200" dirty="0"/>
           </a:p>
         </p:txBody>
       </p:sp>
@@ -27361,10 +30206,9 @@
           <a:lstStyle/>
           <a:p>
             <a:r>
-              <a:rPr lang="en-US" sz="1100" dirty="0" smtClean="0"/>
+              <a:rPr lang="en-US" sz="1100" dirty="0"/>
               <a:t>(a)</a:t>
             </a:r>
-            <a:endParaRPr lang="en-US" sz="1100" dirty="0"/>
           </a:p>
         </p:txBody>
       </p:sp>
@@ -27391,10 +30235,9 @@
           <a:lstStyle/>
           <a:p>
             <a:r>
-              <a:rPr lang="en-US" sz="1100" dirty="0" smtClean="0"/>
+              <a:rPr lang="en-US" sz="1100" dirty="0"/>
               <a:t>(c)</a:t>
             </a:r>
-            <a:endParaRPr lang="en-US" sz="1100" dirty="0"/>
           </a:p>
         </p:txBody>
       </p:sp>
@@ -27421,10 +30264,9 @@
           <a:lstStyle/>
           <a:p>
             <a:r>
-              <a:rPr lang="en-US" sz="1100" dirty="0" smtClean="0"/>
+              <a:rPr lang="en-US" sz="1100" dirty="0"/>
               <a:t>(d)</a:t>
             </a:r>
-            <a:endParaRPr lang="en-US" sz="1100" dirty="0"/>
           </a:p>
         </p:txBody>
       </p:sp>
@@ -27451,10 +30293,9 @@
           <a:lstStyle/>
           <a:p>
             <a:r>
-              <a:rPr lang="en-US" sz="1100" dirty="0" smtClean="0"/>
+              <a:rPr lang="en-US" sz="1100" dirty="0"/>
               <a:t>(f)</a:t>
             </a:r>
-            <a:endParaRPr lang="en-US" sz="1100" dirty="0"/>
           </a:p>
         </p:txBody>
       </p:sp>
@@ -27481,10 +30322,9 @@
           <a:lstStyle/>
           <a:p>
             <a:r>
-              <a:rPr lang="en-US" sz="1100" dirty="0" smtClean="0"/>
+              <a:rPr lang="en-US" sz="1100" dirty="0"/>
               <a:t>(e)</a:t>
             </a:r>
-            <a:endParaRPr lang="en-US" sz="1100" dirty="0"/>
           </a:p>
         </p:txBody>
       </p:sp>
@@ -27511,10 +30351,9 @@
           <a:lstStyle/>
           <a:p>
             <a:r>
-              <a:rPr lang="en-US" sz="1100" dirty="0" smtClean="0"/>
+              <a:rPr lang="en-US" sz="1100" dirty="0"/>
               <a:t>(b)</a:t>
             </a:r>
-            <a:endParaRPr lang="en-US" sz="1100" dirty="0"/>
           </a:p>
         </p:txBody>
       </p:sp>
@@ -27527,7 +30366,7 @@
           <p:nvPr/>
         </p:nvPicPr>
         <p:blipFill>
-          <a:blip r:embed="rId5" cstate="print"/>
+          <a:blip r:embed="rId4" cstate="print"/>
           <a:srcRect/>
           <a:stretch>
             <a:fillRect/>
@@ -27559,7 +30398,7 @@
           <p:nvPr/>
         </p:nvPicPr>
         <p:blipFill>
-          <a:blip r:embed="rId5" cstate="print"/>
+          <a:blip r:embed="rId4" cstate="print"/>
           <a:srcRect/>
           <a:stretch>
             <a:fillRect/>
@@ -27591,7 +30430,7 @@
           <p:nvPr/>
         </p:nvPicPr>
         <p:blipFill>
-          <a:blip r:embed="rId4" cstate="print"/>
+          <a:blip r:embed="rId3" cstate="print"/>
           <a:srcRect/>
           <a:stretch>
             <a:fillRect/>
@@ -27623,7 +30462,7 @@
           <p:nvPr/>
         </p:nvPicPr>
         <p:blipFill>
-          <a:blip r:embed="rId5" cstate="print"/>
+          <a:blip r:embed="rId4" cstate="print"/>
           <a:srcRect/>
           <a:stretch>
             <a:fillRect/>
@@ -27655,7 +30494,7 @@
           <p:nvPr/>
         </p:nvPicPr>
         <p:blipFill>
-          <a:blip r:embed="rId4" cstate="print"/>
+          <a:blip r:embed="rId3" cstate="print"/>
           <a:srcRect/>
           <a:stretch>
             <a:fillRect/>
@@ -27687,7 +30526,7 @@
           <p:nvPr/>
         </p:nvPicPr>
         <p:blipFill>
-          <a:blip r:embed="rId4" cstate="print"/>
+          <a:blip r:embed="rId3" cstate="print"/>
           <a:srcRect/>
           <a:stretch>
             <a:fillRect/>
@@ -27901,7 +30740,7 @@
               <p:nvPr/>
             </p:nvPicPr>
             <p:blipFill>
-              <a:blip r:embed="rId8" cstate="print">
+              <a:blip r:embed="rId7" cstate="print">
                 <a:extLst>
                   <a:ext uri="{28A0092B-C50C-407E-A947-70E740481C1C}">
                     <a14:useLocalDpi xmlns:a14="http://schemas.microsoft.com/office/drawing/2010/main" xmlns="" val="0"/>
@@ -27957,10 +30796,9 @@
               <a:p>
                 <a:pPr algn="ctr"/>
                 <a:r>
-                  <a:rPr lang="en-US" sz="1200" b="1" dirty="0" smtClean="0"/>
+                  <a:rPr lang="en-US" sz="1200" b="1" dirty="0"/>
                   <a:t>If</a:t>
                 </a:r>
-                <a:endParaRPr lang="en-US" sz="1200" b="1" dirty="0"/>
               </a:p>
             </p:txBody>
           </p:sp>
@@ -27988,10 +30826,9 @@
               <a:p>
                 <a:pPr algn="ctr"/>
                 <a:r>
-                  <a:rPr lang="en-US" sz="1200" b="1" dirty="0" smtClean="0"/>
+                  <a:rPr lang="en-US" sz="1200" b="1" dirty="0"/>
                   <a:t>{</a:t>
                 </a:r>
-                <a:endParaRPr lang="en-US" sz="1200" b="1" dirty="0"/>
               </a:p>
             </p:txBody>
           </p:sp>
@@ -28236,10 +31073,9 @@
             <a:p>
               <a:pPr algn="ctr"/>
               <a:r>
-                <a:rPr lang="en-US" sz="1200" b="1" dirty="0" smtClean="0"/>
+                <a:rPr lang="en-US" sz="1200" b="1" dirty="0"/>
                 <a:t>}</a:t>
               </a:r>
-              <a:endParaRPr lang="en-US" sz="1200" b="1" dirty="0"/>
             </a:p>
           </p:txBody>
         </p:sp>
@@ -28373,10 +31209,9 @@
             <a:p>
               <a:pPr algn="ctr"/>
               <a:r>
-                <a:rPr lang="en-US" sz="1200" b="1" dirty="0" smtClean="0"/>
+                <a:rPr lang="en-US" sz="1200" b="1" dirty="0"/>
                 <a:t>{</a:t>
               </a:r>
-              <a:endParaRPr lang="en-US" sz="1200" b="1" dirty="0"/>
             </a:p>
           </p:txBody>
         </p:sp>
@@ -28389,7 +31224,7 @@
             <p:nvPr/>
           </p:nvPicPr>
           <p:blipFill>
-            <a:blip r:embed="rId8" cstate="print">
+            <a:blip r:embed="rId7" cstate="print">
               <a:extLst>
                 <a:ext uri="{28A0092B-C50C-407E-A947-70E740481C1C}">
                   <a14:useLocalDpi xmlns:a14="http://schemas.microsoft.com/office/drawing/2010/main" xmlns="" val="0"/>
@@ -28497,10 +31332,9 @@
             <a:p>
               <a:pPr algn="ctr"/>
               <a:r>
-                <a:rPr lang="en-US" sz="1200" b="1" dirty="0" smtClean="0"/>
+                <a:rPr lang="en-US" sz="1200" b="1" dirty="0"/>
                 <a:t>Else</a:t>
               </a:r>
-              <a:endParaRPr lang="en-US" sz="1200" b="1" dirty="0"/>
             </a:p>
           </p:txBody>
         </p:sp>
@@ -28528,7 +31362,7 @@
             <p:nvPr/>
           </p:nvPicPr>
           <p:blipFill>
-            <a:blip r:embed="rId9" cstate="print"/>
+            <a:blip r:embed="rId8" cstate="print"/>
             <a:srcRect/>
             <a:stretch>
               <a:fillRect/>
@@ -28616,10 +31450,9 @@
             <a:p>
               <a:pPr algn="ctr"/>
               <a:r>
-                <a:rPr lang="en-US" sz="1200" b="1" dirty="0" smtClean="0"/>
+                <a:rPr lang="en-US" sz="1200" b="1" dirty="0"/>
                 <a:t>Eat</a:t>
               </a:r>
-              <a:endParaRPr lang="en-US" sz="1200" b="1" dirty="0"/>
             </a:p>
           </p:txBody>
         </p:sp>
@@ -28768,10 +31601,9 @@
             <a:p>
               <a:pPr algn="ctr"/>
               <a:r>
-                <a:rPr lang="en-US" sz="1200" b="1" dirty="0" smtClean="0"/>
+                <a:rPr lang="en-US" sz="1200" b="1" dirty="0"/>
                 <a:t>{</a:t>
               </a:r>
-              <a:endParaRPr lang="en-US" sz="1200" b="1" dirty="0"/>
             </a:p>
           </p:txBody>
         </p:sp>
@@ -28959,10 +31791,9 @@
             <a:p>
               <a:pPr algn="ctr"/>
               <a:r>
-                <a:rPr lang="en-US" sz="1200" b="1" dirty="0" smtClean="0"/>
+                <a:rPr lang="en-US" sz="1200" b="1" dirty="0"/>
                 <a:t>Eat</a:t>
               </a:r>
-              <a:endParaRPr lang="en-US" sz="1200" b="1" dirty="0"/>
             </a:p>
           </p:txBody>
         </p:sp>
@@ -29077,10 +31908,9 @@
             <a:lstStyle/>
             <a:p>
               <a:r>
-                <a:rPr lang="en-US" sz="1200" b="1" dirty="0" smtClean="0"/>
+                <a:rPr lang="en-US" sz="1200" b="1" dirty="0"/>
                 <a:t>Turn Right</a:t>
               </a:r>
-              <a:endParaRPr lang="en-US" sz="1200" b="1" dirty="0"/>
             </a:p>
           </p:txBody>
         </p:sp>
@@ -29253,10 +32083,9 @@
             <a:lstStyle/>
             <a:p>
               <a:r>
-                <a:rPr lang="en-US" sz="1200" b="1" dirty="0" smtClean="0"/>
+                <a:rPr lang="en-US" sz="1200" b="1" dirty="0"/>
                 <a:t>Turn Left</a:t>
               </a:r>
-              <a:endParaRPr lang="en-US" sz="1200" b="1" dirty="0"/>
             </a:p>
           </p:txBody>
         </p:sp>
@@ -29457,10 +32286,9 @@
             <a:lstStyle/>
             <a:p>
               <a:r>
-                <a:rPr lang="en-US" sz="1200" b="1" dirty="0" smtClean="0"/>
+                <a:rPr lang="en-US" sz="1200" b="1" dirty="0"/>
                 <a:t>Go Forward</a:t>
               </a:r>
-              <a:endParaRPr lang="en-US" sz="1200" b="1" dirty="0"/>
             </a:p>
           </p:txBody>
         </p:sp>
@@ -29629,10 +32457,9 @@
             <a:lstStyle/>
             <a:p>
               <a:r>
-                <a:rPr lang="en-US" sz="1200" b="1" dirty="0" smtClean="0"/>
+                <a:rPr lang="en-US" sz="1200" b="1" dirty="0"/>
                 <a:t>Go Forward</a:t>
               </a:r>
-              <a:endParaRPr lang="en-US" sz="1200" b="1" dirty="0"/>
             </a:p>
           </p:txBody>
         </p:sp>
@@ -29721,10 +32548,9 @@
             <a:p>
               <a:pPr algn="ctr"/>
               <a:r>
-                <a:rPr lang="en-US" dirty="0" smtClean="0"/>
+                <a:rPr lang="en-US" dirty="0"/>
                 <a:t>0</a:t>
               </a:r>
-              <a:endParaRPr lang="en-US" dirty="0"/>
             </a:p>
           </p:txBody>
         </p:sp>
@@ -29802,10 +32628,9 @@
             <a:p>
               <a:pPr algn="ctr"/>
               <a:r>
-                <a:rPr lang="en-US" sz="1200" b="1" dirty="0" smtClean="0"/>
+                <a:rPr lang="en-US" sz="1200" b="1" dirty="0"/>
                 <a:t>}</a:t>
               </a:r>
-              <a:endParaRPr lang="en-US" sz="1200" b="1" dirty="0"/>
             </a:p>
           </p:txBody>
         </p:sp>
@@ -29979,10 +32804,9 @@
             <a:p>
               <a:pPr algn="ctr"/>
               <a:r>
-                <a:rPr lang="en-US" sz="1200" b="1" dirty="0" smtClean="0"/>
+                <a:rPr lang="en-US" sz="1200" b="1" dirty="0"/>
                 <a:t>While</a:t>
               </a:r>
-              <a:endParaRPr lang="en-US" sz="1200" b="1" dirty="0"/>
             </a:p>
           </p:txBody>
         </p:sp>
@@ -30010,10 +32834,9 @@
             <a:p>
               <a:pPr algn="ctr"/>
               <a:r>
-                <a:rPr lang="en-US" sz="1200" b="1" dirty="0" smtClean="0"/>
+                <a:rPr lang="en-US" sz="1200" b="1" dirty="0"/>
                 <a:t>{</a:t>
               </a:r>
-              <a:endParaRPr lang="en-US" sz="1200" b="1" dirty="0"/>
             </a:p>
           </p:txBody>
         </p:sp>
@@ -30041,10 +32864,9 @@
             <a:p>
               <a:pPr algn="ctr"/>
               <a:r>
-                <a:rPr lang="en-US" sz="1200" b="1" dirty="0" smtClean="0"/>
+                <a:rPr lang="en-US" sz="1200" b="1" dirty="0"/>
                 <a:t>count</a:t>
               </a:r>
-              <a:endParaRPr lang="en-US" sz="1200" b="1" dirty="0"/>
             </a:p>
           </p:txBody>
         </p:sp>
@@ -30139,14 +32961,11 @@
           <a:p>
             <a:pPr algn="ctr"/>
             <a:r>
-              <a:rPr lang="en-US" b="1" dirty="0" smtClean="0">
+              <a:rPr lang="en-US" b="1" dirty="0">
                 <a:latin typeface="Calibri" pitchFamily="34" charset="0"/>
               </a:rPr>
               <a:t>6</a:t>
             </a:r>
-            <a:endParaRPr lang="en-US" b="1" dirty="0">
-              <a:latin typeface="Calibri" pitchFamily="34" charset="0"/>
-            </a:endParaRPr>
           </a:p>
         </p:txBody>
       </p:sp>
@@ -30288,10 +33107,9 @@
             <a:lstStyle/>
             <a:p>
               <a:r>
-                <a:rPr lang="en-US" sz="1200" b="1" dirty="0" smtClean="0"/>
+                <a:rPr lang="en-US" sz="1200" b="1" dirty="0"/>
                 <a:t>Go Forward</a:t>
               </a:r>
-              <a:endParaRPr lang="en-US" sz="1200" b="1" dirty="0"/>
             </a:p>
           </p:txBody>
         </p:sp>
@@ -30432,10 +33250,9 @@
             <a:lstStyle/>
             <a:p>
               <a:r>
-                <a:rPr lang="en-US" sz="1200" b="1" dirty="0" smtClean="0"/>
+                <a:rPr lang="en-US" sz="1200" b="1" dirty="0"/>
                 <a:t>Turn Left</a:t>
               </a:r>
-              <a:endParaRPr lang="en-US" sz="1200" b="1" dirty="0"/>
             </a:p>
           </p:txBody>
         </p:sp>
@@ -30608,10 +33425,9 @@
             <a:lstStyle/>
             <a:p>
               <a:r>
-                <a:rPr lang="en-US" sz="1200" b="1" dirty="0" smtClean="0"/>
+                <a:rPr lang="en-US" sz="1200" b="1" dirty="0"/>
                 <a:t>Turn Right</a:t>
               </a:r>
-              <a:endParaRPr lang="en-US" sz="1200" b="1" dirty="0"/>
             </a:p>
           </p:txBody>
         </p:sp>
@@ -30744,10 +33560,9 @@
           <a:lstStyle/>
           <a:p>
             <a:r>
-              <a:rPr lang="en-US" sz="1200" b="1" dirty="0" smtClean="0"/>
+              <a:rPr lang="en-US" sz="1200" b="1" dirty="0"/>
               <a:t>Turn Left</a:t>
             </a:r>
-            <a:endParaRPr lang="en-US" sz="1200" b="1" dirty="0"/>
           </a:p>
         </p:txBody>
       </p:sp>
@@ -30908,10 +33723,9 @@
             <a:lstStyle/>
             <a:p>
               <a:r>
-                <a:rPr lang="en-US" sz="1200" b="1" dirty="0" smtClean="0"/>
+                <a:rPr lang="en-US" sz="1200" b="1" dirty="0"/>
                 <a:t>Turn Right</a:t>
               </a:r>
-              <a:endParaRPr lang="en-US" sz="1200" b="1" dirty="0"/>
             </a:p>
           </p:txBody>
         </p:sp>
@@ -31100,10 +33914,9 @@
             <a:p>
               <a:pPr algn="ctr"/>
               <a:r>
-                <a:rPr lang="en-US" sz="1200" b="1" dirty="0" smtClean="0"/>
+                <a:rPr lang="en-US" sz="1200" b="1" dirty="0"/>
                 <a:t>Eat</a:t>
               </a:r>
-              <a:endParaRPr lang="en-US" sz="1200" b="1" dirty="0"/>
             </a:p>
           </p:txBody>
         </p:sp>
@@ -31444,10 +34257,9 @@
           <a:lstStyle/>
           <a:p>
             <a:r>
-              <a:rPr lang="en-US" sz="1600" dirty="0" smtClean="0"/>
+              <a:rPr lang="en-US" sz="1600" dirty="0"/>
               <a:t>10</a:t>
             </a:r>
-            <a:endParaRPr lang="en-US" sz="1600" dirty="0"/>
           </a:p>
         </p:txBody>
       </p:sp>
@@ -31474,10 +34286,9 @@
           <a:lstStyle/>
           <a:p>
             <a:r>
-              <a:rPr lang="en-US" sz="1600" dirty="0" smtClean="0"/>
+              <a:rPr lang="en-US" sz="1600" dirty="0"/>
               <a:t>10</a:t>
             </a:r>
-            <a:endParaRPr lang="en-US" sz="1600" dirty="0"/>
           </a:p>
         </p:txBody>
       </p:sp>
@@ -31504,10 +34315,9 @@
           <a:lstStyle/>
           <a:p>
             <a:r>
-              <a:rPr lang="en-US" sz="1600" dirty="0" smtClean="0"/>
+              <a:rPr lang="en-US" sz="1600" dirty="0"/>
               <a:t>10</a:t>
             </a:r>
-            <a:endParaRPr lang="en-US" sz="1600" dirty="0"/>
           </a:p>
         </p:txBody>
       </p:sp>
@@ -31534,10 +34344,9 @@
           <a:lstStyle/>
           <a:p>
             <a:r>
-              <a:rPr lang="en-US" sz="1600" dirty="0" smtClean="0"/>
+              <a:rPr lang="en-US" sz="1600" dirty="0"/>
               <a:t>65</a:t>
             </a:r>
-            <a:endParaRPr lang="en-US" sz="1600" dirty="0"/>
           </a:p>
         </p:txBody>
       </p:sp>
@@ -31564,10 +34373,9 @@
           <a:lstStyle/>
           <a:p>
             <a:r>
-              <a:rPr lang="en-US" sz="1600" dirty="0" smtClean="0"/>
+              <a:rPr lang="en-US" sz="1600" dirty="0"/>
               <a:t>10</a:t>
             </a:r>
-            <a:endParaRPr lang="en-US" sz="1600" dirty="0"/>
           </a:p>
         </p:txBody>
       </p:sp>
@@ -31814,10 +34622,9 @@
           <a:lstStyle/>
           <a:p>
             <a:r>
-              <a:rPr lang="en-US" dirty="0" smtClean="0"/>
+              <a:rPr lang="en-US" dirty="0"/>
               <a:t>0.5 hour</a:t>
             </a:r>
-            <a:endParaRPr lang="en-US" dirty="0"/>
           </a:p>
         </p:txBody>
       </p:sp>
@@ -31844,10 +34651,9 @@
           <a:lstStyle/>
           <a:p>
             <a:r>
-              <a:rPr lang="en-US" sz="2000" dirty="0" smtClean="0"/>
+              <a:rPr lang="en-US" sz="2000" dirty="0"/>
               <a:t>Embodied game</a:t>
             </a:r>
-            <a:endParaRPr lang="en-US" sz="2000" dirty="0"/>
           </a:p>
         </p:txBody>
       </p:sp>
@@ -31874,10 +34680,9 @@
           <a:lstStyle/>
           <a:p>
             <a:r>
-              <a:rPr lang="en-US" sz="2000" dirty="0" smtClean="0"/>
+              <a:rPr lang="en-US" sz="2000" dirty="0"/>
               <a:t>Board Game</a:t>
             </a:r>
-            <a:endParaRPr lang="en-US" sz="2000" dirty="0"/>
           </a:p>
         </p:txBody>
       </p:sp>
@@ -31950,16 +34755,15 @@
           <a:lstStyle/>
           <a:p>
             <a:r>
-              <a:rPr lang="en-US" sz="2000" dirty="0" smtClean="0"/>
+              <a:rPr lang="en-US" sz="2000" dirty="0"/>
               <a:t>Processing </a:t>
             </a:r>
           </a:p>
           <a:p>
             <a:r>
-              <a:rPr lang="en-US" sz="2000" dirty="0" smtClean="0"/>
+              <a:rPr lang="en-US" sz="2000" dirty="0"/>
               <a:t>Sketches</a:t>
             </a:r>
-            <a:endParaRPr lang="en-US" sz="2000" dirty="0"/>
           </a:p>
         </p:txBody>
       </p:sp>
@@ -31986,10 +34790,9 @@
           <a:lstStyle/>
           <a:p>
             <a:r>
-              <a:rPr lang="en-US" dirty="0" smtClean="0"/>
+              <a:rPr lang="en-US" dirty="0"/>
               <a:t>14 hours</a:t>
             </a:r>
-            <a:endParaRPr lang="en-US" dirty="0"/>
           </a:p>
         </p:txBody>
       </p:sp>
@@ -32016,10 +34819,9 @@
           <a:lstStyle/>
           <a:p>
             <a:r>
-              <a:rPr lang="en-US" dirty="0" smtClean="0"/>
+              <a:rPr lang="en-US" dirty="0"/>
               <a:t>1 hour</a:t>
             </a:r>
-            <a:endParaRPr lang="en-US" dirty="0"/>
           </a:p>
         </p:txBody>
       </p:sp>
@@ -32092,11 +34894,11 @@
           <a:lstStyle/>
           <a:p>
             <a:r>
-              <a:rPr lang="en-US" sz="2000" dirty="0" smtClean="0"/>
+              <a:rPr lang="en-US" sz="2000" dirty="0"/>
               <a:t>Writing </a:t>
             </a:r>
             <a:r>
-              <a:rPr lang="en-US" sz="2000" dirty="0" err="1" smtClean="0"/>
+              <a:rPr lang="en-US" sz="2000" dirty="0" err="1"/>
               <a:t>pseudocode</a:t>
             </a:r>
             <a:endParaRPr lang="en-US" sz="2000" dirty="0"/>
@@ -32171,10 +34973,9 @@
           <a:lstStyle/>
           <a:p>
             <a:r>
-              <a:rPr lang="en-US" sz="2000" dirty="0" smtClean="0"/>
+              <a:rPr lang="en-US" sz="2000" dirty="0"/>
               <a:t>Demonstration</a:t>
             </a:r>
-            <a:endParaRPr lang="en-US" sz="2000" dirty="0"/>
           </a:p>
         </p:txBody>
       </p:sp>
@@ -32239,10 +35040,9 @@
           <a:lstStyle/>
           <a:p>
             <a:r>
-              <a:rPr lang="en-US" dirty="0" smtClean="0"/>
+              <a:rPr lang="en-US" dirty="0"/>
               <a:t>0.5 hour</a:t>
             </a:r>
-            <a:endParaRPr lang="en-US" dirty="0"/>
           </a:p>
         </p:txBody>
       </p:sp>
@@ -32408,7 +35208,7 @@
               </a:spcBef>
               <a:defRPr/>
             </a:pPr>
-            <a:endParaRPr lang="en-US" sz="13800" b="1" dirty="0" err="1" smtClean="0">
+            <a:endParaRPr lang="en-US" sz="13800" b="1" dirty="0" err="1">
               <a:solidFill>
                 <a:schemeClr val="accent2"/>
               </a:solidFill>
@@ -32468,7 +35268,7 @@
               <a:defRPr/>
             </a:pPr>
             <a:r>
-              <a:rPr kumimoji="0" lang="en-US" sz="13800" b="1" i="0" u="none" strike="noStrike" kern="1200" cap="none" spc="0" normalizeH="0" baseline="0" noProof="0" dirty="0" err="1" smtClean="0">
+              <a:rPr kumimoji="0" lang="en-US" sz="13800" b="1" i="0" u="none" strike="noStrike" kern="1200" cap="none" spc="0" normalizeH="0" baseline="0" noProof="0" dirty="0" err="1">
                 <a:ln>
                   <a:noFill/>
                 </a:ln>
@@ -32491,7 +35291,7 @@
               <a:t>H</a:t>
             </a:r>
             <a:r>
-              <a:rPr kumimoji="0" lang="en-US" sz="13800" b="1" i="0" u="none" strike="noStrike" kern="1200" cap="none" spc="0" normalizeH="0" baseline="0" noProof="0" dirty="0" err="1" smtClean="0">
+              <a:rPr kumimoji="0" lang="en-US" sz="13800" b="1" i="0" u="none" strike="noStrike" kern="1200" cap="none" spc="0" normalizeH="0" baseline="0" noProof="0" dirty="0" err="1">
                 <a:ln>
                   <a:noFill/>
                 </a:ln>
@@ -32514,7 +35314,7 @@
               <a:t>a</a:t>
             </a:r>
             <a:r>
-              <a:rPr kumimoji="0" lang="en-US" sz="13800" b="1" i="0" u="none" strike="noStrike" kern="1200" cap="none" spc="0" normalizeH="0" baseline="0" noProof="0" dirty="0" err="1" smtClean="0">
+              <a:rPr kumimoji="0" lang="en-US" sz="13800" b="1" i="0" u="none" strike="noStrike" kern="1200" cap="none" spc="0" normalizeH="0" baseline="0" noProof="0" dirty="0" err="1">
                 <a:ln>
                   <a:noFill/>
                 </a:ln>
@@ -32537,7 +35337,7 @@
               <a:t>a</a:t>
             </a:r>
             <a:r>
-              <a:rPr kumimoji="0" lang="en-US" sz="13800" b="1" i="0" u="none" strike="noStrike" kern="1200" cap="none" spc="0" normalizeH="0" baseline="0" noProof="0" dirty="0" err="1" smtClean="0">
+              <a:rPr kumimoji="0" lang="en-US" sz="13800" b="1" i="0" u="none" strike="noStrike" kern="1200" cap="none" spc="0" normalizeH="0" baseline="0" noProof="0" dirty="0" err="1">
                 <a:ln>
                   <a:noFill/>
                 </a:ln>
@@ -32563,7 +35363,7 @@
               <a:t>t</a:t>
             </a:r>
             <a:r>
-              <a:rPr kumimoji="0" lang="en-US" sz="13800" b="1" i="0" u="none" strike="noStrike" kern="1200" cap="none" spc="0" normalizeH="0" baseline="0" noProof="0" dirty="0" err="1" smtClean="0">
+              <a:rPr kumimoji="0" lang="en-US" sz="13800" b="1" i="0" u="none" strike="noStrike" kern="1200" cap="none" spc="0" normalizeH="0" baseline="0" noProof="0" dirty="0" err="1">
                 <a:ln>
                   <a:noFill/>
                 </a:ln>
@@ -32588,7 +35388,7 @@
               <a:t>h</a:t>
             </a:r>
             <a:r>
-              <a:rPr kumimoji="0" lang="en-US" sz="13800" b="1" i="0" u="none" strike="noStrike" kern="1200" cap="none" spc="0" normalizeH="0" baseline="0" noProof="0" dirty="0" err="1" smtClean="0">
+              <a:rPr kumimoji="0" lang="en-US" sz="13800" b="1" i="0" u="none" strike="noStrike" kern="1200" cap="none" spc="0" normalizeH="0" baseline="0" noProof="0" dirty="0" err="1">
                 <a:ln>
                   <a:noFill/>
                 </a:ln>
@@ -32611,7 +35411,7 @@
               <a:t>i</a:t>
             </a:r>
             <a:r>
-              <a:rPr kumimoji="0" lang="en-US" sz="13800" b="1" i="0" u="none" strike="noStrike" kern="1200" cap="none" spc="0" normalizeH="0" baseline="0" noProof="0" dirty="0" smtClean="0">
+              <a:rPr kumimoji="0" lang="en-US" sz="13800" b="1" i="0" u="none" strike="noStrike" kern="1200" cap="none" spc="0" normalizeH="0" baseline="0" noProof="0" dirty="0">
                 <a:ln>
                   <a:noFill/>
                 </a:ln>
@@ -32634,7 +35434,7 @@
               <a:t/>
             </a:r>
             <a:br>
-              <a:rPr kumimoji="0" lang="en-US" sz="13800" b="1" i="0" u="none" strike="noStrike" kern="1200" cap="none" spc="0" normalizeH="0" baseline="0" noProof="0" dirty="0" smtClean="0">
+              <a:rPr kumimoji="0" lang="en-US" sz="13800" b="1" i="0" u="none" strike="noStrike" kern="1200" cap="none" spc="0" normalizeH="0" baseline="0" noProof="0" dirty="0">
                 <a:ln>
                   <a:noFill/>
                 </a:ln>
@@ -32656,7 +35456,7 @@
               </a:rPr>
             </a:br>
             <a:r>
-              <a:rPr kumimoji="0" lang="en-US" sz="13800" b="1" i="0" u="none" strike="noStrike" kern="1200" cap="none" spc="0" normalizeH="0" baseline="0" noProof="0" dirty="0" smtClean="0">
+              <a:rPr kumimoji="0" lang="en-US" sz="13800" b="1" i="0" u="none" strike="noStrike" kern="1200" cap="none" spc="0" normalizeH="0" baseline="0" noProof="0" dirty="0">
                 <a:ln>
                   <a:noFill/>
                 </a:ln>
@@ -32681,7 +35481,7 @@
               <a:t>M</a:t>
             </a:r>
             <a:r>
-              <a:rPr lang="en-US" sz="13800" b="1" dirty="0" smtClean="0">
+              <a:rPr lang="en-US" sz="13800" b="1" dirty="0">
                 <a:solidFill>
                   <a:schemeClr val="accent2"/>
                 </a:solidFill>
@@ -32699,7 +35499,7 @@
               <a:t>e</a:t>
             </a:r>
             <a:r>
-              <a:rPr kumimoji="0" lang="en-US" sz="13800" b="1" i="0" u="none" strike="noStrike" kern="1200" cap="none" spc="0" normalizeH="0" baseline="0" noProof="0" dirty="0" smtClean="0">
+              <a:rPr kumimoji="0" lang="en-US" sz="13800" b="1" i="0" u="none" strike="noStrike" kern="1200" cap="none" spc="0" normalizeH="0" baseline="0" noProof="0" dirty="0">
                 <a:ln>
                   <a:noFill/>
                 </a:ln>
@@ -32722,7 +35522,7 @@
               <a:t>r</a:t>
             </a:r>
             <a:r>
-              <a:rPr kumimoji="0" lang="en-US" sz="13800" b="1" i="0" u="none" strike="noStrike" kern="1200" cap="none" spc="0" normalizeH="0" baseline="0" noProof="0" dirty="0" smtClean="0">
+              <a:rPr kumimoji="0" lang="en-US" sz="13800" b="1" i="0" u="none" strike="noStrike" kern="1200" cap="none" spc="0" normalizeH="0" baseline="0" noProof="0" dirty="0">
                 <a:ln>
                   <a:noFill/>
                 </a:ln>
@@ -32745,7 +35545,7 @@
               <a:t>a</a:t>
             </a:r>
             <a:r>
-              <a:rPr kumimoji="0" lang="en-US" sz="13800" b="1" i="0" u="none" strike="noStrike" kern="1200" cap="none" spc="0" normalizeH="0" baseline="0" noProof="0" dirty="0" smtClean="0">
+              <a:rPr kumimoji="0" lang="en-US" sz="13800" b="1" i="0" u="none" strike="noStrike" kern="1200" cap="none" spc="0" normalizeH="0" baseline="0" noProof="0" dirty="0">
                 <a:ln>
                   <a:noFill/>
                 </a:ln>
@@ -32768,7 +35568,7 @@
               <a:t> </a:t>
             </a:r>
             <a:br>
-              <a:rPr kumimoji="0" lang="en-US" sz="13800" b="1" i="0" u="none" strike="noStrike" kern="1200" cap="none" spc="0" normalizeH="0" baseline="0" noProof="0" dirty="0" smtClean="0">
+              <a:rPr kumimoji="0" lang="en-US" sz="13800" b="1" i="0" u="none" strike="noStrike" kern="1200" cap="none" spc="0" normalizeH="0" baseline="0" noProof="0" dirty="0">
                 <a:ln>
                   <a:noFill/>
                 </a:ln>
@@ -32790,7 +35590,7 @@
               </a:rPr>
             </a:br>
             <a:r>
-              <a:rPr kumimoji="0" lang="en-US" sz="13800" b="1" i="0" u="none" strike="noStrike" kern="1200" cap="none" spc="0" normalizeH="0" baseline="0" noProof="0" dirty="0" smtClean="0">
+              <a:rPr kumimoji="0" lang="en-US" sz="13800" b="1" i="0" u="none" strike="noStrike" kern="1200" cap="none" spc="0" normalizeH="0" baseline="0" noProof="0" dirty="0">
                 <a:ln>
                   <a:noFill/>
                 </a:ln>
@@ -32815,7 +35615,7 @@
               <a:t>S</a:t>
             </a:r>
             <a:r>
-              <a:rPr kumimoji="0" lang="en-US" sz="13800" b="1" i="0" u="none" strike="noStrike" kern="1200" cap="none" spc="0" normalizeH="0" baseline="0" noProof="0" dirty="0" smtClean="0">
+              <a:rPr kumimoji="0" lang="en-US" sz="13800" b="1" i="0" u="none" strike="noStrike" kern="1200" cap="none" spc="0" normalizeH="0" baseline="0" noProof="0" dirty="0">
                 <a:ln>
                   <a:noFill/>
                 </a:ln>
@@ -32841,7 +35641,7 @@
               <a:t>a</a:t>
             </a:r>
             <a:r>
-              <a:rPr kumimoji="0" lang="en-US" sz="13800" b="1" i="0" u="none" strike="noStrike" kern="1200" cap="none" spc="0" normalizeH="0" baseline="0" noProof="0" dirty="0" smtClean="0">
+              <a:rPr kumimoji="0" lang="en-US" sz="13800" b="1" i="0" u="none" strike="noStrike" kern="1200" cap="none" spc="0" normalizeH="0" baseline="0" noProof="0" dirty="0">
                 <a:ln>
                   <a:noFill/>
                 </a:ln>
@@ -32867,7 +35667,7 @@
               <a:t>a</a:t>
             </a:r>
             <a:r>
-              <a:rPr kumimoji="0" lang="en-US" sz="13800" b="1" i="0" u="none" strike="noStrike" kern="1200" cap="none" spc="0" normalizeH="0" baseline="0" noProof="0" dirty="0" smtClean="0">
+              <a:rPr kumimoji="0" lang="en-US" sz="13800" b="1" i="0" u="none" strike="noStrike" kern="1200" cap="none" spc="0" normalizeH="0" baseline="0" noProof="0" dirty="0">
                 <a:ln>
                   <a:noFill/>
                 </a:ln>
@@ -32892,7 +35692,7 @@
               <a:t>t</a:t>
             </a:r>
             <a:r>
-              <a:rPr kumimoji="0" lang="en-US" sz="13800" b="1" i="0" u="none" strike="noStrike" kern="1200" cap="none" spc="0" normalizeH="0" baseline="0" noProof="0" dirty="0" smtClean="0">
+              <a:rPr kumimoji="0" lang="en-US" sz="13800" b="1" i="0" u="none" strike="noStrike" kern="1200" cap="none" spc="0" normalizeH="0" baseline="0" noProof="0" dirty="0">
                 <a:ln>
                   <a:noFill/>
                 </a:ln>
@@ -32918,7 +35718,7 @@
               <a:t>h</a:t>
             </a:r>
             <a:r>
-              <a:rPr kumimoji="0" lang="en-US" sz="13800" b="1" i="0" u="none" strike="noStrike" kern="1200" cap="none" spc="0" normalizeH="0" baseline="0" noProof="0" dirty="0" smtClean="0">
+              <a:rPr kumimoji="0" lang="en-US" sz="13800" b="1" i="0" u="none" strike="noStrike" kern="1200" cap="none" spc="0" normalizeH="0" baseline="0" noProof="0" dirty="0">
                 <a:ln>
                   <a:noFill/>
                 </a:ln>
@@ -32940,26 +35740,6 @@
               </a:rPr>
               <a:t>i</a:t>
             </a:r>
-            <a:endParaRPr kumimoji="0" lang="en-US" sz="13800" b="1" i="0" u="none" strike="noStrike" kern="1200" cap="none" spc="0" normalizeH="0" baseline="0" noProof="0" dirty="0">
-              <a:ln>
-                <a:noFill/>
-              </a:ln>
-              <a:solidFill>
-                <a:srgbClr val="00B050"/>
-              </a:solidFill>
-              <a:effectLst>
-                <a:outerShdw blurRad="38100" dist="38100" dir="2700000" algn="tl">
-                  <a:srgbClr val="000000">
-                    <a:alpha val="43137"/>
-                  </a:srgbClr>
-                </a:outerShdw>
-              </a:effectLst>
-              <a:uLnTx/>
-              <a:uFillTx/>
-              <a:latin typeface="Sweet Cheeks" panose="02000603000000000000" pitchFamily="2" charset="0"/>
-              <a:ea typeface="Sweet Cheeks" panose="02000603000000000000" pitchFamily="2" charset="0"/>
-              <a:cs typeface="+mj-cs"/>
-            </a:endParaRPr>
           </a:p>
         </p:txBody>
       </p:sp>
@@ -32975,7 +35755,7 @@
           <a:blip r:embed="rId2" cstate="print">
             <a:extLst>
               <a:ext uri="{28A0092B-C50C-407E-A947-70E740481C1C}">
-                <a14:useLocalDpi xmlns="" xmlns:a14="http://schemas.microsoft.com/office/drawing/2010/main" val="0"/>
+                <a14:useLocalDpi xmlns:a14="http://schemas.microsoft.com/office/drawing/2010/main" xmlns="" val="0"/>
               </a:ext>
             </a:extLst>
           </a:blip>
@@ -33004,14 +35784,14 @@
           </a:effectLst>
           <a:extLst>
             <a:ext uri="{909E8E84-426E-40DD-AFC4-6F175D3DCCD1}">
-              <a14:hiddenFill xmlns="" xmlns:a14="http://schemas.microsoft.com/office/drawing/2010/main">
+              <a14:hiddenFill xmlns:a14="http://schemas.microsoft.com/office/drawing/2010/main" xmlns="">
                 <a:solidFill>
                   <a:schemeClr val="accent1"/>
                 </a:solidFill>
               </a14:hiddenFill>
             </a:ext>
             <a:ext uri="{91240B29-F687-4F45-9708-019B960494DF}">
-              <a14:hiddenLine xmlns="" xmlns:a14="http://schemas.microsoft.com/office/drawing/2010/main" w="9525">
+              <a14:hiddenLine xmlns:a14="http://schemas.microsoft.com/office/drawing/2010/main" xmlns="" w="9525">
                 <a:solidFill>
                   <a:schemeClr val="tx1"/>
                 </a:solidFill>
@@ -33046,25 +35826,11 @@
           <a:lstStyle/>
           <a:p>
             <a:r>
-              <a:rPr lang="en-US" dirty="0" smtClean="0">
-                <a:latin typeface="Sweet Cheeks" panose="02000603000000000000" pitchFamily="2" charset="0"/>
-                <a:ea typeface="Sweet Cheeks" panose="02000603000000000000" pitchFamily="2" charset="0"/>
-              </a:rPr>
-              <a:t>Made </a:t>
-            </a:r>
-            <a:r>
               <a:rPr lang="en-US" dirty="0">
                 <a:latin typeface="Sweet Cheeks" panose="02000603000000000000" pitchFamily="2" charset="0"/>
                 <a:ea typeface="Sweet Cheeks" panose="02000603000000000000" pitchFamily="2" charset="0"/>
               </a:rPr>
-              <a:t>with </a:t>
-            </a:r>
-            <a:r>
-              <a:rPr lang="en-US" dirty="0" smtClean="0">
-                <a:latin typeface="Sweet Cheeks" panose="02000603000000000000" pitchFamily="2" charset="0"/>
-                <a:ea typeface="Sweet Cheeks" panose="02000603000000000000" pitchFamily="2" charset="0"/>
-              </a:rPr>
-              <a:t>AMMA’s </a:t>
+              <a:t>Made with AMMA’s </a:t>
             </a:r>
             <a:r>
               <a:rPr lang="en-US" dirty="0">
@@ -33075,7 +35841,7 @@
               <a:t>💗</a:t>
             </a:r>
             <a:r>
-              <a:rPr lang="en-US" dirty="0" smtClean="0">
+              <a:rPr lang="en-US" dirty="0">
                 <a:solidFill>
                   <a:srgbClr val="FF0000"/>
                 </a:solidFill>
@@ -33085,16 +35851,12 @@
               <a:t> </a:t>
             </a:r>
             <a:r>
-              <a:rPr lang="en-US" dirty="0" smtClean="0">
+              <a:rPr lang="en-US" dirty="0">
                 <a:latin typeface="Sweet Cheeks" panose="02000603000000000000" pitchFamily="2" charset="0"/>
                 <a:ea typeface="Sweet Cheeks" panose="02000603000000000000" pitchFamily="2" charset="0"/>
               </a:rPr>
               <a:t>at AMMACHI Labs</a:t>
             </a:r>
-            <a:endParaRPr lang="en-US" dirty="0">
-              <a:latin typeface="Sweet Cheeks" panose="02000603000000000000" pitchFamily="2" charset="0"/>
-              <a:ea typeface="Sweet Cheeks" panose="02000603000000000000" pitchFamily="2" charset="0"/>
-            </a:endParaRPr>
           </a:p>
         </p:txBody>
       </p:sp>

--- a/HMSWebTest-Pen/Assets/Images/hmsgraphics.pptx
+++ b/HMSWebTest-Pen/Assets/Images/hmsgraphics.pptx
@@ -129,7 +129,7 @@
   </p:defaultTextStyle>
   <p:extLst>
     <p:ext uri="{EFAFB233-063F-42B5-8137-9DF3F51BA10A}">
-      <p15:sldGuideLst xmlns:p15="http://schemas.microsoft.com/office/powerpoint/2012/main" xmlns="">
+      <p15:sldGuideLst xmlns="" xmlns:p15="http://schemas.microsoft.com/office/powerpoint/2012/main">
         <p15:guide id="1" orient="horz" pos="2160">
           <p15:clr>
             <a:srgbClr val="A4A3A4"/>
@@ -233,7 +233,7 @@
             <a:fld id="{6153BB3E-9447-4512-867E-C40997E12B5B}" type="datetimeFigureOut">
               <a:rPr lang="en-US" smtClean="0"/>
               <a:pPr/>
-              <a:t>7/26/2017</a:t>
+              <a:t>1/5/2018</a:t>
             </a:fld>
             <a:endParaRPr lang="en-US"/>
           </a:p>
@@ -760,7 +760,7 @@
             <a:fld id="{090B515E-C25E-45EE-BA79-D334A31660AC}" type="datetimeFigureOut">
               <a:rPr lang="en-US" smtClean="0"/>
               <a:pPr/>
-              <a:t>7/26/2017</a:t>
+              <a:t>1/5/2018</a:t>
             </a:fld>
             <a:endParaRPr lang="en-US"/>
           </a:p>
@@ -925,7 +925,7 @@
             <a:fld id="{090B515E-C25E-45EE-BA79-D334A31660AC}" type="datetimeFigureOut">
               <a:rPr lang="en-US" smtClean="0"/>
               <a:pPr/>
-              <a:t>7/26/2017</a:t>
+              <a:t>1/5/2018</a:t>
             </a:fld>
             <a:endParaRPr lang="en-US"/>
           </a:p>
@@ -1100,7 +1100,7 @@
             <a:fld id="{090B515E-C25E-45EE-BA79-D334A31660AC}" type="datetimeFigureOut">
               <a:rPr lang="en-US" smtClean="0"/>
               <a:pPr/>
-              <a:t>7/26/2017</a:t>
+              <a:t>1/5/2018</a:t>
             </a:fld>
             <a:endParaRPr lang="en-US"/>
           </a:p>
@@ -1265,7 +1265,7 @@
             <a:fld id="{090B515E-C25E-45EE-BA79-D334A31660AC}" type="datetimeFigureOut">
               <a:rPr lang="en-US" smtClean="0"/>
               <a:pPr/>
-              <a:t>7/26/2017</a:t>
+              <a:t>1/5/2018</a:t>
             </a:fld>
             <a:endParaRPr lang="en-US"/>
           </a:p>
@@ -1507,7 +1507,7 @@
             <a:fld id="{090B515E-C25E-45EE-BA79-D334A31660AC}" type="datetimeFigureOut">
               <a:rPr lang="en-US" smtClean="0"/>
               <a:pPr/>
-              <a:t>7/26/2017</a:t>
+              <a:t>1/5/2018</a:t>
             </a:fld>
             <a:endParaRPr lang="en-US"/>
           </a:p>
@@ -1789,7 +1789,7 @@
             <a:fld id="{090B515E-C25E-45EE-BA79-D334A31660AC}" type="datetimeFigureOut">
               <a:rPr lang="en-US" smtClean="0"/>
               <a:pPr/>
-              <a:t>7/26/2017</a:t>
+              <a:t>1/5/2018</a:t>
             </a:fld>
             <a:endParaRPr lang="en-US"/>
           </a:p>
@@ -2205,7 +2205,7 @@
             <a:fld id="{090B515E-C25E-45EE-BA79-D334A31660AC}" type="datetimeFigureOut">
               <a:rPr lang="en-US" smtClean="0"/>
               <a:pPr/>
-              <a:t>7/26/2017</a:t>
+              <a:t>1/5/2018</a:t>
             </a:fld>
             <a:endParaRPr lang="en-US"/>
           </a:p>
@@ -2319,7 +2319,7 @@
             <a:fld id="{090B515E-C25E-45EE-BA79-D334A31660AC}" type="datetimeFigureOut">
               <a:rPr lang="en-US" smtClean="0"/>
               <a:pPr/>
-              <a:t>7/26/2017</a:t>
+              <a:t>1/5/2018</a:t>
             </a:fld>
             <a:endParaRPr lang="en-US"/>
           </a:p>
@@ -2411,7 +2411,7 @@
             <a:fld id="{090B515E-C25E-45EE-BA79-D334A31660AC}" type="datetimeFigureOut">
               <a:rPr lang="en-US" smtClean="0"/>
               <a:pPr/>
-              <a:t>7/26/2017</a:t>
+              <a:t>1/5/2018</a:t>
             </a:fld>
             <a:endParaRPr lang="en-US"/>
           </a:p>
@@ -2683,7 +2683,7 @@
             <a:fld id="{090B515E-C25E-45EE-BA79-D334A31660AC}" type="datetimeFigureOut">
               <a:rPr lang="en-US" smtClean="0"/>
               <a:pPr/>
-              <a:t>7/26/2017</a:t>
+              <a:t>1/5/2018</a:t>
             </a:fld>
             <a:endParaRPr lang="en-US"/>
           </a:p>
@@ -2932,7 +2932,7 @@
             <a:fld id="{090B515E-C25E-45EE-BA79-D334A31660AC}" type="datetimeFigureOut">
               <a:rPr lang="en-US" smtClean="0"/>
               <a:pPr/>
-              <a:t>7/26/2017</a:t>
+              <a:t>1/5/2018</a:t>
             </a:fld>
             <a:endParaRPr lang="en-US"/>
           </a:p>
@@ -3140,7 +3140,7 @@
             <a:fld id="{090B515E-C25E-45EE-BA79-D334A31660AC}" type="datetimeFigureOut">
               <a:rPr lang="en-US" smtClean="0"/>
               <a:pPr/>
-              <a:t>7/26/2017</a:t>
+              <a:t>1/5/2018</a:t>
             </a:fld>
             <a:endParaRPr lang="en-US"/>
           </a:p>
@@ -3978,7 +3978,7 @@
             <a:blip r:embed="rId2" cstate="print">
               <a:extLst>
                 <a:ext uri="{28A0092B-C50C-407E-A947-70E740481C1C}">
-                  <a14:useLocalDpi xmlns:a14="http://schemas.microsoft.com/office/drawing/2010/main" xmlns="" val="0"/>
+                  <a14:useLocalDpi xmlns="" xmlns:a14="http://schemas.microsoft.com/office/drawing/2010/main" val="0"/>
                 </a:ext>
               </a:extLst>
             </a:blip>
@@ -3998,7 +3998,7 @@
             <a:noFill/>
             <a:extLst>
               <a:ext uri="{909E8E84-426E-40DD-AFC4-6F175D3DCCD1}">
-                <a14:hiddenFill xmlns:a14="http://schemas.microsoft.com/office/drawing/2010/main" xmlns="">
+                <a14:hiddenFill xmlns="" xmlns:a14="http://schemas.microsoft.com/office/drawing/2010/main">
                   <a:solidFill>
                     <a:srgbClr val="FFFFFF"/>
                   </a:solidFill>
@@ -4081,7 +4081,7 @@
             <a:blip r:embed="rId3" cstate="print">
               <a:extLst>
                 <a:ext uri="{28A0092B-C50C-407E-A947-70E740481C1C}">
-                  <a14:useLocalDpi xmlns:a14="http://schemas.microsoft.com/office/drawing/2010/main" xmlns="" val="0"/>
+                  <a14:useLocalDpi xmlns="" xmlns:a14="http://schemas.microsoft.com/office/drawing/2010/main" val="0"/>
                 </a:ext>
               </a:extLst>
             </a:blip>
@@ -4101,7 +4101,7 @@
             <a:noFill/>
             <a:extLst>
               <a:ext uri="{909E8E84-426E-40DD-AFC4-6F175D3DCCD1}">
-                <a14:hiddenFill xmlns:a14="http://schemas.microsoft.com/office/drawing/2010/main" xmlns="">
+                <a14:hiddenFill xmlns="" xmlns:a14="http://schemas.microsoft.com/office/drawing/2010/main">
                   <a:solidFill>
                     <a:srgbClr val="FFFFFF"/>
                   </a:solidFill>
@@ -7059,7 +7059,7 @@
     </p:spTree>
     <p:extLst>
       <p:ext uri="{BB962C8B-B14F-4D97-AF65-F5344CB8AC3E}">
-        <p14:creationId xmlns:p14="http://schemas.microsoft.com/office/powerpoint/2010/main" xmlns="" val="1874106700"/>
+        <p14:creationId xmlns="" xmlns:p14="http://schemas.microsoft.com/office/powerpoint/2010/main" val="1874106700"/>
       </p:ext>
     </p:extLst>
   </p:cSld>
@@ -7712,7 +7712,7 @@
           <a:blip r:embed="rId2" cstate="print">
             <a:extLst>
               <a:ext uri="{28A0092B-C50C-407E-A947-70E740481C1C}">
-                <a14:useLocalDpi xmlns:a14="http://schemas.microsoft.com/office/drawing/2010/main" xmlns="" val="0"/>
+                <a14:useLocalDpi xmlns="" xmlns:a14="http://schemas.microsoft.com/office/drawing/2010/main" val="0"/>
               </a:ext>
             </a:extLst>
           </a:blip>
@@ -7741,14 +7741,14 @@
           </a:effectLst>
           <a:extLst>
             <a:ext uri="{909E8E84-426E-40DD-AFC4-6F175D3DCCD1}">
-              <a14:hiddenFill xmlns:a14="http://schemas.microsoft.com/office/drawing/2010/main" xmlns="">
+              <a14:hiddenFill xmlns="" xmlns:a14="http://schemas.microsoft.com/office/drawing/2010/main">
                 <a:solidFill>
                   <a:schemeClr val="accent1"/>
                 </a:solidFill>
               </a14:hiddenFill>
             </a:ext>
             <a:ext uri="{91240B29-F687-4F45-9708-019B960494DF}">
-              <a14:hiddenLine xmlns:a14="http://schemas.microsoft.com/office/drawing/2010/main" xmlns="" w="9525">
+              <a14:hiddenLine xmlns="" xmlns:a14="http://schemas.microsoft.com/office/drawing/2010/main" w="9525">
                 <a:solidFill>
                   <a:schemeClr val="tx1"/>
                 </a:solidFill>
@@ -7779,7 +7779,7 @@
             </a:duotone>
             <a:extLst>
               <a:ext uri="{28A0092B-C50C-407E-A947-70E740481C1C}">
-                <a14:useLocalDpi xmlns:a14="http://schemas.microsoft.com/office/drawing/2010/main" xmlns="" val="0"/>
+                <a14:useLocalDpi xmlns="" xmlns:a14="http://schemas.microsoft.com/office/drawing/2010/main" val="0"/>
               </a:ext>
             </a:extLst>
           </a:blip>
@@ -7808,14 +7808,14 @@
           </a:effectLst>
           <a:extLst>
             <a:ext uri="{909E8E84-426E-40DD-AFC4-6F175D3DCCD1}">
-              <a14:hiddenFill xmlns:a14="http://schemas.microsoft.com/office/drawing/2010/main" xmlns="">
+              <a14:hiddenFill xmlns="" xmlns:a14="http://schemas.microsoft.com/office/drawing/2010/main">
                 <a:solidFill>
                   <a:schemeClr val="accent1"/>
                 </a:solidFill>
               </a14:hiddenFill>
             </a:ext>
             <a:ext uri="{91240B29-F687-4F45-9708-019B960494DF}">
-              <a14:hiddenLine xmlns:a14="http://schemas.microsoft.com/office/drawing/2010/main" xmlns="" w="9525">
+              <a14:hiddenLine xmlns="" xmlns:a14="http://schemas.microsoft.com/office/drawing/2010/main" w="9525">
                 <a:solidFill>
                   <a:schemeClr val="tx1"/>
                 </a:solidFill>
@@ -20502,6 +20502,51 @@
           </p:txBody>
         </p:sp>
       </p:grpSp>
+      <p:sp>
+        <p:nvSpPr>
+          <p:cNvPr id="41" name="Rectangle 40"/>
+          <p:cNvSpPr/>
+          <p:nvPr/>
+        </p:nvSpPr>
+        <p:spPr>
+          <a:xfrm>
+            <a:off x="2667000" y="2667000"/>
+            <a:ext cx="457200" cy="419100"/>
+          </a:xfrm>
+          <a:prstGeom prst="rect">
+            <a:avLst/>
+          </a:prstGeom>
+          <a:solidFill>
+            <a:srgbClr val="CC3300"/>
+          </a:solidFill>
+          <a:ln>
+            <a:noFill/>
+          </a:ln>
+        </p:spPr>
+        <p:style>
+          <a:lnRef idx="2">
+            <a:schemeClr val="accent1">
+              <a:shade val="50000"/>
+            </a:schemeClr>
+          </a:lnRef>
+          <a:fillRef idx="1">
+            <a:schemeClr val="accent1"/>
+          </a:fillRef>
+          <a:effectRef idx="0">
+            <a:schemeClr val="accent1"/>
+          </a:effectRef>
+          <a:fontRef idx="minor">
+            <a:schemeClr val="lt1"/>
+          </a:fontRef>
+        </p:style>
+        <p:txBody>
+          <a:bodyPr rtlCol="0" anchor="ctr"/>
+          <a:lstStyle/>
+          <a:p>
+            <a:endParaRPr lang="en-US" dirty="0"/>
+          </a:p>
+        </p:txBody>
+      </p:sp>
     </p:spTree>
   </p:cSld>
   <p:clrMapOvr>
@@ -20743,7 +20788,7 @@
             <a:blip r:embed="rId4" cstate="print">
               <a:extLst>
                 <a:ext uri="{28A0092B-C50C-407E-A947-70E740481C1C}">
-                  <a14:useLocalDpi xmlns:a14="http://schemas.microsoft.com/office/drawing/2010/main" xmlns="" val="0"/>
+                  <a14:useLocalDpi xmlns="" xmlns:a14="http://schemas.microsoft.com/office/drawing/2010/main" val="0"/>
                 </a:ext>
               </a:extLst>
             </a:blip>
@@ -20763,7 +20808,7 @@
             <a:noFill/>
             <a:extLst>
               <a:ext uri="{909E8E84-426E-40DD-AFC4-6F175D3DCCD1}">
-                <a14:hiddenFill xmlns:a14="http://schemas.microsoft.com/office/drawing/2010/main" xmlns="">
+                <a14:hiddenFill xmlns="" xmlns:a14="http://schemas.microsoft.com/office/drawing/2010/main">
                   <a:solidFill>
                     <a:srgbClr val="FFFFFF"/>
                   </a:solidFill>
@@ -21205,7 +21250,7 @@
             <a:blip r:embed="rId6" cstate="print">
               <a:extLst>
                 <a:ext uri="{28A0092B-C50C-407E-A947-70E740481C1C}">
-                  <a14:useLocalDpi xmlns:a14="http://schemas.microsoft.com/office/drawing/2010/main" xmlns="" val="0"/>
+                  <a14:useLocalDpi xmlns="" xmlns:a14="http://schemas.microsoft.com/office/drawing/2010/main" val="0"/>
                 </a:ext>
               </a:extLst>
             </a:blip>
@@ -21225,7 +21270,7 @@
             <a:noFill/>
             <a:extLst>
               <a:ext uri="{909E8E84-426E-40DD-AFC4-6F175D3DCCD1}">
-                <a14:hiddenFill xmlns:a14="http://schemas.microsoft.com/office/drawing/2010/main" xmlns="">
+                <a14:hiddenFill xmlns="" xmlns:a14="http://schemas.microsoft.com/office/drawing/2010/main">
                   <a:solidFill>
                     <a:srgbClr val="FFFFFF"/>
                   </a:solidFill>
@@ -23406,7 +23451,7 @@
               <a:blip r:embed="rId6" cstate="print">
                 <a:extLst>
                   <a:ext uri="{28A0092B-C50C-407E-A947-70E740481C1C}">
-                    <a14:useLocalDpi xmlns:a14="http://schemas.microsoft.com/office/drawing/2010/main" xmlns="" val="0"/>
+                    <a14:useLocalDpi xmlns="" xmlns:a14="http://schemas.microsoft.com/office/drawing/2010/main" val="0"/>
                   </a:ext>
                 </a:extLst>
               </a:blip>
@@ -23426,7 +23471,7 @@
               <a:noFill/>
               <a:extLst>
                 <a:ext uri="{909E8E84-426E-40DD-AFC4-6F175D3DCCD1}">
-                  <a14:hiddenFill xmlns:a14="http://schemas.microsoft.com/office/drawing/2010/main" xmlns="">
+                  <a14:hiddenFill xmlns="" xmlns:a14="http://schemas.microsoft.com/office/drawing/2010/main">
                     <a:solidFill>
                       <a:srgbClr val="FFFFFF"/>
                     </a:solidFill>
@@ -24270,63 +24315,63 @@
                 <a:gridCol w="461767">
                   <a:extLst>
                     <a:ext uri="{9D8B030D-6E8A-4147-A177-3AD203B41FA5}">
-                      <a16:colId xmlns:a16="http://schemas.microsoft.com/office/drawing/2014/main" xmlns="" val="20000"/>
+                      <a16:colId xmlns="" xmlns:a16="http://schemas.microsoft.com/office/drawing/2014/main" val="20000"/>
                     </a:ext>
                   </a:extLst>
                 </a:gridCol>
                 <a:gridCol w="461767">
                   <a:extLst>
                     <a:ext uri="{9D8B030D-6E8A-4147-A177-3AD203B41FA5}">
-                      <a16:colId xmlns:a16="http://schemas.microsoft.com/office/drawing/2014/main" xmlns="" val="20001"/>
+                      <a16:colId xmlns="" xmlns:a16="http://schemas.microsoft.com/office/drawing/2014/main" val="20001"/>
                     </a:ext>
                   </a:extLst>
                 </a:gridCol>
                 <a:gridCol w="461767">
                   <a:extLst>
                     <a:ext uri="{9D8B030D-6E8A-4147-A177-3AD203B41FA5}">
-                      <a16:colId xmlns:a16="http://schemas.microsoft.com/office/drawing/2014/main" xmlns="" val="20002"/>
+                      <a16:colId xmlns="" xmlns:a16="http://schemas.microsoft.com/office/drawing/2014/main" val="20002"/>
                     </a:ext>
                   </a:extLst>
                 </a:gridCol>
                 <a:gridCol w="461767">
                   <a:extLst>
                     <a:ext uri="{9D8B030D-6E8A-4147-A177-3AD203B41FA5}">
-                      <a16:colId xmlns:a16="http://schemas.microsoft.com/office/drawing/2014/main" xmlns="" val="20003"/>
+                      <a16:colId xmlns="" xmlns:a16="http://schemas.microsoft.com/office/drawing/2014/main" val="20003"/>
                     </a:ext>
                   </a:extLst>
                 </a:gridCol>
                 <a:gridCol w="461767">
                   <a:extLst>
                     <a:ext uri="{9D8B030D-6E8A-4147-A177-3AD203B41FA5}">
-                      <a16:colId xmlns:a16="http://schemas.microsoft.com/office/drawing/2014/main" xmlns="" val="20004"/>
+                      <a16:colId xmlns="" xmlns:a16="http://schemas.microsoft.com/office/drawing/2014/main" val="20004"/>
                     </a:ext>
                   </a:extLst>
                 </a:gridCol>
                 <a:gridCol w="461767">
                   <a:extLst>
                     <a:ext uri="{9D8B030D-6E8A-4147-A177-3AD203B41FA5}">
-                      <a16:colId xmlns:a16="http://schemas.microsoft.com/office/drawing/2014/main" xmlns="" val="20005"/>
+                      <a16:colId xmlns="" xmlns:a16="http://schemas.microsoft.com/office/drawing/2014/main" val="20005"/>
                     </a:ext>
                   </a:extLst>
                 </a:gridCol>
                 <a:gridCol w="461767">
                   <a:extLst>
                     <a:ext uri="{9D8B030D-6E8A-4147-A177-3AD203B41FA5}">
-                      <a16:colId xmlns:a16="http://schemas.microsoft.com/office/drawing/2014/main" xmlns="" val="20006"/>
+                      <a16:colId xmlns="" xmlns:a16="http://schemas.microsoft.com/office/drawing/2014/main" val="20006"/>
                     </a:ext>
                   </a:extLst>
                 </a:gridCol>
                 <a:gridCol w="461767">
                   <a:extLst>
                     <a:ext uri="{9D8B030D-6E8A-4147-A177-3AD203B41FA5}">
-                      <a16:colId xmlns:a16="http://schemas.microsoft.com/office/drawing/2014/main" xmlns="" val="20007"/>
+                      <a16:colId xmlns="" xmlns:a16="http://schemas.microsoft.com/office/drawing/2014/main" val="20007"/>
                     </a:ext>
                   </a:extLst>
                 </a:gridCol>
                 <a:gridCol w="461767">
                   <a:extLst>
                     <a:ext uri="{9D8B030D-6E8A-4147-A177-3AD203B41FA5}">
-                      <a16:colId xmlns:a16="http://schemas.microsoft.com/office/drawing/2014/main" xmlns="" val="20008"/>
+                      <a16:colId xmlns="" xmlns:a16="http://schemas.microsoft.com/office/drawing/2014/main" val="20008"/>
                     </a:ext>
                   </a:extLst>
                 </a:gridCol>
@@ -24901,7 +24946,7 @@
                 </a:tc>
                 <a:extLst>
                   <a:ext uri="{0D108BD9-81ED-4DB2-BD59-A6C34878D82A}">
-                    <a16:rowId xmlns:a16="http://schemas.microsoft.com/office/drawing/2014/main" xmlns="" val="10000"/>
+                    <a16:rowId xmlns="" xmlns:a16="http://schemas.microsoft.com/office/drawing/2014/main" val="10000"/>
                   </a:ext>
                 </a:extLst>
               </a:tr>
@@ -25475,7 +25520,7 @@
                 </a:tc>
                 <a:extLst>
                   <a:ext uri="{0D108BD9-81ED-4DB2-BD59-A6C34878D82A}">
-                    <a16:rowId xmlns:a16="http://schemas.microsoft.com/office/drawing/2014/main" xmlns="" val="10001"/>
+                    <a16:rowId xmlns="" xmlns:a16="http://schemas.microsoft.com/office/drawing/2014/main" val="10001"/>
                   </a:ext>
                 </a:extLst>
               </a:tr>
@@ -26049,7 +26094,7 @@
                 </a:tc>
                 <a:extLst>
                   <a:ext uri="{0D108BD9-81ED-4DB2-BD59-A6C34878D82A}">
-                    <a16:rowId xmlns:a16="http://schemas.microsoft.com/office/drawing/2014/main" xmlns="" val="10002"/>
+                    <a16:rowId xmlns="" xmlns:a16="http://schemas.microsoft.com/office/drawing/2014/main" val="10002"/>
                   </a:ext>
                 </a:extLst>
               </a:tr>
@@ -26623,7 +26668,7 @@
                 </a:tc>
                 <a:extLst>
                   <a:ext uri="{0D108BD9-81ED-4DB2-BD59-A6C34878D82A}">
-                    <a16:rowId xmlns:a16="http://schemas.microsoft.com/office/drawing/2014/main" xmlns="" val="10003"/>
+                    <a16:rowId xmlns="" xmlns:a16="http://schemas.microsoft.com/office/drawing/2014/main" val="10003"/>
                   </a:ext>
                 </a:extLst>
               </a:tr>
@@ -26859,63 +26904,63 @@
                 <a:gridCol w="245533">
                   <a:extLst>
                     <a:ext uri="{9D8B030D-6E8A-4147-A177-3AD203B41FA5}">
-                      <a16:colId xmlns:a16="http://schemas.microsoft.com/office/drawing/2014/main" xmlns="" val="20000"/>
+                      <a16:colId xmlns="" xmlns:a16="http://schemas.microsoft.com/office/drawing/2014/main" val="20000"/>
                     </a:ext>
                   </a:extLst>
                 </a:gridCol>
                 <a:gridCol w="245533">
                   <a:extLst>
                     <a:ext uri="{9D8B030D-6E8A-4147-A177-3AD203B41FA5}">
-                      <a16:colId xmlns:a16="http://schemas.microsoft.com/office/drawing/2014/main" xmlns="" val="20001"/>
+                      <a16:colId xmlns="" xmlns:a16="http://schemas.microsoft.com/office/drawing/2014/main" val="20001"/>
                     </a:ext>
                   </a:extLst>
                 </a:gridCol>
                 <a:gridCol w="245533">
                   <a:extLst>
                     <a:ext uri="{9D8B030D-6E8A-4147-A177-3AD203B41FA5}">
-                      <a16:colId xmlns:a16="http://schemas.microsoft.com/office/drawing/2014/main" xmlns="" val="20002"/>
+                      <a16:colId xmlns="" xmlns:a16="http://schemas.microsoft.com/office/drawing/2014/main" val="20002"/>
                     </a:ext>
                   </a:extLst>
                 </a:gridCol>
                 <a:gridCol w="245533">
                   <a:extLst>
                     <a:ext uri="{9D8B030D-6E8A-4147-A177-3AD203B41FA5}">
-                      <a16:colId xmlns:a16="http://schemas.microsoft.com/office/drawing/2014/main" xmlns="" val="20003"/>
+                      <a16:colId xmlns="" xmlns:a16="http://schemas.microsoft.com/office/drawing/2014/main" val="20003"/>
                     </a:ext>
                   </a:extLst>
                 </a:gridCol>
                 <a:gridCol w="245533">
                   <a:extLst>
                     <a:ext uri="{9D8B030D-6E8A-4147-A177-3AD203B41FA5}">
-                      <a16:colId xmlns:a16="http://schemas.microsoft.com/office/drawing/2014/main" xmlns="" val="20004"/>
+                      <a16:colId xmlns="" xmlns:a16="http://schemas.microsoft.com/office/drawing/2014/main" val="20004"/>
                     </a:ext>
                   </a:extLst>
                 </a:gridCol>
                 <a:gridCol w="245533">
                   <a:extLst>
                     <a:ext uri="{9D8B030D-6E8A-4147-A177-3AD203B41FA5}">
-                      <a16:colId xmlns:a16="http://schemas.microsoft.com/office/drawing/2014/main" xmlns="" val="20005"/>
+                      <a16:colId xmlns="" xmlns:a16="http://schemas.microsoft.com/office/drawing/2014/main" val="20005"/>
                     </a:ext>
                   </a:extLst>
                 </a:gridCol>
                 <a:gridCol w="245533">
                   <a:extLst>
                     <a:ext uri="{9D8B030D-6E8A-4147-A177-3AD203B41FA5}">
-                      <a16:colId xmlns:a16="http://schemas.microsoft.com/office/drawing/2014/main" xmlns="" val="20006"/>
+                      <a16:colId xmlns="" xmlns:a16="http://schemas.microsoft.com/office/drawing/2014/main" val="20006"/>
                     </a:ext>
                   </a:extLst>
                 </a:gridCol>
                 <a:gridCol w="245533">
                   <a:extLst>
                     <a:ext uri="{9D8B030D-6E8A-4147-A177-3AD203B41FA5}">
-                      <a16:colId xmlns:a16="http://schemas.microsoft.com/office/drawing/2014/main" xmlns="" val="20007"/>
+                      <a16:colId xmlns="" xmlns:a16="http://schemas.microsoft.com/office/drawing/2014/main" val="20007"/>
                     </a:ext>
                   </a:extLst>
                 </a:gridCol>
                 <a:gridCol w="245533">
                   <a:extLst>
                     <a:ext uri="{9D8B030D-6E8A-4147-A177-3AD203B41FA5}">
-                      <a16:colId xmlns:a16="http://schemas.microsoft.com/office/drawing/2014/main" xmlns="" val="20008"/>
+                      <a16:colId xmlns="" xmlns:a16="http://schemas.microsoft.com/office/drawing/2014/main" val="20008"/>
                     </a:ext>
                   </a:extLst>
                 </a:gridCol>
@@ -27490,7 +27535,7 @@
                 </a:tc>
                 <a:extLst>
                   <a:ext uri="{0D108BD9-81ED-4DB2-BD59-A6C34878D82A}">
-                    <a16:rowId xmlns:a16="http://schemas.microsoft.com/office/drawing/2014/main" xmlns="" val="10000"/>
+                    <a16:rowId xmlns="" xmlns:a16="http://schemas.microsoft.com/office/drawing/2014/main" val="10000"/>
                   </a:ext>
                 </a:extLst>
               </a:tr>
@@ -28064,7 +28109,7 @@
                 </a:tc>
                 <a:extLst>
                   <a:ext uri="{0D108BD9-81ED-4DB2-BD59-A6C34878D82A}">
-                    <a16:rowId xmlns:a16="http://schemas.microsoft.com/office/drawing/2014/main" xmlns="" val="10001"/>
+                    <a16:rowId xmlns="" xmlns:a16="http://schemas.microsoft.com/office/drawing/2014/main" val="10001"/>
                   </a:ext>
                 </a:extLst>
               </a:tr>
@@ -28638,7 +28683,7 @@
                 </a:tc>
                 <a:extLst>
                   <a:ext uri="{0D108BD9-81ED-4DB2-BD59-A6C34878D82A}">
-                    <a16:rowId xmlns:a16="http://schemas.microsoft.com/office/drawing/2014/main" xmlns="" val="10002"/>
+                    <a16:rowId xmlns="" xmlns:a16="http://schemas.microsoft.com/office/drawing/2014/main" val="10002"/>
                   </a:ext>
                 </a:extLst>
               </a:tr>
@@ -29212,7 +29257,7 @@
                 </a:tc>
                 <a:extLst>
                   <a:ext uri="{0D108BD9-81ED-4DB2-BD59-A6C34878D82A}">
-                    <a16:rowId xmlns:a16="http://schemas.microsoft.com/office/drawing/2014/main" xmlns="" val="10003"/>
+                    <a16:rowId xmlns="" xmlns:a16="http://schemas.microsoft.com/office/drawing/2014/main" val="10003"/>
                   </a:ext>
                 </a:extLst>
               </a:tr>
@@ -30743,7 +30788,7 @@
               <a:blip r:embed="rId7" cstate="print">
                 <a:extLst>
                   <a:ext uri="{28A0092B-C50C-407E-A947-70E740481C1C}">
-                    <a14:useLocalDpi xmlns:a14="http://schemas.microsoft.com/office/drawing/2010/main" xmlns="" val="0"/>
+                    <a14:useLocalDpi xmlns="" xmlns:a14="http://schemas.microsoft.com/office/drawing/2010/main" val="0"/>
                   </a:ext>
                 </a:extLst>
               </a:blip>
@@ -30763,7 +30808,7 @@
               <a:noFill/>
               <a:extLst>
                 <a:ext uri="{909E8E84-426E-40DD-AFC4-6F175D3DCCD1}">
-                  <a14:hiddenFill xmlns:a14="http://schemas.microsoft.com/office/drawing/2010/main" xmlns="">
+                  <a14:hiddenFill xmlns="" xmlns:a14="http://schemas.microsoft.com/office/drawing/2010/main">
                     <a:solidFill>
                       <a:srgbClr val="FFFFFF"/>
                     </a:solidFill>
@@ -31227,7 +31272,7 @@
             <a:blip r:embed="rId7" cstate="print">
               <a:extLst>
                 <a:ext uri="{28A0092B-C50C-407E-A947-70E740481C1C}">
-                  <a14:useLocalDpi xmlns:a14="http://schemas.microsoft.com/office/drawing/2010/main" xmlns="" val="0"/>
+                  <a14:useLocalDpi xmlns="" xmlns:a14="http://schemas.microsoft.com/office/drawing/2010/main" val="0"/>
                 </a:ext>
               </a:extLst>
             </a:blip>
@@ -31247,7 +31292,7 @@
             <a:noFill/>
             <a:extLst>
               <a:ext uri="{909E8E84-426E-40DD-AFC4-6F175D3DCCD1}">
-                <a14:hiddenFill xmlns:a14="http://schemas.microsoft.com/office/drawing/2010/main" xmlns="">
+                <a14:hiddenFill xmlns="" xmlns:a14="http://schemas.microsoft.com/office/drawing/2010/main">
                   <a:solidFill>
                     <a:srgbClr val="FFFFFF"/>
                   </a:solidFill>
@@ -35755,7 +35800,7 @@
           <a:blip r:embed="rId2" cstate="print">
             <a:extLst>
               <a:ext uri="{28A0092B-C50C-407E-A947-70E740481C1C}">
-                <a14:useLocalDpi xmlns:a14="http://schemas.microsoft.com/office/drawing/2010/main" xmlns="" val="0"/>
+                <a14:useLocalDpi xmlns="" xmlns:a14="http://schemas.microsoft.com/office/drawing/2010/main" val="0"/>
               </a:ext>
             </a:extLst>
           </a:blip>
@@ -35784,14 +35829,14 @@
           </a:effectLst>
           <a:extLst>
             <a:ext uri="{909E8E84-426E-40DD-AFC4-6F175D3DCCD1}">
-              <a14:hiddenFill xmlns:a14="http://schemas.microsoft.com/office/drawing/2010/main" xmlns="">
+              <a14:hiddenFill xmlns="" xmlns:a14="http://schemas.microsoft.com/office/drawing/2010/main">
                 <a:solidFill>
                   <a:schemeClr val="accent1"/>
                 </a:solidFill>
               </a14:hiddenFill>
             </a:ext>
             <a:ext uri="{91240B29-F687-4F45-9708-019B960494DF}">
-              <a14:hiddenLine xmlns:a14="http://schemas.microsoft.com/office/drawing/2010/main" xmlns="" w="9525">
+              <a14:hiddenLine xmlns="" xmlns:a14="http://schemas.microsoft.com/office/drawing/2010/main" w="9525">
                 <a:solidFill>
                   <a:schemeClr val="tx1"/>
                 </a:solidFill>
